--- a/notes/campus.pptx
+++ b/notes/campus.pptx
@@ -261,7 +261,7 @@
           <a:p>
             <a:fld id="{00614340-6DC8-4F03-8B80-799B88CEBCA0}" type="datetimeFigureOut">
               <a:rPr lang="zh-CN" altLang="en-US" smtClean="0"/>
-              <a:t>2023/9/18</a:t>
+              <a:t>2023/9/19</a:t>
             </a:fld>
             <a:endParaRPr lang="zh-CN" altLang="en-US"/>
           </a:p>
@@ -459,7 +459,7 @@
           <a:p>
             <a:fld id="{00614340-6DC8-4F03-8B80-799B88CEBCA0}" type="datetimeFigureOut">
               <a:rPr lang="zh-CN" altLang="en-US" smtClean="0"/>
-              <a:t>2023/9/18</a:t>
+              <a:t>2023/9/19</a:t>
             </a:fld>
             <a:endParaRPr lang="zh-CN" altLang="en-US"/>
           </a:p>
@@ -667,7 +667,7 @@
           <a:p>
             <a:fld id="{00614340-6DC8-4F03-8B80-799B88CEBCA0}" type="datetimeFigureOut">
               <a:rPr lang="zh-CN" altLang="en-US" smtClean="0"/>
-              <a:t>2023/9/18</a:t>
+              <a:t>2023/9/19</a:t>
             </a:fld>
             <a:endParaRPr lang="zh-CN" altLang="en-US"/>
           </a:p>
@@ -865,7 +865,7 @@
           <a:p>
             <a:fld id="{00614340-6DC8-4F03-8B80-799B88CEBCA0}" type="datetimeFigureOut">
               <a:rPr lang="zh-CN" altLang="en-US" smtClean="0"/>
-              <a:t>2023/9/18</a:t>
+              <a:t>2023/9/19</a:t>
             </a:fld>
             <a:endParaRPr lang="zh-CN" altLang="en-US"/>
           </a:p>
@@ -1140,7 +1140,7 @@
           <a:p>
             <a:fld id="{00614340-6DC8-4F03-8B80-799B88CEBCA0}" type="datetimeFigureOut">
               <a:rPr lang="zh-CN" altLang="en-US" smtClean="0"/>
-              <a:t>2023/9/18</a:t>
+              <a:t>2023/9/19</a:t>
             </a:fld>
             <a:endParaRPr lang="zh-CN" altLang="en-US"/>
           </a:p>
@@ -1405,7 +1405,7 @@
           <a:p>
             <a:fld id="{00614340-6DC8-4F03-8B80-799B88CEBCA0}" type="datetimeFigureOut">
               <a:rPr lang="zh-CN" altLang="en-US" smtClean="0"/>
-              <a:t>2023/9/18</a:t>
+              <a:t>2023/9/19</a:t>
             </a:fld>
             <a:endParaRPr lang="zh-CN" altLang="en-US"/>
           </a:p>
@@ -1817,7 +1817,7 @@
           <a:p>
             <a:fld id="{00614340-6DC8-4F03-8B80-799B88CEBCA0}" type="datetimeFigureOut">
               <a:rPr lang="zh-CN" altLang="en-US" smtClean="0"/>
-              <a:t>2023/9/18</a:t>
+              <a:t>2023/9/19</a:t>
             </a:fld>
             <a:endParaRPr lang="zh-CN" altLang="en-US"/>
           </a:p>
@@ -1958,7 +1958,7 @@
           <a:p>
             <a:fld id="{00614340-6DC8-4F03-8B80-799B88CEBCA0}" type="datetimeFigureOut">
               <a:rPr lang="zh-CN" altLang="en-US" smtClean="0"/>
-              <a:t>2023/9/18</a:t>
+              <a:t>2023/9/19</a:t>
             </a:fld>
             <a:endParaRPr lang="zh-CN" altLang="en-US"/>
           </a:p>
@@ -2071,7 +2071,7 @@
           <a:p>
             <a:fld id="{00614340-6DC8-4F03-8B80-799B88CEBCA0}" type="datetimeFigureOut">
               <a:rPr lang="zh-CN" altLang="en-US" smtClean="0"/>
-              <a:t>2023/9/18</a:t>
+              <a:t>2023/9/19</a:t>
             </a:fld>
             <a:endParaRPr lang="zh-CN" altLang="en-US"/>
           </a:p>
@@ -2382,7 +2382,7 @@
           <a:p>
             <a:fld id="{00614340-6DC8-4F03-8B80-799B88CEBCA0}" type="datetimeFigureOut">
               <a:rPr lang="zh-CN" altLang="en-US" smtClean="0"/>
-              <a:t>2023/9/18</a:t>
+              <a:t>2023/9/19</a:t>
             </a:fld>
             <a:endParaRPr lang="zh-CN" altLang="en-US"/>
           </a:p>
@@ -2670,7 +2670,7 @@
           <a:p>
             <a:fld id="{00614340-6DC8-4F03-8B80-799B88CEBCA0}" type="datetimeFigureOut">
               <a:rPr lang="zh-CN" altLang="en-US" smtClean="0"/>
-              <a:t>2023/9/18</a:t>
+              <a:t>2023/9/19</a:t>
             </a:fld>
             <a:endParaRPr lang="zh-CN" altLang="en-US"/>
           </a:p>
@@ -2911,7 +2911,7 @@
           <a:p>
             <a:fld id="{00614340-6DC8-4F03-8B80-799B88CEBCA0}" type="datetimeFigureOut">
               <a:rPr lang="zh-CN" altLang="en-US" smtClean="0"/>
-              <a:t>2023/9/18</a:t>
+              <a:t>2023/9/19</a:t>
             </a:fld>
             <a:endParaRPr lang="zh-CN" altLang="en-US"/>
           </a:p>
@@ -5422,6 +5422,1480 @@
           <a:chExt cx="0" cy="0"/>
         </a:xfrm>
       </p:grpSpPr>
+      <p:cxnSp>
+        <p:nvCxnSpPr>
+          <p:cNvPr id="3" name="直接连接符 2">
+            <a:extLst>
+              <a:ext uri="{FF2B5EF4-FFF2-40B4-BE49-F238E27FC236}">
+                <a16:creationId xmlns:a16="http://schemas.microsoft.com/office/drawing/2014/main" id="{1C70BA0D-EC63-BEAC-DBAF-75B4CC72C0A6}"/>
+              </a:ext>
+            </a:extLst>
+          </p:cNvPr>
+          <p:cNvCxnSpPr>
+            <a:cxnSpLocks/>
+          </p:cNvCxnSpPr>
+          <p:nvPr/>
+        </p:nvCxnSpPr>
+        <p:spPr>
+          <a:xfrm>
+            <a:off x="1291472" y="942680"/>
+            <a:ext cx="0" cy="2043711"/>
+          </a:xfrm>
+          <a:prstGeom prst="line">
+            <a:avLst/>
+          </a:prstGeom>
+          <a:ln w="25400">
+            <a:solidFill>
+              <a:srgbClr val="FFC000"/>
+            </a:solidFill>
+          </a:ln>
+        </p:spPr>
+        <p:style>
+          <a:lnRef idx="1">
+            <a:schemeClr val="accent1"/>
+          </a:lnRef>
+          <a:fillRef idx="0">
+            <a:schemeClr val="accent1"/>
+          </a:fillRef>
+          <a:effectRef idx="0">
+            <a:schemeClr val="accent1"/>
+          </a:effectRef>
+          <a:fontRef idx="minor">
+            <a:schemeClr val="tx1"/>
+          </a:fontRef>
+        </p:style>
+      </p:cxnSp>
+      <p:cxnSp>
+        <p:nvCxnSpPr>
+          <p:cNvPr id="4" name="直接连接符 3">
+            <a:extLst>
+              <a:ext uri="{FF2B5EF4-FFF2-40B4-BE49-F238E27FC236}">
+                <a16:creationId xmlns:a16="http://schemas.microsoft.com/office/drawing/2014/main" id="{F3503F02-A173-6BF8-47E6-0FF5AD67A113}"/>
+              </a:ext>
+            </a:extLst>
+          </p:cNvPr>
+          <p:cNvCxnSpPr>
+            <a:cxnSpLocks/>
+          </p:cNvCxnSpPr>
+          <p:nvPr/>
+        </p:nvCxnSpPr>
+        <p:spPr>
+          <a:xfrm>
+            <a:off x="5931581" y="929709"/>
+            <a:ext cx="0" cy="2056682"/>
+          </a:xfrm>
+          <a:prstGeom prst="line">
+            <a:avLst/>
+          </a:prstGeom>
+          <a:ln w="25400">
+            <a:solidFill>
+              <a:srgbClr val="7030A0"/>
+            </a:solidFill>
+          </a:ln>
+        </p:spPr>
+        <p:style>
+          <a:lnRef idx="1">
+            <a:schemeClr val="accent1"/>
+          </a:lnRef>
+          <a:fillRef idx="0">
+            <a:schemeClr val="accent1"/>
+          </a:fillRef>
+          <a:effectRef idx="0">
+            <a:schemeClr val="accent1"/>
+          </a:effectRef>
+          <a:fontRef idx="minor">
+            <a:schemeClr val="tx1"/>
+          </a:fontRef>
+        </p:style>
+      </p:cxnSp>
+      <p:cxnSp>
+        <p:nvCxnSpPr>
+          <p:cNvPr id="5" name="直接连接符 4">
+            <a:extLst>
+              <a:ext uri="{FF2B5EF4-FFF2-40B4-BE49-F238E27FC236}">
+                <a16:creationId xmlns:a16="http://schemas.microsoft.com/office/drawing/2014/main" id="{EFC167E6-4B25-E72E-B159-872931A0AF69}"/>
+              </a:ext>
+            </a:extLst>
+          </p:cNvPr>
+          <p:cNvCxnSpPr>
+            <a:cxnSpLocks/>
+          </p:cNvCxnSpPr>
+          <p:nvPr/>
+        </p:nvCxnSpPr>
+        <p:spPr>
+          <a:xfrm flipH="1">
+            <a:off x="1281744" y="942680"/>
+            <a:ext cx="300622" cy="0"/>
+          </a:xfrm>
+          <a:prstGeom prst="line">
+            <a:avLst/>
+          </a:prstGeom>
+          <a:ln w="25400">
+            <a:solidFill>
+              <a:srgbClr val="FFC000"/>
+            </a:solidFill>
+          </a:ln>
+        </p:spPr>
+        <p:style>
+          <a:lnRef idx="1">
+            <a:schemeClr val="accent1"/>
+          </a:lnRef>
+          <a:fillRef idx="0">
+            <a:schemeClr val="accent1"/>
+          </a:fillRef>
+          <a:effectRef idx="0">
+            <a:schemeClr val="accent1"/>
+          </a:effectRef>
+          <a:fontRef idx="minor">
+            <a:schemeClr val="tx1"/>
+          </a:fontRef>
+        </p:style>
+      </p:cxnSp>
+      <p:cxnSp>
+        <p:nvCxnSpPr>
+          <p:cNvPr id="8" name="直接连接符 7">
+            <a:extLst>
+              <a:ext uri="{FF2B5EF4-FFF2-40B4-BE49-F238E27FC236}">
+                <a16:creationId xmlns:a16="http://schemas.microsoft.com/office/drawing/2014/main" id="{E2938EF7-C504-A5AE-7F6E-A17278217E4C}"/>
+              </a:ext>
+            </a:extLst>
+          </p:cNvPr>
+          <p:cNvCxnSpPr>
+            <a:cxnSpLocks/>
+          </p:cNvCxnSpPr>
+          <p:nvPr/>
+        </p:nvCxnSpPr>
+        <p:spPr>
+          <a:xfrm flipH="1">
+            <a:off x="1291472" y="2976663"/>
+            <a:ext cx="300622" cy="0"/>
+          </a:xfrm>
+          <a:prstGeom prst="line">
+            <a:avLst/>
+          </a:prstGeom>
+          <a:ln w="25400">
+            <a:solidFill>
+              <a:srgbClr val="FFC000"/>
+            </a:solidFill>
+          </a:ln>
+        </p:spPr>
+        <p:style>
+          <a:lnRef idx="1">
+            <a:schemeClr val="accent1"/>
+          </a:lnRef>
+          <a:fillRef idx="0">
+            <a:schemeClr val="accent1"/>
+          </a:fillRef>
+          <a:effectRef idx="0">
+            <a:schemeClr val="accent1"/>
+          </a:effectRef>
+          <a:fontRef idx="minor">
+            <a:schemeClr val="tx1"/>
+          </a:fontRef>
+        </p:style>
+      </p:cxnSp>
+      <p:cxnSp>
+        <p:nvCxnSpPr>
+          <p:cNvPr id="9" name="直接连接符 8">
+            <a:extLst>
+              <a:ext uri="{FF2B5EF4-FFF2-40B4-BE49-F238E27FC236}">
+                <a16:creationId xmlns:a16="http://schemas.microsoft.com/office/drawing/2014/main" id="{B8C36D25-B761-90AD-84E8-6ADF5BEFD500}"/>
+              </a:ext>
+            </a:extLst>
+          </p:cNvPr>
+          <p:cNvCxnSpPr>
+            <a:cxnSpLocks/>
+          </p:cNvCxnSpPr>
+          <p:nvPr/>
+        </p:nvCxnSpPr>
+        <p:spPr>
+          <a:xfrm>
+            <a:off x="2912753" y="1367454"/>
+            <a:ext cx="0" cy="1200648"/>
+          </a:xfrm>
+          <a:prstGeom prst="line">
+            <a:avLst/>
+          </a:prstGeom>
+          <a:ln w="25400">
+            <a:solidFill>
+              <a:srgbClr val="00B0F0"/>
+            </a:solidFill>
+          </a:ln>
+        </p:spPr>
+        <p:style>
+          <a:lnRef idx="1">
+            <a:schemeClr val="accent1"/>
+          </a:lnRef>
+          <a:fillRef idx="0">
+            <a:schemeClr val="accent1"/>
+          </a:fillRef>
+          <a:effectRef idx="0">
+            <a:schemeClr val="accent1"/>
+          </a:effectRef>
+          <a:fontRef idx="minor">
+            <a:schemeClr val="tx1"/>
+          </a:fontRef>
+        </p:style>
+      </p:cxnSp>
+      <p:cxnSp>
+        <p:nvCxnSpPr>
+          <p:cNvPr id="10" name="直接连接符 9">
+            <a:extLst>
+              <a:ext uri="{FF2B5EF4-FFF2-40B4-BE49-F238E27FC236}">
+                <a16:creationId xmlns:a16="http://schemas.microsoft.com/office/drawing/2014/main" id="{FC13765F-9A6C-C73C-C72F-62F7298BDE66}"/>
+              </a:ext>
+            </a:extLst>
+          </p:cNvPr>
+          <p:cNvCxnSpPr>
+            <a:cxnSpLocks/>
+          </p:cNvCxnSpPr>
+          <p:nvPr/>
+        </p:nvCxnSpPr>
+        <p:spPr>
+          <a:xfrm flipH="1">
+            <a:off x="2903025" y="1367454"/>
+            <a:ext cx="180643" cy="0"/>
+          </a:xfrm>
+          <a:prstGeom prst="line">
+            <a:avLst/>
+          </a:prstGeom>
+          <a:ln w="25400">
+            <a:solidFill>
+              <a:srgbClr val="00B0F0"/>
+            </a:solidFill>
+          </a:ln>
+        </p:spPr>
+        <p:style>
+          <a:lnRef idx="1">
+            <a:schemeClr val="accent1"/>
+          </a:lnRef>
+          <a:fillRef idx="0">
+            <a:schemeClr val="accent1"/>
+          </a:fillRef>
+          <a:effectRef idx="0">
+            <a:schemeClr val="accent1"/>
+          </a:effectRef>
+          <a:fontRef idx="minor">
+            <a:schemeClr val="tx1"/>
+          </a:fontRef>
+        </p:style>
+      </p:cxnSp>
+      <p:cxnSp>
+        <p:nvCxnSpPr>
+          <p:cNvPr id="11" name="直接连接符 10">
+            <a:extLst>
+              <a:ext uri="{FF2B5EF4-FFF2-40B4-BE49-F238E27FC236}">
+                <a16:creationId xmlns:a16="http://schemas.microsoft.com/office/drawing/2014/main" id="{0D1EDA8E-95E2-59E6-E367-094952CC0F2E}"/>
+              </a:ext>
+            </a:extLst>
+          </p:cNvPr>
+          <p:cNvCxnSpPr>
+            <a:cxnSpLocks/>
+          </p:cNvCxnSpPr>
+          <p:nvPr/>
+        </p:nvCxnSpPr>
+        <p:spPr>
+          <a:xfrm flipH="1">
+            <a:off x="2912753" y="2558374"/>
+            <a:ext cx="170915" cy="0"/>
+          </a:xfrm>
+          <a:prstGeom prst="line">
+            <a:avLst/>
+          </a:prstGeom>
+          <a:ln w="25400">
+            <a:solidFill>
+              <a:srgbClr val="00B0F0"/>
+            </a:solidFill>
+          </a:ln>
+        </p:spPr>
+        <p:style>
+          <a:lnRef idx="1">
+            <a:schemeClr val="accent1"/>
+          </a:lnRef>
+          <a:fillRef idx="0">
+            <a:schemeClr val="accent1"/>
+          </a:fillRef>
+          <a:effectRef idx="0">
+            <a:schemeClr val="accent1"/>
+          </a:effectRef>
+          <a:fontRef idx="minor">
+            <a:schemeClr val="tx1"/>
+          </a:fontRef>
+        </p:style>
+      </p:cxnSp>
+      <p:cxnSp>
+        <p:nvCxnSpPr>
+          <p:cNvPr id="13" name="直接连接符 12">
+            <a:extLst>
+              <a:ext uri="{FF2B5EF4-FFF2-40B4-BE49-F238E27FC236}">
+                <a16:creationId xmlns:a16="http://schemas.microsoft.com/office/drawing/2014/main" id="{E5D1954A-3764-C8E3-25B4-38245AB5D0F4}"/>
+              </a:ext>
+            </a:extLst>
+          </p:cNvPr>
+          <p:cNvCxnSpPr>
+            <a:cxnSpLocks/>
+          </p:cNvCxnSpPr>
+          <p:nvPr/>
+        </p:nvCxnSpPr>
+        <p:spPr>
+          <a:xfrm>
+            <a:off x="2679286" y="929709"/>
+            <a:ext cx="0" cy="2043711"/>
+          </a:xfrm>
+          <a:prstGeom prst="line">
+            <a:avLst/>
+          </a:prstGeom>
+          <a:ln w="25400">
+            <a:solidFill>
+              <a:srgbClr val="FFC000"/>
+            </a:solidFill>
+          </a:ln>
+        </p:spPr>
+        <p:style>
+          <a:lnRef idx="1">
+            <a:schemeClr val="accent1"/>
+          </a:lnRef>
+          <a:fillRef idx="0">
+            <a:schemeClr val="accent1"/>
+          </a:fillRef>
+          <a:effectRef idx="0">
+            <a:schemeClr val="accent1"/>
+          </a:effectRef>
+          <a:fontRef idx="minor">
+            <a:schemeClr val="tx1"/>
+          </a:fontRef>
+        </p:style>
+      </p:cxnSp>
+      <p:cxnSp>
+        <p:nvCxnSpPr>
+          <p:cNvPr id="14" name="直接连接符 13">
+            <a:extLst>
+              <a:ext uri="{FF2B5EF4-FFF2-40B4-BE49-F238E27FC236}">
+                <a16:creationId xmlns:a16="http://schemas.microsoft.com/office/drawing/2014/main" id="{6565D437-C63B-582A-9051-D50350D1E1E4}"/>
+              </a:ext>
+            </a:extLst>
+          </p:cNvPr>
+          <p:cNvCxnSpPr>
+            <a:cxnSpLocks/>
+          </p:cNvCxnSpPr>
+          <p:nvPr/>
+        </p:nvCxnSpPr>
+        <p:spPr>
+          <a:xfrm flipH="1">
+            <a:off x="2387453" y="929709"/>
+            <a:ext cx="300622" cy="0"/>
+          </a:xfrm>
+          <a:prstGeom prst="line">
+            <a:avLst/>
+          </a:prstGeom>
+          <a:ln w="25400">
+            <a:solidFill>
+              <a:srgbClr val="FFC000"/>
+            </a:solidFill>
+          </a:ln>
+        </p:spPr>
+        <p:style>
+          <a:lnRef idx="1">
+            <a:schemeClr val="accent1"/>
+          </a:lnRef>
+          <a:fillRef idx="0">
+            <a:schemeClr val="accent1"/>
+          </a:fillRef>
+          <a:effectRef idx="0">
+            <a:schemeClr val="accent1"/>
+          </a:effectRef>
+          <a:fontRef idx="minor">
+            <a:schemeClr val="tx1"/>
+          </a:fontRef>
+        </p:style>
+      </p:cxnSp>
+      <p:cxnSp>
+        <p:nvCxnSpPr>
+          <p:cNvPr id="15" name="直接连接符 14">
+            <a:extLst>
+              <a:ext uri="{FF2B5EF4-FFF2-40B4-BE49-F238E27FC236}">
+                <a16:creationId xmlns:a16="http://schemas.microsoft.com/office/drawing/2014/main" id="{03E867F9-C7B2-A709-BCEC-2BF6B90CD4B6}"/>
+              </a:ext>
+            </a:extLst>
+          </p:cNvPr>
+          <p:cNvCxnSpPr>
+            <a:cxnSpLocks/>
+          </p:cNvCxnSpPr>
+          <p:nvPr/>
+        </p:nvCxnSpPr>
+        <p:spPr>
+          <a:xfrm flipH="1">
+            <a:off x="2378664" y="2973420"/>
+            <a:ext cx="300622" cy="0"/>
+          </a:xfrm>
+          <a:prstGeom prst="line">
+            <a:avLst/>
+          </a:prstGeom>
+          <a:ln w="25400">
+            <a:solidFill>
+              <a:srgbClr val="FFC000"/>
+            </a:solidFill>
+          </a:ln>
+        </p:spPr>
+        <p:style>
+          <a:lnRef idx="1">
+            <a:schemeClr val="accent1"/>
+          </a:lnRef>
+          <a:fillRef idx="0">
+            <a:schemeClr val="accent1"/>
+          </a:fillRef>
+          <a:effectRef idx="0">
+            <a:schemeClr val="accent1"/>
+          </a:effectRef>
+          <a:fontRef idx="minor">
+            <a:schemeClr val="tx1"/>
+          </a:fontRef>
+        </p:style>
+      </p:cxnSp>
+      <p:cxnSp>
+        <p:nvCxnSpPr>
+          <p:cNvPr id="20" name="直接连接符 19">
+            <a:extLst>
+              <a:ext uri="{FF2B5EF4-FFF2-40B4-BE49-F238E27FC236}">
+                <a16:creationId xmlns:a16="http://schemas.microsoft.com/office/drawing/2014/main" id="{55B0B56B-5561-FDC9-4984-B7CD731147B6}"/>
+              </a:ext>
+            </a:extLst>
+          </p:cNvPr>
+          <p:cNvCxnSpPr>
+            <a:cxnSpLocks/>
+          </p:cNvCxnSpPr>
+          <p:nvPr/>
+        </p:nvCxnSpPr>
+        <p:spPr>
+          <a:xfrm>
+            <a:off x="4952322" y="1364209"/>
+            <a:ext cx="0" cy="1200648"/>
+          </a:xfrm>
+          <a:prstGeom prst="line">
+            <a:avLst/>
+          </a:prstGeom>
+          <a:ln w="25400">
+            <a:solidFill>
+              <a:srgbClr val="00B0F0"/>
+            </a:solidFill>
+          </a:ln>
+        </p:spPr>
+        <p:style>
+          <a:lnRef idx="1">
+            <a:schemeClr val="accent1"/>
+          </a:lnRef>
+          <a:fillRef idx="0">
+            <a:schemeClr val="accent1"/>
+          </a:fillRef>
+          <a:effectRef idx="0">
+            <a:schemeClr val="accent1"/>
+          </a:effectRef>
+          <a:fontRef idx="minor">
+            <a:schemeClr val="tx1"/>
+          </a:fontRef>
+        </p:style>
+      </p:cxnSp>
+      <p:cxnSp>
+        <p:nvCxnSpPr>
+          <p:cNvPr id="21" name="直接连接符 20">
+            <a:extLst>
+              <a:ext uri="{FF2B5EF4-FFF2-40B4-BE49-F238E27FC236}">
+                <a16:creationId xmlns:a16="http://schemas.microsoft.com/office/drawing/2014/main" id="{02D6C992-12FB-CE14-95FF-F52D3C6CB710}"/>
+              </a:ext>
+            </a:extLst>
+          </p:cNvPr>
+          <p:cNvCxnSpPr>
+            <a:cxnSpLocks/>
+          </p:cNvCxnSpPr>
+          <p:nvPr/>
+        </p:nvCxnSpPr>
+        <p:spPr>
+          <a:xfrm flipH="1">
+            <a:off x="4787892" y="1356817"/>
+            <a:ext cx="180643" cy="0"/>
+          </a:xfrm>
+          <a:prstGeom prst="line">
+            <a:avLst/>
+          </a:prstGeom>
+          <a:ln w="25400">
+            <a:solidFill>
+              <a:srgbClr val="00B0F0"/>
+            </a:solidFill>
+          </a:ln>
+        </p:spPr>
+        <p:style>
+          <a:lnRef idx="1">
+            <a:schemeClr val="accent1"/>
+          </a:lnRef>
+          <a:fillRef idx="0">
+            <a:schemeClr val="accent1"/>
+          </a:fillRef>
+          <a:effectRef idx="0">
+            <a:schemeClr val="accent1"/>
+          </a:effectRef>
+          <a:fontRef idx="minor">
+            <a:schemeClr val="tx1"/>
+          </a:fontRef>
+        </p:style>
+      </p:cxnSp>
+      <p:cxnSp>
+        <p:nvCxnSpPr>
+          <p:cNvPr id="22" name="直接连接符 21">
+            <a:extLst>
+              <a:ext uri="{FF2B5EF4-FFF2-40B4-BE49-F238E27FC236}">
+                <a16:creationId xmlns:a16="http://schemas.microsoft.com/office/drawing/2014/main" id="{9F2F4D8F-E4BC-66E0-8AA7-1F80F6FFA5C3}"/>
+              </a:ext>
+            </a:extLst>
+          </p:cNvPr>
+          <p:cNvCxnSpPr>
+            <a:cxnSpLocks/>
+          </p:cNvCxnSpPr>
+          <p:nvPr/>
+        </p:nvCxnSpPr>
+        <p:spPr>
+          <a:xfrm flipH="1">
+            <a:off x="4791135" y="2548646"/>
+            <a:ext cx="170915" cy="0"/>
+          </a:xfrm>
+          <a:prstGeom prst="line">
+            <a:avLst/>
+          </a:prstGeom>
+          <a:ln w="25400">
+            <a:solidFill>
+              <a:srgbClr val="00B0F0"/>
+            </a:solidFill>
+          </a:ln>
+        </p:spPr>
+        <p:style>
+          <a:lnRef idx="1">
+            <a:schemeClr val="accent1"/>
+          </a:lnRef>
+          <a:fillRef idx="0">
+            <a:schemeClr val="accent1"/>
+          </a:fillRef>
+          <a:effectRef idx="0">
+            <a:schemeClr val="accent1"/>
+          </a:effectRef>
+          <a:fontRef idx="minor">
+            <a:schemeClr val="tx1"/>
+          </a:fontRef>
+        </p:style>
+      </p:cxnSp>
+      <p:sp>
+        <p:nvSpPr>
+          <p:cNvPr id="23" name="矩形 22">
+            <a:extLst>
+              <a:ext uri="{FF2B5EF4-FFF2-40B4-BE49-F238E27FC236}">
+                <a16:creationId xmlns:a16="http://schemas.microsoft.com/office/drawing/2014/main" id="{D5F40167-49CC-6441-B370-F9D704A04682}"/>
+              </a:ext>
+            </a:extLst>
+          </p:cNvPr>
+          <p:cNvSpPr/>
+          <p:nvPr/>
+        </p:nvSpPr>
+        <p:spPr>
+          <a:xfrm>
+            <a:off x="5185789" y="1597621"/>
+            <a:ext cx="540534" cy="707886"/>
+          </a:xfrm>
+          <a:prstGeom prst="rect">
+            <a:avLst/>
+          </a:prstGeom>
+          <a:noFill/>
+        </p:spPr>
+        <p:txBody>
+          <a:bodyPr wrap="none" lIns="91440" tIns="45720" rIns="91440" bIns="45720">
+            <a:spAutoFit/>
+          </a:bodyPr>
+          <a:lstStyle/>
+          <a:p>
+            <a:pPr algn="ctr"/>
+            <a:r>
+              <a:rPr lang="en-US" altLang="zh-CN" sz="4000" b="1" cap="none" spc="0" dirty="0">
+                <a:ln w="0"/>
+                <a:solidFill>
+                  <a:schemeClr val="tx1"/>
+                </a:solidFill>
+                <a:effectLst>
+                  <a:outerShdw blurRad="38100" dist="19050" dir="2700000" algn="tl" rotWithShape="0">
+                    <a:schemeClr val="dk1">
+                      <a:alpha val="40000"/>
+                    </a:schemeClr>
+                  </a:outerShdw>
+                </a:effectLst>
+              </a:rPr>
+              <a:t>=</a:t>
+            </a:r>
+            <a:endParaRPr lang="zh-CN" altLang="en-US" sz="4000" b="1" cap="none" spc="0" dirty="0">
+              <a:ln w="0"/>
+              <a:solidFill>
+                <a:schemeClr val="tx1"/>
+              </a:solidFill>
+              <a:effectLst>
+                <a:outerShdw blurRad="38100" dist="19050" dir="2700000" algn="tl" rotWithShape="0">
+                  <a:schemeClr val="dk1">
+                    <a:alpha val="40000"/>
+                  </a:schemeClr>
+                </a:outerShdw>
+              </a:effectLst>
+            </a:endParaRPr>
+          </a:p>
+        </p:txBody>
+      </p:sp>
+      <p:cxnSp>
+        <p:nvCxnSpPr>
+          <p:cNvPr id="25" name="直接连接符 24">
+            <a:extLst>
+              <a:ext uri="{FF2B5EF4-FFF2-40B4-BE49-F238E27FC236}">
+                <a16:creationId xmlns:a16="http://schemas.microsoft.com/office/drawing/2014/main" id="{58575B0B-9A65-CF71-0C56-17044F2A8A12}"/>
+              </a:ext>
+            </a:extLst>
+          </p:cNvPr>
+          <p:cNvCxnSpPr>
+            <a:cxnSpLocks/>
+          </p:cNvCxnSpPr>
+          <p:nvPr/>
+        </p:nvCxnSpPr>
+        <p:spPr>
+          <a:xfrm>
+            <a:off x="8943916" y="936192"/>
+            <a:ext cx="0" cy="2056682"/>
+          </a:xfrm>
+          <a:prstGeom prst="line">
+            <a:avLst/>
+          </a:prstGeom>
+          <a:ln w="25400">
+            <a:solidFill>
+              <a:srgbClr val="7030A0"/>
+            </a:solidFill>
+          </a:ln>
+        </p:spPr>
+        <p:style>
+          <a:lnRef idx="1">
+            <a:schemeClr val="accent1"/>
+          </a:lnRef>
+          <a:fillRef idx="0">
+            <a:schemeClr val="accent1"/>
+          </a:fillRef>
+          <a:effectRef idx="0">
+            <a:schemeClr val="accent1"/>
+          </a:effectRef>
+          <a:fontRef idx="minor">
+            <a:schemeClr val="tx1"/>
+          </a:fontRef>
+        </p:style>
+      </p:cxnSp>
+      <p:cxnSp>
+        <p:nvCxnSpPr>
+          <p:cNvPr id="26" name="直接连接符 25">
+            <a:extLst>
+              <a:ext uri="{FF2B5EF4-FFF2-40B4-BE49-F238E27FC236}">
+                <a16:creationId xmlns:a16="http://schemas.microsoft.com/office/drawing/2014/main" id="{9E2D8367-441B-D025-4B6B-DA6B82D59C7D}"/>
+              </a:ext>
+            </a:extLst>
+          </p:cNvPr>
+          <p:cNvCxnSpPr>
+            <a:cxnSpLocks/>
+          </p:cNvCxnSpPr>
+          <p:nvPr/>
+        </p:nvCxnSpPr>
+        <p:spPr>
+          <a:xfrm>
+            <a:off x="8704906" y="932952"/>
+            <a:ext cx="248737" cy="0"/>
+          </a:xfrm>
+          <a:prstGeom prst="line">
+            <a:avLst/>
+          </a:prstGeom>
+          <a:ln w="25400">
+            <a:solidFill>
+              <a:srgbClr val="7030A0"/>
+            </a:solidFill>
+          </a:ln>
+        </p:spPr>
+        <p:style>
+          <a:lnRef idx="1">
+            <a:schemeClr val="accent1"/>
+          </a:lnRef>
+          <a:fillRef idx="0">
+            <a:schemeClr val="accent1"/>
+          </a:fillRef>
+          <a:effectRef idx="0">
+            <a:schemeClr val="accent1"/>
+          </a:effectRef>
+          <a:fontRef idx="minor">
+            <a:schemeClr val="tx1"/>
+          </a:fontRef>
+        </p:style>
+      </p:cxnSp>
+      <p:cxnSp>
+        <p:nvCxnSpPr>
+          <p:cNvPr id="31" name="直接连接符 30">
+            <a:extLst>
+              <a:ext uri="{FF2B5EF4-FFF2-40B4-BE49-F238E27FC236}">
+                <a16:creationId xmlns:a16="http://schemas.microsoft.com/office/drawing/2014/main" id="{31C5CF0B-54D3-540A-DE91-228F07063BD9}"/>
+              </a:ext>
+            </a:extLst>
+          </p:cNvPr>
+          <p:cNvCxnSpPr>
+            <a:cxnSpLocks/>
+          </p:cNvCxnSpPr>
+          <p:nvPr/>
+        </p:nvCxnSpPr>
+        <p:spPr>
+          <a:xfrm>
+            <a:off x="8695179" y="2973418"/>
+            <a:ext cx="248737" cy="0"/>
+          </a:xfrm>
+          <a:prstGeom prst="line">
+            <a:avLst/>
+          </a:prstGeom>
+          <a:ln w="25400">
+            <a:solidFill>
+              <a:srgbClr val="7030A0"/>
+            </a:solidFill>
+          </a:ln>
+        </p:spPr>
+        <p:style>
+          <a:lnRef idx="1">
+            <a:schemeClr val="accent1"/>
+          </a:lnRef>
+          <a:fillRef idx="0">
+            <a:schemeClr val="accent1"/>
+          </a:fillRef>
+          <a:effectRef idx="0">
+            <a:schemeClr val="accent1"/>
+          </a:effectRef>
+          <a:fontRef idx="minor">
+            <a:schemeClr val="tx1"/>
+          </a:fontRef>
+        </p:style>
+      </p:cxnSp>
+      <p:cxnSp>
+        <p:nvCxnSpPr>
+          <p:cNvPr id="32" name="直接连接符 31">
+            <a:extLst>
+              <a:ext uri="{FF2B5EF4-FFF2-40B4-BE49-F238E27FC236}">
+                <a16:creationId xmlns:a16="http://schemas.microsoft.com/office/drawing/2014/main" id="{947A0CA0-210E-E96F-245F-2197015A83AC}"/>
+              </a:ext>
+            </a:extLst>
+          </p:cNvPr>
+          <p:cNvCxnSpPr>
+            <a:cxnSpLocks/>
+          </p:cNvCxnSpPr>
+          <p:nvPr/>
+        </p:nvCxnSpPr>
+        <p:spPr>
+          <a:xfrm>
+            <a:off x="5931581" y="2973418"/>
+            <a:ext cx="248737" cy="0"/>
+          </a:xfrm>
+          <a:prstGeom prst="line">
+            <a:avLst/>
+          </a:prstGeom>
+          <a:ln w="25400">
+            <a:solidFill>
+              <a:srgbClr val="7030A0"/>
+            </a:solidFill>
+          </a:ln>
+        </p:spPr>
+        <p:style>
+          <a:lnRef idx="1">
+            <a:schemeClr val="accent1"/>
+          </a:lnRef>
+          <a:fillRef idx="0">
+            <a:schemeClr val="accent1"/>
+          </a:fillRef>
+          <a:effectRef idx="0">
+            <a:schemeClr val="accent1"/>
+          </a:effectRef>
+          <a:fontRef idx="minor">
+            <a:schemeClr val="tx1"/>
+          </a:fontRef>
+        </p:style>
+      </p:cxnSp>
+      <p:cxnSp>
+        <p:nvCxnSpPr>
+          <p:cNvPr id="33" name="直接连接符 32">
+            <a:extLst>
+              <a:ext uri="{FF2B5EF4-FFF2-40B4-BE49-F238E27FC236}">
+                <a16:creationId xmlns:a16="http://schemas.microsoft.com/office/drawing/2014/main" id="{F4AE45D7-D4BD-52F5-2C94-EF2FB0281FE5}"/>
+              </a:ext>
+            </a:extLst>
+          </p:cNvPr>
+          <p:cNvCxnSpPr>
+            <a:cxnSpLocks/>
+          </p:cNvCxnSpPr>
+          <p:nvPr/>
+        </p:nvCxnSpPr>
+        <p:spPr>
+          <a:xfrm>
+            <a:off x="5931581" y="945919"/>
+            <a:ext cx="248737" cy="0"/>
+          </a:xfrm>
+          <a:prstGeom prst="line">
+            <a:avLst/>
+          </a:prstGeom>
+          <a:ln w="25400">
+            <a:solidFill>
+              <a:srgbClr val="7030A0"/>
+            </a:solidFill>
+          </a:ln>
+        </p:spPr>
+        <p:style>
+          <a:lnRef idx="1">
+            <a:schemeClr val="accent1"/>
+          </a:lnRef>
+          <a:fillRef idx="0">
+            <a:schemeClr val="accent1"/>
+          </a:fillRef>
+          <a:effectRef idx="0">
+            <a:schemeClr val="accent1"/>
+          </a:effectRef>
+          <a:fontRef idx="minor">
+            <a:schemeClr val="tx1"/>
+          </a:fontRef>
+        </p:style>
+      </p:cxnSp>
+      <p:cxnSp>
+        <p:nvCxnSpPr>
+          <p:cNvPr id="35" name="直接连接符 34">
+            <a:extLst>
+              <a:ext uri="{FF2B5EF4-FFF2-40B4-BE49-F238E27FC236}">
+                <a16:creationId xmlns:a16="http://schemas.microsoft.com/office/drawing/2014/main" id="{3A52A46B-CDBB-CAF5-38B9-067F765D7D35}"/>
+              </a:ext>
+            </a:extLst>
+          </p:cNvPr>
+          <p:cNvCxnSpPr/>
+          <p:nvPr/>
+        </p:nvCxnSpPr>
+        <p:spPr>
+          <a:xfrm>
+            <a:off x="6985406" y="1069588"/>
+            <a:ext cx="0" cy="1789890"/>
+          </a:xfrm>
+          <a:prstGeom prst="line">
+            <a:avLst/>
+          </a:prstGeom>
+          <a:ln w="25400">
+            <a:solidFill>
+              <a:srgbClr val="C00000"/>
+            </a:solidFill>
+            <a:prstDash val="sysDot"/>
+          </a:ln>
+        </p:spPr>
+        <p:style>
+          <a:lnRef idx="1">
+            <a:schemeClr val="accent1"/>
+          </a:lnRef>
+          <a:fillRef idx="0">
+            <a:schemeClr val="accent1"/>
+          </a:fillRef>
+          <a:effectRef idx="0">
+            <a:schemeClr val="accent1"/>
+          </a:effectRef>
+          <a:fontRef idx="minor">
+            <a:schemeClr val="tx1"/>
+          </a:fontRef>
+        </p:style>
+      </p:cxnSp>
+      <p:cxnSp>
+        <p:nvCxnSpPr>
+          <p:cNvPr id="36" name="直接连接符 35">
+            <a:extLst>
+              <a:ext uri="{FF2B5EF4-FFF2-40B4-BE49-F238E27FC236}">
+                <a16:creationId xmlns:a16="http://schemas.microsoft.com/office/drawing/2014/main" id="{BFF4BE72-674F-E50B-D0D5-6801F83495E3}"/>
+              </a:ext>
+            </a:extLst>
+          </p:cNvPr>
+          <p:cNvCxnSpPr/>
+          <p:nvPr/>
+        </p:nvCxnSpPr>
+        <p:spPr>
+          <a:xfrm>
+            <a:off x="8081389" y="1069588"/>
+            <a:ext cx="0" cy="1789890"/>
+          </a:xfrm>
+          <a:prstGeom prst="line">
+            <a:avLst/>
+          </a:prstGeom>
+          <a:ln w="25400">
+            <a:solidFill>
+              <a:srgbClr val="FF0000"/>
+            </a:solidFill>
+            <a:prstDash val="sysDot"/>
+          </a:ln>
+        </p:spPr>
+        <p:style>
+          <a:lnRef idx="1">
+            <a:schemeClr val="accent1"/>
+          </a:lnRef>
+          <a:fillRef idx="0">
+            <a:schemeClr val="accent1"/>
+          </a:fillRef>
+          <a:effectRef idx="0">
+            <a:schemeClr val="accent1"/>
+          </a:effectRef>
+          <a:fontRef idx="minor">
+            <a:schemeClr val="tx1"/>
+          </a:fontRef>
+        </p:style>
+      </p:cxnSp>
+      <p:cxnSp>
+        <p:nvCxnSpPr>
+          <p:cNvPr id="37" name="直接连接符 36">
+            <a:extLst>
+              <a:ext uri="{FF2B5EF4-FFF2-40B4-BE49-F238E27FC236}">
+                <a16:creationId xmlns:a16="http://schemas.microsoft.com/office/drawing/2014/main" id="{E14A2697-8C1E-7976-6F33-2DBFE6674944}"/>
+              </a:ext>
+            </a:extLst>
+          </p:cNvPr>
+          <p:cNvCxnSpPr>
+            <a:cxnSpLocks/>
+          </p:cNvCxnSpPr>
+          <p:nvPr/>
+        </p:nvCxnSpPr>
+        <p:spPr>
+          <a:xfrm>
+            <a:off x="4352452" y="1449421"/>
+            <a:ext cx="0" cy="1021405"/>
+          </a:xfrm>
+          <a:prstGeom prst="line">
+            <a:avLst/>
+          </a:prstGeom>
+          <a:ln w="25400">
+            <a:solidFill>
+              <a:srgbClr val="FF0000"/>
+            </a:solidFill>
+            <a:prstDash val="sysDot"/>
+          </a:ln>
+        </p:spPr>
+        <p:style>
+          <a:lnRef idx="1">
+            <a:schemeClr val="accent1"/>
+          </a:lnRef>
+          <a:fillRef idx="0">
+            <a:schemeClr val="accent1"/>
+          </a:fillRef>
+          <a:effectRef idx="0">
+            <a:schemeClr val="accent1"/>
+          </a:effectRef>
+          <a:fontRef idx="minor">
+            <a:schemeClr val="tx1"/>
+          </a:fontRef>
+        </p:style>
+      </p:cxnSp>
+      <p:cxnSp>
+        <p:nvCxnSpPr>
+          <p:cNvPr id="41" name="直接连接符 40">
+            <a:extLst>
+              <a:ext uri="{FF2B5EF4-FFF2-40B4-BE49-F238E27FC236}">
+                <a16:creationId xmlns:a16="http://schemas.microsoft.com/office/drawing/2014/main" id="{4291D1A3-8D81-4FC7-2DCB-8D0698399CF2}"/>
+              </a:ext>
+            </a:extLst>
+          </p:cNvPr>
+          <p:cNvCxnSpPr>
+            <a:cxnSpLocks/>
+          </p:cNvCxnSpPr>
+          <p:nvPr/>
+        </p:nvCxnSpPr>
+        <p:spPr>
+          <a:xfrm>
+            <a:off x="3545056" y="1449421"/>
+            <a:ext cx="0" cy="1021405"/>
+          </a:xfrm>
+          <a:prstGeom prst="line">
+            <a:avLst/>
+          </a:prstGeom>
+          <a:ln w="25400">
+            <a:solidFill>
+              <a:srgbClr val="C00000"/>
+            </a:solidFill>
+            <a:prstDash val="sysDot"/>
+          </a:ln>
+        </p:spPr>
+        <p:style>
+          <a:lnRef idx="1">
+            <a:schemeClr val="accent1"/>
+          </a:lnRef>
+          <a:fillRef idx="0">
+            <a:schemeClr val="accent1"/>
+          </a:fillRef>
+          <a:effectRef idx="0">
+            <a:schemeClr val="accent1"/>
+          </a:effectRef>
+          <a:fontRef idx="minor">
+            <a:schemeClr val="tx1"/>
+          </a:fontRef>
+        </p:style>
+      </p:cxnSp>
+      <p:sp>
+        <p:nvSpPr>
+          <p:cNvPr id="43" name="矩形 42">
+            <a:extLst>
+              <a:ext uri="{FF2B5EF4-FFF2-40B4-BE49-F238E27FC236}">
+                <a16:creationId xmlns:a16="http://schemas.microsoft.com/office/drawing/2014/main" id="{0FC15345-4BD5-0FC9-378A-AA014F911B6B}"/>
+              </a:ext>
+            </a:extLst>
+          </p:cNvPr>
+          <p:cNvSpPr/>
+          <p:nvPr/>
+        </p:nvSpPr>
+        <p:spPr>
+          <a:xfrm>
+            <a:off x="1706815" y="2973418"/>
+            <a:ext cx="529312" cy="707886"/>
+          </a:xfrm>
+          <a:prstGeom prst="rect">
+            <a:avLst/>
+          </a:prstGeom>
+          <a:noFill/>
+        </p:spPr>
+        <p:txBody>
+          <a:bodyPr wrap="none" lIns="91440" tIns="45720" rIns="91440" bIns="45720">
+            <a:spAutoFit/>
+          </a:bodyPr>
+          <a:lstStyle/>
+          <a:p>
+            <a:pPr algn="ctr"/>
+            <a:r>
+              <a:rPr lang="en-US" altLang="zh-CN" sz="4000" b="1" cap="none" spc="0" dirty="0">
+                <a:ln w="0"/>
+                <a:solidFill>
+                  <a:srgbClr val="FFC000"/>
+                </a:solidFill>
+                <a:effectLst>
+                  <a:outerShdw blurRad="38100" dist="19050" dir="2700000" algn="tl" rotWithShape="0">
+                    <a:schemeClr val="dk1">
+                      <a:alpha val="40000"/>
+                    </a:schemeClr>
+                  </a:outerShdw>
+                </a:effectLst>
+              </a:rPr>
+              <a:t>A</a:t>
+            </a:r>
+            <a:endParaRPr lang="zh-CN" altLang="en-US" sz="4000" b="1" cap="none" spc="0" dirty="0">
+              <a:ln w="0"/>
+              <a:solidFill>
+                <a:srgbClr val="FFC000"/>
+              </a:solidFill>
+              <a:effectLst>
+                <a:outerShdw blurRad="38100" dist="19050" dir="2700000" algn="tl" rotWithShape="0">
+                  <a:schemeClr val="dk1">
+                    <a:alpha val="40000"/>
+                  </a:schemeClr>
+                </a:outerShdw>
+              </a:effectLst>
+            </a:endParaRPr>
+          </a:p>
+        </p:txBody>
+      </p:sp>
+      <p:sp>
+        <p:nvSpPr>
+          <p:cNvPr id="44" name="矩形 43">
+            <a:extLst>
+              <a:ext uri="{FF2B5EF4-FFF2-40B4-BE49-F238E27FC236}">
+                <a16:creationId xmlns:a16="http://schemas.microsoft.com/office/drawing/2014/main" id="{3A0FFAC8-9170-501D-90B3-5C7016242040}"/>
+              </a:ext>
+            </a:extLst>
+          </p:cNvPr>
+          <p:cNvSpPr/>
+          <p:nvPr/>
+        </p:nvSpPr>
+        <p:spPr>
+          <a:xfrm>
+            <a:off x="3721081" y="2973418"/>
+            <a:ext cx="494046" cy="707886"/>
+          </a:xfrm>
+          <a:prstGeom prst="rect">
+            <a:avLst/>
+          </a:prstGeom>
+          <a:noFill/>
+        </p:spPr>
+        <p:txBody>
+          <a:bodyPr wrap="none" lIns="91440" tIns="45720" rIns="91440" bIns="45720">
+            <a:spAutoFit/>
+          </a:bodyPr>
+          <a:lstStyle/>
+          <a:p>
+            <a:pPr algn="ctr"/>
+            <a:r>
+              <a:rPr lang="en-US" altLang="zh-CN" sz="4000" b="1" cap="none" spc="0" dirty="0">
+                <a:ln w="0"/>
+                <a:solidFill>
+                  <a:srgbClr val="00B0F0"/>
+                </a:solidFill>
+                <a:effectLst>
+                  <a:outerShdw blurRad="38100" dist="19050" dir="2700000" algn="tl" rotWithShape="0">
+                    <a:schemeClr val="dk1">
+                      <a:alpha val="40000"/>
+                    </a:schemeClr>
+                  </a:outerShdw>
+                </a:effectLst>
+              </a:rPr>
+              <a:t>B</a:t>
+            </a:r>
+            <a:endParaRPr lang="zh-CN" altLang="en-US" sz="4000" b="1" cap="none" spc="0" dirty="0">
+              <a:ln w="0"/>
+              <a:solidFill>
+                <a:srgbClr val="00B0F0"/>
+              </a:solidFill>
+              <a:effectLst>
+                <a:outerShdw blurRad="38100" dist="19050" dir="2700000" algn="tl" rotWithShape="0">
+                  <a:schemeClr val="dk1">
+                    <a:alpha val="40000"/>
+                  </a:schemeClr>
+                </a:outerShdw>
+              </a:effectLst>
+            </a:endParaRPr>
+          </a:p>
+        </p:txBody>
+      </p:sp>
+      <p:sp>
+        <p:nvSpPr>
+          <p:cNvPr id="45" name="矩形 44">
+            <a:extLst>
+              <a:ext uri="{FF2B5EF4-FFF2-40B4-BE49-F238E27FC236}">
+                <a16:creationId xmlns:a16="http://schemas.microsoft.com/office/drawing/2014/main" id="{4409A5F7-5C14-878F-7964-3B0A022BC8DD}"/>
+              </a:ext>
+            </a:extLst>
+          </p:cNvPr>
+          <p:cNvSpPr/>
+          <p:nvPr/>
+        </p:nvSpPr>
+        <p:spPr>
+          <a:xfrm>
+            <a:off x="7280560" y="2973418"/>
+            <a:ext cx="503664" cy="707886"/>
+          </a:xfrm>
+          <a:prstGeom prst="rect">
+            <a:avLst/>
+          </a:prstGeom>
+          <a:noFill/>
+        </p:spPr>
+        <p:txBody>
+          <a:bodyPr wrap="square" lIns="91440" tIns="45720" rIns="91440" bIns="45720">
+            <a:spAutoFit/>
+          </a:bodyPr>
+          <a:lstStyle/>
+          <a:p>
+            <a:pPr algn="ctr"/>
+            <a:r>
+              <a:rPr lang="en-US" altLang="zh-CN" sz="4000" b="1" dirty="0">
+                <a:ln w="0"/>
+                <a:solidFill>
+                  <a:srgbClr val="7030A0"/>
+                </a:solidFill>
+                <a:effectLst>
+                  <a:outerShdw blurRad="38100" dist="19050" dir="2700000" algn="tl" rotWithShape="0">
+                    <a:schemeClr val="dk1">
+                      <a:alpha val="40000"/>
+                    </a:schemeClr>
+                  </a:outerShdw>
+                </a:effectLst>
+              </a:rPr>
+              <a:t>C</a:t>
+            </a:r>
+            <a:endParaRPr lang="zh-CN" altLang="en-US" sz="4000" b="1" cap="none" spc="0" dirty="0">
+              <a:ln w="0"/>
+              <a:solidFill>
+                <a:srgbClr val="7030A0"/>
+              </a:solidFill>
+              <a:effectLst>
+                <a:outerShdw blurRad="38100" dist="19050" dir="2700000" algn="tl" rotWithShape="0">
+                  <a:schemeClr val="dk1">
+                    <a:alpha val="40000"/>
+                  </a:schemeClr>
+                </a:outerShdw>
+              </a:effectLst>
+            </a:endParaRPr>
+          </a:p>
+        </p:txBody>
+      </p:sp>
+      <p:sp>
+        <p:nvSpPr>
+          <p:cNvPr id="51" name="任意多边形: 形状 50">
+            <a:extLst>
+              <a:ext uri="{FF2B5EF4-FFF2-40B4-BE49-F238E27FC236}">
+                <a16:creationId xmlns:a16="http://schemas.microsoft.com/office/drawing/2014/main" id="{0FE1ED78-643B-0073-47B1-59CFF32DCA04}"/>
+              </a:ext>
+            </a:extLst>
+          </p:cNvPr>
+          <p:cNvSpPr/>
+          <p:nvPr/>
+        </p:nvSpPr>
+        <p:spPr>
+          <a:xfrm>
+            <a:off x="3540868" y="752608"/>
+            <a:ext cx="3453319" cy="842728"/>
+          </a:xfrm>
+          <a:custGeom>
+            <a:avLst/>
+            <a:gdLst>
+              <a:gd name="connsiteX0" fmla="*/ 0 w 3453319"/>
+              <a:gd name="connsiteY0" fmla="*/ 842728 h 842728"/>
+              <a:gd name="connsiteX1" fmla="*/ 389106 w 3453319"/>
+              <a:gd name="connsiteY1" fmla="*/ 502260 h 842728"/>
+              <a:gd name="connsiteX2" fmla="*/ 943583 w 3453319"/>
+              <a:gd name="connsiteY2" fmla="*/ 239613 h 842728"/>
+              <a:gd name="connsiteX3" fmla="*/ 1828800 w 3453319"/>
+              <a:gd name="connsiteY3" fmla="*/ 45060 h 842728"/>
+              <a:gd name="connsiteX4" fmla="*/ 2704289 w 3453319"/>
+              <a:gd name="connsiteY4" fmla="*/ 45060 h 842728"/>
+              <a:gd name="connsiteX5" fmla="*/ 3453319 w 3453319"/>
+              <a:gd name="connsiteY5" fmla="*/ 541171 h 842728"/>
+            </a:gdLst>
+            <a:ahLst/>
+            <a:cxnLst>
+              <a:cxn ang="0">
+                <a:pos x="connsiteX0" y="connsiteY0"/>
+              </a:cxn>
+              <a:cxn ang="0">
+                <a:pos x="connsiteX1" y="connsiteY1"/>
+              </a:cxn>
+              <a:cxn ang="0">
+                <a:pos x="connsiteX2" y="connsiteY2"/>
+              </a:cxn>
+              <a:cxn ang="0">
+                <a:pos x="connsiteX3" y="connsiteY3"/>
+              </a:cxn>
+              <a:cxn ang="0">
+                <a:pos x="connsiteX4" y="connsiteY4"/>
+              </a:cxn>
+              <a:cxn ang="0">
+                <a:pos x="connsiteX5" y="connsiteY5"/>
+              </a:cxn>
+            </a:cxnLst>
+            <a:rect l="l" t="t" r="r" b="b"/>
+            <a:pathLst>
+              <a:path w="3453319" h="842728">
+                <a:moveTo>
+                  <a:pt x="0" y="842728"/>
+                </a:moveTo>
+                <a:cubicBezTo>
+                  <a:pt x="115921" y="722753"/>
+                  <a:pt x="231842" y="602779"/>
+                  <a:pt x="389106" y="502260"/>
+                </a:cubicBezTo>
+                <a:cubicBezTo>
+                  <a:pt x="546370" y="401741"/>
+                  <a:pt x="703634" y="315813"/>
+                  <a:pt x="943583" y="239613"/>
+                </a:cubicBezTo>
+                <a:cubicBezTo>
+                  <a:pt x="1183532" y="163413"/>
+                  <a:pt x="1535349" y="77485"/>
+                  <a:pt x="1828800" y="45060"/>
+                </a:cubicBezTo>
+                <a:cubicBezTo>
+                  <a:pt x="2122251" y="12635"/>
+                  <a:pt x="2433536" y="-37625"/>
+                  <a:pt x="2704289" y="45060"/>
+                </a:cubicBezTo>
+                <a:cubicBezTo>
+                  <a:pt x="2975042" y="127745"/>
+                  <a:pt x="3214180" y="334458"/>
+                  <a:pt x="3453319" y="541171"/>
+                </a:cubicBezTo>
+              </a:path>
+            </a:pathLst>
+          </a:custGeom>
+          <a:noFill/>
+          <a:ln w="25400">
+            <a:solidFill>
+              <a:srgbClr val="C00000"/>
+            </a:solidFill>
+            <a:headEnd type="arrow"/>
+            <a:tailEnd type="arrow"/>
+          </a:ln>
+        </p:spPr>
+        <p:style>
+          <a:lnRef idx="2">
+            <a:schemeClr val="accent1">
+              <a:shade val="15000"/>
+            </a:schemeClr>
+          </a:lnRef>
+          <a:fillRef idx="1">
+            <a:schemeClr val="accent1"/>
+          </a:fillRef>
+          <a:effectRef idx="0">
+            <a:schemeClr val="accent1"/>
+          </a:effectRef>
+          <a:fontRef idx="minor">
+            <a:schemeClr val="lt1"/>
+          </a:fontRef>
+        </p:style>
+        <p:txBody>
+          <a:bodyPr rtlCol="0" anchor="ctr"/>
+          <a:lstStyle/>
+          <a:p>
+            <a:pPr algn="ctr"/>
+            <a:endParaRPr lang="zh-CN" altLang="en-US"/>
+          </a:p>
+        </p:txBody>
+      </p:sp>
+      <p:sp>
+        <p:nvSpPr>
+          <p:cNvPr id="52" name="任意多边形: 形状 51">
+            <a:extLst>
+              <a:ext uri="{FF2B5EF4-FFF2-40B4-BE49-F238E27FC236}">
+                <a16:creationId xmlns:a16="http://schemas.microsoft.com/office/drawing/2014/main" id="{2C663A3D-FA61-19BB-B359-30995D100FA4}"/>
+              </a:ext>
+            </a:extLst>
+          </p:cNvPr>
+          <p:cNvSpPr/>
+          <p:nvPr/>
+        </p:nvSpPr>
+        <p:spPr>
+          <a:xfrm>
+            <a:off x="4348264" y="2217906"/>
+            <a:ext cx="3745149" cy="1211706"/>
+          </a:xfrm>
+          <a:custGeom>
+            <a:avLst/>
+            <a:gdLst>
+              <a:gd name="connsiteX0" fmla="*/ 0 w 3745149"/>
+              <a:gd name="connsiteY0" fmla="*/ 136188 h 1211706"/>
+              <a:gd name="connsiteX1" fmla="*/ 214008 w 3745149"/>
+              <a:gd name="connsiteY1" fmla="*/ 535022 h 1211706"/>
+              <a:gd name="connsiteX2" fmla="*/ 496110 w 3745149"/>
+              <a:gd name="connsiteY2" fmla="*/ 846307 h 1211706"/>
+              <a:gd name="connsiteX3" fmla="*/ 856034 w 3745149"/>
+              <a:gd name="connsiteY3" fmla="*/ 992222 h 1211706"/>
+              <a:gd name="connsiteX4" fmla="*/ 1361872 w 3745149"/>
+              <a:gd name="connsiteY4" fmla="*/ 1186775 h 1211706"/>
+              <a:gd name="connsiteX5" fmla="*/ 2315183 w 3745149"/>
+              <a:gd name="connsiteY5" fmla="*/ 1186775 h 1211706"/>
+              <a:gd name="connsiteX6" fmla="*/ 2811293 w 3745149"/>
+              <a:gd name="connsiteY6" fmla="*/ 982494 h 1211706"/>
+              <a:gd name="connsiteX7" fmla="*/ 3161489 w 3745149"/>
+              <a:gd name="connsiteY7" fmla="*/ 700392 h 1211706"/>
+              <a:gd name="connsiteX8" fmla="*/ 3501957 w 3745149"/>
+              <a:gd name="connsiteY8" fmla="*/ 359924 h 1211706"/>
+              <a:gd name="connsiteX9" fmla="*/ 3745149 w 3745149"/>
+              <a:gd name="connsiteY9" fmla="*/ 0 h 1211706"/>
+            </a:gdLst>
+            <a:ahLst/>
+            <a:cxnLst>
+              <a:cxn ang="0">
+                <a:pos x="connsiteX0" y="connsiteY0"/>
+              </a:cxn>
+              <a:cxn ang="0">
+                <a:pos x="connsiteX1" y="connsiteY1"/>
+              </a:cxn>
+              <a:cxn ang="0">
+                <a:pos x="connsiteX2" y="connsiteY2"/>
+              </a:cxn>
+              <a:cxn ang="0">
+                <a:pos x="connsiteX3" y="connsiteY3"/>
+              </a:cxn>
+              <a:cxn ang="0">
+                <a:pos x="connsiteX4" y="connsiteY4"/>
+              </a:cxn>
+              <a:cxn ang="0">
+                <a:pos x="connsiteX5" y="connsiteY5"/>
+              </a:cxn>
+              <a:cxn ang="0">
+                <a:pos x="connsiteX6" y="connsiteY6"/>
+              </a:cxn>
+              <a:cxn ang="0">
+                <a:pos x="connsiteX7" y="connsiteY7"/>
+              </a:cxn>
+              <a:cxn ang="0">
+                <a:pos x="connsiteX8" y="connsiteY8"/>
+              </a:cxn>
+              <a:cxn ang="0">
+                <a:pos x="connsiteX9" y="connsiteY9"/>
+              </a:cxn>
+            </a:cxnLst>
+            <a:rect l="l" t="t" r="r" b="b"/>
+            <a:pathLst>
+              <a:path w="3745149" h="1211706">
+                <a:moveTo>
+                  <a:pt x="0" y="136188"/>
+                </a:moveTo>
+                <a:cubicBezTo>
+                  <a:pt x="65661" y="276428"/>
+                  <a:pt x="131323" y="416669"/>
+                  <a:pt x="214008" y="535022"/>
+                </a:cubicBezTo>
+                <a:cubicBezTo>
+                  <a:pt x="296693" y="653375"/>
+                  <a:pt x="389106" y="770107"/>
+                  <a:pt x="496110" y="846307"/>
+                </a:cubicBezTo>
+                <a:cubicBezTo>
+                  <a:pt x="603114" y="922507"/>
+                  <a:pt x="856034" y="992222"/>
+                  <a:pt x="856034" y="992222"/>
+                </a:cubicBezTo>
+                <a:cubicBezTo>
+                  <a:pt x="1000328" y="1048967"/>
+                  <a:pt x="1118681" y="1154350"/>
+                  <a:pt x="1361872" y="1186775"/>
+                </a:cubicBezTo>
+                <a:cubicBezTo>
+                  <a:pt x="1605064" y="1219201"/>
+                  <a:pt x="2073613" y="1220822"/>
+                  <a:pt x="2315183" y="1186775"/>
+                </a:cubicBezTo>
+                <a:cubicBezTo>
+                  <a:pt x="2556753" y="1152728"/>
+                  <a:pt x="2670242" y="1063558"/>
+                  <a:pt x="2811293" y="982494"/>
+                </a:cubicBezTo>
+                <a:cubicBezTo>
+                  <a:pt x="2952344" y="901430"/>
+                  <a:pt x="3046378" y="804154"/>
+                  <a:pt x="3161489" y="700392"/>
+                </a:cubicBezTo>
+                <a:cubicBezTo>
+                  <a:pt x="3276600" y="596630"/>
+                  <a:pt x="3404680" y="476656"/>
+                  <a:pt x="3501957" y="359924"/>
+                </a:cubicBezTo>
+                <a:cubicBezTo>
+                  <a:pt x="3599234" y="243192"/>
+                  <a:pt x="3672191" y="121596"/>
+                  <a:pt x="3745149" y="0"/>
+                </a:cubicBezTo>
+              </a:path>
+            </a:pathLst>
+          </a:custGeom>
+          <a:noFill/>
+          <a:ln w="25400">
+            <a:solidFill>
+              <a:srgbClr val="FF0000"/>
+            </a:solidFill>
+            <a:headEnd type="arrow"/>
+            <a:tailEnd type="arrow"/>
+          </a:ln>
+        </p:spPr>
+        <p:style>
+          <a:lnRef idx="2">
+            <a:schemeClr val="accent1">
+              <a:shade val="15000"/>
+            </a:schemeClr>
+          </a:lnRef>
+          <a:fillRef idx="1">
+            <a:schemeClr val="accent1"/>
+          </a:fillRef>
+          <a:effectRef idx="0">
+            <a:schemeClr val="accent1"/>
+          </a:effectRef>
+          <a:fontRef idx="minor">
+            <a:schemeClr val="lt1"/>
+          </a:fontRef>
+        </p:style>
+        <p:txBody>
+          <a:bodyPr rtlCol="0" anchor="ctr"/>
+          <a:lstStyle/>
+          <a:p>
+            <a:pPr algn="ctr"/>
+            <a:endParaRPr lang="zh-CN" altLang="en-US"/>
+          </a:p>
+        </p:txBody>
+      </p:sp>
     </p:spTree>
     <p:extLst>
       <p:ext uri="{BB962C8B-B14F-4D97-AF65-F5344CB8AC3E}">

--- a/notes/campus.pptx
+++ b/notes/campus.pptx
@@ -8,6 +8,8 @@
     <p:sldId id="257" r:id="rId2"/>
     <p:sldId id="259" r:id="rId3"/>
     <p:sldId id="258" r:id="rId4"/>
+    <p:sldId id="260" r:id="rId5"/>
+    <p:sldId id="261" r:id="rId6"/>
   </p:sldIdLst>
   <p:sldSz cx="12192000" cy="6858000"/>
   <p:notesSz cx="6858000" cy="9144000"/>
@@ -261,7 +263,7 @@
           <a:p>
             <a:fld id="{00614340-6DC8-4F03-8B80-799B88CEBCA0}" type="datetimeFigureOut">
               <a:rPr lang="zh-CN" altLang="en-US" smtClean="0"/>
-              <a:t>2023/9/19</a:t>
+              <a:t>2023/9/24</a:t>
             </a:fld>
             <a:endParaRPr lang="zh-CN" altLang="en-US"/>
           </a:p>
@@ -459,7 +461,7 @@
           <a:p>
             <a:fld id="{00614340-6DC8-4F03-8B80-799B88CEBCA0}" type="datetimeFigureOut">
               <a:rPr lang="zh-CN" altLang="en-US" smtClean="0"/>
-              <a:t>2023/9/19</a:t>
+              <a:t>2023/9/24</a:t>
             </a:fld>
             <a:endParaRPr lang="zh-CN" altLang="en-US"/>
           </a:p>
@@ -667,7 +669,7 @@
           <a:p>
             <a:fld id="{00614340-6DC8-4F03-8B80-799B88CEBCA0}" type="datetimeFigureOut">
               <a:rPr lang="zh-CN" altLang="en-US" smtClean="0"/>
-              <a:t>2023/9/19</a:t>
+              <a:t>2023/9/24</a:t>
             </a:fld>
             <a:endParaRPr lang="zh-CN" altLang="en-US"/>
           </a:p>
@@ -865,7 +867,7 @@
           <a:p>
             <a:fld id="{00614340-6DC8-4F03-8B80-799B88CEBCA0}" type="datetimeFigureOut">
               <a:rPr lang="zh-CN" altLang="en-US" smtClean="0"/>
-              <a:t>2023/9/19</a:t>
+              <a:t>2023/9/24</a:t>
             </a:fld>
             <a:endParaRPr lang="zh-CN" altLang="en-US"/>
           </a:p>
@@ -1140,7 +1142,7 @@
           <a:p>
             <a:fld id="{00614340-6DC8-4F03-8B80-799B88CEBCA0}" type="datetimeFigureOut">
               <a:rPr lang="zh-CN" altLang="en-US" smtClean="0"/>
-              <a:t>2023/9/19</a:t>
+              <a:t>2023/9/24</a:t>
             </a:fld>
             <a:endParaRPr lang="zh-CN" altLang="en-US"/>
           </a:p>
@@ -1405,7 +1407,7 @@
           <a:p>
             <a:fld id="{00614340-6DC8-4F03-8B80-799B88CEBCA0}" type="datetimeFigureOut">
               <a:rPr lang="zh-CN" altLang="en-US" smtClean="0"/>
-              <a:t>2023/9/19</a:t>
+              <a:t>2023/9/24</a:t>
             </a:fld>
             <a:endParaRPr lang="zh-CN" altLang="en-US"/>
           </a:p>
@@ -1817,7 +1819,7 @@
           <a:p>
             <a:fld id="{00614340-6DC8-4F03-8B80-799B88CEBCA0}" type="datetimeFigureOut">
               <a:rPr lang="zh-CN" altLang="en-US" smtClean="0"/>
-              <a:t>2023/9/19</a:t>
+              <a:t>2023/9/24</a:t>
             </a:fld>
             <a:endParaRPr lang="zh-CN" altLang="en-US"/>
           </a:p>
@@ -1958,7 +1960,7 @@
           <a:p>
             <a:fld id="{00614340-6DC8-4F03-8B80-799B88CEBCA0}" type="datetimeFigureOut">
               <a:rPr lang="zh-CN" altLang="en-US" smtClean="0"/>
-              <a:t>2023/9/19</a:t>
+              <a:t>2023/9/24</a:t>
             </a:fld>
             <a:endParaRPr lang="zh-CN" altLang="en-US"/>
           </a:p>
@@ -2071,7 +2073,7 @@
           <a:p>
             <a:fld id="{00614340-6DC8-4F03-8B80-799B88CEBCA0}" type="datetimeFigureOut">
               <a:rPr lang="zh-CN" altLang="en-US" smtClean="0"/>
-              <a:t>2023/9/19</a:t>
+              <a:t>2023/9/24</a:t>
             </a:fld>
             <a:endParaRPr lang="zh-CN" altLang="en-US"/>
           </a:p>
@@ -2382,7 +2384,7 @@
           <a:p>
             <a:fld id="{00614340-6DC8-4F03-8B80-799B88CEBCA0}" type="datetimeFigureOut">
               <a:rPr lang="zh-CN" altLang="en-US" smtClean="0"/>
-              <a:t>2023/9/19</a:t>
+              <a:t>2023/9/24</a:t>
             </a:fld>
             <a:endParaRPr lang="zh-CN" altLang="en-US"/>
           </a:p>
@@ -2670,7 +2672,7 @@
           <a:p>
             <a:fld id="{00614340-6DC8-4F03-8B80-799B88CEBCA0}" type="datetimeFigureOut">
               <a:rPr lang="zh-CN" altLang="en-US" smtClean="0"/>
-              <a:t>2023/9/19</a:t>
+              <a:t>2023/9/24</a:t>
             </a:fld>
             <a:endParaRPr lang="zh-CN" altLang="en-US"/>
           </a:p>
@@ -2911,7 +2913,7 @@
           <a:p>
             <a:fld id="{00614340-6DC8-4F03-8B80-799B88CEBCA0}" type="datetimeFigureOut">
               <a:rPr lang="zh-CN" altLang="en-US" smtClean="0"/>
-              <a:t>2023/9/19</a:t>
+              <a:t>2023/9/24</a:t>
             </a:fld>
             <a:endParaRPr lang="zh-CN" altLang="en-US"/>
           </a:p>
@@ -6909,6 +6911,1170 @@
 </p:sld>
 </file>
 
+<file path=ppt/slides/slide4.xml><?xml version="1.0" encoding="utf-8"?>
+<p:sld xmlns:a="http://schemas.openxmlformats.org/drawingml/2006/main" xmlns:r="http://schemas.openxmlformats.org/officeDocument/2006/relationships" xmlns:p="http://schemas.openxmlformats.org/presentationml/2006/main">
+  <p:cSld>
+    <p:spTree>
+      <p:nvGrpSpPr>
+        <p:cNvPr id="1" name=""/>
+        <p:cNvGrpSpPr/>
+        <p:nvPr/>
+      </p:nvGrpSpPr>
+      <p:grpSpPr>
+        <a:xfrm>
+          <a:off x="0" y="0"/>
+          <a:ext cx="0" cy="0"/>
+          <a:chOff x="0" y="0"/>
+          <a:chExt cx="0" cy="0"/>
+        </a:xfrm>
+      </p:grpSpPr>
+      <p:cxnSp>
+        <p:nvCxnSpPr>
+          <p:cNvPr id="3" name="直接箭头连接符 2">
+            <a:extLst>
+              <a:ext uri="{FF2B5EF4-FFF2-40B4-BE49-F238E27FC236}">
+                <a16:creationId xmlns:a16="http://schemas.microsoft.com/office/drawing/2014/main" id="{9EF88798-0F42-8C73-BFF2-C6611440309A}"/>
+              </a:ext>
+            </a:extLst>
+          </p:cNvPr>
+          <p:cNvCxnSpPr>
+            <a:cxnSpLocks/>
+          </p:cNvCxnSpPr>
+          <p:nvPr/>
+        </p:nvCxnSpPr>
+        <p:spPr>
+          <a:xfrm>
+            <a:off x="3326860" y="3959258"/>
+            <a:ext cx="5593404" cy="0"/>
+          </a:xfrm>
+          <a:prstGeom prst="straightConnector1">
+            <a:avLst/>
+          </a:prstGeom>
+          <a:ln w="25400">
+            <a:solidFill>
+              <a:schemeClr val="tx1"/>
+            </a:solidFill>
+            <a:tailEnd type="arrow"/>
+          </a:ln>
+        </p:spPr>
+        <p:style>
+          <a:lnRef idx="1">
+            <a:schemeClr val="accent1"/>
+          </a:lnRef>
+          <a:fillRef idx="0">
+            <a:schemeClr val="accent1"/>
+          </a:fillRef>
+          <a:effectRef idx="0">
+            <a:schemeClr val="accent1"/>
+          </a:effectRef>
+          <a:fontRef idx="minor">
+            <a:schemeClr val="tx1"/>
+          </a:fontRef>
+        </p:style>
+      </p:cxnSp>
+      <p:cxnSp>
+        <p:nvCxnSpPr>
+          <p:cNvPr id="4" name="直接箭头连接符 3">
+            <a:extLst>
+              <a:ext uri="{FF2B5EF4-FFF2-40B4-BE49-F238E27FC236}">
+                <a16:creationId xmlns:a16="http://schemas.microsoft.com/office/drawing/2014/main" id="{63E6A94F-6E89-6AA7-53E2-7F83D4CADEAC}"/>
+              </a:ext>
+            </a:extLst>
+          </p:cNvPr>
+          <p:cNvCxnSpPr>
+            <a:cxnSpLocks/>
+          </p:cNvCxnSpPr>
+          <p:nvPr/>
+        </p:nvCxnSpPr>
+        <p:spPr>
+          <a:xfrm flipV="1">
+            <a:off x="5950085" y="1118681"/>
+            <a:ext cx="0" cy="4494178"/>
+          </a:xfrm>
+          <a:prstGeom prst="straightConnector1">
+            <a:avLst/>
+          </a:prstGeom>
+          <a:ln w="25400">
+            <a:solidFill>
+              <a:schemeClr val="tx1"/>
+            </a:solidFill>
+            <a:tailEnd type="arrow"/>
+          </a:ln>
+        </p:spPr>
+        <p:style>
+          <a:lnRef idx="1">
+            <a:schemeClr val="accent1"/>
+          </a:lnRef>
+          <a:fillRef idx="0">
+            <a:schemeClr val="accent1"/>
+          </a:fillRef>
+          <a:effectRef idx="0">
+            <a:schemeClr val="accent1"/>
+          </a:effectRef>
+          <a:fontRef idx="minor">
+            <a:schemeClr val="tx1"/>
+          </a:fontRef>
+        </p:style>
+      </p:cxnSp>
+      <p:sp>
+        <p:nvSpPr>
+          <p:cNvPr id="7" name="矩形 6">
+            <a:extLst>
+              <a:ext uri="{FF2B5EF4-FFF2-40B4-BE49-F238E27FC236}">
+                <a16:creationId xmlns:a16="http://schemas.microsoft.com/office/drawing/2014/main" id="{0E198224-D6CE-505C-B996-72F758F0C119}"/>
+              </a:ext>
+            </a:extLst>
+          </p:cNvPr>
+          <p:cNvSpPr/>
+          <p:nvPr/>
+        </p:nvSpPr>
+        <p:spPr>
+          <a:xfrm>
+            <a:off x="8642184" y="3959258"/>
+            <a:ext cx="338555" cy="461665"/>
+          </a:xfrm>
+          <a:prstGeom prst="rect">
+            <a:avLst/>
+          </a:prstGeom>
+          <a:noFill/>
+        </p:spPr>
+        <p:txBody>
+          <a:bodyPr wrap="none" lIns="91440" tIns="45720" rIns="91440" bIns="45720">
+            <a:spAutoFit/>
+          </a:bodyPr>
+          <a:lstStyle/>
+          <a:p>
+            <a:pPr algn="ctr"/>
+            <a:r>
+              <a:rPr lang="en-US" altLang="zh-CN" sz="2400" b="1" cap="none" spc="0" dirty="0">
+                <a:ln w="0"/>
+                <a:solidFill>
+                  <a:schemeClr val="tx1"/>
+                </a:solidFill>
+                <a:effectLst>
+                  <a:outerShdw blurRad="38100" dist="19050" dir="2700000" algn="tl" rotWithShape="0">
+                    <a:schemeClr val="dk1">
+                      <a:alpha val="40000"/>
+                    </a:schemeClr>
+                  </a:outerShdw>
+                </a:effectLst>
+              </a:rPr>
+              <a:t>x</a:t>
+            </a:r>
+            <a:endParaRPr lang="zh-CN" altLang="en-US" sz="2400" b="1" cap="none" spc="0" dirty="0">
+              <a:ln w="0"/>
+              <a:solidFill>
+                <a:schemeClr val="tx1"/>
+              </a:solidFill>
+              <a:effectLst>
+                <a:outerShdw blurRad="38100" dist="19050" dir="2700000" algn="tl" rotWithShape="0">
+                  <a:schemeClr val="dk1">
+                    <a:alpha val="40000"/>
+                  </a:schemeClr>
+                </a:outerShdw>
+              </a:effectLst>
+            </a:endParaRPr>
+          </a:p>
+        </p:txBody>
+      </p:sp>
+      <p:sp>
+        <p:nvSpPr>
+          <p:cNvPr id="8" name="矩形 7">
+            <a:extLst>
+              <a:ext uri="{FF2B5EF4-FFF2-40B4-BE49-F238E27FC236}">
+                <a16:creationId xmlns:a16="http://schemas.microsoft.com/office/drawing/2014/main" id="{E784E719-45D6-3D78-6DF2-CCAFE1ED227B}"/>
+              </a:ext>
+            </a:extLst>
+          </p:cNvPr>
+          <p:cNvSpPr/>
+          <p:nvPr/>
+        </p:nvSpPr>
+        <p:spPr>
+          <a:xfrm>
+            <a:off x="5526189" y="968302"/>
+            <a:ext cx="341760" cy="461665"/>
+          </a:xfrm>
+          <a:prstGeom prst="rect">
+            <a:avLst/>
+          </a:prstGeom>
+          <a:noFill/>
+        </p:spPr>
+        <p:txBody>
+          <a:bodyPr wrap="none" lIns="91440" tIns="45720" rIns="91440" bIns="45720">
+            <a:spAutoFit/>
+          </a:bodyPr>
+          <a:lstStyle/>
+          <a:p>
+            <a:pPr algn="ctr"/>
+            <a:r>
+              <a:rPr lang="en-US" altLang="zh-CN" sz="2400" b="1" dirty="0">
+                <a:ln w="0"/>
+                <a:effectLst>
+                  <a:outerShdw blurRad="38100" dist="19050" dir="2700000" algn="tl" rotWithShape="0">
+                    <a:schemeClr val="dk1">
+                      <a:alpha val="40000"/>
+                    </a:schemeClr>
+                  </a:outerShdw>
+                </a:effectLst>
+              </a:rPr>
+              <a:t>y</a:t>
+            </a:r>
+            <a:endParaRPr lang="zh-CN" altLang="en-US" sz="2400" b="1" cap="none" spc="0" dirty="0">
+              <a:ln w="0"/>
+              <a:solidFill>
+                <a:schemeClr val="tx1"/>
+              </a:solidFill>
+              <a:effectLst>
+                <a:outerShdw blurRad="38100" dist="19050" dir="2700000" algn="tl" rotWithShape="0">
+                  <a:schemeClr val="dk1">
+                    <a:alpha val="40000"/>
+                  </a:schemeClr>
+                </a:outerShdw>
+              </a:effectLst>
+            </a:endParaRPr>
+          </a:p>
+        </p:txBody>
+      </p:sp>
+      <p:sp>
+        <p:nvSpPr>
+          <p:cNvPr id="13" name="矩形 12">
+            <a:extLst>
+              <a:ext uri="{FF2B5EF4-FFF2-40B4-BE49-F238E27FC236}">
+                <a16:creationId xmlns:a16="http://schemas.microsoft.com/office/drawing/2014/main" id="{9A18427E-1A03-B188-79A2-4E520B03A444}"/>
+              </a:ext>
+            </a:extLst>
+          </p:cNvPr>
+          <p:cNvSpPr/>
+          <p:nvPr/>
+        </p:nvSpPr>
+        <p:spPr>
+          <a:xfrm>
+            <a:off x="5449811" y="3959257"/>
+            <a:ext cx="417102" cy="461665"/>
+          </a:xfrm>
+          <a:prstGeom prst="rect">
+            <a:avLst/>
+          </a:prstGeom>
+          <a:noFill/>
+        </p:spPr>
+        <p:txBody>
+          <a:bodyPr wrap="none" lIns="91440" tIns="45720" rIns="91440" bIns="45720">
+            <a:spAutoFit/>
+          </a:bodyPr>
+          <a:lstStyle/>
+          <a:p>
+            <a:pPr algn="ctr"/>
+            <a:r>
+              <a:rPr lang="en-US" altLang="zh-CN" sz="2400" b="1" dirty="0">
+                <a:ln w="0"/>
+                <a:effectLst>
+                  <a:outerShdw blurRad="38100" dist="19050" dir="2700000" algn="tl" rotWithShape="0">
+                    <a:schemeClr val="dk1">
+                      <a:alpha val="40000"/>
+                    </a:schemeClr>
+                  </a:outerShdw>
+                </a:effectLst>
+              </a:rPr>
+              <a:t>O</a:t>
+            </a:r>
+            <a:endParaRPr lang="zh-CN" altLang="en-US" sz="2400" b="1" cap="none" spc="0" dirty="0">
+              <a:ln w="0"/>
+              <a:solidFill>
+                <a:schemeClr val="tx1"/>
+              </a:solidFill>
+              <a:effectLst>
+                <a:outerShdw blurRad="38100" dist="19050" dir="2700000" algn="tl" rotWithShape="0">
+                  <a:schemeClr val="dk1">
+                    <a:alpha val="40000"/>
+                  </a:schemeClr>
+                </a:outerShdw>
+              </a:effectLst>
+            </a:endParaRPr>
+          </a:p>
+        </p:txBody>
+      </p:sp>
+      <p:cxnSp>
+        <p:nvCxnSpPr>
+          <p:cNvPr id="5" name="直接连接符 4">
+            <a:extLst>
+              <a:ext uri="{FF2B5EF4-FFF2-40B4-BE49-F238E27FC236}">
+                <a16:creationId xmlns:a16="http://schemas.microsoft.com/office/drawing/2014/main" id="{36CB3A61-E09E-873A-72D5-152572ECF2BA}"/>
+              </a:ext>
+            </a:extLst>
+          </p:cNvPr>
+          <p:cNvCxnSpPr/>
+          <p:nvPr/>
+        </p:nvCxnSpPr>
+        <p:spPr>
+          <a:xfrm flipV="1">
+            <a:off x="5950085" y="1197204"/>
+            <a:ext cx="592117" cy="556182"/>
+          </a:xfrm>
+          <a:prstGeom prst="line">
+            <a:avLst/>
+          </a:prstGeom>
+          <a:ln w="25400">
+            <a:solidFill>
+              <a:srgbClr val="00B0F0"/>
+            </a:solidFill>
+          </a:ln>
+        </p:spPr>
+        <p:style>
+          <a:lnRef idx="1">
+            <a:schemeClr val="accent1"/>
+          </a:lnRef>
+          <a:fillRef idx="0">
+            <a:schemeClr val="accent1"/>
+          </a:fillRef>
+          <a:effectRef idx="0">
+            <a:schemeClr val="accent1"/>
+          </a:effectRef>
+          <a:fontRef idx="minor">
+            <a:schemeClr val="tx1"/>
+          </a:fontRef>
+        </p:style>
+      </p:cxnSp>
+      <p:cxnSp>
+        <p:nvCxnSpPr>
+          <p:cNvPr id="10" name="直接连接符 9">
+            <a:extLst>
+              <a:ext uri="{FF2B5EF4-FFF2-40B4-BE49-F238E27FC236}">
+                <a16:creationId xmlns:a16="http://schemas.microsoft.com/office/drawing/2014/main" id="{6D8F7344-E42A-5EDC-9E3D-6A2370E8F547}"/>
+              </a:ext>
+            </a:extLst>
+          </p:cNvPr>
+          <p:cNvCxnSpPr>
+            <a:cxnSpLocks/>
+          </p:cNvCxnSpPr>
+          <p:nvPr/>
+        </p:nvCxnSpPr>
+        <p:spPr>
+          <a:xfrm flipV="1">
+            <a:off x="5976095" y="1291722"/>
+            <a:ext cx="1278453" cy="1130440"/>
+          </a:xfrm>
+          <a:prstGeom prst="line">
+            <a:avLst/>
+          </a:prstGeom>
+          <a:ln w="25400">
+            <a:solidFill>
+              <a:srgbClr val="00B0F0"/>
+            </a:solidFill>
+          </a:ln>
+        </p:spPr>
+        <p:style>
+          <a:lnRef idx="1">
+            <a:schemeClr val="accent1"/>
+          </a:lnRef>
+          <a:fillRef idx="0">
+            <a:schemeClr val="accent1"/>
+          </a:fillRef>
+          <a:effectRef idx="0">
+            <a:schemeClr val="accent1"/>
+          </a:effectRef>
+          <a:fontRef idx="minor">
+            <a:schemeClr val="tx1"/>
+          </a:fontRef>
+        </p:style>
+      </p:cxnSp>
+      <p:cxnSp>
+        <p:nvCxnSpPr>
+          <p:cNvPr id="11" name="直接连接符 10">
+            <a:extLst>
+              <a:ext uri="{FF2B5EF4-FFF2-40B4-BE49-F238E27FC236}">
+                <a16:creationId xmlns:a16="http://schemas.microsoft.com/office/drawing/2014/main" id="{0E67F7C9-6729-6002-6A97-2CCFA650EC99}"/>
+              </a:ext>
+            </a:extLst>
+          </p:cNvPr>
+          <p:cNvCxnSpPr>
+            <a:cxnSpLocks/>
+          </p:cNvCxnSpPr>
+          <p:nvPr/>
+        </p:nvCxnSpPr>
+        <p:spPr>
+          <a:xfrm flipV="1">
+            <a:off x="5933871" y="1197204"/>
+            <a:ext cx="2422189" cy="2003196"/>
+          </a:xfrm>
+          <a:prstGeom prst="line">
+            <a:avLst/>
+          </a:prstGeom>
+          <a:ln w="25400">
+            <a:solidFill>
+              <a:srgbClr val="00B0F0"/>
+            </a:solidFill>
+          </a:ln>
+        </p:spPr>
+        <p:style>
+          <a:lnRef idx="1">
+            <a:schemeClr val="accent1"/>
+          </a:lnRef>
+          <a:fillRef idx="0">
+            <a:schemeClr val="accent1"/>
+          </a:fillRef>
+          <a:effectRef idx="0">
+            <a:schemeClr val="accent1"/>
+          </a:effectRef>
+          <a:fontRef idx="minor">
+            <a:schemeClr val="tx1"/>
+          </a:fontRef>
+        </p:style>
+      </p:cxnSp>
+      <p:cxnSp>
+        <p:nvCxnSpPr>
+          <p:cNvPr id="12" name="直接连接符 11">
+            <a:extLst>
+              <a:ext uri="{FF2B5EF4-FFF2-40B4-BE49-F238E27FC236}">
+                <a16:creationId xmlns:a16="http://schemas.microsoft.com/office/drawing/2014/main" id="{0092C623-99A1-9C27-33EE-FD5782615971}"/>
+              </a:ext>
+            </a:extLst>
+          </p:cNvPr>
+          <p:cNvCxnSpPr>
+            <a:cxnSpLocks/>
+          </p:cNvCxnSpPr>
+          <p:nvPr/>
+        </p:nvCxnSpPr>
+        <p:spPr>
+          <a:xfrm flipV="1">
+            <a:off x="5950085" y="1753386"/>
+            <a:ext cx="2608926" cy="2205871"/>
+          </a:xfrm>
+          <a:prstGeom prst="line">
+            <a:avLst/>
+          </a:prstGeom>
+          <a:ln w="25400">
+            <a:solidFill>
+              <a:srgbClr val="00B0F0"/>
+            </a:solidFill>
+          </a:ln>
+        </p:spPr>
+        <p:style>
+          <a:lnRef idx="1">
+            <a:schemeClr val="accent1"/>
+          </a:lnRef>
+          <a:fillRef idx="0">
+            <a:schemeClr val="accent1"/>
+          </a:fillRef>
+          <a:effectRef idx="0">
+            <a:schemeClr val="accent1"/>
+          </a:effectRef>
+          <a:fontRef idx="minor">
+            <a:schemeClr val="tx1"/>
+          </a:fontRef>
+        </p:style>
+      </p:cxnSp>
+      <p:cxnSp>
+        <p:nvCxnSpPr>
+          <p:cNvPr id="16" name="直接连接符 15">
+            <a:extLst>
+              <a:ext uri="{FF2B5EF4-FFF2-40B4-BE49-F238E27FC236}">
+                <a16:creationId xmlns:a16="http://schemas.microsoft.com/office/drawing/2014/main" id="{01222FA6-168B-6681-AF10-A2060CA83C86}"/>
+              </a:ext>
+            </a:extLst>
+          </p:cNvPr>
+          <p:cNvCxnSpPr>
+            <a:cxnSpLocks/>
+          </p:cNvCxnSpPr>
+          <p:nvPr/>
+        </p:nvCxnSpPr>
+        <p:spPr>
+          <a:xfrm flipV="1">
+            <a:off x="6812604" y="2427428"/>
+            <a:ext cx="1829580" cy="1531828"/>
+          </a:xfrm>
+          <a:prstGeom prst="line">
+            <a:avLst/>
+          </a:prstGeom>
+          <a:ln w="25400">
+            <a:solidFill>
+              <a:srgbClr val="00B0F0"/>
+            </a:solidFill>
+          </a:ln>
+        </p:spPr>
+        <p:style>
+          <a:lnRef idx="1">
+            <a:schemeClr val="accent1"/>
+          </a:lnRef>
+          <a:fillRef idx="0">
+            <a:schemeClr val="accent1"/>
+          </a:fillRef>
+          <a:effectRef idx="0">
+            <a:schemeClr val="accent1"/>
+          </a:effectRef>
+          <a:fontRef idx="minor">
+            <a:schemeClr val="tx1"/>
+          </a:fontRef>
+        </p:style>
+      </p:cxnSp>
+      <p:cxnSp>
+        <p:nvCxnSpPr>
+          <p:cNvPr id="19" name="直接连接符 18">
+            <a:extLst>
+              <a:ext uri="{FF2B5EF4-FFF2-40B4-BE49-F238E27FC236}">
+                <a16:creationId xmlns:a16="http://schemas.microsoft.com/office/drawing/2014/main" id="{233C2434-B62B-36F9-28E9-3F115EA59B79}"/>
+              </a:ext>
+            </a:extLst>
+          </p:cNvPr>
+          <p:cNvCxnSpPr>
+            <a:cxnSpLocks/>
+          </p:cNvCxnSpPr>
+          <p:nvPr/>
+        </p:nvCxnSpPr>
+        <p:spPr>
+          <a:xfrm flipV="1">
+            <a:off x="7731630" y="3200400"/>
+            <a:ext cx="910554" cy="757354"/>
+          </a:xfrm>
+          <a:prstGeom prst="line">
+            <a:avLst/>
+          </a:prstGeom>
+          <a:ln w="25400">
+            <a:solidFill>
+              <a:srgbClr val="00B0F0"/>
+            </a:solidFill>
+          </a:ln>
+        </p:spPr>
+        <p:style>
+          <a:lnRef idx="1">
+            <a:schemeClr val="accent1"/>
+          </a:lnRef>
+          <a:fillRef idx="0">
+            <a:schemeClr val="accent1"/>
+          </a:fillRef>
+          <a:effectRef idx="0">
+            <a:schemeClr val="accent1"/>
+          </a:effectRef>
+          <a:fontRef idx="minor">
+            <a:schemeClr val="tx1"/>
+          </a:fontRef>
+        </p:style>
+      </p:cxnSp>
+    </p:spTree>
+    <p:extLst>
+      <p:ext uri="{BB962C8B-B14F-4D97-AF65-F5344CB8AC3E}">
+        <p14:creationId xmlns:p14="http://schemas.microsoft.com/office/powerpoint/2010/main" val="2094309327"/>
+      </p:ext>
+    </p:extLst>
+  </p:cSld>
+  <p:clrMapOvr>
+    <a:masterClrMapping/>
+  </p:clrMapOvr>
+</p:sld>
+</file>
+
+<file path=ppt/slides/slide5.xml><?xml version="1.0" encoding="utf-8"?>
+<p:sld xmlns:a="http://schemas.openxmlformats.org/drawingml/2006/main" xmlns:r="http://schemas.openxmlformats.org/officeDocument/2006/relationships" xmlns:p="http://schemas.openxmlformats.org/presentationml/2006/main">
+  <p:cSld>
+    <p:spTree>
+      <p:nvGrpSpPr>
+        <p:cNvPr id="1" name=""/>
+        <p:cNvGrpSpPr/>
+        <p:nvPr/>
+      </p:nvGrpSpPr>
+      <p:grpSpPr>
+        <a:xfrm>
+          <a:off x="0" y="0"/>
+          <a:ext cx="0" cy="0"/>
+          <a:chOff x="0" y="0"/>
+          <a:chExt cx="0" cy="0"/>
+        </a:xfrm>
+      </p:grpSpPr>
+      <p:cxnSp>
+        <p:nvCxnSpPr>
+          <p:cNvPr id="3" name="直接箭头连接符 2">
+            <a:extLst>
+              <a:ext uri="{FF2B5EF4-FFF2-40B4-BE49-F238E27FC236}">
+                <a16:creationId xmlns:a16="http://schemas.microsoft.com/office/drawing/2014/main" id="{9EF88798-0F42-8C73-BFF2-C6611440309A}"/>
+              </a:ext>
+            </a:extLst>
+          </p:cNvPr>
+          <p:cNvCxnSpPr>
+            <a:cxnSpLocks/>
+          </p:cNvCxnSpPr>
+          <p:nvPr/>
+        </p:nvCxnSpPr>
+        <p:spPr>
+          <a:xfrm>
+            <a:off x="3326860" y="3959258"/>
+            <a:ext cx="5593404" cy="0"/>
+          </a:xfrm>
+          <a:prstGeom prst="straightConnector1">
+            <a:avLst/>
+          </a:prstGeom>
+          <a:ln w="25400">
+            <a:solidFill>
+              <a:schemeClr val="tx1"/>
+            </a:solidFill>
+            <a:tailEnd type="arrow"/>
+          </a:ln>
+        </p:spPr>
+        <p:style>
+          <a:lnRef idx="1">
+            <a:schemeClr val="accent1"/>
+          </a:lnRef>
+          <a:fillRef idx="0">
+            <a:schemeClr val="accent1"/>
+          </a:fillRef>
+          <a:effectRef idx="0">
+            <a:schemeClr val="accent1"/>
+          </a:effectRef>
+          <a:fontRef idx="minor">
+            <a:schemeClr val="tx1"/>
+          </a:fontRef>
+        </p:style>
+      </p:cxnSp>
+      <p:cxnSp>
+        <p:nvCxnSpPr>
+          <p:cNvPr id="4" name="直接箭头连接符 3">
+            <a:extLst>
+              <a:ext uri="{FF2B5EF4-FFF2-40B4-BE49-F238E27FC236}">
+                <a16:creationId xmlns:a16="http://schemas.microsoft.com/office/drawing/2014/main" id="{63E6A94F-6E89-6AA7-53E2-7F83D4CADEAC}"/>
+              </a:ext>
+            </a:extLst>
+          </p:cNvPr>
+          <p:cNvCxnSpPr>
+            <a:cxnSpLocks/>
+          </p:cNvCxnSpPr>
+          <p:nvPr/>
+        </p:nvCxnSpPr>
+        <p:spPr>
+          <a:xfrm flipV="1">
+            <a:off x="5950085" y="1118681"/>
+            <a:ext cx="0" cy="4494178"/>
+          </a:xfrm>
+          <a:prstGeom prst="straightConnector1">
+            <a:avLst/>
+          </a:prstGeom>
+          <a:ln w="25400">
+            <a:solidFill>
+              <a:schemeClr val="tx1"/>
+            </a:solidFill>
+            <a:tailEnd type="arrow"/>
+          </a:ln>
+        </p:spPr>
+        <p:style>
+          <a:lnRef idx="1">
+            <a:schemeClr val="accent1"/>
+          </a:lnRef>
+          <a:fillRef idx="0">
+            <a:schemeClr val="accent1"/>
+          </a:fillRef>
+          <a:effectRef idx="0">
+            <a:schemeClr val="accent1"/>
+          </a:effectRef>
+          <a:fontRef idx="minor">
+            <a:schemeClr val="tx1"/>
+          </a:fontRef>
+        </p:style>
+      </p:cxnSp>
+      <p:sp>
+        <p:nvSpPr>
+          <p:cNvPr id="7" name="矩形 6">
+            <a:extLst>
+              <a:ext uri="{FF2B5EF4-FFF2-40B4-BE49-F238E27FC236}">
+                <a16:creationId xmlns:a16="http://schemas.microsoft.com/office/drawing/2014/main" id="{0E198224-D6CE-505C-B996-72F758F0C119}"/>
+              </a:ext>
+            </a:extLst>
+          </p:cNvPr>
+          <p:cNvSpPr/>
+          <p:nvPr/>
+        </p:nvSpPr>
+        <p:spPr>
+          <a:xfrm>
+            <a:off x="8642184" y="3959258"/>
+            <a:ext cx="338555" cy="461665"/>
+          </a:xfrm>
+          <a:prstGeom prst="rect">
+            <a:avLst/>
+          </a:prstGeom>
+          <a:noFill/>
+        </p:spPr>
+        <p:txBody>
+          <a:bodyPr wrap="none" lIns="91440" tIns="45720" rIns="91440" bIns="45720">
+            <a:spAutoFit/>
+          </a:bodyPr>
+          <a:lstStyle/>
+          <a:p>
+            <a:pPr algn="ctr"/>
+            <a:r>
+              <a:rPr lang="en-US" altLang="zh-CN" sz="2400" b="1" cap="none" spc="0" dirty="0">
+                <a:ln w="0"/>
+                <a:solidFill>
+                  <a:schemeClr val="tx1"/>
+                </a:solidFill>
+                <a:effectLst>
+                  <a:outerShdw blurRad="38100" dist="19050" dir="2700000" algn="tl" rotWithShape="0">
+                    <a:schemeClr val="dk1">
+                      <a:alpha val="40000"/>
+                    </a:schemeClr>
+                  </a:outerShdw>
+                </a:effectLst>
+              </a:rPr>
+              <a:t>x</a:t>
+            </a:r>
+            <a:endParaRPr lang="zh-CN" altLang="en-US" sz="2400" b="1" cap="none" spc="0" dirty="0">
+              <a:ln w="0"/>
+              <a:solidFill>
+                <a:schemeClr val="tx1"/>
+              </a:solidFill>
+              <a:effectLst>
+                <a:outerShdw blurRad="38100" dist="19050" dir="2700000" algn="tl" rotWithShape="0">
+                  <a:schemeClr val="dk1">
+                    <a:alpha val="40000"/>
+                  </a:schemeClr>
+                </a:outerShdw>
+              </a:effectLst>
+            </a:endParaRPr>
+          </a:p>
+        </p:txBody>
+      </p:sp>
+      <p:sp>
+        <p:nvSpPr>
+          <p:cNvPr id="8" name="矩形 7">
+            <a:extLst>
+              <a:ext uri="{FF2B5EF4-FFF2-40B4-BE49-F238E27FC236}">
+                <a16:creationId xmlns:a16="http://schemas.microsoft.com/office/drawing/2014/main" id="{E784E719-45D6-3D78-6DF2-CCAFE1ED227B}"/>
+              </a:ext>
+            </a:extLst>
+          </p:cNvPr>
+          <p:cNvSpPr/>
+          <p:nvPr/>
+        </p:nvSpPr>
+        <p:spPr>
+          <a:xfrm>
+            <a:off x="5526189" y="968302"/>
+            <a:ext cx="341760" cy="461665"/>
+          </a:xfrm>
+          <a:prstGeom prst="rect">
+            <a:avLst/>
+          </a:prstGeom>
+          <a:noFill/>
+        </p:spPr>
+        <p:txBody>
+          <a:bodyPr wrap="none" lIns="91440" tIns="45720" rIns="91440" bIns="45720">
+            <a:spAutoFit/>
+          </a:bodyPr>
+          <a:lstStyle/>
+          <a:p>
+            <a:pPr algn="ctr"/>
+            <a:r>
+              <a:rPr lang="en-US" altLang="zh-CN" sz="2400" b="1" dirty="0">
+                <a:ln w="0"/>
+                <a:effectLst>
+                  <a:outerShdw blurRad="38100" dist="19050" dir="2700000" algn="tl" rotWithShape="0">
+                    <a:schemeClr val="dk1">
+                      <a:alpha val="40000"/>
+                    </a:schemeClr>
+                  </a:outerShdw>
+                </a:effectLst>
+              </a:rPr>
+              <a:t>y</a:t>
+            </a:r>
+            <a:endParaRPr lang="zh-CN" altLang="en-US" sz="2400" b="1" cap="none" spc="0" dirty="0">
+              <a:ln w="0"/>
+              <a:solidFill>
+                <a:schemeClr val="tx1"/>
+              </a:solidFill>
+              <a:effectLst>
+                <a:outerShdw blurRad="38100" dist="19050" dir="2700000" algn="tl" rotWithShape="0">
+                  <a:schemeClr val="dk1">
+                    <a:alpha val="40000"/>
+                  </a:schemeClr>
+                </a:outerShdw>
+              </a:effectLst>
+            </a:endParaRPr>
+          </a:p>
+        </p:txBody>
+      </p:sp>
+      <p:sp>
+        <p:nvSpPr>
+          <p:cNvPr id="13" name="矩形 12">
+            <a:extLst>
+              <a:ext uri="{FF2B5EF4-FFF2-40B4-BE49-F238E27FC236}">
+                <a16:creationId xmlns:a16="http://schemas.microsoft.com/office/drawing/2014/main" id="{9A18427E-1A03-B188-79A2-4E520B03A444}"/>
+              </a:ext>
+            </a:extLst>
+          </p:cNvPr>
+          <p:cNvSpPr/>
+          <p:nvPr/>
+        </p:nvSpPr>
+        <p:spPr>
+          <a:xfrm>
+            <a:off x="5449811" y="3959257"/>
+            <a:ext cx="417102" cy="461665"/>
+          </a:xfrm>
+          <a:prstGeom prst="rect">
+            <a:avLst/>
+          </a:prstGeom>
+          <a:noFill/>
+        </p:spPr>
+        <p:txBody>
+          <a:bodyPr wrap="none" lIns="91440" tIns="45720" rIns="91440" bIns="45720">
+            <a:spAutoFit/>
+          </a:bodyPr>
+          <a:lstStyle/>
+          <a:p>
+            <a:pPr algn="ctr"/>
+            <a:r>
+              <a:rPr lang="en-US" altLang="zh-CN" sz="2400" b="1" dirty="0">
+                <a:ln w="0"/>
+                <a:effectLst>
+                  <a:outerShdw blurRad="38100" dist="19050" dir="2700000" algn="tl" rotWithShape="0">
+                    <a:schemeClr val="dk1">
+                      <a:alpha val="40000"/>
+                    </a:schemeClr>
+                  </a:outerShdw>
+                </a:effectLst>
+              </a:rPr>
+              <a:t>O</a:t>
+            </a:r>
+            <a:endParaRPr lang="zh-CN" altLang="en-US" sz="2400" b="1" cap="none" spc="0" dirty="0">
+              <a:ln w="0"/>
+              <a:solidFill>
+                <a:schemeClr val="tx1"/>
+              </a:solidFill>
+              <a:effectLst>
+                <a:outerShdw blurRad="38100" dist="19050" dir="2700000" algn="tl" rotWithShape="0">
+                  <a:schemeClr val="dk1">
+                    <a:alpha val="40000"/>
+                  </a:schemeClr>
+                </a:outerShdw>
+              </a:effectLst>
+            </a:endParaRPr>
+          </a:p>
+        </p:txBody>
+      </p:sp>
+      <p:cxnSp>
+        <p:nvCxnSpPr>
+          <p:cNvPr id="12" name="直接连接符 11">
+            <a:extLst>
+              <a:ext uri="{FF2B5EF4-FFF2-40B4-BE49-F238E27FC236}">
+                <a16:creationId xmlns:a16="http://schemas.microsoft.com/office/drawing/2014/main" id="{0092C623-99A1-9C27-33EE-FD5782615971}"/>
+              </a:ext>
+            </a:extLst>
+          </p:cNvPr>
+          <p:cNvCxnSpPr>
+            <a:cxnSpLocks/>
+          </p:cNvCxnSpPr>
+          <p:nvPr/>
+        </p:nvCxnSpPr>
+        <p:spPr>
+          <a:xfrm flipV="1">
+            <a:off x="5950085" y="2791838"/>
+            <a:ext cx="1452664" cy="1167419"/>
+          </a:xfrm>
+          <a:prstGeom prst="line">
+            <a:avLst/>
+          </a:prstGeom>
+          <a:ln w="25400">
+            <a:solidFill>
+              <a:srgbClr val="00B0F0"/>
+            </a:solidFill>
+            <a:tailEnd type="arrow"/>
+          </a:ln>
+        </p:spPr>
+        <p:style>
+          <a:lnRef idx="1">
+            <a:schemeClr val="accent1"/>
+          </a:lnRef>
+          <a:fillRef idx="0">
+            <a:schemeClr val="accent1"/>
+          </a:fillRef>
+          <a:effectRef idx="0">
+            <a:schemeClr val="accent1"/>
+          </a:effectRef>
+          <a:fontRef idx="minor">
+            <a:schemeClr val="tx1"/>
+          </a:fontRef>
+        </p:style>
+      </p:cxnSp>
+      <p:cxnSp>
+        <p:nvCxnSpPr>
+          <p:cNvPr id="14" name="直接连接符 13">
+            <a:extLst>
+              <a:ext uri="{FF2B5EF4-FFF2-40B4-BE49-F238E27FC236}">
+                <a16:creationId xmlns:a16="http://schemas.microsoft.com/office/drawing/2014/main" id="{11B52BA6-759F-D695-AF68-04F858C9D075}"/>
+              </a:ext>
+            </a:extLst>
+          </p:cNvPr>
+          <p:cNvCxnSpPr>
+            <a:cxnSpLocks/>
+          </p:cNvCxnSpPr>
+          <p:nvPr/>
+        </p:nvCxnSpPr>
+        <p:spPr>
+          <a:xfrm flipV="1">
+            <a:off x="7402749" y="1624419"/>
+            <a:ext cx="1452664" cy="1167419"/>
+          </a:xfrm>
+          <a:prstGeom prst="line">
+            <a:avLst/>
+          </a:prstGeom>
+          <a:ln w="25400">
+            <a:solidFill>
+              <a:srgbClr val="00B0F0"/>
+            </a:solidFill>
+            <a:prstDash val="dash"/>
+            <a:tailEnd type="arrow"/>
+          </a:ln>
+        </p:spPr>
+        <p:style>
+          <a:lnRef idx="1">
+            <a:schemeClr val="accent1"/>
+          </a:lnRef>
+          <a:fillRef idx="0">
+            <a:schemeClr val="accent1"/>
+          </a:fillRef>
+          <a:effectRef idx="0">
+            <a:schemeClr val="accent1"/>
+          </a:effectRef>
+          <a:fontRef idx="minor">
+            <a:schemeClr val="tx1"/>
+          </a:fontRef>
+        </p:style>
+      </p:cxnSp>
+      <p:cxnSp>
+        <p:nvCxnSpPr>
+          <p:cNvPr id="17" name="直接连接符 16">
+            <a:extLst>
+              <a:ext uri="{FF2B5EF4-FFF2-40B4-BE49-F238E27FC236}">
+                <a16:creationId xmlns:a16="http://schemas.microsoft.com/office/drawing/2014/main" id="{3172BC38-E17C-1741-1FA0-D2F0D2F39D2C}"/>
+              </a:ext>
+            </a:extLst>
+          </p:cNvPr>
+          <p:cNvCxnSpPr>
+            <a:cxnSpLocks/>
+          </p:cNvCxnSpPr>
+          <p:nvPr/>
+        </p:nvCxnSpPr>
+        <p:spPr>
+          <a:xfrm flipV="1">
+            <a:off x="4497420" y="3959257"/>
+            <a:ext cx="1452664" cy="1167419"/>
+          </a:xfrm>
+          <a:prstGeom prst="line">
+            <a:avLst/>
+          </a:prstGeom>
+          <a:ln w="25400">
+            <a:solidFill>
+              <a:srgbClr val="00B0F0"/>
+            </a:solidFill>
+            <a:prstDash val="dash"/>
+            <a:headEnd type="arrow"/>
+            <a:tailEnd type="none"/>
+          </a:ln>
+        </p:spPr>
+        <p:style>
+          <a:lnRef idx="1">
+            <a:schemeClr val="accent1"/>
+          </a:lnRef>
+          <a:fillRef idx="0">
+            <a:schemeClr val="accent1"/>
+          </a:fillRef>
+          <a:effectRef idx="0">
+            <a:schemeClr val="accent1"/>
+          </a:effectRef>
+          <a:fontRef idx="minor">
+            <a:schemeClr val="tx1"/>
+          </a:fontRef>
+        </p:style>
+      </p:cxnSp>
+      <p:sp>
+        <p:nvSpPr>
+          <p:cNvPr id="18" name="矩形 17">
+            <a:extLst>
+              <a:ext uri="{FF2B5EF4-FFF2-40B4-BE49-F238E27FC236}">
+                <a16:creationId xmlns:a16="http://schemas.microsoft.com/office/drawing/2014/main" id="{0148B290-B7C5-05E6-7799-62F80F0F7B66}"/>
+              </a:ext>
+            </a:extLst>
+          </p:cNvPr>
+          <p:cNvSpPr/>
+          <p:nvPr/>
+        </p:nvSpPr>
+        <p:spPr>
+          <a:xfrm>
+            <a:off x="7126056" y="2898742"/>
+            <a:ext cx="340157" cy="461665"/>
+          </a:xfrm>
+          <a:prstGeom prst="rect">
+            <a:avLst/>
+          </a:prstGeom>
+          <a:noFill/>
+        </p:spPr>
+        <p:txBody>
+          <a:bodyPr wrap="none" lIns="91440" tIns="45720" rIns="91440" bIns="45720">
+            <a:spAutoFit/>
+          </a:bodyPr>
+          <a:lstStyle/>
+          <a:p>
+            <a:pPr algn="ctr"/>
+            <a:r>
+              <a:rPr lang="en-US" altLang="zh-CN" sz="2400" b="1" cap="none" spc="0" dirty="0">
+                <a:ln w="0"/>
+                <a:solidFill>
+                  <a:srgbClr val="00B0F0"/>
+                </a:solidFill>
+                <a:effectLst>
+                  <a:outerShdw blurRad="38100" dist="25400" dir="5400000" algn="ctr" rotWithShape="0">
+                    <a:srgbClr val="6E747A">
+                      <a:alpha val="43000"/>
+                    </a:srgbClr>
+                  </a:outerShdw>
+                </a:effectLst>
+              </a:rPr>
+              <a:t>v</a:t>
+            </a:r>
+            <a:endParaRPr lang="zh-CN" altLang="en-US" sz="2400" b="1" cap="none" spc="0" dirty="0">
+              <a:ln w="0"/>
+              <a:solidFill>
+                <a:srgbClr val="00B0F0"/>
+              </a:solidFill>
+              <a:effectLst>
+                <a:outerShdw blurRad="38100" dist="25400" dir="5400000" algn="ctr" rotWithShape="0">
+                  <a:srgbClr val="6E747A">
+                    <a:alpha val="43000"/>
+                  </a:srgbClr>
+                </a:outerShdw>
+              </a:effectLst>
+            </a:endParaRPr>
+          </a:p>
+        </p:txBody>
+      </p:sp>
+      <p:sp>
+        <p:nvSpPr>
+          <p:cNvPr id="20" name="矩形 19">
+            <a:extLst>
+              <a:ext uri="{FF2B5EF4-FFF2-40B4-BE49-F238E27FC236}">
+                <a16:creationId xmlns:a16="http://schemas.microsoft.com/office/drawing/2014/main" id="{3E2D542C-BE97-3A0C-A357-E8CC772BD444}"/>
+              </a:ext>
+            </a:extLst>
+          </p:cNvPr>
+          <p:cNvSpPr/>
+          <p:nvPr/>
+        </p:nvSpPr>
+        <p:spPr>
+          <a:xfrm>
+            <a:off x="8408585" y="1843993"/>
+            <a:ext cx="511679" cy="461665"/>
+          </a:xfrm>
+          <a:prstGeom prst="rect">
+            <a:avLst/>
+          </a:prstGeom>
+          <a:noFill/>
+        </p:spPr>
+        <p:txBody>
+          <a:bodyPr wrap="none" lIns="91440" tIns="45720" rIns="91440" bIns="45720">
+            <a:spAutoFit/>
+          </a:bodyPr>
+          <a:lstStyle/>
+          <a:p>
+            <a:pPr algn="ctr"/>
+            <a:r>
+              <a:rPr lang="en-US" altLang="zh-CN" sz="2400" b="1" cap="none" spc="0" dirty="0">
+                <a:ln w="0"/>
+                <a:solidFill>
+                  <a:srgbClr val="00B0F0"/>
+                </a:solidFill>
+                <a:effectLst>
+                  <a:outerShdw blurRad="38100" dist="25400" dir="5400000" algn="ctr" rotWithShape="0">
+                    <a:srgbClr val="6E747A">
+                      <a:alpha val="43000"/>
+                    </a:srgbClr>
+                  </a:outerShdw>
+                </a:effectLst>
+              </a:rPr>
+              <a:t>2v</a:t>
+            </a:r>
+            <a:endParaRPr lang="zh-CN" altLang="en-US" sz="2400" b="1" cap="none" spc="0" dirty="0">
+              <a:ln w="0"/>
+              <a:solidFill>
+                <a:srgbClr val="00B0F0"/>
+              </a:solidFill>
+              <a:effectLst>
+                <a:outerShdw blurRad="38100" dist="25400" dir="5400000" algn="ctr" rotWithShape="0">
+                  <a:srgbClr val="6E747A">
+                    <a:alpha val="43000"/>
+                  </a:srgbClr>
+                </a:outerShdw>
+              </a:effectLst>
+            </a:endParaRPr>
+          </a:p>
+        </p:txBody>
+      </p:sp>
+      <p:sp>
+        <p:nvSpPr>
+          <p:cNvPr id="21" name="矩形 20">
+            <a:extLst>
+              <a:ext uri="{FF2B5EF4-FFF2-40B4-BE49-F238E27FC236}">
+                <a16:creationId xmlns:a16="http://schemas.microsoft.com/office/drawing/2014/main" id="{57EBC200-1C0E-2828-D0DD-9C4E2DA5CA98}"/>
+              </a:ext>
+            </a:extLst>
+          </p:cNvPr>
+          <p:cNvSpPr/>
+          <p:nvPr/>
+        </p:nvSpPr>
+        <p:spPr>
+          <a:xfrm>
+            <a:off x="4391450" y="4480237"/>
+            <a:ext cx="494046" cy="461665"/>
+          </a:xfrm>
+          <a:prstGeom prst="rect">
+            <a:avLst/>
+          </a:prstGeom>
+          <a:noFill/>
+        </p:spPr>
+        <p:txBody>
+          <a:bodyPr wrap="none" lIns="91440" tIns="45720" rIns="91440" bIns="45720">
+            <a:spAutoFit/>
+          </a:bodyPr>
+          <a:lstStyle/>
+          <a:p>
+            <a:pPr algn="ctr"/>
+            <a:r>
+              <a:rPr lang="en-US" altLang="zh-CN" sz="2400" b="1" cap="none" spc="0" dirty="0">
+                <a:ln w="0"/>
+                <a:solidFill>
+                  <a:srgbClr val="00B0F0"/>
+                </a:solidFill>
+                <a:effectLst>
+                  <a:outerShdw blurRad="38100" dist="25400" dir="5400000" algn="ctr" rotWithShape="0">
+                    <a:srgbClr val="6E747A">
+                      <a:alpha val="43000"/>
+                    </a:srgbClr>
+                  </a:outerShdw>
+                </a:effectLst>
+              </a:rPr>
+              <a:t>-v</a:t>
+            </a:r>
+            <a:endParaRPr lang="zh-CN" altLang="en-US" sz="2400" b="1" cap="none" spc="0" dirty="0">
+              <a:ln w="0"/>
+              <a:solidFill>
+                <a:srgbClr val="00B0F0"/>
+              </a:solidFill>
+              <a:effectLst>
+                <a:outerShdw blurRad="38100" dist="25400" dir="5400000" algn="ctr" rotWithShape="0">
+                  <a:srgbClr val="6E747A">
+                    <a:alpha val="43000"/>
+                  </a:srgbClr>
+                </a:outerShdw>
+              </a:effectLst>
+            </a:endParaRPr>
+          </a:p>
+        </p:txBody>
+      </p:sp>
+    </p:spTree>
+    <p:extLst>
+      <p:ext uri="{BB962C8B-B14F-4D97-AF65-F5344CB8AC3E}">
+        <p14:creationId xmlns:p14="http://schemas.microsoft.com/office/powerpoint/2010/main" val="3526262994"/>
+      </p:ext>
+    </p:extLst>
+  </p:cSld>
+  <p:clrMapOvr>
+    <a:masterClrMapping/>
+  </p:clrMapOvr>
+</p:sld>
+</file>
+
 <file path=ppt/theme/theme1.xml><?xml version="1.0" encoding="utf-8"?>
 <a:theme xmlns:a="http://schemas.openxmlformats.org/drawingml/2006/main" name="Office 主题​​">
   <a:themeElements>

--- a/notes/campus.pptx
+++ b/notes/campus.pptx
@@ -10,6 +10,7 @@
     <p:sldId id="258" r:id="rId4"/>
     <p:sldId id="260" r:id="rId5"/>
     <p:sldId id="261" r:id="rId6"/>
+    <p:sldId id="262" r:id="rId7"/>
   </p:sldIdLst>
   <p:sldSz cx="12192000" cy="6858000"/>
   <p:notesSz cx="6858000" cy="9144000"/>
@@ -263,7 +264,7 @@
           <a:p>
             <a:fld id="{00614340-6DC8-4F03-8B80-799B88CEBCA0}" type="datetimeFigureOut">
               <a:rPr lang="zh-CN" altLang="en-US" smtClean="0"/>
-              <a:t>2023/9/24</a:t>
+              <a:t>2023/9/26</a:t>
             </a:fld>
             <a:endParaRPr lang="zh-CN" altLang="en-US"/>
           </a:p>
@@ -461,7 +462,7 @@
           <a:p>
             <a:fld id="{00614340-6DC8-4F03-8B80-799B88CEBCA0}" type="datetimeFigureOut">
               <a:rPr lang="zh-CN" altLang="en-US" smtClean="0"/>
-              <a:t>2023/9/24</a:t>
+              <a:t>2023/9/26</a:t>
             </a:fld>
             <a:endParaRPr lang="zh-CN" altLang="en-US"/>
           </a:p>
@@ -669,7 +670,7 @@
           <a:p>
             <a:fld id="{00614340-6DC8-4F03-8B80-799B88CEBCA0}" type="datetimeFigureOut">
               <a:rPr lang="zh-CN" altLang="en-US" smtClean="0"/>
-              <a:t>2023/9/24</a:t>
+              <a:t>2023/9/26</a:t>
             </a:fld>
             <a:endParaRPr lang="zh-CN" altLang="en-US"/>
           </a:p>
@@ -867,7 +868,7 @@
           <a:p>
             <a:fld id="{00614340-6DC8-4F03-8B80-799B88CEBCA0}" type="datetimeFigureOut">
               <a:rPr lang="zh-CN" altLang="en-US" smtClean="0"/>
-              <a:t>2023/9/24</a:t>
+              <a:t>2023/9/26</a:t>
             </a:fld>
             <a:endParaRPr lang="zh-CN" altLang="en-US"/>
           </a:p>
@@ -1142,7 +1143,7 @@
           <a:p>
             <a:fld id="{00614340-6DC8-4F03-8B80-799B88CEBCA0}" type="datetimeFigureOut">
               <a:rPr lang="zh-CN" altLang="en-US" smtClean="0"/>
-              <a:t>2023/9/24</a:t>
+              <a:t>2023/9/26</a:t>
             </a:fld>
             <a:endParaRPr lang="zh-CN" altLang="en-US"/>
           </a:p>
@@ -1407,7 +1408,7 @@
           <a:p>
             <a:fld id="{00614340-6DC8-4F03-8B80-799B88CEBCA0}" type="datetimeFigureOut">
               <a:rPr lang="zh-CN" altLang="en-US" smtClean="0"/>
-              <a:t>2023/9/24</a:t>
+              <a:t>2023/9/26</a:t>
             </a:fld>
             <a:endParaRPr lang="zh-CN" altLang="en-US"/>
           </a:p>
@@ -1819,7 +1820,7 @@
           <a:p>
             <a:fld id="{00614340-6DC8-4F03-8B80-799B88CEBCA0}" type="datetimeFigureOut">
               <a:rPr lang="zh-CN" altLang="en-US" smtClean="0"/>
-              <a:t>2023/9/24</a:t>
+              <a:t>2023/9/26</a:t>
             </a:fld>
             <a:endParaRPr lang="zh-CN" altLang="en-US"/>
           </a:p>
@@ -1960,7 +1961,7 @@
           <a:p>
             <a:fld id="{00614340-6DC8-4F03-8B80-799B88CEBCA0}" type="datetimeFigureOut">
               <a:rPr lang="zh-CN" altLang="en-US" smtClean="0"/>
-              <a:t>2023/9/24</a:t>
+              <a:t>2023/9/26</a:t>
             </a:fld>
             <a:endParaRPr lang="zh-CN" altLang="en-US"/>
           </a:p>
@@ -2073,7 +2074,7 @@
           <a:p>
             <a:fld id="{00614340-6DC8-4F03-8B80-799B88CEBCA0}" type="datetimeFigureOut">
               <a:rPr lang="zh-CN" altLang="en-US" smtClean="0"/>
-              <a:t>2023/9/24</a:t>
+              <a:t>2023/9/26</a:t>
             </a:fld>
             <a:endParaRPr lang="zh-CN" altLang="en-US"/>
           </a:p>
@@ -2384,7 +2385,7 @@
           <a:p>
             <a:fld id="{00614340-6DC8-4F03-8B80-799B88CEBCA0}" type="datetimeFigureOut">
               <a:rPr lang="zh-CN" altLang="en-US" smtClean="0"/>
-              <a:t>2023/9/24</a:t>
+              <a:t>2023/9/26</a:t>
             </a:fld>
             <a:endParaRPr lang="zh-CN" altLang="en-US"/>
           </a:p>
@@ -2672,7 +2673,7 @@
           <a:p>
             <a:fld id="{00614340-6DC8-4F03-8B80-799B88CEBCA0}" type="datetimeFigureOut">
               <a:rPr lang="zh-CN" altLang="en-US" smtClean="0"/>
-              <a:t>2023/9/24</a:t>
+              <a:t>2023/9/26</a:t>
             </a:fld>
             <a:endParaRPr lang="zh-CN" altLang="en-US"/>
           </a:p>
@@ -2913,7 +2914,7 @@
           <a:p>
             <a:fld id="{00614340-6DC8-4F03-8B80-799B88CEBCA0}" type="datetimeFigureOut">
               <a:rPr lang="zh-CN" altLang="en-US" smtClean="0"/>
-              <a:t>2023/9/24</a:t>
+              <a:t>2023/9/26</a:t>
             </a:fld>
             <a:endParaRPr lang="zh-CN" altLang="en-US"/>
           </a:p>
@@ -8075,6 +8076,1170 @@
 </p:sld>
 </file>
 
+<file path=ppt/slides/slide6.xml><?xml version="1.0" encoding="utf-8"?>
+<p:sld xmlns:a="http://schemas.openxmlformats.org/drawingml/2006/main" xmlns:r="http://schemas.openxmlformats.org/officeDocument/2006/relationships" xmlns:p="http://schemas.openxmlformats.org/presentationml/2006/main">
+  <p:cSld>
+    <p:bg>
+      <p:bgPr>
+        <a:solidFill>
+          <a:schemeClr val="bg1"/>
+        </a:solidFill>
+        <a:effectLst/>
+      </p:bgPr>
+    </p:bg>
+    <p:spTree>
+      <p:nvGrpSpPr>
+        <p:cNvPr id="1" name=""/>
+        <p:cNvGrpSpPr/>
+        <p:nvPr/>
+      </p:nvGrpSpPr>
+      <p:grpSpPr>
+        <a:xfrm>
+          <a:off x="0" y="0"/>
+          <a:ext cx="0" cy="0"/>
+          <a:chOff x="0" y="0"/>
+          <a:chExt cx="0" cy="0"/>
+        </a:xfrm>
+      </p:grpSpPr>
+      <p:cxnSp>
+        <p:nvCxnSpPr>
+          <p:cNvPr id="3" name="直接箭头连接符 2">
+            <a:extLst>
+              <a:ext uri="{FF2B5EF4-FFF2-40B4-BE49-F238E27FC236}">
+                <a16:creationId xmlns:a16="http://schemas.microsoft.com/office/drawing/2014/main" id="{9EF88798-0F42-8C73-BFF2-C6611440309A}"/>
+              </a:ext>
+            </a:extLst>
+          </p:cNvPr>
+          <p:cNvCxnSpPr>
+            <a:cxnSpLocks/>
+          </p:cNvCxnSpPr>
+          <p:nvPr/>
+        </p:nvCxnSpPr>
+        <p:spPr>
+          <a:xfrm flipV="1">
+            <a:off x="4487159" y="3735421"/>
+            <a:ext cx="4296918" cy="751738"/>
+          </a:xfrm>
+          <a:prstGeom prst="straightConnector1">
+            <a:avLst/>
+          </a:prstGeom>
+          <a:ln w="25400">
+            <a:solidFill>
+              <a:schemeClr val="tx1"/>
+            </a:solidFill>
+            <a:tailEnd type="arrow"/>
+          </a:ln>
+        </p:spPr>
+        <p:style>
+          <a:lnRef idx="1">
+            <a:schemeClr val="accent1"/>
+          </a:lnRef>
+          <a:fillRef idx="0">
+            <a:schemeClr val="accent1"/>
+          </a:fillRef>
+          <a:effectRef idx="0">
+            <a:schemeClr val="accent1"/>
+          </a:effectRef>
+          <a:fontRef idx="minor">
+            <a:schemeClr val="tx1"/>
+          </a:fontRef>
+        </p:style>
+      </p:cxnSp>
+      <p:cxnSp>
+        <p:nvCxnSpPr>
+          <p:cNvPr id="4" name="直接箭头连接符 3">
+            <a:extLst>
+              <a:ext uri="{FF2B5EF4-FFF2-40B4-BE49-F238E27FC236}">
+                <a16:creationId xmlns:a16="http://schemas.microsoft.com/office/drawing/2014/main" id="{63E6A94F-6E89-6AA7-53E2-7F83D4CADEAC}"/>
+              </a:ext>
+            </a:extLst>
+          </p:cNvPr>
+          <p:cNvCxnSpPr>
+            <a:cxnSpLocks/>
+          </p:cNvCxnSpPr>
+          <p:nvPr/>
+        </p:nvCxnSpPr>
+        <p:spPr>
+          <a:xfrm flipH="1" flipV="1">
+            <a:off x="2837468" y="1282045"/>
+            <a:ext cx="1660889" cy="3205114"/>
+          </a:xfrm>
+          <a:prstGeom prst="straightConnector1">
+            <a:avLst/>
+          </a:prstGeom>
+          <a:ln w="25400">
+            <a:solidFill>
+              <a:schemeClr val="tx1"/>
+            </a:solidFill>
+            <a:tailEnd type="arrow"/>
+          </a:ln>
+        </p:spPr>
+        <p:style>
+          <a:lnRef idx="1">
+            <a:schemeClr val="accent1"/>
+          </a:lnRef>
+          <a:fillRef idx="0">
+            <a:schemeClr val="accent1"/>
+          </a:fillRef>
+          <a:effectRef idx="0">
+            <a:schemeClr val="accent1"/>
+          </a:effectRef>
+          <a:fontRef idx="minor">
+            <a:schemeClr val="tx1"/>
+          </a:fontRef>
+        </p:style>
+      </p:cxnSp>
+      <p:sp>
+        <p:nvSpPr>
+          <p:cNvPr id="7" name="矩形 6">
+            <a:extLst>
+              <a:ext uri="{FF2B5EF4-FFF2-40B4-BE49-F238E27FC236}">
+                <a16:creationId xmlns:a16="http://schemas.microsoft.com/office/drawing/2014/main" id="{0E198224-D6CE-505C-B996-72F758F0C119}"/>
+              </a:ext>
+            </a:extLst>
+          </p:cNvPr>
+          <p:cNvSpPr/>
+          <p:nvPr/>
+        </p:nvSpPr>
+        <p:spPr>
+          <a:xfrm>
+            <a:off x="8328503" y="3782699"/>
+            <a:ext cx="455574" cy="369332"/>
+          </a:xfrm>
+          <a:prstGeom prst="rect">
+            <a:avLst/>
+          </a:prstGeom>
+          <a:noFill/>
+        </p:spPr>
+        <p:txBody>
+          <a:bodyPr wrap="none" lIns="91440" tIns="45720" rIns="91440" bIns="45720">
+            <a:spAutoFit/>
+          </a:bodyPr>
+          <a:lstStyle/>
+          <a:p>
+            <a:pPr algn="ctr"/>
+            <a:r>
+              <a:rPr lang="en-US" altLang="zh-CN" b="1" cap="none" spc="0" dirty="0">
+                <a:ln w="0"/>
+                <a:solidFill>
+                  <a:schemeClr val="tx1"/>
+                </a:solidFill>
+                <a:effectLst>
+                  <a:outerShdw blurRad="38100" dist="19050" dir="2700000" algn="tl" rotWithShape="0">
+                    <a:schemeClr val="dk1">
+                      <a:alpha val="40000"/>
+                    </a:schemeClr>
+                  </a:outerShdw>
+                </a:effectLst>
+              </a:rPr>
+              <a:t>X4</a:t>
+            </a:r>
+            <a:endParaRPr lang="zh-CN" altLang="en-US" b="1" cap="none" spc="0" dirty="0">
+              <a:ln w="0"/>
+              <a:solidFill>
+                <a:schemeClr val="tx1"/>
+              </a:solidFill>
+              <a:effectLst>
+                <a:outerShdw blurRad="38100" dist="19050" dir="2700000" algn="tl" rotWithShape="0">
+                  <a:schemeClr val="dk1">
+                    <a:alpha val="40000"/>
+                  </a:schemeClr>
+                </a:outerShdw>
+              </a:effectLst>
+            </a:endParaRPr>
+          </a:p>
+        </p:txBody>
+      </p:sp>
+      <p:sp>
+        <p:nvSpPr>
+          <p:cNvPr id="13" name="矩形 12">
+            <a:extLst>
+              <a:ext uri="{FF2B5EF4-FFF2-40B4-BE49-F238E27FC236}">
+                <a16:creationId xmlns:a16="http://schemas.microsoft.com/office/drawing/2014/main" id="{9A18427E-1A03-B188-79A2-4E520B03A444}"/>
+              </a:ext>
+            </a:extLst>
+          </p:cNvPr>
+          <p:cNvSpPr/>
+          <p:nvPr/>
+        </p:nvSpPr>
+        <p:spPr>
+          <a:xfrm>
+            <a:off x="4398022" y="4025494"/>
+            <a:ext cx="417102" cy="461665"/>
+          </a:xfrm>
+          <a:prstGeom prst="rect">
+            <a:avLst/>
+          </a:prstGeom>
+          <a:noFill/>
+        </p:spPr>
+        <p:txBody>
+          <a:bodyPr wrap="none" lIns="91440" tIns="45720" rIns="91440" bIns="45720">
+            <a:spAutoFit/>
+          </a:bodyPr>
+          <a:lstStyle/>
+          <a:p>
+            <a:pPr algn="ctr"/>
+            <a:r>
+              <a:rPr lang="en-US" altLang="zh-CN" sz="2400" b="1" dirty="0">
+                <a:ln w="0"/>
+                <a:effectLst>
+                  <a:outerShdw blurRad="38100" dist="19050" dir="2700000" algn="tl" rotWithShape="0">
+                    <a:schemeClr val="dk1">
+                      <a:alpha val="40000"/>
+                    </a:schemeClr>
+                  </a:outerShdw>
+                </a:effectLst>
+              </a:rPr>
+              <a:t>O</a:t>
+            </a:r>
+            <a:endParaRPr lang="zh-CN" altLang="en-US" sz="2400" b="1" cap="none" spc="0" dirty="0">
+              <a:ln w="0"/>
+              <a:solidFill>
+                <a:schemeClr val="tx1"/>
+              </a:solidFill>
+              <a:effectLst>
+                <a:outerShdw blurRad="38100" dist="19050" dir="2700000" algn="tl" rotWithShape="0">
+                  <a:schemeClr val="dk1">
+                    <a:alpha val="40000"/>
+                  </a:schemeClr>
+                </a:outerShdw>
+              </a:effectLst>
+            </a:endParaRPr>
+          </a:p>
+        </p:txBody>
+      </p:sp>
+      <p:cxnSp>
+        <p:nvCxnSpPr>
+          <p:cNvPr id="6" name="直接箭头连接符 5">
+            <a:extLst>
+              <a:ext uri="{FF2B5EF4-FFF2-40B4-BE49-F238E27FC236}">
+                <a16:creationId xmlns:a16="http://schemas.microsoft.com/office/drawing/2014/main" id="{B8BDC9DB-FE9B-229C-8D80-314B6F8B54E8}"/>
+              </a:ext>
+            </a:extLst>
+          </p:cNvPr>
+          <p:cNvCxnSpPr>
+            <a:cxnSpLocks/>
+          </p:cNvCxnSpPr>
+          <p:nvPr/>
+        </p:nvCxnSpPr>
+        <p:spPr>
+          <a:xfrm flipH="1">
+            <a:off x="2520701" y="4487159"/>
+            <a:ext cx="1977656" cy="1819373"/>
+          </a:xfrm>
+          <a:prstGeom prst="straightConnector1">
+            <a:avLst/>
+          </a:prstGeom>
+          <a:ln w="25400">
+            <a:solidFill>
+              <a:schemeClr val="tx1"/>
+            </a:solidFill>
+            <a:tailEnd type="arrow"/>
+          </a:ln>
+        </p:spPr>
+        <p:style>
+          <a:lnRef idx="1">
+            <a:schemeClr val="accent1"/>
+          </a:lnRef>
+          <a:fillRef idx="0">
+            <a:schemeClr val="accent1"/>
+          </a:fillRef>
+          <a:effectRef idx="0">
+            <a:schemeClr val="accent1"/>
+          </a:effectRef>
+          <a:fontRef idx="minor">
+            <a:schemeClr val="tx1"/>
+          </a:fontRef>
+        </p:style>
+      </p:cxnSp>
+      <p:cxnSp>
+        <p:nvCxnSpPr>
+          <p:cNvPr id="9" name="直接箭头连接符 8">
+            <a:extLst>
+              <a:ext uri="{FF2B5EF4-FFF2-40B4-BE49-F238E27FC236}">
+                <a16:creationId xmlns:a16="http://schemas.microsoft.com/office/drawing/2014/main" id="{5257E589-F0BF-87C7-3151-7F757BE8F13B}"/>
+              </a:ext>
+            </a:extLst>
+          </p:cNvPr>
+          <p:cNvCxnSpPr>
+            <a:cxnSpLocks/>
+          </p:cNvCxnSpPr>
+          <p:nvPr/>
+        </p:nvCxnSpPr>
+        <p:spPr>
+          <a:xfrm>
+            <a:off x="4498357" y="4487159"/>
+            <a:ext cx="2364356" cy="1291472"/>
+          </a:xfrm>
+          <a:prstGeom prst="straightConnector1">
+            <a:avLst/>
+          </a:prstGeom>
+          <a:ln w="25400">
+            <a:solidFill>
+              <a:schemeClr val="tx1"/>
+            </a:solidFill>
+            <a:tailEnd type="arrow"/>
+          </a:ln>
+        </p:spPr>
+        <p:style>
+          <a:lnRef idx="1">
+            <a:schemeClr val="accent1"/>
+          </a:lnRef>
+          <a:fillRef idx="0">
+            <a:schemeClr val="accent1"/>
+          </a:fillRef>
+          <a:effectRef idx="0">
+            <a:schemeClr val="accent1"/>
+          </a:effectRef>
+          <a:fontRef idx="minor">
+            <a:schemeClr val="tx1"/>
+          </a:fontRef>
+        </p:style>
+      </p:cxnSp>
+      <p:sp>
+        <p:nvSpPr>
+          <p:cNvPr id="23" name="矩形 22">
+            <a:extLst>
+              <a:ext uri="{FF2B5EF4-FFF2-40B4-BE49-F238E27FC236}">
+                <a16:creationId xmlns:a16="http://schemas.microsoft.com/office/drawing/2014/main" id="{37D59627-32F6-587D-FCC7-A0209DF61788}"/>
+              </a:ext>
+            </a:extLst>
+          </p:cNvPr>
+          <p:cNvSpPr/>
+          <p:nvPr/>
+        </p:nvSpPr>
+        <p:spPr>
+          <a:xfrm>
+            <a:off x="2609681" y="1556994"/>
+            <a:ext cx="455574" cy="369332"/>
+          </a:xfrm>
+          <a:prstGeom prst="rect">
+            <a:avLst/>
+          </a:prstGeom>
+          <a:noFill/>
+        </p:spPr>
+        <p:txBody>
+          <a:bodyPr wrap="none" lIns="91440" tIns="45720" rIns="91440" bIns="45720">
+            <a:spAutoFit/>
+          </a:bodyPr>
+          <a:lstStyle/>
+          <a:p>
+            <a:pPr algn="ctr"/>
+            <a:r>
+              <a:rPr lang="en-US" altLang="zh-CN" b="1" cap="none" spc="0" dirty="0">
+                <a:ln w="0"/>
+                <a:solidFill>
+                  <a:schemeClr val="tx1"/>
+                </a:solidFill>
+                <a:effectLst>
+                  <a:outerShdw blurRad="38100" dist="19050" dir="2700000" algn="tl" rotWithShape="0">
+                    <a:schemeClr val="dk1">
+                      <a:alpha val="40000"/>
+                    </a:schemeClr>
+                  </a:outerShdw>
+                </a:effectLst>
+              </a:rPr>
+              <a:t>X3</a:t>
+            </a:r>
+            <a:endParaRPr lang="zh-CN" altLang="en-US" b="1" cap="none" spc="0" dirty="0">
+              <a:ln w="0"/>
+              <a:solidFill>
+                <a:schemeClr val="tx1"/>
+              </a:solidFill>
+              <a:effectLst>
+                <a:outerShdw blurRad="38100" dist="19050" dir="2700000" algn="tl" rotWithShape="0">
+                  <a:schemeClr val="dk1">
+                    <a:alpha val="40000"/>
+                  </a:schemeClr>
+                </a:outerShdw>
+              </a:effectLst>
+            </a:endParaRPr>
+          </a:p>
+        </p:txBody>
+      </p:sp>
+      <p:sp>
+        <p:nvSpPr>
+          <p:cNvPr id="24" name="矩形 23">
+            <a:extLst>
+              <a:ext uri="{FF2B5EF4-FFF2-40B4-BE49-F238E27FC236}">
+                <a16:creationId xmlns:a16="http://schemas.microsoft.com/office/drawing/2014/main" id="{98523127-89E3-1C99-DF98-A39298B144FB}"/>
+              </a:ext>
+            </a:extLst>
+          </p:cNvPr>
+          <p:cNvSpPr/>
+          <p:nvPr/>
+        </p:nvSpPr>
+        <p:spPr>
+          <a:xfrm>
+            <a:off x="6388800" y="5752534"/>
+            <a:ext cx="455574" cy="369332"/>
+          </a:xfrm>
+          <a:prstGeom prst="rect">
+            <a:avLst/>
+          </a:prstGeom>
+          <a:noFill/>
+        </p:spPr>
+        <p:txBody>
+          <a:bodyPr wrap="none" lIns="91440" tIns="45720" rIns="91440" bIns="45720">
+            <a:spAutoFit/>
+          </a:bodyPr>
+          <a:lstStyle/>
+          <a:p>
+            <a:pPr algn="ctr"/>
+            <a:r>
+              <a:rPr lang="en-US" altLang="zh-CN" b="1" cap="none" spc="0" dirty="0">
+                <a:ln w="0"/>
+                <a:solidFill>
+                  <a:schemeClr val="tx1"/>
+                </a:solidFill>
+                <a:effectLst>
+                  <a:outerShdw blurRad="38100" dist="19050" dir="2700000" algn="tl" rotWithShape="0">
+                    <a:schemeClr val="dk1">
+                      <a:alpha val="40000"/>
+                    </a:schemeClr>
+                  </a:outerShdw>
+                </a:effectLst>
+              </a:rPr>
+              <a:t>X2</a:t>
+            </a:r>
+            <a:endParaRPr lang="zh-CN" altLang="en-US" b="1" cap="none" spc="0" dirty="0">
+              <a:ln w="0"/>
+              <a:solidFill>
+                <a:schemeClr val="tx1"/>
+              </a:solidFill>
+              <a:effectLst>
+                <a:outerShdw blurRad="38100" dist="19050" dir="2700000" algn="tl" rotWithShape="0">
+                  <a:schemeClr val="dk1">
+                    <a:alpha val="40000"/>
+                  </a:schemeClr>
+                </a:outerShdw>
+              </a:effectLst>
+            </a:endParaRPr>
+          </a:p>
+        </p:txBody>
+      </p:sp>
+      <p:sp>
+        <p:nvSpPr>
+          <p:cNvPr id="25" name="矩形 24">
+            <a:extLst>
+              <a:ext uri="{FF2B5EF4-FFF2-40B4-BE49-F238E27FC236}">
+                <a16:creationId xmlns:a16="http://schemas.microsoft.com/office/drawing/2014/main" id="{41D44C1E-CE17-6185-5811-EAE6F0D54206}"/>
+              </a:ext>
+            </a:extLst>
+          </p:cNvPr>
+          <p:cNvSpPr/>
+          <p:nvPr/>
+        </p:nvSpPr>
+        <p:spPr>
+          <a:xfrm>
+            <a:off x="2687209" y="6121866"/>
+            <a:ext cx="455574" cy="369332"/>
+          </a:xfrm>
+          <a:prstGeom prst="rect">
+            <a:avLst/>
+          </a:prstGeom>
+          <a:noFill/>
+        </p:spPr>
+        <p:txBody>
+          <a:bodyPr wrap="none" lIns="91440" tIns="45720" rIns="91440" bIns="45720">
+            <a:spAutoFit/>
+          </a:bodyPr>
+          <a:lstStyle/>
+          <a:p>
+            <a:pPr algn="ctr"/>
+            <a:r>
+              <a:rPr lang="en-US" altLang="zh-CN" b="1" cap="none" spc="0" dirty="0">
+                <a:ln w="0"/>
+                <a:solidFill>
+                  <a:schemeClr val="tx1"/>
+                </a:solidFill>
+                <a:effectLst>
+                  <a:outerShdw blurRad="38100" dist="19050" dir="2700000" algn="tl" rotWithShape="0">
+                    <a:schemeClr val="dk1">
+                      <a:alpha val="40000"/>
+                    </a:schemeClr>
+                  </a:outerShdw>
+                </a:effectLst>
+              </a:rPr>
+              <a:t>X1</a:t>
+            </a:r>
+            <a:endParaRPr lang="zh-CN" altLang="en-US" b="1" cap="none" spc="0" dirty="0">
+              <a:ln w="0"/>
+              <a:solidFill>
+                <a:schemeClr val="tx1"/>
+              </a:solidFill>
+              <a:effectLst>
+                <a:outerShdw blurRad="38100" dist="19050" dir="2700000" algn="tl" rotWithShape="0">
+                  <a:schemeClr val="dk1">
+                    <a:alpha val="40000"/>
+                  </a:schemeClr>
+                </a:outerShdw>
+              </a:effectLst>
+            </a:endParaRPr>
+          </a:p>
+        </p:txBody>
+      </p:sp>
+      <p:sp>
+        <p:nvSpPr>
+          <p:cNvPr id="26" name="流程图: 数据 25">
+            <a:extLst>
+              <a:ext uri="{FF2B5EF4-FFF2-40B4-BE49-F238E27FC236}">
+                <a16:creationId xmlns:a16="http://schemas.microsoft.com/office/drawing/2014/main" id="{4C25FD22-0A61-9072-F321-E3A1678C7958}"/>
+              </a:ext>
+            </a:extLst>
+          </p:cNvPr>
+          <p:cNvSpPr/>
+          <p:nvPr/>
+        </p:nvSpPr>
+        <p:spPr>
+          <a:xfrm rot="2288190">
+            <a:off x="2361344" y="2597626"/>
+            <a:ext cx="5207669" cy="2739479"/>
+          </a:xfrm>
+          <a:prstGeom prst="flowChartInputOutput">
+            <a:avLst/>
+          </a:prstGeom>
+          <a:solidFill>
+            <a:srgbClr val="00B0F0">
+              <a:alpha val="56000"/>
+            </a:srgbClr>
+          </a:solidFill>
+          <a:ln>
+            <a:solidFill>
+              <a:srgbClr val="00B0F0">
+                <a:alpha val="27000"/>
+              </a:srgbClr>
+            </a:solidFill>
+          </a:ln>
+        </p:spPr>
+        <p:style>
+          <a:lnRef idx="2">
+            <a:schemeClr val="accent1">
+              <a:shade val="15000"/>
+            </a:schemeClr>
+          </a:lnRef>
+          <a:fillRef idx="1">
+            <a:schemeClr val="accent1"/>
+          </a:fillRef>
+          <a:effectRef idx="0">
+            <a:schemeClr val="accent1"/>
+          </a:effectRef>
+          <a:fontRef idx="minor">
+            <a:schemeClr val="lt1"/>
+          </a:fontRef>
+        </p:style>
+        <p:txBody>
+          <a:bodyPr rtlCol="0" anchor="ctr"/>
+          <a:lstStyle/>
+          <a:p>
+            <a:pPr algn="ctr"/>
+            <a:endParaRPr lang="zh-CN" altLang="en-US"/>
+          </a:p>
+        </p:txBody>
+      </p:sp>
+      <p:cxnSp>
+        <p:nvCxnSpPr>
+          <p:cNvPr id="29" name="直接连接符 28">
+            <a:extLst>
+              <a:ext uri="{FF2B5EF4-FFF2-40B4-BE49-F238E27FC236}">
+                <a16:creationId xmlns:a16="http://schemas.microsoft.com/office/drawing/2014/main" id="{88C2E05B-5530-7772-28DC-BDD22B6B9A0D}"/>
+              </a:ext>
+            </a:extLst>
+          </p:cNvPr>
+          <p:cNvCxnSpPr>
+            <a:cxnSpLocks/>
+          </p:cNvCxnSpPr>
+          <p:nvPr/>
+        </p:nvCxnSpPr>
+        <p:spPr>
+          <a:xfrm flipH="1">
+            <a:off x="3078976" y="2140305"/>
+            <a:ext cx="1149784" cy="2077109"/>
+          </a:xfrm>
+          <a:prstGeom prst="line">
+            <a:avLst/>
+          </a:prstGeom>
+          <a:ln w="19050"/>
+        </p:spPr>
+        <p:style>
+          <a:lnRef idx="1">
+            <a:schemeClr val="accent1"/>
+          </a:lnRef>
+          <a:fillRef idx="0">
+            <a:schemeClr val="accent1"/>
+          </a:fillRef>
+          <a:effectRef idx="0">
+            <a:schemeClr val="accent1"/>
+          </a:effectRef>
+          <a:fontRef idx="minor">
+            <a:schemeClr val="tx1"/>
+          </a:fontRef>
+        </p:style>
+      </p:cxnSp>
+      <p:cxnSp>
+        <p:nvCxnSpPr>
+          <p:cNvPr id="34" name="直接连接符 33">
+            <a:extLst>
+              <a:ext uri="{FF2B5EF4-FFF2-40B4-BE49-F238E27FC236}">
+                <a16:creationId xmlns:a16="http://schemas.microsoft.com/office/drawing/2014/main" id="{E25F3FC5-27C7-8E02-10AF-D4EB7870D4BA}"/>
+              </a:ext>
+            </a:extLst>
+          </p:cNvPr>
+          <p:cNvCxnSpPr>
+            <a:cxnSpLocks/>
+          </p:cNvCxnSpPr>
+          <p:nvPr/>
+        </p:nvCxnSpPr>
+        <p:spPr>
+          <a:xfrm flipH="1">
+            <a:off x="3755182" y="2370841"/>
+            <a:ext cx="1350461" cy="2386063"/>
+          </a:xfrm>
+          <a:prstGeom prst="line">
+            <a:avLst/>
+          </a:prstGeom>
+          <a:ln w="19050"/>
+        </p:spPr>
+        <p:style>
+          <a:lnRef idx="1">
+            <a:schemeClr val="accent1"/>
+          </a:lnRef>
+          <a:fillRef idx="0">
+            <a:schemeClr val="accent1"/>
+          </a:fillRef>
+          <a:effectRef idx="0">
+            <a:schemeClr val="accent1"/>
+          </a:effectRef>
+          <a:fontRef idx="minor">
+            <a:schemeClr val="tx1"/>
+          </a:fontRef>
+        </p:style>
+      </p:cxnSp>
+      <p:cxnSp>
+        <p:nvCxnSpPr>
+          <p:cNvPr id="36" name="直接连接符 35">
+            <a:extLst>
+              <a:ext uri="{FF2B5EF4-FFF2-40B4-BE49-F238E27FC236}">
+                <a16:creationId xmlns:a16="http://schemas.microsoft.com/office/drawing/2014/main" id="{CC207EE2-88D4-21D5-2E43-AD70434E3A2D}"/>
+              </a:ext>
+            </a:extLst>
+          </p:cNvPr>
+          <p:cNvCxnSpPr>
+            <a:cxnSpLocks/>
+          </p:cNvCxnSpPr>
+          <p:nvPr/>
+        </p:nvCxnSpPr>
+        <p:spPr>
+          <a:xfrm flipH="1">
+            <a:off x="4455006" y="2900516"/>
+            <a:ext cx="1350461" cy="2386063"/>
+          </a:xfrm>
+          <a:prstGeom prst="line">
+            <a:avLst/>
+          </a:prstGeom>
+          <a:ln w="19050"/>
+        </p:spPr>
+        <p:style>
+          <a:lnRef idx="1">
+            <a:schemeClr val="accent1"/>
+          </a:lnRef>
+          <a:fillRef idx="0">
+            <a:schemeClr val="accent1"/>
+          </a:fillRef>
+          <a:effectRef idx="0">
+            <a:schemeClr val="accent1"/>
+          </a:effectRef>
+          <a:fontRef idx="minor">
+            <a:schemeClr val="tx1"/>
+          </a:fontRef>
+        </p:style>
+      </p:cxnSp>
+      <p:cxnSp>
+        <p:nvCxnSpPr>
+          <p:cNvPr id="37" name="直接连接符 36">
+            <a:extLst>
+              <a:ext uri="{FF2B5EF4-FFF2-40B4-BE49-F238E27FC236}">
+                <a16:creationId xmlns:a16="http://schemas.microsoft.com/office/drawing/2014/main" id="{AFFECEA2-3E24-54B6-9B0F-8BDCA2A4692B}"/>
+              </a:ext>
+            </a:extLst>
+          </p:cNvPr>
+          <p:cNvCxnSpPr>
+            <a:cxnSpLocks/>
+          </p:cNvCxnSpPr>
+          <p:nvPr/>
+        </p:nvCxnSpPr>
+        <p:spPr>
+          <a:xfrm flipH="1">
+            <a:off x="5044564" y="3341534"/>
+            <a:ext cx="1302426" cy="2387254"/>
+          </a:xfrm>
+          <a:prstGeom prst="line">
+            <a:avLst/>
+          </a:prstGeom>
+          <a:ln w="19050"/>
+        </p:spPr>
+        <p:style>
+          <a:lnRef idx="1">
+            <a:schemeClr val="accent1"/>
+          </a:lnRef>
+          <a:fillRef idx="0">
+            <a:schemeClr val="accent1"/>
+          </a:fillRef>
+          <a:effectRef idx="0">
+            <a:schemeClr val="accent1"/>
+          </a:effectRef>
+          <a:fontRef idx="minor">
+            <a:schemeClr val="tx1"/>
+          </a:fontRef>
+        </p:style>
+      </p:cxnSp>
+      <p:cxnSp>
+        <p:nvCxnSpPr>
+          <p:cNvPr id="39" name="直接连接符 38">
+            <a:extLst>
+              <a:ext uri="{FF2B5EF4-FFF2-40B4-BE49-F238E27FC236}">
+                <a16:creationId xmlns:a16="http://schemas.microsoft.com/office/drawing/2014/main" id="{8E2FB3C1-827D-179C-1DF5-1984F2E8D35C}"/>
+              </a:ext>
+            </a:extLst>
+          </p:cNvPr>
+          <p:cNvCxnSpPr>
+            <a:cxnSpLocks/>
+          </p:cNvCxnSpPr>
+          <p:nvPr/>
+        </p:nvCxnSpPr>
+        <p:spPr>
+          <a:xfrm flipH="1">
+            <a:off x="5965374" y="3782699"/>
+            <a:ext cx="959329" cy="1847980"/>
+          </a:xfrm>
+          <a:prstGeom prst="line">
+            <a:avLst/>
+          </a:prstGeom>
+          <a:ln w="19050"/>
+        </p:spPr>
+        <p:style>
+          <a:lnRef idx="1">
+            <a:schemeClr val="accent1"/>
+          </a:lnRef>
+          <a:fillRef idx="0">
+            <a:schemeClr val="accent1"/>
+          </a:fillRef>
+          <a:effectRef idx="0">
+            <a:schemeClr val="accent1"/>
+          </a:effectRef>
+          <a:fontRef idx="minor">
+            <a:schemeClr val="tx1"/>
+          </a:fontRef>
+        </p:style>
+      </p:cxnSp>
+      <p:cxnSp>
+        <p:nvCxnSpPr>
+          <p:cNvPr id="42" name="直接箭头连接符 41">
+            <a:extLst>
+              <a:ext uri="{FF2B5EF4-FFF2-40B4-BE49-F238E27FC236}">
+                <a16:creationId xmlns:a16="http://schemas.microsoft.com/office/drawing/2014/main" id="{69DE4968-A4CB-16F3-B178-CE6992E2B310}"/>
+              </a:ext>
+            </a:extLst>
+          </p:cNvPr>
+          <p:cNvCxnSpPr>
+            <a:cxnSpLocks/>
+          </p:cNvCxnSpPr>
+          <p:nvPr/>
+        </p:nvCxnSpPr>
+        <p:spPr>
+          <a:xfrm flipH="1" flipV="1">
+            <a:off x="4184578" y="2908642"/>
+            <a:ext cx="1327643" cy="973609"/>
+          </a:xfrm>
+          <a:prstGeom prst="straightConnector1">
+            <a:avLst/>
+          </a:prstGeom>
+          <a:ln w="50800">
+            <a:solidFill>
+              <a:srgbClr val="7030A0"/>
+            </a:solidFill>
+            <a:tailEnd type="triangle"/>
+          </a:ln>
+        </p:spPr>
+        <p:style>
+          <a:lnRef idx="1">
+            <a:schemeClr val="accent1"/>
+          </a:lnRef>
+          <a:fillRef idx="0">
+            <a:schemeClr val="accent1"/>
+          </a:fillRef>
+          <a:effectRef idx="0">
+            <a:schemeClr val="accent1"/>
+          </a:effectRef>
+          <a:fontRef idx="minor">
+            <a:schemeClr val="tx1"/>
+          </a:fontRef>
+        </p:style>
+      </p:cxnSp>
+      <p:sp>
+        <p:nvSpPr>
+          <p:cNvPr id="43" name="矩形 42">
+            <a:extLst>
+              <a:ext uri="{FF2B5EF4-FFF2-40B4-BE49-F238E27FC236}">
+                <a16:creationId xmlns:a16="http://schemas.microsoft.com/office/drawing/2014/main" id="{1570D42C-EA43-CEE2-D1CD-4E8A357E277D}"/>
+              </a:ext>
+            </a:extLst>
+          </p:cNvPr>
+          <p:cNvSpPr/>
+          <p:nvPr/>
+        </p:nvSpPr>
+        <p:spPr>
+          <a:xfrm>
+            <a:off x="5882755" y="4566443"/>
+            <a:ext cx="502061" cy="369332"/>
+          </a:xfrm>
+          <a:prstGeom prst="rect">
+            <a:avLst/>
+          </a:prstGeom>
+          <a:noFill/>
+        </p:spPr>
+        <p:txBody>
+          <a:bodyPr wrap="none" lIns="91440" tIns="45720" rIns="91440" bIns="45720">
+            <a:spAutoFit/>
+          </a:bodyPr>
+          <a:lstStyle/>
+          <a:p>
+            <a:pPr algn="ctr"/>
+            <a:r>
+              <a:rPr lang="en-US" altLang="zh-CN" b="1" dirty="0">
+                <a:ln w="0"/>
+                <a:solidFill>
+                  <a:srgbClr val="7030A0"/>
+                </a:solidFill>
+                <a:effectLst>
+                  <a:outerShdw blurRad="38100" dist="19050" dir="2700000" algn="tl" rotWithShape="0">
+                    <a:schemeClr val="dk1">
+                      <a:alpha val="40000"/>
+                    </a:schemeClr>
+                  </a:outerShdw>
+                </a:effectLst>
+              </a:rPr>
+              <a:t>X</a:t>
+            </a:r>
+            <a:r>
+              <a:rPr lang="en-US" altLang="zh-CN" sz="1400" b="1" cap="none" spc="0" dirty="0">
+                <a:ln w="0"/>
+                <a:solidFill>
+                  <a:srgbClr val="7030A0"/>
+                </a:solidFill>
+                <a:effectLst>
+                  <a:outerShdw blurRad="38100" dist="19050" dir="2700000" algn="tl" rotWithShape="0">
+                    <a:schemeClr val="dk1">
+                      <a:alpha val="40000"/>
+                    </a:schemeClr>
+                  </a:outerShdw>
+                </a:effectLst>
+              </a:rPr>
+              <a:t>n</a:t>
+            </a:r>
+            <a:r>
+              <a:rPr lang="en-US" altLang="zh-CN" sz="1000" b="1" cap="none" spc="0" dirty="0">
+                <a:ln w="0"/>
+                <a:solidFill>
+                  <a:srgbClr val="7030A0"/>
+                </a:solidFill>
+                <a:effectLst>
+                  <a:outerShdw blurRad="38100" dist="19050" dir="2700000" algn="tl" rotWithShape="0">
+                    <a:schemeClr val="dk1">
+                      <a:alpha val="40000"/>
+                    </a:schemeClr>
+                  </a:outerShdw>
+                </a:effectLst>
+              </a:rPr>
+              <a:t>1</a:t>
+            </a:r>
+            <a:endParaRPr lang="zh-CN" altLang="en-US" sz="1000" b="1" cap="none" spc="0" dirty="0">
+              <a:ln w="0"/>
+              <a:solidFill>
+                <a:srgbClr val="7030A0"/>
+              </a:solidFill>
+              <a:effectLst>
+                <a:outerShdw blurRad="38100" dist="19050" dir="2700000" algn="tl" rotWithShape="0">
+                  <a:schemeClr val="dk1">
+                    <a:alpha val="40000"/>
+                  </a:schemeClr>
+                </a:outerShdw>
+              </a:effectLst>
+            </a:endParaRPr>
+          </a:p>
+        </p:txBody>
+      </p:sp>
+      <p:sp>
+        <p:nvSpPr>
+          <p:cNvPr id="44" name="矩形 43">
+            <a:extLst>
+              <a:ext uri="{FF2B5EF4-FFF2-40B4-BE49-F238E27FC236}">
+                <a16:creationId xmlns:a16="http://schemas.microsoft.com/office/drawing/2014/main" id="{B7B46B82-1A6F-26D3-BE81-82403ACC90E8}"/>
+              </a:ext>
+            </a:extLst>
+          </p:cNvPr>
+          <p:cNvSpPr/>
+          <p:nvPr/>
+        </p:nvSpPr>
+        <p:spPr>
+          <a:xfrm>
+            <a:off x="4052819" y="3000107"/>
+            <a:ext cx="502062" cy="369332"/>
+          </a:xfrm>
+          <a:prstGeom prst="rect">
+            <a:avLst/>
+          </a:prstGeom>
+          <a:noFill/>
+        </p:spPr>
+        <p:txBody>
+          <a:bodyPr wrap="none" lIns="91440" tIns="45720" rIns="91440" bIns="45720">
+            <a:spAutoFit/>
+          </a:bodyPr>
+          <a:lstStyle/>
+          <a:p>
+            <a:pPr algn="ctr"/>
+            <a:r>
+              <a:rPr lang="en-US" altLang="zh-CN" b="1" dirty="0">
+                <a:ln w="0"/>
+                <a:solidFill>
+                  <a:srgbClr val="7030A0"/>
+                </a:solidFill>
+                <a:effectLst>
+                  <a:outerShdw blurRad="38100" dist="19050" dir="2700000" algn="tl" rotWithShape="0">
+                    <a:schemeClr val="dk1">
+                      <a:alpha val="40000"/>
+                    </a:schemeClr>
+                  </a:outerShdw>
+                </a:effectLst>
+              </a:rPr>
+              <a:t>X</a:t>
+            </a:r>
+            <a:r>
+              <a:rPr lang="en-US" altLang="zh-CN" sz="1400" b="1" cap="none" spc="0" dirty="0">
+                <a:ln w="0"/>
+                <a:solidFill>
+                  <a:srgbClr val="7030A0"/>
+                </a:solidFill>
+                <a:effectLst>
+                  <a:outerShdw blurRad="38100" dist="19050" dir="2700000" algn="tl" rotWithShape="0">
+                    <a:schemeClr val="dk1">
+                      <a:alpha val="40000"/>
+                    </a:schemeClr>
+                  </a:outerShdw>
+                </a:effectLst>
+              </a:rPr>
+              <a:t>n</a:t>
+            </a:r>
+            <a:r>
+              <a:rPr lang="en-US" altLang="zh-CN" sz="1000" b="1" dirty="0">
+                <a:ln w="0"/>
+                <a:solidFill>
+                  <a:srgbClr val="7030A0"/>
+                </a:solidFill>
+                <a:effectLst>
+                  <a:outerShdw blurRad="38100" dist="19050" dir="2700000" algn="tl" rotWithShape="0">
+                    <a:schemeClr val="dk1">
+                      <a:alpha val="40000"/>
+                    </a:schemeClr>
+                  </a:outerShdw>
+                </a:effectLst>
+              </a:rPr>
+              <a:t>2</a:t>
+            </a:r>
+            <a:endParaRPr lang="zh-CN" altLang="en-US" sz="1000" b="1" cap="none" spc="0" dirty="0">
+              <a:ln w="0"/>
+              <a:solidFill>
+                <a:srgbClr val="7030A0"/>
+              </a:solidFill>
+              <a:effectLst>
+                <a:outerShdw blurRad="38100" dist="19050" dir="2700000" algn="tl" rotWithShape="0">
+                  <a:schemeClr val="dk1">
+                    <a:alpha val="40000"/>
+                  </a:schemeClr>
+                </a:outerShdw>
+              </a:effectLst>
+            </a:endParaRPr>
+          </a:p>
+        </p:txBody>
+      </p:sp>
+      <p:sp>
+        <p:nvSpPr>
+          <p:cNvPr id="45" name="矩形 44">
+            <a:extLst>
+              <a:ext uri="{FF2B5EF4-FFF2-40B4-BE49-F238E27FC236}">
+                <a16:creationId xmlns:a16="http://schemas.microsoft.com/office/drawing/2014/main" id="{4C32A6A7-1F3B-1D62-754A-B3983FD76EE5}"/>
+              </a:ext>
+            </a:extLst>
+          </p:cNvPr>
+          <p:cNvSpPr/>
+          <p:nvPr/>
+        </p:nvSpPr>
+        <p:spPr>
+          <a:xfrm>
+            <a:off x="5105643" y="4001333"/>
+            <a:ext cx="434735" cy="369332"/>
+          </a:xfrm>
+          <a:prstGeom prst="rect">
+            <a:avLst/>
+          </a:prstGeom>
+          <a:noFill/>
+        </p:spPr>
+        <p:txBody>
+          <a:bodyPr wrap="none" lIns="91440" tIns="45720" rIns="91440" bIns="45720">
+            <a:spAutoFit/>
+          </a:bodyPr>
+          <a:lstStyle/>
+          <a:p>
+            <a:pPr algn="ctr"/>
+            <a:r>
+              <a:rPr lang="en-US" altLang="zh-CN" b="1" dirty="0">
+                <a:ln w="0"/>
+                <a:solidFill>
+                  <a:srgbClr val="7030A0"/>
+                </a:solidFill>
+                <a:effectLst>
+                  <a:outerShdw blurRad="38100" dist="19050" dir="2700000" algn="tl" rotWithShape="0">
+                    <a:schemeClr val="dk1">
+                      <a:alpha val="40000"/>
+                    </a:schemeClr>
+                  </a:outerShdw>
+                </a:effectLst>
+              </a:rPr>
+              <a:t>X</a:t>
+            </a:r>
+            <a:r>
+              <a:rPr lang="en-US" altLang="zh-CN" sz="1400" b="1" dirty="0">
+                <a:ln w="0"/>
+                <a:solidFill>
+                  <a:srgbClr val="7030A0"/>
+                </a:solidFill>
+                <a:effectLst>
+                  <a:outerShdw blurRad="38100" dist="19050" dir="2700000" algn="tl" rotWithShape="0">
+                    <a:schemeClr val="dk1">
+                      <a:alpha val="40000"/>
+                    </a:schemeClr>
+                  </a:outerShdw>
+                </a:effectLst>
+              </a:rPr>
+              <a:t>p</a:t>
+            </a:r>
+            <a:endParaRPr lang="zh-CN" altLang="en-US" sz="1000" b="1" cap="none" spc="0" dirty="0">
+              <a:ln w="0"/>
+              <a:solidFill>
+                <a:srgbClr val="7030A0"/>
+              </a:solidFill>
+              <a:effectLst>
+                <a:outerShdw blurRad="38100" dist="19050" dir="2700000" algn="tl" rotWithShape="0">
+                  <a:schemeClr val="dk1">
+                    <a:alpha val="40000"/>
+                  </a:schemeClr>
+                </a:outerShdw>
+              </a:effectLst>
+            </a:endParaRPr>
+          </a:p>
+        </p:txBody>
+      </p:sp>
+      <p:cxnSp>
+        <p:nvCxnSpPr>
+          <p:cNvPr id="46" name="直接箭头连接符 45">
+            <a:extLst>
+              <a:ext uri="{FF2B5EF4-FFF2-40B4-BE49-F238E27FC236}">
+                <a16:creationId xmlns:a16="http://schemas.microsoft.com/office/drawing/2014/main" id="{49F0FBB4-5A1B-8032-2BB7-A2E8FF55D769}"/>
+              </a:ext>
+            </a:extLst>
+          </p:cNvPr>
+          <p:cNvCxnSpPr>
+            <a:cxnSpLocks/>
+          </p:cNvCxnSpPr>
+          <p:nvPr/>
+        </p:nvCxnSpPr>
+        <p:spPr>
+          <a:xfrm>
+            <a:off x="5502493" y="3872523"/>
+            <a:ext cx="453153" cy="1106689"/>
+          </a:xfrm>
+          <a:prstGeom prst="straightConnector1">
+            <a:avLst/>
+          </a:prstGeom>
+          <a:ln w="50800">
+            <a:solidFill>
+              <a:srgbClr val="7030A0"/>
+            </a:solidFill>
+            <a:tailEnd type="triangle"/>
+          </a:ln>
+        </p:spPr>
+        <p:style>
+          <a:lnRef idx="1">
+            <a:schemeClr val="accent1"/>
+          </a:lnRef>
+          <a:fillRef idx="0">
+            <a:schemeClr val="accent1"/>
+          </a:fillRef>
+          <a:effectRef idx="0">
+            <a:schemeClr val="accent1"/>
+          </a:effectRef>
+          <a:fontRef idx="minor">
+            <a:schemeClr val="tx1"/>
+          </a:fontRef>
+        </p:style>
+      </p:cxnSp>
+      <p:cxnSp>
+        <p:nvCxnSpPr>
+          <p:cNvPr id="47" name="直接箭头连接符 46">
+            <a:extLst>
+              <a:ext uri="{FF2B5EF4-FFF2-40B4-BE49-F238E27FC236}">
+                <a16:creationId xmlns:a16="http://schemas.microsoft.com/office/drawing/2014/main" id="{6A6E5E13-276D-5DD7-F939-5F4490134CE8}"/>
+              </a:ext>
+            </a:extLst>
+          </p:cNvPr>
+          <p:cNvCxnSpPr>
+            <a:cxnSpLocks/>
+          </p:cNvCxnSpPr>
+          <p:nvPr/>
+        </p:nvCxnSpPr>
+        <p:spPr>
+          <a:xfrm flipV="1">
+            <a:off x="4516415" y="3876125"/>
+            <a:ext cx="1008896" cy="619748"/>
+          </a:xfrm>
+          <a:prstGeom prst="straightConnector1">
+            <a:avLst/>
+          </a:prstGeom>
+          <a:ln w="50800">
+            <a:solidFill>
+              <a:srgbClr val="7030A0"/>
+            </a:solidFill>
+            <a:tailEnd type="triangle"/>
+          </a:ln>
+        </p:spPr>
+        <p:style>
+          <a:lnRef idx="1">
+            <a:schemeClr val="accent1"/>
+          </a:lnRef>
+          <a:fillRef idx="0">
+            <a:schemeClr val="accent1"/>
+          </a:fillRef>
+          <a:effectRef idx="0">
+            <a:schemeClr val="accent1"/>
+          </a:effectRef>
+          <a:fontRef idx="minor">
+            <a:schemeClr val="tx1"/>
+          </a:fontRef>
+        </p:style>
+      </p:cxnSp>
+    </p:spTree>
+    <p:extLst>
+      <p:ext uri="{BB962C8B-B14F-4D97-AF65-F5344CB8AC3E}">
+        <p14:creationId xmlns:p14="http://schemas.microsoft.com/office/powerpoint/2010/main" val="654688485"/>
+      </p:ext>
+    </p:extLst>
+  </p:cSld>
+  <p:clrMapOvr>
+    <a:masterClrMapping/>
+  </p:clrMapOvr>
+</p:sld>
+</file>
+
 <file path=ppt/theme/theme1.xml><?xml version="1.0" encoding="utf-8"?>
 <a:theme xmlns:a="http://schemas.openxmlformats.org/drawingml/2006/main" name="Office 主题​​">
   <a:themeElements>

--- a/notes/campus.pptx
+++ b/notes/campus.pptx
@@ -11,6 +11,8 @@
     <p:sldId id="260" r:id="rId5"/>
     <p:sldId id="261" r:id="rId6"/>
     <p:sldId id="262" r:id="rId7"/>
+    <p:sldId id="263" r:id="rId8"/>
+    <p:sldId id="264" r:id="rId9"/>
   </p:sldIdLst>
   <p:sldSz cx="12192000" cy="6858000"/>
   <p:notesSz cx="6858000" cy="9144000"/>
@@ -264,7 +266,7 @@
           <a:p>
             <a:fld id="{00614340-6DC8-4F03-8B80-799B88CEBCA0}" type="datetimeFigureOut">
               <a:rPr lang="zh-CN" altLang="en-US" smtClean="0"/>
-              <a:t>2023/9/26</a:t>
+              <a:t>2023/9/28</a:t>
             </a:fld>
             <a:endParaRPr lang="zh-CN" altLang="en-US"/>
           </a:p>
@@ -462,7 +464,7 @@
           <a:p>
             <a:fld id="{00614340-6DC8-4F03-8B80-799B88CEBCA0}" type="datetimeFigureOut">
               <a:rPr lang="zh-CN" altLang="en-US" smtClean="0"/>
-              <a:t>2023/9/26</a:t>
+              <a:t>2023/9/28</a:t>
             </a:fld>
             <a:endParaRPr lang="zh-CN" altLang="en-US"/>
           </a:p>
@@ -670,7 +672,7 @@
           <a:p>
             <a:fld id="{00614340-6DC8-4F03-8B80-799B88CEBCA0}" type="datetimeFigureOut">
               <a:rPr lang="zh-CN" altLang="en-US" smtClean="0"/>
-              <a:t>2023/9/26</a:t>
+              <a:t>2023/9/28</a:t>
             </a:fld>
             <a:endParaRPr lang="zh-CN" altLang="en-US"/>
           </a:p>
@@ -868,7 +870,7 @@
           <a:p>
             <a:fld id="{00614340-6DC8-4F03-8B80-799B88CEBCA0}" type="datetimeFigureOut">
               <a:rPr lang="zh-CN" altLang="en-US" smtClean="0"/>
-              <a:t>2023/9/26</a:t>
+              <a:t>2023/9/28</a:t>
             </a:fld>
             <a:endParaRPr lang="zh-CN" altLang="en-US"/>
           </a:p>
@@ -1143,7 +1145,7 @@
           <a:p>
             <a:fld id="{00614340-6DC8-4F03-8B80-799B88CEBCA0}" type="datetimeFigureOut">
               <a:rPr lang="zh-CN" altLang="en-US" smtClean="0"/>
-              <a:t>2023/9/26</a:t>
+              <a:t>2023/9/28</a:t>
             </a:fld>
             <a:endParaRPr lang="zh-CN" altLang="en-US"/>
           </a:p>
@@ -1408,7 +1410,7 @@
           <a:p>
             <a:fld id="{00614340-6DC8-4F03-8B80-799B88CEBCA0}" type="datetimeFigureOut">
               <a:rPr lang="zh-CN" altLang="en-US" smtClean="0"/>
-              <a:t>2023/9/26</a:t>
+              <a:t>2023/9/28</a:t>
             </a:fld>
             <a:endParaRPr lang="zh-CN" altLang="en-US"/>
           </a:p>
@@ -1820,7 +1822,7 @@
           <a:p>
             <a:fld id="{00614340-6DC8-4F03-8B80-799B88CEBCA0}" type="datetimeFigureOut">
               <a:rPr lang="zh-CN" altLang="en-US" smtClean="0"/>
-              <a:t>2023/9/26</a:t>
+              <a:t>2023/9/28</a:t>
             </a:fld>
             <a:endParaRPr lang="zh-CN" altLang="en-US"/>
           </a:p>
@@ -1961,7 +1963,7 @@
           <a:p>
             <a:fld id="{00614340-6DC8-4F03-8B80-799B88CEBCA0}" type="datetimeFigureOut">
               <a:rPr lang="zh-CN" altLang="en-US" smtClean="0"/>
-              <a:t>2023/9/26</a:t>
+              <a:t>2023/9/28</a:t>
             </a:fld>
             <a:endParaRPr lang="zh-CN" altLang="en-US"/>
           </a:p>
@@ -2074,7 +2076,7 @@
           <a:p>
             <a:fld id="{00614340-6DC8-4F03-8B80-799B88CEBCA0}" type="datetimeFigureOut">
               <a:rPr lang="zh-CN" altLang="en-US" smtClean="0"/>
-              <a:t>2023/9/26</a:t>
+              <a:t>2023/9/28</a:t>
             </a:fld>
             <a:endParaRPr lang="zh-CN" altLang="en-US"/>
           </a:p>
@@ -2385,7 +2387,7 @@
           <a:p>
             <a:fld id="{00614340-6DC8-4F03-8B80-799B88CEBCA0}" type="datetimeFigureOut">
               <a:rPr lang="zh-CN" altLang="en-US" smtClean="0"/>
-              <a:t>2023/9/26</a:t>
+              <a:t>2023/9/28</a:t>
             </a:fld>
             <a:endParaRPr lang="zh-CN" altLang="en-US"/>
           </a:p>
@@ -2673,7 +2675,7 @@
           <a:p>
             <a:fld id="{00614340-6DC8-4F03-8B80-799B88CEBCA0}" type="datetimeFigureOut">
               <a:rPr lang="zh-CN" altLang="en-US" smtClean="0"/>
-              <a:t>2023/9/26</a:t>
+              <a:t>2023/9/28</a:t>
             </a:fld>
             <a:endParaRPr lang="zh-CN" altLang="en-US"/>
           </a:p>
@@ -2914,7 +2916,7 @@
           <a:p>
             <a:fld id="{00614340-6DC8-4F03-8B80-799B88CEBCA0}" type="datetimeFigureOut">
               <a:rPr lang="zh-CN" altLang="en-US" smtClean="0"/>
-              <a:t>2023/9/26</a:t>
+              <a:t>2023/9/28</a:t>
             </a:fld>
             <a:endParaRPr lang="zh-CN" altLang="en-US"/>
           </a:p>
@@ -9240,6 +9242,1872 @@
 </p:sld>
 </file>
 
+<file path=ppt/slides/slide7.xml><?xml version="1.0" encoding="utf-8"?>
+<p:sld xmlns:a="http://schemas.openxmlformats.org/drawingml/2006/main" xmlns:r="http://schemas.openxmlformats.org/officeDocument/2006/relationships" xmlns:p="http://schemas.openxmlformats.org/presentationml/2006/main">
+  <p:cSld>
+    <p:spTree>
+      <p:nvGrpSpPr>
+        <p:cNvPr id="1" name=""/>
+        <p:cNvGrpSpPr/>
+        <p:nvPr/>
+      </p:nvGrpSpPr>
+      <p:grpSpPr>
+        <a:xfrm>
+          <a:off x="0" y="0"/>
+          <a:ext cx="0" cy="0"/>
+          <a:chOff x="0" y="0"/>
+          <a:chExt cx="0" cy="0"/>
+        </a:xfrm>
+      </p:grpSpPr>
+      <p:cxnSp>
+        <p:nvCxnSpPr>
+          <p:cNvPr id="3" name="直接箭头连接符 2">
+            <a:extLst>
+              <a:ext uri="{FF2B5EF4-FFF2-40B4-BE49-F238E27FC236}">
+                <a16:creationId xmlns:a16="http://schemas.microsoft.com/office/drawing/2014/main" id="{9EF88798-0F42-8C73-BFF2-C6611440309A}"/>
+              </a:ext>
+            </a:extLst>
+          </p:cNvPr>
+          <p:cNvCxnSpPr>
+            <a:cxnSpLocks/>
+          </p:cNvCxnSpPr>
+          <p:nvPr/>
+        </p:nvCxnSpPr>
+        <p:spPr>
+          <a:xfrm>
+            <a:off x="354824" y="3946286"/>
+            <a:ext cx="3261902" cy="1"/>
+          </a:xfrm>
+          <a:prstGeom prst="straightConnector1">
+            <a:avLst/>
+          </a:prstGeom>
+          <a:ln w="25400">
+            <a:solidFill>
+              <a:schemeClr val="tx1"/>
+            </a:solidFill>
+            <a:tailEnd type="arrow"/>
+          </a:ln>
+        </p:spPr>
+        <p:style>
+          <a:lnRef idx="1">
+            <a:schemeClr val="accent1"/>
+          </a:lnRef>
+          <a:fillRef idx="0">
+            <a:schemeClr val="accent1"/>
+          </a:fillRef>
+          <a:effectRef idx="0">
+            <a:schemeClr val="accent1"/>
+          </a:effectRef>
+          <a:fontRef idx="minor">
+            <a:schemeClr val="tx1"/>
+          </a:fontRef>
+        </p:style>
+      </p:cxnSp>
+      <p:cxnSp>
+        <p:nvCxnSpPr>
+          <p:cNvPr id="4" name="直接箭头连接符 3">
+            <a:extLst>
+              <a:ext uri="{FF2B5EF4-FFF2-40B4-BE49-F238E27FC236}">
+                <a16:creationId xmlns:a16="http://schemas.microsoft.com/office/drawing/2014/main" id="{63E6A94F-6E89-6AA7-53E2-7F83D4CADEAC}"/>
+              </a:ext>
+            </a:extLst>
+          </p:cNvPr>
+          <p:cNvCxnSpPr>
+            <a:cxnSpLocks/>
+          </p:cNvCxnSpPr>
+          <p:nvPr/>
+        </p:nvCxnSpPr>
+        <p:spPr>
+          <a:xfrm flipV="1">
+            <a:off x="646547" y="2372010"/>
+            <a:ext cx="0" cy="1875934"/>
+          </a:xfrm>
+          <a:prstGeom prst="straightConnector1">
+            <a:avLst/>
+          </a:prstGeom>
+          <a:ln w="25400">
+            <a:solidFill>
+              <a:schemeClr val="tx1"/>
+            </a:solidFill>
+            <a:tailEnd type="arrow"/>
+          </a:ln>
+        </p:spPr>
+        <p:style>
+          <a:lnRef idx="1">
+            <a:schemeClr val="accent1"/>
+          </a:lnRef>
+          <a:fillRef idx="0">
+            <a:schemeClr val="accent1"/>
+          </a:fillRef>
+          <a:effectRef idx="0">
+            <a:schemeClr val="accent1"/>
+          </a:effectRef>
+          <a:fontRef idx="minor">
+            <a:schemeClr val="tx1"/>
+          </a:fontRef>
+        </p:style>
+      </p:cxnSp>
+      <p:sp>
+        <p:nvSpPr>
+          <p:cNvPr id="7" name="矩形 6">
+            <a:extLst>
+              <a:ext uri="{FF2B5EF4-FFF2-40B4-BE49-F238E27FC236}">
+                <a16:creationId xmlns:a16="http://schemas.microsoft.com/office/drawing/2014/main" id="{0E198224-D6CE-505C-B996-72F758F0C119}"/>
+              </a:ext>
+            </a:extLst>
+          </p:cNvPr>
+          <p:cNvSpPr/>
+          <p:nvPr/>
+        </p:nvSpPr>
+        <p:spPr>
+          <a:xfrm>
+            <a:off x="3338646" y="3946287"/>
+            <a:ext cx="338555" cy="461665"/>
+          </a:xfrm>
+          <a:prstGeom prst="rect">
+            <a:avLst/>
+          </a:prstGeom>
+          <a:noFill/>
+        </p:spPr>
+        <p:txBody>
+          <a:bodyPr wrap="none" lIns="91440" tIns="45720" rIns="91440" bIns="45720">
+            <a:spAutoFit/>
+          </a:bodyPr>
+          <a:lstStyle/>
+          <a:p>
+            <a:pPr algn="ctr"/>
+            <a:r>
+              <a:rPr lang="en-US" altLang="zh-CN" sz="2400" b="1" cap="none" spc="0" dirty="0">
+                <a:ln w="0"/>
+                <a:solidFill>
+                  <a:schemeClr val="tx1"/>
+                </a:solidFill>
+                <a:effectLst>
+                  <a:outerShdw blurRad="38100" dist="19050" dir="2700000" algn="tl" rotWithShape="0">
+                    <a:schemeClr val="dk1">
+                      <a:alpha val="40000"/>
+                    </a:schemeClr>
+                  </a:outerShdw>
+                </a:effectLst>
+              </a:rPr>
+              <a:t>x</a:t>
+            </a:r>
+            <a:endParaRPr lang="zh-CN" altLang="en-US" sz="2400" b="1" cap="none" spc="0" dirty="0">
+              <a:ln w="0"/>
+              <a:solidFill>
+                <a:schemeClr val="tx1"/>
+              </a:solidFill>
+              <a:effectLst>
+                <a:outerShdw blurRad="38100" dist="19050" dir="2700000" algn="tl" rotWithShape="0">
+                  <a:schemeClr val="dk1">
+                    <a:alpha val="40000"/>
+                  </a:schemeClr>
+                </a:outerShdw>
+              </a:effectLst>
+            </a:endParaRPr>
+          </a:p>
+        </p:txBody>
+      </p:sp>
+      <p:sp>
+        <p:nvSpPr>
+          <p:cNvPr id="8" name="矩形 7">
+            <a:extLst>
+              <a:ext uri="{FF2B5EF4-FFF2-40B4-BE49-F238E27FC236}">
+                <a16:creationId xmlns:a16="http://schemas.microsoft.com/office/drawing/2014/main" id="{E784E719-45D6-3D78-6DF2-CCAFE1ED227B}"/>
+              </a:ext>
+            </a:extLst>
+          </p:cNvPr>
+          <p:cNvSpPr/>
+          <p:nvPr/>
+        </p:nvSpPr>
+        <p:spPr>
+          <a:xfrm>
+            <a:off x="341727" y="2220530"/>
+            <a:ext cx="271296" cy="461665"/>
+          </a:xfrm>
+          <a:prstGeom prst="rect">
+            <a:avLst/>
+          </a:prstGeom>
+          <a:noFill/>
+        </p:spPr>
+        <p:txBody>
+          <a:bodyPr wrap="square" lIns="91440" tIns="45720" rIns="91440" bIns="45720">
+            <a:spAutoFit/>
+          </a:bodyPr>
+          <a:lstStyle/>
+          <a:p>
+            <a:pPr algn="ctr"/>
+            <a:r>
+              <a:rPr lang="en-US" altLang="zh-CN" sz="2400" b="1" dirty="0">
+                <a:ln w="0"/>
+                <a:effectLst>
+                  <a:outerShdw blurRad="38100" dist="19050" dir="2700000" algn="tl" rotWithShape="0">
+                    <a:schemeClr val="dk1">
+                      <a:alpha val="40000"/>
+                    </a:schemeClr>
+                  </a:outerShdw>
+                </a:effectLst>
+              </a:rPr>
+              <a:t>y</a:t>
+            </a:r>
+            <a:endParaRPr lang="zh-CN" altLang="en-US" sz="2400" b="1" cap="none" spc="0" dirty="0">
+              <a:ln w="0"/>
+              <a:solidFill>
+                <a:schemeClr val="tx1"/>
+              </a:solidFill>
+              <a:effectLst>
+                <a:outerShdw blurRad="38100" dist="19050" dir="2700000" algn="tl" rotWithShape="0">
+                  <a:schemeClr val="dk1">
+                    <a:alpha val="40000"/>
+                  </a:schemeClr>
+                </a:outerShdw>
+              </a:effectLst>
+            </a:endParaRPr>
+          </a:p>
+        </p:txBody>
+      </p:sp>
+      <p:cxnSp>
+        <p:nvCxnSpPr>
+          <p:cNvPr id="12" name="直接连接符 11">
+            <a:extLst>
+              <a:ext uri="{FF2B5EF4-FFF2-40B4-BE49-F238E27FC236}">
+                <a16:creationId xmlns:a16="http://schemas.microsoft.com/office/drawing/2014/main" id="{0092C623-99A1-9C27-33EE-FD5782615971}"/>
+              </a:ext>
+            </a:extLst>
+          </p:cNvPr>
+          <p:cNvCxnSpPr>
+            <a:cxnSpLocks/>
+          </p:cNvCxnSpPr>
+          <p:nvPr/>
+        </p:nvCxnSpPr>
+        <p:spPr>
+          <a:xfrm flipV="1">
+            <a:off x="646547" y="2547157"/>
+            <a:ext cx="2458500" cy="1399129"/>
+          </a:xfrm>
+          <a:prstGeom prst="line">
+            <a:avLst/>
+          </a:prstGeom>
+          <a:ln w="25400">
+            <a:solidFill>
+              <a:srgbClr val="00B0F0"/>
+            </a:solidFill>
+            <a:tailEnd type="arrow"/>
+          </a:ln>
+        </p:spPr>
+        <p:style>
+          <a:lnRef idx="1">
+            <a:schemeClr val="accent1"/>
+          </a:lnRef>
+          <a:fillRef idx="0">
+            <a:schemeClr val="accent1"/>
+          </a:fillRef>
+          <a:effectRef idx="0">
+            <a:schemeClr val="accent1"/>
+          </a:effectRef>
+          <a:fontRef idx="minor">
+            <a:schemeClr val="tx1"/>
+          </a:fontRef>
+        </p:style>
+      </p:cxnSp>
+      <p:sp>
+        <p:nvSpPr>
+          <p:cNvPr id="18" name="矩形 17">
+            <a:extLst>
+              <a:ext uri="{FF2B5EF4-FFF2-40B4-BE49-F238E27FC236}">
+                <a16:creationId xmlns:a16="http://schemas.microsoft.com/office/drawing/2014/main" id="{0148B290-B7C5-05E6-7799-62F80F0F7B66}"/>
+              </a:ext>
+            </a:extLst>
+          </p:cNvPr>
+          <p:cNvSpPr/>
+          <p:nvPr/>
+        </p:nvSpPr>
+        <p:spPr>
+          <a:xfrm>
+            <a:off x="2800957" y="2571672"/>
+            <a:ext cx="439544" cy="461665"/>
+          </a:xfrm>
+          <a:prstGeom prst="rect">
+            <a:avLst/>
+          </a:prstGeom>
+          <a:noFill/>
+        </p:spPr>
+        <p:txBody>
+          <a:bodyPr wrap="none" lIns="91440" tIns="45720" rIns="91440" bIns="45720">
+            <a:spAutoFit/>
+          </a:bodyPr>
+          <a:lstStyle/>
+          <a:p>
+            <a:pPr algn="ctr"/>
+            <a:r>
+              <a:rPr lang="en-US" altLang="zh-CN" sz="2400" b="1" cap="none" spc="0" dirty="0">
+                <a:ln w="0"/>
+                <a:solidFill>
+                  <a:srgbClr val="00B0F0"/>
+                </a:solidFill>
+                <a:effectLst>
+                  <a:outerShdw blurRad="38100" dist="25400" dir="5400000" algn="ctr" rotWithShape="0">
+                    <a:srgbClr val="6E747A">
+                      <a:alpha val="43000"/>
+                    </a:srgbClr>
+                  </a:outerShdw>
+                </a:effectLst>
+              </a:rPr>
+              <a:t>v</a:t>
+            </a:r>
+            <a:r>
+              <a:rPr lang="en-US" altLang="zh-CN" sz="1400" b="1" cap="none" spc="0" dirty="0">
+                <a:ln w="0"/>
+                <a:solidFill>
+                  <a:srgbClr val="00B0F0"/>
+                </a:solidFill>
+                <a:effectLst>
+                  <a:outerShdw blurRad="38100" dist="25400" dir="5400000" algn="ctr" rotWithShape="0">
+                    <a:srgbClr val="6E747A">
+                      <a:alpha val="43000"/>
+                    </a:srgbClr>
+                  </a:outerShdw>
+                </a:effectLst>
+              </a:rPr>
+              <a:t>1</a:t>
+            </a:r>
+            <a:endParaRPr lang="zh-CN" altLang="en-US" sz="1400" b="1" cap="none" spc="0" dirty="0">
+              <a:ln w="0"/>
+              <a:solidFill>
+                <a:srgbClr val="00B0F0"/>
+              </a:solidFill>
+              <a:effectLst>
+                <a:outerShdw blurRad="38100" dist="25400" dir="5400000" algn="ctr" rotWithShape="0">
+                  <a:srgbClr val="6E747A">
+                    <a:alpha val="43000"/>
+                  </a:srgbClr>
+                </a:outerShdw>
+              </a:effectLst>
+            </a:endParaRPr>
+          </a:p>
+        </p:txBody>
+      </p:sp>
+      <p:sp>
+        <p:nvSpPr>
+          <p:cNvPr id="6" name="矩形 5">
+            <a:extLst>
+              <a:ext uri="{FF2B5EF4-FFF2-40B4-BE49-F238E27FC236}">
+                <a16:creationId xmlns:a16="http://schemas.microsoft.com/office/drawing/2014/main" id="{AB535E4B-5CA2-A886-8E5B-8C6E830C7893}"/>
+              </a:ext>
+            </a:extLst>
+          </p:cNvPr>
+          <p:cNvSpPr/>
+          <p:nvPr/>
+        </p:nvSpPr>
+        <p:spPr>
+          <a:xfrm>
+            <a:off x="268824" y="3889723"/>
+            <a:ext cx="417102" cy="461665"/>
+          </a:xfrm>
+          <a:prstGeom prst="rect">
+            <a:avLst/>
+          </a:prstGeom>
+          <a:noFill/>
+        </p:spPr>
+        <p:txBody>
+          <a:bodyPr wrap="none" lIns="91440" tIns="45720" rIns="91440" bIns="45720">
+            <a:spAutoFit/>
+          </a:bodyPr>
+          <a:lstStyle/>
+          <a:p>
+            <a:pPr algn="ctr"/>
+            <a:r>
+              <a:rPr lang="en-US" altLang="zh-CN" sz="2400" b="1" dirty="0">
+                <a:ln w="0"/>
+                <a:effectLst>
+                  <a:outerShdw blurRad="38100" dist="19050" dir="2700000" algn="tl" rotWithShape="0">
+                    <a:schemeClr val="dk1">
+                      <a:alpha val="40000"/>
+                    </a:schemeClr>
+                  </a:outerShdw>
+                </a:effectLst>
+              </a:rPr>
+              <a:t>O</a:t>
+            </a:r>
+            <a:endParaRPr lang="zh-CN" altLang="en-US" sz="2400" b="1" cap="none" spc="0" dirty="0">
+              <a:ln w="0"/>
+              <a:solidFill>
+                <a:schemeClr val="tx1"/>
+              </a:solidFill>
+              <a:effectLst>
+                <a:outerShdw blurRad="38100" dist="19050" dir="2700000" algn="tl" rotWithShape="0">
+                  <a:schemeClr val="dk1">
+                    <a:alpha val="40000"/>
+                  </a:schemeClr>
+                </a:outerShdw>
+              </a:effectLst>
+            </a:endParaRPr>
+          </a:p>
+        </p:txBody>
+      </p:sp>
+      <p:cxnSp>
+        <p:nvCxnSpPr>
+          <p:cNvPr id="19" name="直接连接符 18">
+            <a:extLst>
+              <a:ext uri="{FF2B5EF4-FFF2-40B4-BE49-F238E27FC236}">
+                <a16:creationId xmlns:a16="http://schemas.microsoft.com/office/drawing/2014/main" id="{1FFD7B41-A63A-AAF4-4929-AD99C7EEA570}"/>
+              </a:ext>
+            </a:extLst>
+          </p:cNvPr>
+          <p:cNvCxnSpPr>
+            <a:cxnSpLocks/>
+          </p:cNvCxnSpPr>
+          <p:nvPr/>
+        </p:nvCxnSpPr>
+        <p:spPr>
+          <a:xfrm flipV="1">
+            <a:off x="646546" y="3246721"/>
+            <a:ext cx="1229251" cy="699564"/>
+          </a:xfrm>
+          <a:prstGeom prst="line">
+            <a:avLst/>
+          </a:prstGeom>
+          <a:ln w="50800">
+            <a:solidFill>
+              <a:srgbClr val="00B0F0"/>
+            </a:solidFill>
+            <a:tailEnd type="arrow"/>
+          </a:ln>
+        </p:spPr>
+        <p:style>
+          <a:lnRef idx="1">
+            <a:schemeClr val="accent1"/>
+          </a:lnRef>
+          <a:fillRef idx="0">
+            <a:schemeClr val="accent1"/>
+          </a:fillRef>
+          <a:effectRef idx="0">
+            <a:schemeClr val="accent1"/>
+          </a:effectRef>
+          <a:fontRef idx="minor">
+            <a:schemeClr val="tx1"/>
+          </a:fontRef>
+        </p:style>
+      </p:cxnSp>
+      <p:sp>
+        <p:nvSpPr>
+          <p:cNvPr id="25" name="矩形 24">
+            <a:extLst>
+              <a:ext uri="{FF2B5EF4-FFF2-40B4-BE49-F238E27FC236}">
+                <a16:creationId xmlns:a16="http://schemas.microsoft.com/office/drawing/2014/main" id="{9F45BEAB-3F4C-1AC2-1AB7-A161E57DC406}"/>
+              </a:ext>
+            </a:extLst>
+          </p:cNvPr>
+          <p:cNvSpPr/>
+          <p:nvPr/>
+        </p:nvSpPr>
+        <p:spPr>
+          <a:xfrm>
+            <a:off x="1553053" y="3310352"/>
+            <a:ext cx="439544" cy="461665"/>
+          </a:xfrm>
+          <a:prstGeom prst="rect">
+            <a:avLst/>
+          </a:prstGeom>
+          <a:noFill/>
+        </p:spPr>
+        <p:txBody>
+          <a:bodyPr wrap="none" lIns="91440" tIns="45720" rIns="91440" bIns="45720">
+            <a:spAutoFit/>
+          </a:bodyPr>
+          <a:lstStyle/>
+          <a:p>
+            <a:pPr algn="ctr"/>
+            <a:r>
+              <a:rPr lang="en-US" altLang="zh-CN" sz="2400" b="1" cap="none" spc="0" dirty="0">
+                <a:ln w="0"/>
+                <a:solidFill>
+                  <a:srgbClr val="00B0F0"/>
+                </a:solidFill>
+                <a:effectLst>
+                  <a:outerShdw blurRad="38100" dist="25400" dir="5400000" algn="ctr" rotWithShape="0">
+                    <a:srgbClr val="6E747A">
+                      <a:alpha val="43000"/>
+                    </a:srgbClr>
+                  </a:outerShdw>
+                </a:effectLst>
+              </a:rPr>
+              <a:t>v</a:t>
+            </a:r>
+            <a:r>
+              <a:rPr lang="en-US" altLang="zh-CN" sz="1400" b="1" dirty="0">
+                <a:ln w="0"/>
+                <a:solidFill>
+                  <a:srgbClr val="00B0F0"/>
+                </a:solidFill>
+                <a:effectLst>
+                  <a:outerShdw blurRad="38100" dist="25400" dir="5400000" algn="ctr" rotWithShape="0">
+                    <a:srgbClr val="6E747A">
+                      <a:alpha val="43000"/>
+                    </a:srgbClr>
+                  </a:outerShdw>
+                </a:effectLst>
+              </a:rPr>
+              <a:t>2</a:t>
+            </a:r>
+            <a:endParaRPr lang="zh-CN" altLang="en-US" sz="1400" b="1" cap="none" spc="0" dirty="0">
+              <a:ln w="0"/>
+              <a:solidFill>
+                <a:srgbClr val="00B0F0"/>
+              </a:solidFill>
+              <a:effectLst>
+                <a:outerShdw blurRad="38100" dist="25400" dir="5400000" algn="ctr" rotWithShape="0">
+                  <a:srgbClr val="6E747A">
+                    <a:alpha val="43000"/>
+                  </a:srgbClr>
+                </a:outerShdw>
+              </a:effectLst>
+            </a:endParaRPr>
+          </a:p>
+        </p:txBody>
+      </p:sp>
+      <p:sp>
+        <p:nvSpPr>
+          <p:cNvPr id="35" name="矩形 34">
+            <a:extLst>
+              <a:ext uri="{FF2B5EF4-FFF2-40B4-BE49-F238E27FC236}">
+                <a16:creationId xmlns:a16="http://schemas.microsoft.com/office/drawing/2014/main" id="{75F1A748-3D73-E2B6-5319-646BD84A7EC2}"/>
+              </a:ext>
+            </a:extLst>
+          </p:cNvPr>
+          <p:cNvSpPr/>
+          <p:nvPr/>
+        </p:nvSpPr>
+        <p:spPr>
+          <a:xfrm>
+            <a:off x="920392" y="4585390"/>
+            <a:ext cx="2315056" cy="523220"/>
+          </a:xfrm>
+          <a:prstGeom prst="rect">
+            <a:avLst/>
+          </a:prstGeom>
+          <a:noFill/>
+        </p:spPr>
+        <p:txBody>
+          <a:bodyPr wrap="none" lIns="91440" tIns="45720" rIns="91440" bIns="45720">
+            <a:spAutoFit/>
+          </a:bodyPr>
+          <a:lstStyle/>
+          <a:p>
+            <a:pPr algn="ctr"/>
+            <a:r>
+              <a:rPr lang="en-US" altLang="zh-CN" sz="2800" b="1" cap="none" spc="0" dirty="0">
+                <a:ln w="0"/>
+                <a:solidFill>
+                  <a:srgbClr val="FF0000"/>
+                </a:solidFill>
+                <a:effectLst>
+                  <a:outerShdw blurRad="38100" dist="19050" dir="2700000" algn="tl" rotWithShape="0">
+                    <a:schemeClr val="dk1">
+                      <a:alpha val="40000"/>
+                    </a:schemeClr>
+                  </a:outerShdw>
+                </a:effectLst>
+              </a:rPr>
+              <a:t>dependent</a:t>
+            </a:r>
+            <a:r>
+              <a:rPr lang="zh-CN" altLang="en-US" sz="2800" b="1" cap="none" spc="0" dirty="0">
+                <a:ln w="0"/>
+                <a:solidFill>
+                  <a:srgbClr val="FF0000"/>
+                </a:solidFill>
+                <a:effectLst>
+                  <a:outerShdw blurRad="38100" dist="19050" dir="2700000" algn="tl" rotWithShape="0">
+                    <a:schemeClr val="dk1">
+                      <a:alpha val="40000"/>
+                    </a:schemeClr>
+                  </a:outerShdw>
+                </a:effectLst>
+              </a:rPr>
+              <a:t>！</a:t>
+            </a:r>
+          </a:p>
+        </p:txBody>
+      </p:sp>
+      <p:cxnSp>
+        <p:nvCxnSpPr>
+          <p:cNvPr id="26" name="直接箭头连接符 25">
+            <a:extLst>
+              <a:ext uri="{FF2B5EF4-FFF2-40B4-BE49-F238E27FC236}">
+                <a16:creationId xmlns:a16="http://schemas.microsoft.com/office/drawing/2014/main" id="{A54FB0F7-5AC1-7484-C6BB-46A412C25A46}"/>
+              </a:ext>
+            </a:extLst>
+          </p:cNvPr>
+          <p:cNvCxnSpPr>
+            <a:cxnSpLocks/>
+          </p:cNvCxnSpPr>
+          <p:nvPr/>
+        </p:nvCxnSpPr>
+        <p:spPr>
+          <a:xfrm>
+            <a:off x="4538128" y="3946286"/>
+            <a:ext cx="3261902" cy="1"/>
+          </a:xfrm>
+          <a:prstGeom prst="straightConnector1">
+            <a:avLst/>
+          </a:prstGeom>
+          <a:ln w="25400">
+            <a:solidFill>
+              <a:schemeClr val="tx1"/>
+            </a:solidFill>
+            <a:tailEnd type="arrow"/>
+          </a:ln>
+        </p:spPr>
+        <p:style>
+          <a:lnRef idx="1">
+            <a:schemeClr val="accent1"/>
+          </a:lnRef>
+          <a:fillRef idx="0">
+            <a:schemeClr val="accent1"/>
+          </a:fillRef>
+          <a:effectRef idx="0">
+            <a:schemeClr val="accent1"/>
+          </a:effectRef>
+          <a:fontRef idx="minor">
+            <a:schemeClr val="tx1"/>
+          </a:fontRef>
+        </p:style>
+      </p:cxnSp>
+      <p:cxnSp>
+        <p:nvCxnSpPr>
+          <p:cNvPr id="27" name="直接箭头连接符 26">
+            <a:extLst>
+              <a:ext uri="{FF2B5EF4-FFF2-40B4-BE49-F238E27FC236}">
+                <a16:creationId xmlns:a16="http://schemas.microsoft.com/office/drawing/2014/main" id="{42F15116-422F-FB1B-E851-3F92D6D3E07E}"/>
+              </a:ext>
+            </a:extLst>
+          </p:cNvPr>
+          <p:cNvCxnSpPr>
+            <a:cxnSpLocks/>
+          </p:cNvCxnSpPr>
+          <p:nvPr/>
+        </p:nvCxnSpPr>
+        <p:spPr>
+          <a:xfrm flipV="1">
+            <a:off x="4829851" y="2372010"/>
+            <a:ext cx="0" cy="1875934"/>
+          </a:xfrm>
+          <a:prstGeom prst="straightConnector1">
+            <a:avLst/>
+          </a:prstGeom>
+          <a:ln w="25400">
+            <a:solidFill>
+              <a:schemeClr val="tx1"/>
+            </a:solidFill>
+            <a:tailEnd type="arrow"/>
+          </a:ln>
+        </p:spPr>
+        <p:style>
+          <a:lnRef idx="1">
+            <a:schemeClr val="accent1"/>
+          </a:lnRef>
+          <a:fillRef idx="0">
+            <a:schemeClr val="accent1"/>
+          </a:fillRef>
+          <a:effectRef idx="0">
+            <a:schemeClr val="accent1"/>
+          </a:effectRef>
+          <a:fontRef idx="minor">
+            <a:schemeClr val="tx1"/>
+          </a:fontRef>
+        </p:style>
+      </p:cxnSp>
+      <p:sp>
+        <p:nvSpPr>
+          <p:cNvPr id="28" name="矩形 27">
+            <a:extLst>
+              <a:ext uri="{FF2B5EF4-FFF2-40B4-BE49-F238E27FC236}">
+                <a16:creationId xmlns:a16="http://schemas.microsoft.com/office/drawing/2014/main" id="{7839F4CA-4405-8169-E7C3-CA364DE5BDFE}"/>
+              </a:ext>
+            </a:extLst>
+          </p:cNvPr>
+          <p:cNvSpPr/>
+          <p:nvPr/>
+        </p:nvSpPr>
+        <p:spPr>
+          <a:xfrm>
+            <a:off x="7521950" y="3946287"/>
+            <a:ext cx="338555" cy="461665"/>
+          </a:xfrm>
+          <a:prstGeom prst="rect">
+            <a:avLst/>
+          </a:prstGeom>
+          <a:noFill/>
+        </p:spPr>
+        <p:txBody>
+          <a:bodyPr wrap="none" lIns="91440" tIns="45720" rIns="91440" bIns="45720">
+            <a:spAutoFit/>
+          </a:bodyPr>
+          <a:lstStyle/>
+          <a:p>
+            <a:pPr algn="ctr"/>
+            <a:r>
+              <a:rPr lang="en-US" altLang="zh-CN" sz="2400" b="1" cap="none" spc="0" dirty="0">
+                <a:ln w="0"/>
+                <a:solidFill>
+                  <a:schemeClr val="tx1"/>
+                </a:solidFill>
+                <a:effectLst>
+                  <a:outerShdw blurRad="38100" dist="19050" dir="2700000" algn="tl" rotWithShape="0">
+                    <a:schemeClr val="dk1">
+                      <a:alpha val="40000"/>
+                    </a:schemeClr>
+                  </a:outerShdw>
+                </a:effectLst>
+              </a:rPr>
+              <a:t>x</a:t>
+            </a:r>
+            <a:endParaRPr lang="zh-CN" altLang="en-US" sz="2400" b="1" cap="none" spc="0" dirty="0">
+              <a:ln w="0"/>
+              <a:solidFill>
+                <a:schemeClr val="tx1"/>
+              </a:solidFill>
+              <a:effectLst>
+                <a:outerShdw blurRad="38100" dist="19050" dir="2700000" algn="tl" rotWithShape="0">
+                  <a:schemeClr val="dk1">
+                    <a:alpha val="40000"/>
+                  </a:schemeClr>
+                </a:outerShdw>
+              </a:effectLst>
+            </a:endParaRPr>
+          </a:p>
+        </p:txBody>
+      </p:sp>
+      <p:sp>
+        <p:nvSpPr>
+          <p:cNvPr id="29" name="矩形 28">
+            <a:extLst>
+              <a:ext uri="{FF2B5EF4-FFF2-40B4-BE49-F238E27FC236}">
+                <a16:creationId xmlns:a16="http://schemas.microsoft.com/office/drawing/2014/main" id="{9680049C-0B73-4E67-F551-1FA4D9DAA9FE}"/>
+              </a:ext>
+            </a:extLst>
+          </p:cNvPr>
+          <p:cNvSpPr/>
+          <p:nvPr/>
+        </p:nvSpPr>
+        <p:spPr>
+          <a:xfrm>
+            <a:off x="4525031" y="2220530"/>
+            <a:ext cx="271296" cy="461665"/>
+          </a:xfrm>
+          <a:prstGeom prst="rect">
+            <a:avLst/>
+          </a:prstGeom>
+          <a:noFill/>
+        </p:spPr>
+        <p:txBody>
+          <a:bodyPr wrap="square" lIns="91440" tIns="45720" rIns="91440" bIns="45720">
+            <a:spAutoFit/>
+          </a:bodyPr>
+          <a:lstStyle/>
+          <a:p>
+            <a:pPr algn="ctr"/>
+            <a:r>
+              <a:rPr lang="en-US" altLang="zh-CN" sz="2400" b="1" dirty="0">
+                <a:ln w="0"/>
+                <a:effectLst>
+                  <a:outerShdw blurRad="38100" dist="19050" dir="2700000" algn="tl" rotWithShape="0">
+                    <a:schemeClr val="dk1">
+                      <a:alpha val="40000"/>
+                    </a:schemeClr>
+                  </a:outerShdw>
+                </a:effectLst>
+              </a:rPr>
+              <a:t>y</a:t>
+            </a:r>
+            <a:endParaRPr lang="zh-CN" altLang="en-US" sz="2400" b="1" cap="none" spc="0" dirty="0">
+              <a:ln w="0"/>
+              <a:solidFill>
+                <a:schemeClr val="tx1"/>
+              </a:solidFill>
+              <a:effectLst>
+                <a:outerShdw blurRad="38100" dist="19050" dir="2700000" algn="tl" rotWithShape="0">
+                  <a:schemeClr val="dk1">
+                    <a:alpha val="40000"/>
+                  </a:schemeClr>
+                </a:outerShdw>
+              </a:effectLst>
+            </a:endParaRPr>
+          </a:p>
+        </p:txBody>
+      </p:sp>
+      <p:cxnSp>
+        <p:nvCxnSpPr>
+          <p:cNvPr id="30" name="直接连接符 29">
+            <a:extLst>
+              <a:ext uri="{FF2B5EF4-FFF2-40B4-BE49-F238E27FC236}">
+                <a16:creationId xmlns:a16="http://schemas.microsoft.com/office/drawing/2014/main" id="{7830EF49-260A-B0BA-EB76-0364A2666A7E}"/>
+              </a:ext>
+            </a:extLst>
+          </p:cNvPr>
+          <p:cNvCxnSpPr>
+            <a:cxnSpLocks/>
+          </p:cNvCxnSpPr>
+          <p:nvPr/>
+        </p:nvCxnSpPr>
+        <p:spPr>
+          <a:xfrm flipV="1">
+            <a:off x="4829851" y="2547157"/>
+            <a:ext cx="2458500" cy="1399129"/>
+          </a:xfrm>
+          <a:prstGeom prst="line">
+            <a:avLst/>
+          </a:prstGeom>
+          <a:ln w="25400">
+            <a:solidFill>
+              <a:srgbClr val="00B0F0"/>
+            </a:solidFill>
+            <a:tailEnd type="arrow"/>
+          </a:ln>
+        </p:spPr>
+        <p:style>
+          <a:lnRef idx="1">
+            <a:schemeClr val="accent1"/>
+          </a:lnRef>
+          <a:fillRef idx="0">
+            <a:schemeClr val="accent1"/>
+          </a:fillRef>
+          <a:effectRef idx="0">
+            <a:schemeClr val="accent1"/>
+          </a:effectRef>
+          <a:fontRef idx="minor">
+            <a:schemeClr val="tx1"/>
+          </a:fontRef>
+        </p:style>
+      </p:cxnSp>
+      <p:sp>
+        <p:nvSpPr>
+          <p:cNvPr id="31" name="矩形 30">
+            <a:extLst>
+              <a:ext uri="{FF2B5EF4-FFF2-40B4-BE49-F238E27FC236}">
+                <a16:creationId xmlns:a16="http://schemas.microsoft.com/office/drawing/2014/main" id="{73DA6D7B-572A-576E-12AD-3D3D07A9BE09}"/>
+              </a:ext>
+            </a:extLst>
+          </p:cNvPr>
+          <p:cNvSpPr/>
+          <p:nvPr/>
+        </p:nvSpPr>
+        <p:spPr>
+          <a:xfrm>
+            <a:off x="6984261" y="2571672"/>
+            <a:ext cx="439544" cy="461665"/>
+          </a:xfrm>
+          <a:prstGeom prst="rect">
+            <a:avLst/>
+          </a:prstGeom>
+          <a:noFill/>
+        </p:spPr>
+        <p:txBody>
+          <a:bodyPr wrap="none" lIns="91440" tIns="45720" rIns="91440" bIns="45720">
+            <a:spAutoFit/>
+          </a:bodyPr>
+          <a:lstStyle/>
+          <a:p>
+            <a:pPr algn="ctr"/>
+            <a:r>
+              <a:rPr lang="en-US" altLang="zh-CN" sz="2400" b="1" cap="none" spc="0" dirty="0">
+                <a:ln w="0"/>
+                <a:solidFill>
+                  <a:srgbClr val="00B0F0"/>
+                </a:solidFill>
+                <a:effectLst>
+                  <a:outerShdw blurRad="38100" dist="25400" dir="5400000" algn="ctr" rotWithShape="0">
+                    <a:srgbClr val="6E747A">
+                      <a:alpha val="43000"/>
+                    </a:srgbClr>
+                  </a:outerShdw>
+                </a:effectLst>
+              </a:rPr>
+              <a:t>v</a:t>
+            </a:r>
+            <a:r>
+              <a:rPr lang="en-US" altLang="zh-CN" sz="1400" b="1" cap="none" spc="0" dirty="0">
+                <a:ln w="0"/>
+                <a:solidFill>
+                  <a:srgbClr val="00B0F0"/>
+                </a:solidFill>
+                <a:effectLst>
+                  <a:outerShdw blurRad="38100" dist="25400" dir="5400000" algn="ctr" rotWithShape="0">
+                    <a:srgbClr val="6E747A">
+                      <a:alpha val="43000"/>
+                    </a:srgbClr>
+                  </a:outerShdw>
+                </a:effectLst>
+              </a:rPr>
+              <a:t>1</a:t>
+            </a:r>
+            <a:endParaRPr lang="zh-CN" altLang="en-US" sz="1400" b="1" cap="none" spc="0" dirty="0">
+              <a:ln w="0"/>
+              <a:solidFill>
+                <a:srgbClr val="00B0F0"/>
+              </a:solidFill>
+              <a:effectLst>
+                <a:outerShdw blurRad="38100" dist="25400" dir="5400000" algn="ctr" rotWithShape="0">
+                  <a:srgbClr val="6E747A">
+                    <a:alpha val="43000"/>
+                  </a:srgbClr>
+                </a:outerShdw>
+              </a:effectLst>
+            </a:endParaRPr>
+          </a:p>
+        </p:txBody>
+      </p:sp>
+      <p:sp>
+        <p:nvSpPr>
+          <p:cNvPr id="32" name="矩形 31">
+            <a:extLst>
+              <a:ext uri="{FF2B5EF4-FFF2-40B4-BE49-F238E27FC236}">
+                <a16:creationId xmlns:a16="http://schemas.microsoft.com/office/drawing/2014/main" id="{1280DAF4-FDFC-0F58-2402-207377095D41}"/>
+              </a:ext>
+            </a:extLst>
+          </p:cNvPr>
+          <p:cNvSpPr/>
+          <p:nvPr/>
+        </p:nvSpPr>
+        <p:spPr>
+          <a:xfrm>
+            <a:off x="4452128" y="3889723"/>
+            <a:ext cx="417102" cy="461665"/>
+          </a:xfrm>
+          <a:prstGeom prst="rect">
+            <a:avLst/>
+          </a:prstGeom>
+          <a:noFill/>
+        </p:spPr>
+        <p:txBody>
+          <a:bodyPr wrap="none" lIns="91440" tIns="45720" rIns="91440" bIns="45720">
+            <a:spAutoFit/>
+          </a:bodyPr>
+          <a:lstStyle/>
+          <a:p>
+            <a:pPr algn="ctr"/>
+            <a:r>
+              <a:rPr lang="en-US" altLang="zh-CN" sz="2400" b="1" dirty="0">
+                <a:ln w="0"/>
+                <a:effectLst>
+                  <a:outerShdw blurRad="38100" dist="19050" dir="2700000" algn="tl" rotWithShape="0">
+                    <a:schemeClr val="dk1">
+                      <a:alpha val="40000"/>
+                    </a:schemeClr>
+                  </a:outerShdw>
+                </a:effectLst>
+              </a:rPr>
+              <a:t>O</a:t>
+            </a:r>
+            <a:endParaRPr lang="zh-CN" altLang="en-US" sz="2400" b="1" cap="none" spc="0" dirty="0">
+              <a:ln w="0"/>
+              <a:solidFill>
+                <a:schemeClr val="tx1"/>
+              </a:solidFill>
+              <a:effectLst>
+                <a:outerShdw blurRad="38100" dist="19050" dir="2700000" algn="tl" rotWithShape="0">
+                  <a:schemeClr val="dk1">
+                    <a:alpha val="40000"/>
+                  </a:schemeClr>
+                </a:outerShdw>
+              </a:effectLst>
+            </a:endParaRPr>
+          </a:p>
+        </p:txBody>
+      </p:sp>
+      <p:sp>
+        <p:nvSpPr>
+          <p:cNvPr id="34" name="矩形 33">
+            <a:extLst>
+              <a:ext uri="{FF2B5EF4-FFF2-40B4-BE49-F238E27FC236}">
+                <a16:creationId xmlns:a16="http://schemas.microsoft.com/office/drawing/2014/main" id="{3F213458-C660-27B4-CC28-3387E04C6724}"/>
+              </a:ext>
+            </a:extLst>
+          </p:cNvPr>
+          <p:cNvSpPr/>
+          <p:nvPr/>
+        </p:nvSpPr>
+        <p:spPr>
+          <a:xfrm>
+            <a:off x="4298126" y="3357233"/>
+            <a:ext cx="1000595" cy="461665"/>
+          </a:xfrm>
+          <a:prstGeom prst="rect">
+            <a:avLst/>
+          </a:prstGeom>
+          <a:noFill/>
+        </p:spPr>
+        <p:txBody>
+          <a:bodyPr wrap="none" lIns="91440" tIns="45720" rIns="91440" bIns="45720">
+            <a:spAutoFit/>
+          </a:bodyPr>
+          <a:lstStyle/>
+          <a:p>
+            <a:pPr algn="ctr"/>
+            <a:r>
+              <a:rPr lang="en-US" altLang="zh-CN" sz="2400" b="1" cap="none" spc="0" dirty="0">
+                <a:ln w="0"/>
+                <a:solidFill>
+                  <a:srgbClr val="00B0F0"/>
+                </a:solidFill>
+                <a:effectLst>
+                  <a:outerShdw blurRad="38100" dist="25400" dir="5400000" algn="ctr" rotWithShape="0">
+                    <a:srgbClr val="6E747A">
+                      <a:alpha val="43000"/>
+                    </a:srgbClr>
+                  </a:outerShdw>
+                </a:effectLst>
+              </a:rPr>
+              <a:t>V</a:t>
+            </a:r>
+            <a:r>
+              <a:rPr lang="en-US" altLang="zh-CN" sz="1400" b="1" dirty="0">
+                <a:ln w="0"/>
+                <a:solidFill>
+                  <a:srgbClr val="00B0F0"/>
+                </a:solidFill>
+                <a:effectLst>
+                  <a:outerShdw blurRad="38100" dist="25400" dir="5400000" algn="ctr" rotWithShape="0">
+                    <a:srgbClr val="6E747A">
+                      <a:alpha val="43000"/>
+                    </a:srgbClr>
+                  </a:outerShdw>
+                </a:effectLst>
+              </a:rPr>
+              <a:t>2 </a:t>
+            </a:r>
+            <a:r>
+              <a:rPr lang="en-US" altLang="zh-CN" sz="2400" b="1" dirty="0">
+                <a:ln w="0"/>
+                <a:solidFill>
+                  <a:srgbClr val="00B0F0"/>
+                </a:solidFill>
+                <a:effectLst>
+                  <a:outerShdw blurRad="38100" dist="25400" dir="5400000" algn="ctr" rotWithShape="0">
+                    <a:srgbClr val="6E747A">
+                      <a:alpha val="43000"/>
+                    </a:srgbClr>
+                  </a:outerShdw>
+                </a:effectLst>
+              </a:rPr>
+              <a:t>= 0</a:t>
+            </a:r>
+            <a:endParaRPr lang="zh-CN" altLang="en-US" sz="2400" b="1" dirty="0">
+              <a:ln w="0"/>
+              <a:solidFill>
+                <a:srgbClr val="00B0F0"/>
+              </a:solidFill>
+              <a:effectLst>
+                <a:outerShdw blurRad="38100" dist="25400" dir="5400000" algn="ctr" rotWithShape="0">
+                  <a:srgbClr val="6E747A">
+                    <a:alpha val="43000"/>
+                  </a:srgbClr>
+                </a:outerShdw>
+              </a:effectLst>
+            </a:endParaRPr>
+          </a:p>
+        </p:txBody>
+      </p:sp>
+      <p:sp>
+        <p:nvSpPr>
+          <p:cNvPr id="36" name="矩形 35">
+            <a:extLst>
+              <a:ext uri="{FF2B5EF4-FFF2-40B4-BE49-F238E27FC236}">
+                <a16:creationId xmlns:a16="http://schemas.microsoft.com/office/drawing/2014/main" id="{11E67BD1-E27C-A577-FD98-E2239B0AB72B}"/>
+              </a:ext>
+            </a:extLst>
+          </p:cNvPr>
+          <p:cNvSpPr/>
+          <p:nvPr/>
+        </p:nvSpPr>
+        <p:spPr>
+          <a:xfrm>
+            <a:off x="5127334" y="4585390"/>
+            <a:ext cx="2315056" cy="523220"/>
+          </a:xfrm>
+          <a:prstGeom prst="rect">
+            <a:avLst/>
+          </a:prstGeom>
+          <a:noFill/>
+        </p:spPr>
+        <p:txBody>
+          <a:bodyPr wrap="none" lIns="91440" tIns="45720" rIns="91440" bIns="45720">
+            <a:spAutoFit/>
+          </a:bodyPr>
+          <a:lstStyle/>
+          <a:p>
+            <a:pPr algn="ctr"/>
+            <a:r>
+              <a:rPr lang="en-US" altLang="zh-CN" sz="2800" b="1" cap="none" spc="0" dirty="0">
+                <a:ln w="0"/>
+                <a:solidFill>
+                  <a:srgbClr val="FF0000"/>
+                </a:solidFill>
+                <a:effectLst>
+                  <a:outerShdw blurRad="38100" dist="19050" dir="2700000" algn="tl" rotWithShape="0">
+                    <a:schemeClr val="dk1">
+                      <a:alpha val="40000"/>
+                    </a:schemeClr>
+                  </a:outerShdw>
+                </a:effectLst>
+              </a:rPr>
+              <a:t>dependent</a:t>
+            </a:r>
+            <a:r>
+              <a:rPr lang="zh-CN" altLang="en-US" sz="2800" b="1" cap="none" spc="0" dirty="0">
+                <a:ln w="0"/>
+                <a:solidFill>
+                  <a:srgbClr val="FF0000"/>
+                </a:solidFill>
+                <a:effectLst>
+                  <a:outerShdw blurRad="38100" dist="19050" dir="2700000" algn="tl" rotWithShape="0">
+                    <a:schemeClr val="dk1">
+                      <a:alpha val="40000"/>
+                    </a:schemeClr>
+                  </a:outerShdw>
+                </a:effectLst>
+              </a:rPr>
+              <a:t>！</a:t>
+            </a:r>
+          </a:p>
+        </p:txBody>
+      </p:sp>
+      <p:cxnSp>
+        <p:nvCxnSpPr>
+          <p:cNvPr id="10" name="直接箭头连接符 9">
+            <a:extLst>
+              <a:ext uri="{FF2B5EF4-FFF2-40B4-BE49-F238E27FC236}">
+                <a16:creationId xmlns:a16="http://schemas.microsoft.com/office/drawing/2014/main" id="{1F53EE64-1A25-E00E-A41C-85DA6FC94886}"/>
+              </a:ext>
+            </a:extLst>
+          </p:cNvPr>
+          <p:cNvCxnSpPr>
+            <a:cxnSpLocks/>
+          </p:cNvCxnSpPr>
+          <p:nvPr/>
+        </p:nvCxnSpPr>
+        <p:spPr>
+          <a:xfrm>
+            <a:off x="8600799" y="3916084"/>
+            <a:ext cx="3261902" cy="1"/>
+          </a:xfrm>
+          <a:prstGeom prst="straightConnector1">
+            <a:avLst/>
+          </a:prstGeom>
+          <a:ln w="25400">
+            <a:solidFill>
+              <a:schemeClr val="tx1"/>
+            </a:solidFill>
+            <a:tailEnd type="arrow"/>
+          </a:ln>
+        </p:spPr>
+        <p:style>
+          <a:lnRef idx="1">
+            <a:schemeClr val="accent1"/>
+          </a:lnRef>
+          <a:fillRef idx="0">
+            <a:schemeClr val="accent1"/>
+          </a:fillRef>
+          <a:effectRef idx="0">
+            <a:schemeClr val="accent1"/>
+          </a:effectRef>
+          <a:fontRef idx="minor">
+            <a:schemeClr val="tx1"/>
+          </a:fontRef>
+        </p:style>
+      </p:cxnSp>
+      <p:cxnSp>
+        <p:nvCxnSpPr>
+          <p:cNvPr id="11" name="直接箭头连接符 10">
+            <a:extLst>
+              <a:ext uri="{FF2B5EF4-FFF2-40B4-BE49-F238E27FC236}">
+                <a16:creationId xmlns:a16="http://schemas.microsoft.com/office/drawing/2014/main" id="{70DC610A-8804-C955-471B-F1CE1271AC0A}"/>
+              </a:ext>
+            </a:extLst>
+          </p:cNvPr>
+          <p:cNvCxnSpPr>
+            <a:cxnSpLocks/>
+          </p:cNvCxnSpPr>
+          <p:nvPr/>
+        </p:nvCxnSpPr>
+        <p:spPr>
+          <a:xfrm flipV="1">
+            <a:off x="8892522" y="2341808"/>
+            <a:ext cx="0" cy="2399154"/>
+          </a:xfrm>
+          <a:prstGeom prst="straightConnector1">
+            <a:avLst/>
+          </a:prstGeom>
+          <a:ln w="25400">
+            <a:solidFill>
+              <a:schemeClr val="tx1"/>
+            </a:solidFill>
+            <a:tailEnd type="arrow"/>
+          </a:ln>
+        </p:spPr>
+        <p:style>
+          <a:lnRef idx="1">
+            <a:schemeClr val="accent1"/>
+          </a:lnRef>
+          <a:fillRef idx="0">
+            <a:schemeClr val="accent1"/>
+          </a:fillRef>
+          <a:effectRef idx="0">
+            <a:schemeClr val="accent1"/>
+          </a:effectRef>
+          <a:fontRef idx="minor">
+            <a:schemeClr val="tx1"/>
+          </a:fontRef>
+        </p:style>
+      </p:cxnSp>
+      <p:sp>
+        <p:nvSpPr>
+          <p:cNvPr id="13" name="矩形 12">
+            <a:extLst>
+              <a:ext uri="{FF2B5EF4-FFF2-40B4-BE49-F238E27FC236}">
+                <a16:creationId xmlns:a16="http://schemas.microsoft.com/office/drawing/2014/main" id="{16020DFD-4B00-BEB2-3A75-F7FC43A947E4}"/>
+              </a:ext>
+            </a:extLst>
+          </p:cNvPr>
+          <p:cNvSpPr/>
+          <p:nvPr/>
+        </p:nvSpPr>
+        <p:spPr>
+          <a:xfrm>
+            <a:off x="11584621" y="3916085"/>
+            <a:ext cx="338555" cy="461665"/>
+          </a:xfrm>
+          <a:prstGeom prst="rect">
+            <a:avLst/>
+          </a:prstGeom>
+          <a:noFill/>
+        </p:spPr>
+        <p:txBody>
+          <a:bodyPr wrap="none" lIns="91440" tIns="45720" rIns="91440" bIns="45720">
+            <a:spAutoFit/>
+          </a:bodyPr>
+          <a:lstStyle/>
+          <a:p>
+            <a:pPr algn="ctr"/>
+            <a:r>
+              <a:rPr lang="en-US" altLang="zh-CN" sz="2400" b="1" cap="none" spc="0" dirty="0">
+                <a:ln w="0"/>
+                <a:solidFill>
+                  <a:schemeClr val="tx1"/>
+                </a:solidFill>
+                <a:effectLst>
+                  <a:outerShdw blurRad="38100" dist="19050" dir="2700000" algn="tl" rotWithShape="0">
+                    <a:schemeClr val="dk1">
+                      <a:alpha val="40000"/>
+                    </a:schemeClr>
+                  </a:outerShdw>
+                </a:effectLst>
+              </a:rPr>
+              <a:t>x</a:t>
+            </a:r>
+            <a:endParaRPr lang="zh-CN" altLang="en-US" sz="2400" b="1" cap="none" spc="0" dirty="0">
+              <a:ln w="0"/>
+              <a:solidFill>
+                <a:schemeClr val="tx1"/>
+              </a:solidFill>
+              <a:effectLst>
+                <a:outerShdw blurRad="38100" dist="19050" dir="2700000" algn="tl" rotWithShape="0">
+                  <a:schemeClr val="dk1">
+                    <a:alpha val="40000"/>
+                  </a:schemeClr>
+                </a:outerShdw>
+              </a:effectLst>
+            </a:endParaRPr>
+          </a:p>
+        </p:txBody>
+      </p:sp>
+      <p:sp>
+        <p:nvSpPr>
+          <p:cNvPr id="14" name="矩形 13">
+            <a:extLst>
+              <a:ext uri="{FF2B5EF4-FFF2-40B4-BE49-F238E27FC236}">
+                <a16:creationId xmlns:a16="http://schemas.microsoft.com/office/drawing/2014/main" id="{B655ABB0-8E78-33FB-FA88-08CE62C8D202}"/>
+              </a:ext>
+            </a:extLst>
+          </p:cNvPr>
+          <p:cNvSpPr/>
+          <p:nvPr/>
+        </p:nvSpPr>
+        <p:spPr>
+          <a:xfrm>
+            <a:off x="8587702" y="2190328"/>
+            <a:ext cx="271296" cy="461665"/>
+          </a:xfrm>
+          <a:prstGeom prst="rect">
+            <a:avLst/>
+          </a:prstGeom>
+          <a:noFill/>
+        </p:spPr>
+        <p:txBody>
+          <a:bodyPr wrap="square" lIns="91440" tIns="45720" rIns="91440" bIns="45720">
+            <a:spAutoFit/>
+          </a:bodyPr>
+          <a:lstStyle/>
+          <a:p>
+            <a:pPr algn="ctr"/>
+            <a:r>
+              <a:rPr lang="en-US" altLang="zh-CN" sz="2400" b="1" dirty="0">
+                <a:ln w="0"/>
+                <a:effectLst>
+                  <a:outerShdw blurRad="38100" dist="19050" dir="2700000" algn="tl" rotWithShape="0">
+                    <a:schemeClr val="dk1">
+                      <a:alpha val="40000"/>
+                    </a:schemeClr>
+                  </a:outerShdw>
+                </a:effectLst>
+              </a:rPr>
+              <a:t>y</a:t>
+            </a:r>
+            <a:endParaRPr lang="zh-CN" altLang="en-US" sz="2400" b="1" cap="none" spc="0" dirty="0">
+              <a:ln w="0"/>
+              <a:solidFill>
+                <a:schemeClr val="tx1"/>
+              </a:solidFill>
+              <a:effectLst>
+                <a:outerShdw blurRad="38100" dist="19050" dir="2700000" algn="tl" rotWithShape="0">
+                  <a:schemeClr val="dk1">
+                    <a:alpha val="40000"/>
+                  </a:schemeClr>
+                </a:outerShdw>
+              </a:effectLst>
+            </a:endParaRPr>
+          </a:p>
+        </p:txBody>
+      </p:sp>
+      <p:cxnSp>
+        <p:nvCxnSpPr>
+          <p:cNvPr id="15" name="直接连接符 14">
+            <a:extLst>
+              <a:ext uri="{FF2B5EF4-FFF2-40B4-BE49-F238E27FC236}">
+                <a16:creationId xmlns:a16="http://schemas.microsoft.com/office/drawing/2014/main" id="{04BC663B-959F-37D1-19EC-E449513451BB}"/>
+              </a:ext>
+            </a:extLst>
+          </p:cNvPr>
+          <p:cNvCxnSpPr>
+            <a:cxnSpLocks/>
+          </p:cNvCxnSpPr>
+          <p:nvPr/>
+        </p:nvCxnSpPr>
+        <p:spPr>
+          <a:xfrm flipV="1">
+            <a:off x="8892522" y="2516955"/>
+            <a:ext cx="2458500" cy="1399129"/>
+          </a:xfrm>
+          <a:prstGeom prst="line">
+            <a:avLst/>
+          </a:prstGeom>
+          <a:ln w="25400">
+            <a:solidFill>
+              <a:srgbClr val="00B0F0"/>
+            </a:solidFill>
+            <a:tailEnd type="arrow"/>
+          </a:ln>
+        </p:spPr>
+        <p:style>
+          <a:lnRef idx="1">
+            <a:schemeClr val="accent1"/>
+          </a:lnRef>
+          <a:fillRef idx="0">
+            <a:schemeClr val="accent1"/>
+          </a:fillRef>
+          <a:effectRef idx="0">
+            <a:schemeClr val="accent1"/>
+          </a:effectRef>
+          <a:fontRef idx="minor">
+            <a:schemeClr val="tx1"/>
+          </a:fontRef>
+        </p:style>
+      </p:cxnSp>
+      <p:sp>
+        <p:nvSpPr>
+          <p:cNvPr id="16" name="矩形 15">
+            <a:extLst>
+              <a:ext uri="{FF2B5EF4-FFF2-40B4-BE49-F238E27FC236}">
+                <a16:creationId xmlns:a16="http://schemas.microsoft.com/office/drawing/2014/main" id="{5BDAC7F7-491A-FF40-E244-2080D6705354}"/>
+              </a:ext>
+            </a:extLst>
+          </p:cNvPr>
+          <p:cNvSpPr/>
+          <p:nvPr/>
+        </p:nvSpPr>
+        <p:spPr>
+          <a:xfrm>
+            <a:off x="11046932" y="2541470"/>
+            <a:ext cx="439544" cy="461665"/>
+          </a:xfrm>
+          <a:prstGeom prst="rect">
+            <a:avLst/>
+          </a:prstGeom>
+          <a:noFill/>
+        </p:spPr>
+        <p:txBody>
+          <a:bodyPr wrap="none" lIns="91440" tIns="45720" rIns="91440" bIns="45720">
+            <a:spAutoFit/>
+          </a:bodyPr>
+          <a:lstStyle/>
+          <a:p>
+            <a:pPr algn="ctr"/>
+            <a:r>
+              <a:rPr lang="en-US" altLang="zh-CN" sz="2400" b="1" cap="none" spc="0" dirty="0">
+                <a:ln w="0"/>
+                <a:solidFill>
+                  <a:srgbClr val="00B0F0"/>
+                </a:solidFill>
+                <a:effectLst>
+                  <a:outerShdw blurRad="38100" dist="25400" dir="5400000" algn="ctr" rotWithShape="0">
+                    <a:srgbClr val="6E747A">
+                      <a:alpha val="43000"/>
+                    </a:srgbClr>
+                  </a:outerShdw>
+                </a:effectLst>
+              </a:rPr>
+              <a:t>v</a:t>
+            </a:r>
+            <a:r>
+              <a:rPr lang="en-US" altLang="zh-CN" sz="1400" b="1" cap="none" spc="0" dirty="0">
+                <a:ln w="0"/>
+                <a:solidFill>
+                  <a:srgbClr val="00B0F0"/>
+                </a:solidFill>
+                <a:effectLst>
+                  <a:outerShdw blurRad="38100" dist="25400" dir="5400000" algn="ctr" rotWithShape="0">
+                    <a:srgbClr val="6E747A">
+                      <a:alpha val="43000"/>
+                    </a:srgbClr>
+                  </a:outerShdw>
+                </a:effectLst>
+              </a:rPr>
+              <a:t>1</a:t>
+            </a:r>
+            <a:endParaRPr lang="zh-CN" altLang="en-US" sz="1400" b="1" cap="none" spc="0" dirty="0">
+              <a:ln w="0"/>
+              <a:solidFill>
+                <a:srgbClr val="00B0F0"/>
+              </a:solidFill>
+              <a:effectLst>
+                <a:outerShdw blurRad="38100" dist="25400" dir="5400000" algn="ctr" rotWithShape="0">
+                  <a:srgbClr val="6E747A">
+                    <a:alpha val="43000"/>
+                  </a:srgbClr>
+                </a:outerShdw>
+              </a:effectLst>
+            </a:endParaRPr>
+          </a:p>
+        </p:txBody>
+      </p:sp>
+      <p:sp>
+        <p:nvSpPr>
+          <p:cNvPr id="17" name="矩形 16">
+            <a:extLst>
+              <a:ext uri="{FF2B5EF4-FFF2-40B4-BE49-F238E27FC236}">
+                <a16:creationId xmlns:a16="http://schemas.microsoft.com/office/drawing/2014/main" id="{0D98F322-C58E-23AD-38B6-225CBE19C97C}"/>
+              </a:ext>
+            </a:extLst>
+          </p:cNvPr>
+          <p:cNvSpPr/>
+          <p:nvPr/>
+        </p:nvSpPr>
+        <p:spPr>
+          <a:xfrm>
+            <a:off x="8514799" y="3859521"/>
+            <a:ext cx="417102" cy="461665"/>
+          </a:xfrm>
+          <a:prstGeom prst="rect">
+            <a:avLst/>
+          </a:prstGeom>
+          <a:noFill/>
+        </p:spPr>
+        <p:txBody>
+          <a:bodyPr wrap="none" lIns="91440" tIns="45720" rIns="91440" bIns="45720">
+            <a:spAutoFit/>
+          </a:bodyPr>
+          <a:lstStyle/>
+          <a:p>
+            <a:pPr algn="ctr"/>
+            <a:r>
+              <a:rPr lang="en-US" altLang="zh-CN" sz="2400" b="1" dirty="0">
+                <a:ln w="0"/>
+                <a:effectLst>
+                  <a:outerShdw blurRad="38100" dist="19050" dir="2700000" algn="tl" rotWithShape="0">
+                    <a:schemeClr val="dk1">
+                      <a:alpha val="40000"/>
+                    </a:schemeClr>
+                  </a:outerShdw>
+                </a:effectLst>
+              </a:rPr>
+              <a:t>O</a:t>
+            </a:r>
+            <a:endParaRPr lang="zh-CN" altLang="en-US" sz="2400" b="1" cap="none" spc="0" dirty="0">
+              <a:ln w="0"/>
+              <a:solidFill>
+                <a:schemeClr val="tx1"/>
+              </a:solidFill>
+              <a:effectLst>
+                <a:outerShdw blurRad="38100" dist="19050" dir="2700000" algn="tl" rotWithShape="0">
+                  <a:schemeClr val="dk1">
+                    <a:alpha val="40000"/>
+                  </a:schemeClr>
+                </a:outerShdw>
+              </a:effectLst>
+            </a:endParaRPr>
+          </a:p>
+        </p:txBody>
+      </p:sp>
+      <p:sp>
+        <p:nvSpPr>
+          <p:cNvPr id="20" name="矩形 19">
+            <a:extLst>
+              <a:ext uri="{FF2B5EF4-FFF2-40B4-BE49-F238E27FC236}">
+                <a16:creationId xmlns:a16="http://schemas.microsoft.com/office/drawing/2014/main" id="{3B4381ED-D07A-C036-AB39-361B8280C2B3}"/>
+              </a:ext>
+            </a:extLst>
+          </p:cNvPr>
+          <p:cNvSpPr/>
+          <p:nvPr/>
+        </p:nvSpPr>
+        <p:spPr>
+          <a:xfrm>
+            <a:off x="9171420" y="2645167"/>
+            <a:ext cx="439544" cy="461665"/>
+          </a:xfrm>
+          <a:prstGeom prst="rect">
+            <a:avLst/>
+          </a:prstGeom>
+          <a:noFill/>
+        </p:spPr>
+        <p:txBody>
+          <a:bodyPr wrap="none" lIns="91440" tIns="45720" rIns="91440" bIns="45720">
+            <a:spAutoFit/>
+          </a:bodyPr>
+          <a:lstStyle/>
+          <a:p>
+            <a:pPr algn="ctr"/>
+            <a:r>
+              <a:rPr lang="en-US" altLang="zh-CN" sz="2400" b="1" cap="none" spc="0" dirty="0">
+                <a:ln w="0"/>
+                <a:solidFill>
+                  <a:srgbClr val="00B0F0"/>
+                </a:solidFill>
+                <a:effectLst>
+                  <a:outerShdw blurRad="38100" dist="25400" dir="5400000" algn="ctr" rotWithShape="0">
+                    <a:srgbClr val="6E747A">
+                      <a:alpha val="43000"/>
+                    </a:srgbClr>
+                  </a:outerShdw>
+                </a:effectLst>
+              </a:rPr>
+              <a:t>v</a:t>
+            </a:r>
+            <a:r>
+              <a:rPr lang="en-US" altLang="zh-CN" sz="1400" b="1" dirty="0">
+                <a:ln w="0"/>
+                <a:solidFill>
+                  <a:srgbClr val="00B0F0"/>
+                </a:solidFill>
+                <a:effectLst>
+                  <a:outerShdw blurRad="38100" dist="25400" dir="5400000" algn="ctr" rotWithShape="0">
+                    <a:srgbClr val="6E747A">
+                      <a:alpha val="43000"/>
+                    </a:srgbClr>
+                  </a:outerShdw>
+                </a:effectLst>
+              </a:rPr>
+              <a:t>2</a:t>
+            </a:r>
+            <a:endParaRPr lang="zh-CN" altLang="en-US" sz="1400" b="1" cap="none" spc="0" dirty="0">
+              <a:ln w="0"/>
+              <a:solidFill>
+                <a:srgbClr val="00B0F0"/>
+              </a:solidFill>
+              <a:effectLst>
+                <a:outerShdw blurRad="38100" dist="25400" dir="5400000" algn="ctr" rotWithShape="0">
+                  <a:srgbClr val="6E747A">
+                    <a:alpha val="43000"/>
+                  </a:srgbClr>
+                </a:outerShdw>
+              </a:effectLst>
+            </a:endParaRPr>
+          </a:p>
+        </p:txBody>
+      </p:sp>
+      <p:sp>
+        <p:nvSpPr>
+          <p:cNvPr id="21" name="矩形 20">
+            <a:extLst>
+              <a:ext uri="{FF2B5EF4-FFF2-40B4-BE49-F238E27FC236}">
+                <a16:creationId xmlns:a16="http://schemas.microsoft.com/office/drawing/2014/main" id="{F1842D09-7077-0987-4CE0-C54C1BC88E70}"/>
+              </a:ext>
+            </a:extLst>
+          </p:cNvPr>
+          <p:cNvSpPr/>
+          <p:nvPr/>
+        </p:nvSpPr>
+        <p:spPr>
+          <a:xfrm>
+            <a:off x="9210631" y="4585390"/>
+            <a:ext cx="2315056" cy="523220"/>
+          </a:xfrm>
+          <a:prstGeom prst="rect">
+            <a:avLst/>
+          </a:prstGeom>
+          <a:noFill/>
+        </p:spPr>
+        <p:txBody>
+          <a:bodyPr wrap="none" lIns="91440" tIns="45720" rIns="91440" bIns="45720">
+            <a:spAutoFit/>
+          </a:bodyPr>
+          <a:lstStyle/>
+          <a:p>
+            <a:pPr algn="ctr"/>
+            <a:r>
+              <a:rPr lang="en-US" altLang="zh-CN" sz="2800" b="1" cap="none" spc="0" dirty="0">
+                <a:ln w="0"/>
+                <a:solidFill>
+                  <a:srgbClr val="FF0000"/>
+                </a:solidFill>
+                <a:effectLst>
+                  <a:outerShdw blurRad="38100" dist="19050" dir="2700000" algn="tl" rotWithShape="0">
+                    <a:schemeClr val="dk1">
+                      <a:alpha val="40000"/>
+                    </a:schemeClr>
+                  </a:outerShdw>
+                </a:effectLst>
+              </a:rPr>
+              <a:t>dependent</a:t>
+            </a:r>
+            <a:r>
+              <a:rPr lang="zh-CN" altLang="en-US" sz="2800" b="1" cap="none" spc="0" dirty="0">
+                <a:ln w="0"/>
+                <a:solidFill>
+                  <a:srgbClr val="FF0000"/>
+                </a:solidFill>
+                <a:effectLst>
+                  <a:outerShdw blurRad="38100" dist="19050" dir="2700000" algn="tl" rotWithShape="0">
+                    <a:schemeClr val="dk1">
+                      <a:alpha val="40000"/>
+                    </a:schemeClr>
+                  </a:outerShdw>
+                </a:effectLst>
+              </a:rPr>
+              <a:t>！</a:t>
+            </a:r>
+          </a:p>
+        </p:txBody>
+      </p:sp>
+      <p:cxnSp>
+        <p:nvCxnSpPr>
+          <p:cNvPr id="22" name="直接连接符 21">
+            <a:extLst>
+              <a:ext uri="{FF2B5EF4-FFF2-40B4-BE49-F238E27FC236}">
+                <a16:creationId xmlns:a16="http://schemas.microsoft.com/office/drawing/2014/main" id="{2C15F6C3-BAFB-3CD7-665B-85A0E6295B8A}"/>
+              </a:ext>
+            </a:extLst>
+          </p:cNvPr>
+          <p:cNvCxnSpPr>
+            <a:cxnSpLocks/>
+          </p:cNvCxnSpPr>
+          <p:nvPr/>
+        </p:nvCxnSpPr>
+        <p:spPr>
+          <a:xfrm flipV="1">
+            <a:off x="8892521" y="2772302"/>
+            <a:ext cx="795809" cy="1143782"/>
+          </a:xfrm>
+          <a:prstGeom prst="line">
+            <a:avLst/>
+          </a:prstGeom>
+          <a:ln w="25400">
+            <a:solidFill>
+              <a:srgbClr val="00B0F0"/>
+            </a:solidFill>
+            <a:tailEnd type="arrow"/>
+          </a:ln>
+        </p:spPr>
+        <p:style>
+          <a:lnRef idx="1">
+            <a:schemeClr val="accent1"/>
+          </a:lnRef>
+          <a:fillRef idx="0">
+            <a:schemeClr val="accent1"/>
+          </a:fillRef>
+          <a:effectRef idx="0">
+            <a:schemeClr val="accent1"/>
+          </a:effectRef>
+          <a:fontRef idx="minor">
+            <a:schemeClr val="tx1"/>
+          </a:fontRef>
+        </p:style>
+      </p:cxnSp>
+      <p:cxnSp>
+        <p:nvCxnSpPr>
+          <p:cNvPr id="23" name="直接连接符 22">
+            <a:extLst>
+              <a:ext uri="{FF2B5EF4-FFF2-40B4-BE49-F238E27FC236}">
+                <a16:creationId xmlns:a16="http://schemas.microsoft.com/office/drawing/2014/main" id="{BF4CFBC0-D476-1872-B7AC-970FD574FDE6}"/>
+              </a:ext>
+            </a:extLst>
+          </p:cNvPr>
+          <p:cNvCxnSpPr>
+            <a:cxnSpLocks/>
+          </p:cNvCxnSpPr>
+          <p:nvPr/>
+        </p:nvCxnSpPr>
+        <p:spPr>
+          <a:xfrm>
+            <a:off x="8912211" y="3916084"/>
+            <a:ext cx="1553662" cy="430494"/>
+          </a:xfrm>
+          <a:prstGeom prst="line">
+            <a:avLst/>
+          </a:prstGeom>
+          <a:ln w="25400">
+            <a:solidFill>
+              <a:srgbClr val="00B0F0"/>
+            </a:solidFill>
+            <a:tailEnd type="arrow"/>
+          </a:ln>
+        </p:spPr>
+        <p:style>
+          <a:lnRef idx="1">
+            <a:schemeClr val="accent1"/>
+          </a:lnRef>
+          <a:fillRef idx="0">
+            <a:schemeClr val="accent1"/>
+          </a:fillRef>
+          <a:effectRef idx="0">
+            <a:schemeClr val="accent1"/>
+          </a:effectRef>
+          <a:fontRef idx="minor">
+            <a:schemeClr val="tx1"/>
+          </a:fontRef>
+        </p:style>
+      </p:cxnSp>
+      <p:sp>
+        <p:nvSpPr>
+          <p:cNvPr id="24" name="矩形 23">
+            <a:extLst>
+              <a:ext uri="{FF2B5EF4-FFF2-40B4-BE49-F238E27FC236}">
+                <a16:creationId xmlns:a16="http://schemas.microsoft.com/office/drawing/2014/main" id="{A60B1658-29BB-C6CE-1A85-3837CA69CC09}"/>
+              </a:ext>
+            </a:extLst>
+          </p:cNvPr>
+          <p:cNvSpPr/>
+          <p:nvPr/>
+        </p:nvSpPr>
+        <p:spPr>
+          <a:xfrm>
+            <a:off x="10368159" y="3998415"/>
+            <a:ext cx="439544" cy="461665"/>
+          </a:xfrm>
+          <a:prstGeom prst="rect">
+            <a:avLst/>
+          </a:prstGeom>
+          <a:noFill/>
+        </p:spPr>
+        <p:txBody>
+          <a:bodyPr wrap="none" lIns="91440" tIns="45720" rIns="91440" bIns="45720">
+            <a:spAutoFit/>
+          </a:bodyPr>
+          <a:lstStyle/>
+          <a:p>
+            <a:pPr algn="ctr"/>
+            <a:r>
+              <a:rPr lang="en-US" altLang="zh-CN" sz="2400" b="1" cap="none" spc="0" dirty="0">
+                <a:ln w="0"/>
+                <a:solidFill>
+                  <a:srgbClr val="00B0F0"/>
+                </a:solidFill>
+                <a:effectLst>
+                  <a:outerShdw blurRad="38100" dist="25400" dir="5400000" algn="ctr" rotWithShape="0">
+                    <a:srgbClr val="6E747A">
+                      <a:alpha val="43000"/>
+                    </a:srgbClr>
+                  </a:outerShdw>
+                </a:effectLst>
+              </a:rPr>
+              <a:t>v</a:t>
+            </a:r>
+            <a:r>
+              <a:rPr lang="en-US" altLang="zh-CN" sz="1400" b="1" dirty="0">
+                <a:ln w="0"/>
+                <a:solidFill>
+                  <a:srgbClr val="00B0F0"/>
+                </a:solidFill>
+                <a:effectLst>
+                  <a:outerShdw blurRad="38100" dist="25400" dir="5400000" algn="ctr" rotWithShape="0">
+                    <a:srgbClr val="6E747A">
+                      <a:alpha val="43000"/>
+                    </a:srgbClr>
+                  </a:outerShdw>
+                </a:effectLst>
+              </a:rPr>
+              <a:t>3</a:t>
+            </a:r>
+            <a:endParaRPr lang="zh-CN" altLang="en-US" sz="1400" b="1" cap="none" spc="0" dirty="0">
+              <a:ln w="0"/>
+              <a:solidFill>
+                <a:srgbClr val="00B0F0"/>
+              </a:solidFill>
+              <a:effectLst>
+                <a:outerShdw blurRad="38100" dist="25400" dir="5400000" algn="ctr" rotWithShape="0">
+                  <a:srgbClr val="6E747A">
+                    <a:alpha val="43000"/>
+                  </a:srgbClr>
+                </a:outerShdw>
+              </a:effectLst>
+            </a:endParaRPr>
+          </a:p>
+        </p:txBody>
+      </p:sp>
+    </p:spTree>
+    <p:extLst>
+      <p:ext uri="{BB962C8B-B14F-4D97-AF65-F5344CB8AC3E}">
+        <p14:creationId xmlns:p14="http://schemas.microsoft.com/office/powerpoint/2010/main" val="3115673"/>
+      </p:ext>
+    </p:extLst>
+  </p:cSld>
+  <p:clrMapOvr>
+    <a:masterClrMapping/>
+  </p:clrMapOvr>
+</p:sld>
+</file>
+
+<file path=ppt/slides/slide8.xml><?xml version="1.0" encoding="utf-8"?>
+<p:sld xmlns:a="http://schemas.openxmlformats.org/drawingml/2006/main" xmlns:r="http://schemas.openxmlformats.org/officeDocument/2006/relationships" xmlns:p="http://schemas.openxmlformats.org/presentationml/2006/main">
+  <p:cSld>
+    <p:spTree>
+      <p:nvGrpSpPr>
+        <p:cNvPr id="1" name=""/>
+        <p:cNvGrpSpPr/>
+        <p:nvPr/>
+      </p:nvGrpSpPr>
+      <p:grpSpPr>
+        <a:xfrm>
+          <a:off x="0" y="0"/>
+          <a:ext cx="0" cy="0"/>
+          <a:chOff x="0" y="0"/>
+          <a:chExt cx="0" cy="0"/>
+        </a:xfrm>
+      </p:grpSpPr>
+    </p:spTree>
+    <p:extLst>
+      <p:ext uri="{BB962C8B-B14F-4D97-AF65-F5344CB8AC3E}">
+        <p14:creationId xmlns:p14="http://schemas.microsoft.com/office/powerpoint/2010/main" val="818883912"/>
+      </p:ext>
+    </p:extLst>
+  </p:cSld>
+  <p:clrMapOvr>
+    <a:masterClrMapping/>
+  </p:clrMapOvr>
+</p:sld>
+</file>
+
 <file path=ppt/theme/theme1.xml><?xml version="1.0" encoding="utf-8"?>
 <a:theme xmlns:a="http://schemas.openxmlformats.org/drawingml/2006/main" name="Office 主题​​">
   <a:themeElements>

--- a/notes/campus.pptx
+++ b/notes/campus.pptx
@@ -266,7 +266,7 @@
           <a:p>
             <a:fld id="{00614340-6DC8-4F03-8B80-799B88CEBCA0}" type="datetimeFigureOut">
               <a:rPr lang="zh-CN" altLang="en-US" smtClean="0"/>
-              <a:t>2023/9/28</a:t>
+              <a:t>2023/9/29</a:t>
             </a:fld>
             <a:endParaRPr lang="zh-CN" altLang="en-US"/>
           </a:p>
@@ -464,7 +464,7 @@
           <a:p>
             <a:fld id="{00614340-6DC8-4F03-8B80-799B88CEBCA0}" type="datetimeFigureOut">
               <a:rPr lang="zh-CN" altLang="en-US" smtClean="0"/>
-              <a:t>2023/9/28</a:t>
+              <a:t>2023/9/29</a:t>
             </a:fld>
             <a:endParaRPr lang="zh-CN" altLang="en-US"/>
           </a:p>
@@ -672,7 +672,7 @@
           <a:p>
             <a:fld id="{00614340-6DC8-4F03-8B80-799B88CEBCA0}" type="datetimeFigureOut">
               <a:rPr lang="zh-CN" altLang="en-US" smtClean="0"/>
-              <a:t>2023/9/28</a:t>
+              <a:t>2023/9/29</a:t>
             </a:fld>
             <a:endParaRPr lang="zh-CN" altLang="en-US"/>
           </a:p>
@@ -870,7 +870,7 @@
           <a:p>
             <a:fld id="{00614340-6DC8-4F03-8B80-799B88CEBCA0}" type="datetimeFigureOut">
               <a:rPr lang="zh-CN" altLang="en-US" smtClean="0"/>
-              <a:t>2023/9/28</a:t>
+              <a:t>2023/9/29</a:t>
             </a:fld>
             <a:endParaRPr lang="zh-CN" altLang="en-US"/>
           </a:p>
@@ -1145,7 +1145,7 @@
           <a:p>
             <a:fld id="{00614340-6DC8-4F03-8B80-799B88CEBCA0}" type="datetimeFigureOut">
               <a:rPr lang="zh-CN" altLang="en-US" smtClean="0"/>
-              <a:t>2023/9/28</a:t>
+              <a:t>2023/9/29</a:t>
             </a:fld>
             <a:endParaRPr lang="zh-CN" altLang="en-US"/>
           </a:p>
@@ -1410,7 +1410,7 @@
           <a:p>
             <a:fld id="{00614340-6DC8-4F03-8B80-799B88CEBCA0}" type="datetimeFigureOut">
               <a:rPr lang="zh-CN" altLang="en-US" smtClean="0"/>
-              <a:t>2023/9/28</a:t>
+              <a:t>2023/9/29</a:t>
             </a:fld>
             <a:endParaRPr lang="zh-CN" altLang="en-US"/>
           </a:p>
@@ -1822,7 +1822,7 @@
           <a:p>
             <a:fld id="{00614340-6DC8-4F03-8B80-799B88CEBCA0}" type="datetimeFigureOut">
               <a:rPr lang="zh-CN" altLang="en-US" smtClean="0"/>
-              <a:t>2023/9/28</a:t>
+              <a:t>2023/9/29</a:t>
             </a:fld>
             <a:endParaRPr lang="zh-CN" altLang="en-US"/>
           </a:p>
@@ -1963,7 +1963,7 @@
           <a:p>
             <a:fld id="{00614340-6DC8-4F03-8B80-799B88CEBCA0}" type="datetimeFigureOut">
               <a:rPr lang="zh-CN" altLang="en-US" smtClean="0"/>
-              <a:t>2023/9/28</a:t>
+              <a:t>2023/9/29</a:t>
             </a:fld>
             <a:endParaRPr lang="zh-CN" altLang="en-US"/>
           </a:p>
@@ -2076,7 +2076,7 @@
           <a:p>
             <a:fld id="{00614340-6DC8-4F03-8B80-799B88CEBCA0}" type="datetimeFigureOut">
               <a:rPr lang="zh-CN" altLang="en-US" smtClean="0"/>
-              <a:t>2023/9/28</a:t>
+              <a:t>2023/9/29</a:t>
             </a:fld>
             <a:endParaRPr lang="zh-CN" altLang="en-US"/>
           </a:p>
@@ -2387,7 +2387,7 @@
           <a:p>
             <a:fld id="{00614340-6DC8-4F03-8B80-799B88CEBCA0}" type="datetimeFigureOut">
               <a:rPr lang="zh-CN" altLang="en-US" smtClean="0"/>
-              <a:t>2023/9/28</a:t>
+              <a:t>2023/9/29</a:t>
             </a:fld>
             <a:endParaRPr lang="zh-CN" altLang="en-US"/>
           </a:p>
@@ -2675,7 +2675,7 @@
           <a:p>
             <a:fld id="{00614340-6DC8-4F03-8B80-799B88CEBCA0}" type="datetimeFigureOut">
               <a:rPr lang="zh-CN" altLang="en-US" smtClean="0"/>
-              <a:t>2023/9/28</a:t>
+              <a:t>2023/9/29</a:t>
             </a:fld>
             <a:endParaRPr lang="zh-CN" altLang="en-US"/>
           </a:p>
@@ -2916,7 +2916,7 @@
           <a:p>
             <a:fld id="{00614340-6DC8-4F03-8B80-799B88CEBCA0}" type="datetimeFigureOut">
               <a:rPr lang="zh-CN" altLang="en-US" smtClean="0"/>
-              <a:t>2023/9/28</a:t>
+              <a:t>2023/9/29</a:t>
             </a:fld>
             <a:endParaRPr lang="zh-CN" altLang="en-US"/>
           </a:p>
@@ -11095,6 +11095,957 @@
           <a:chExt cx="0" cy="0"/>
         </a:xfrm>
       </p:grpSpPr>
+      <p:sp>
+        <p:nvSpPr>
+          <p:cNvPr id="2" name="矩形 1">
+            <a:extLst>
+              <a:ext uri="{FF2B5EF4-FFF2-40B4-BE49-F238E27FC236}">
+                <a16:creationId xmlns:a16="http://schemas.microsoft.com/office/drawing/2014/main" id="{00016A35-2B04-2D7A-8E9F-E9FAF56E65E9}"/>
+              </a:ext>
+            </a:extLst>
+          </p:cNvPr>
+          <p:cNvSpPr/>
+          <p:nvPr/>
+        </p:nvSpPr>
+        <p:spPr>
+          <a:xfrm rot="16585253">
+            <a:off x="2335841" y="1074957"/>
+            <a:ext cx="1489435" cy="2375554"/>
+          </a:xfrm>
+          <a:prstGeom prst="rect">
+            <a:avLst/>
+          </a:prstGeom>
+          <a:solidFill>
+            <a:srgbClr val="7030A0">
+              <a:alpha val="50000"/>
+            </a:srgbClr>
+          </a:solidFill>
+          <a:ln>
+            <a:solidFill>
+              <a:srgbClr val="7030A0">
+                <a:alpha val="50000"/>
+              </a:srgbClr>
+            </a:solidFill>
+          </a:ln>
+        </p:spPr>
+        <p:style>
+          <a:lnRef idx="2">
+            <a:schemeClr val="accent1">
+              <a:shade val="15000"/>
+            </a:schemeClr>
+          </a:lnRef>
+          <a:fillRef idx="1">
+            <a:schemeClr val="accent1"/>
+          </a:fillRef>
+          <a:effectRef idx="0">
+            <a:schemeClr val="accent1"/>
+          </a:effectRef>
+          <a:fontRef idx="minor">
+            <a:schemeClr val="lt1"/>
+          </a:fontRef>
+        </p:style>
+        <p:txBody>
+          <a:bodyPr rtlCol="0" anchor="ctr"/>
+          <a:lstStyle/>
+          <a:p>
+            <a:pPr algn="ctr"/>
+            <a:endParaRPr lang="zh-CN" altLang="en-US" dirty="0"/>
+          </a:p>
+        </p:txBody>
+      </p:sp>
+      <p:sp>
+        <p:nvSpPr>
+          <p:cNvPr id="3" name="矩形 2">
+            <a:extLst>
+              <a:ext uri="{FF2B5EF4-FFF2-40B4-BE49-F238E27FC236}">
+                <a16:creationId xmlns:a16="http://schemas.microsoft.com/office/drawing/2014/main" id="{44D9E4D2-19A9-1F4C-E066-DB11DE859EEF}"/>
+              </a:ext>
+            </a:extLst>
+          </p:cNvPr>
+          <p:cNvSpPr/>
+          <p:nvPr/>
+        </p:nvSpPr>
+        <p:spPr>
+          <a:xfrm rot="364855">
+            <a:off x="4056041" y="3217546"/>
+            <a:ext cx="1489435" cy="2375554"/>
+          </a:xfrm>
+          <a:prstGeom prst="rect">
+            <a:avLst/>
+          </a:prstGeom>
+          <a:solidFill>
+            <a:schemeClr val="accent4">
+              <a:lumMod val="40000"/>
+              <a:lumOff val="60000"/>
+              <a:alpha val="50000"/>
+            </a:schemeClr>
+          </a:solidFill>
+          <a:ln>
+            <a:solidFill>
+              <a:schemeClr val="accent4">
+                <a:lumMod val="40000"/>
+                <a:lumOff val="60000"/>
+                <a:alpha val="50000"/>
+              </a:schemeClr>
+            </a:solidFill>
+          </a:ln>
+        </p:spPr>
+        <p:style>
+          <a:lnRef idx="2">
+            <a:schemeClr val="accent1">
+              <a:shade val="15000"/>
+            </a:schemeClr>
+          </a:lnRef>
+          <a:fillRef idx="1">
+            <a:schemeClr val="accent1"/>
+          </a:fillRef>
+          <a:effectRef idx="0">
+            <a:schemeClr val="accent1"/>
+          </a:effectRef>
+          <a:fontRef idx="minor">
+            <a:schemeClr val="lt1"/>
+          </a:fontRef>
+        </p:style>
+        <p:txBody>
+          <a:bodyPr rtlCol="0" anchor="ctr"/>
+          <a:lstStyle/>
+          <a:p>
+            <a:pPr algn="ctr"/>
+            <a:endParaRPr lang="zh-CN" altLang="en-US"/>
+          </a:p>
+        </p:txBody>
+      </p:sp>
+      <p:sp>
+        <p:nvSpPr>
+          <p:cNvPr id="4" name="矩形 3">
+            <a:extLst>
+              <a:ext uri="{FF2B5EF4-FFF2-40B4-BE49-F238E27FC236}">
+                <a16:creationId xmlns:a16="http://schemas.microsoft.com/office/drawing/2014/main" id="{78F0DB3C-9BB4-716B-0811-41DB4D766776}"/>
+              </a:ext>
+            </a:extLst>
+          </p:cNvPr>
+          <p:cNvSpPr/>
+          <p:nvPr/>
+        </p:nvSpPr>
+        <p:spPr>
+          <a:xfrm rot="18662037">
+            <a:off x="8804345" y="1360892"/>
+            <a:ext cx="822800" cy="2118945"/>
+          </a:xfrm>
+          <a:prstGeom prst="rect">
+            <a:avLst/>
+          </a:prstGeom>
+          <a:solidFill>
+            <a:srgbClr val="00B0F0">
+              <a:alpha val="50000"/>
+            </a:srgbClr>
+          </a:solidFill>
+          <a:ln>
+            <a:solidFill>
+              <a:srgbClr val="00B0F0">
+                <a:alpha val="50000"/>
+              </a:srgbClr>
+            </a:solidFill>
+          </a:ln>
+        </p:spPr>
+        <p:style>
+          <a:lnRef idx="2">
+            <a:schemeClr val="accent1">
+              <a:shade val="15000"/>
+            </a:schemeClr>
+          </a:lnRef>
+          <a:fillRef idx="1">
+            <a:schemeClr val="accent1"/>
+          </a:fillRef>
+          <a:effectRef idx="0">
+            <a:schemeClr val="accent1"/>
+          </a:effectRef>
+          <a:fontRef idx="minor">
+            <a:schemeClr val="lt1"/>
+          </a:fontRef>
+        </p:style>
+        <p:txBody>
+          <a:bodyPr rtlCol="0" anchor="ctr"/>
+          <a:lstStyle/>
+          <a:p>
+            <a:pPr algn="ctr"/>
+            <a:endParaRPr lang="zh-CN" altLang="en-US"/>
+          </a:p>
+        </p:txBody>
+      </p:sp>
+      <p:sp>
+        <p:nvSpPr>
+          <p:cNvPr id="7" name="矩形 6">
+            <a:extLst>
+              <a:ext uri="{FF2B5EF4-FFF2-40B4-BE49-F238E27FC236}">
+                <a16:creationId xmlns:a16="http://schemas.microsoft.com/office/drawing/2014/main" id="{B5980FEC-D786-B530-C0DC-B5235403891D}"/>
+              </a:ext>
+            </a:extLst>
+          </p:cNvPr>
+          <p:cNvSpPr/>
+          <p:nvPr/>
+        </p:nvSpPr>
+        <p:spPr>
+          <a:xfrm rot="13265096">
+            <a:off x="8949394" y="3445423"/>
+            <a:ext cx="822800" cy="2118945"/>
+          </a:xfrm>
+          <a:prstGeom prst="rect">
+            <a:avLst/>
+          </a:prstGeom>
+          <a:solidFill>
+            <a:srgbClr val="00B050">
+              <a:alpha val="50000"/>
+            </a:srgbClr>
+          </a:solidFill>
+          <a:ln>
+            <a:solidFill>
+              <a:srgbClr val="00B050">
+                <a:alpha val="50000"/>
+              </a:srgbClr>
+            </a:solidFill>
+          </a:ln>
+          <a:scene3d>
+            <a:camera prst="orthographicFront">
+              <a:rot lat="0" lon="0" rev="0"/>
+            </a:camera>
+            <a:lightRig rig="threePt" dir="t"/>
+          </a:scene3d>
+        </p:spPr>
+        <p:style>
+          <a:lnRef idx="2">
+            <a:schemeClr val="accent1">
+              <a:shade val="15000"/>
+            </a:schemeClr>
+          </a:lnRef>
+          <a:fillRef idx="1">
+            <a:schemeClr val="accent1"/>
+          </a:fillRef>
+          <a:effectRef idx="0">
+            <a:schemeClr val="accent1"/>
+          </a:effectRef>
+          <a:fontRef idx="minor">
+            <a:schemeClr val="lt1"/>
+          </a:fontRef>
+        </p:style>
+        <p:txBody>
+          <a:bodyPr rtlCol="0" anchor="ctr"/>
+          <a:lstStyle/>
+          <a:p>
+            <a:pPr algn="ctr"/>
+            <a:endParaRPr lang="zh-CN" altLang="en-US"/>
+          </a:p>
+        </p:txBody>
+      </p:sp>
+      <p:sp>
+        <p:nvSpPr>
+          <p:cNvPr id="8" name="矩形 7">
+            <a:extLst>
+              <a:ext uri="{FF2B5EF4-FFF2-40B4-BE49-F238E27FC236}">
+                <a16:creationId xmlns:a16="http://schemas.microsoft.com/office/drawing/2014/main" id="{1F92AEF1-0B14-E20D-5F99-67410738669A}"/>
+              </a:ext>
+            </a:extLst>
+          </p:cNvPr>
+          <p:cNvSpPr/>
+          <p:nvPr/>
+        </p:nvSpPr>
+        <p:spPr>
+          <a:xfrm>
+            <a:off x="2403930" y="2088350"/>
+            <a:ext cx="1353255" cy="400110"/>
+          </a:xfrm>
+          <a:prstGeom prst="rect">
+            <a:avLst/>
+          </a:prstGeom>
+          <a:noFill/>
+        </p:spPr>
+        <p:txBody>
+          <a:bodyPr wrap="none" lIns="91440" tIns="45720" rIns="91440" bIns="45720">
+            <a:spAutoFit/>
+          </a:bodyPr>
+          <a:lstStyle/>
+          <a:p>
+            <a:pPr algn="ctr"/>
+            <a:r>
+              <a:rPr lang="en-US" altLang="zh-CN" sz="2000" b="1" cap="none" spc="0" dirty="0">
+                <a:ln w="0"/>
+                <a:solidFill>
+                  <a:schemeClr val="tx1"/>
+                </a:solidFill>
+                <a:effectLst>
+                  <a:outerShdw blurRad="38100" dist="19050" dir="2700000" algn="tl" rotWithShape="0">
+                    <a:schemeClr val="dk1">
+                      <a:alpha val="40000"/>
+                    </a:schemeClr>
+                  </a:outerShdw>
+                </a:effectLst>
+              </a:rPr>
+              <a:t>row space</a:t>
+            </a:r>
+            <a:endParaRPr lang="zh-CN" altLang="en-US" sz="2000" b="1" cap="none" spc="0" dirty="0">
+              <a:ln w="0"/>
+              <a:solidFill>
+                <a:schemeClr val="tx1"/>
+              </a:solidFill>
+              <a:effectLst>
+                <a:outerShdw blurRad="38100" dist="19050" dir="2700000" algn="tl" rotWithShape="0">
+                  <a:schemeClr val="dk1">
+                    <a:alpha val="40000"/>
+                  </a:schemeClr>
+                </a:outerShdw>
+              </a:effectLst>
+            </a:endParaRPr>
+          </a:p>
+        </p:txBody>
+      </p:sp>
+      <p:sp>
+        <p:nvSpPr>
+          <p:cNvPr id="9" name="矩形 8">
+            <a:extLst>
+              <a:ext uri="{FF2B5EF4-FFF2-40B4-BE49-F238E27FC236}">
+                <a16:creationId xmlns:a16="http://schemas.microsoft.com/office/drawing/2014/main" id="{513E2146-D1E2-F86D-0C2A-BB2060FF8E4F}"/>
+              </a:ext>
+            </a:extLst>
+          </p:cNvPr>
+          <p:cNvSpPr/>
+          <p:nvPr/>
+        </p:nvSpPr>
+        <p:spPr>
+          <a:xfrm>
+            <a:off x="4199802" y="4205268"/>
+            <a:ext cx="1343638" cy="400110"/>
+          </a:xfrm>
+          <a:prstGeom prst="rect">
+            <a:avLst/>
+          </a:prstGeom>
+          <a:noFill/>
+        </p:spPr>
+        <p:txBody>
+          <a:bodyPr wrap="none" lIns="91440" tIns="45720" rIns="91440" bIns="45720">
+            <a:spAutoFit/>
+          </a:bodyPr>
+          <a:lstStyle/>
+          <a:p>
+            <a:pPr algn="ctr"/>
+            <a:r>
+              <a:rPr lang="en-US" altLang="zh-CN" sz="2000" b="1" cap="none" spc="0" dirty="0">
+                <a:ln w="0"/>
+                <a:solidFill>
+                  <a:schemeClr val="tx1"/>
+                </a:solidFill>
+                <a:effectLst>
+                  <a:outerShdw blurRad="38100" dist="19050" dir="2700000" algn="tl" rotWithShape="0">
+                    <a:schemeClr val="dk1">
+                      <a:alpha val="40000"/>
+                    </a:schemeClr>
+                  </a:outerShdw>
+                </a:effectLst>
+              </a:rPr>
+              <a:t>null space</a:t>
+            </a:r>
+            <a:endParaRPr lang="zh-CN" altLang="en-US" sz="2000" b="1" cap="none" spc="0" dirty="0">
+              <a:ln w="0"/>
+              <a:solidFill>
+                <a:schemeClr val="tx1"/>
+              </a:solidFill>
+              <a:effectLst>
+                <a:outerShdw blurRad="38100" dist="19050" dir="2700000" algn="tl" rotWithShape="0">
+                  <a:schemeClr val="dk1">
+                    <a:alpha val="40000"/>
+                  </a:schemeClr>
+                </a:outerShdw>
+              </a:effectLst>
+            </a:endParaRPr>
+          </a:p>
+        </p:txBody>
+      </p:sp>
+      <p:sp>
+        <p:nvSpPr>
+          <p:cNvPr id="10" name="矩形 9">
+            <a:extLst>
+              <a:ext uri="{FF2B5EF4-FFF2-40B4-BE49-F238E27FC236}">
+                <a16:creationId xmlns:a16="http://schemas.microsoft.com/office/drawing/2014/main" id="{449B4021-5FB5-1DF6-F609-9A420B775C88}"/>
+              </a:ext>
+            </a:extLst>
+          </p:cNvPr>
+          <p:cNvSpPr/>
+          <p:nvPr/>
+        </p:nvSpPr>
+        <p:spPr>
+          <a:xfrm>
+            <a:off x="8354445" y="2220309"/>
+            <a:ext cx="1778051" cy="400110"/>
+          </a:xfrm>
+          <a:prstGeom prst="rect">
+            <a:avLst/>
+          </a:prstGeom>
+          <a:noFill/>
+        </p:spPr>
+        <p:txBody>
+          <a:bodyPr wrap="none" lIns="91440" tIns="45720" rIns="91440" bIns="45720">
+            <a:spAutoFit/>
+          </a:bodyPr>
+          <a:lstStyle/>
+          <a:p>
+            <a:pPr algn="ctr"/>
+            <a:r>
+              <a:rPr lang="en-US" altLang="zh-CN" sz="2000" b="1" cap="none" spc="0" dirty="0">
+                <a:ln w="0"/>
+                <a:solidFill>
+                  <a:schemeClr val="tx1"/>
+                </a:solidFill>
+                <a:effectLst>
+                  <a:outerShdw blurRad="38100" dist="19050" dir="2700000" algn="tl" rotWithShape="0">
+                    <a:schemeClr val="dk1">
+                      <a:alpha val="40000"/>
+                    </a:schemeClr>
+                  </a:outerShdw>
+                </a:effectLst>
+              </a:rPr>
+              <a:t>column space</a:t>
+            </a:r>
+            <a:endParaRPr lang="zh-CN" altLang="en-US" sz="2000" b="1" cap="none" spc="0" dirty="0">
+              <a:ln w="0"/>
+              <a:solidFill>
+                <a:schemeClr val="tx1"/>
+              </a:solidFill>
+              <a:effectLst>
+                <a:outerShdw blurRad="38100" dist="19050" dir="2700000" algn="tl" rotWithShape="0">
+                  <a:schemeClr val="dk1">
+                    <a:alpha val="40000"/>
+                  </a:schemeClr>
+                </a:outerShdw>
+              </a:effectLst>
+            </a:endParaRPr>
+          </a:p>
+        </p:txBody>
+      </p:sp>
+      <p:sp>
+        <p:nvSpPr>
+          <p:cNvPr id="11" name="矩形 10">
+            <a:extLst>
+              <a:ext uri="{FF2B5EF4-FFF2-40B4-BE49-F238E27FC236}">
+                <a16:creationId xmlns:a16="http://schemas.microsoft.com/office/drawing/2014/main" id="{8042D078-5743-D2D0-43A4-D106A8FD0205}"/>
+              </a:ext>
+            </a:extLst>
+          </p:cNvPr>
+          <p:cNvSpPr/>
+          <p:nvPr/>
+        </p:nvSpPr>
+        <p:spPr>
+          <a:xfrm>
+            <a:off x="8428416" y="4304840"/>
+            <a:ext cx="1856598" cy="400110"/>
+          </a:xfrm>
+          <a:prstGeom prst="rect">
+            <a:avLst/>
+          </a:prstGeom>
+          <a:noFill/>
+        </p:spPr>
+        <p:txBody>
+          <a:bodyPr wrap="none" lIns="91440" tIns="45720" rIns="91440" bIns="45720">
+            <a:spAutoFit/>
+          </a:bodyPr>
+          <a:lstStyle/>
+          <a:p>
+            <a:pPr algn="ctr"/>
+            <a:r>
+              <a:rPr lang="en-US" altLang="zh-CN" sz="2000" b="1" cap="none" spc="0" dirty="0">
+                <a:ln w="0"/>
+                <a:solidFill>
+                  <a:schemeClr val="tx1"/>
+                </a:solidFill>
+                <a:effectLst>
+                  <a:outerShdw blurRad="38100" dist="19050" dir="2700000" algn="tl" rotWithShape="0">
+                    <a:schemeClr val="dk1">
+                      <a:alpha val="40000"/>
+                    </a:schemeClr>
+                  </a:outerShdw>
+                </a:effectLst>
+              </a:rPr>
+              <a:t>left null space</a:t>
+            </a:r>
+            <a:endParaRPr lang="zh-CN" altLang="en-US" sz="2000" b="1" cap="none" spc="0" dirty="0">
+              <a:ln w="0"/>
+              <a:solidFill>
+                <a:schemeClr val="tx1"/>
+              </a:solidFill>
+              <a:effectLst>
+                <a:outerShdw blurRad="38100" dist="19050" dir="2700000" algn="tl" rotWithShape="0">
+                  <a:schemeClr val="dk1">
+                    <a:alpha val="40000"/>
+                  </a:schemeClr>
+                </a:outerShdw>
+              </a:effectLst>
+            </a:endParaRPr>
+          </a:p>
+        </p:txBody>
+      </p:sp>
+      <p:sp>
+        <p:nvSpPr>
+          <p:cNvPr id="12" name="椭圆 11">
+            <a:extLst>
+              <a:ext uri="{FF2B5EF4-FFF2-40B4-BE49-F238E27FC236}">
+                <a16:creationId xmlns:a16="http://schemas.microsoft.com/office/drawing/2014/main" id="{FF27956B-882A-606C-ECE7-E29A2B87FDCC}"/>
+              </a:ext>
+            </a:extLst>
+          </p:cNvPr>
+          <p:cNvSpPr/>
+          <p:nvPr/>
+        </p:nvSpPr>
+        <p:spPr>
+          <a:xfrm>
+            <a:off x="4134112" y="3099105"/>
+            <a:ext cx="75418" cy="75418"/>
+          </a:xfrm>
+          <a:prstGeom prst="ellipse">
+            <a:avLst/>
+          </a:prstGeom>
+          <a:solidFill>
+            <a:schemeClr val="tx1"/>
+          </a:solidFill>
+          <a:ln>
+            <a:solidFill>
+              <a:schemeClr val="tx1"/>
+            </a:solidFill>
+          </a:ln>
+        </p:spPr>
+        <p:style>
+          <a:lnRef idx="2">
+            <a:schemeClr val="accent1">
+              <a:shade val="15000"/>
+            </a:schemeClr>
+          </a:lnRef>
+          <a:fillRef idx="1">
+            <a:schemeClr val="accent1"/>
+          </a:fillRef>
+          <a:effectRef idx="0">
+            <a:schemeClr val="accent1"/>
+          </a:effectRef>
+          <a:fontRef idx="minor">
+            <a:schemeClr val="lt1"/>
+          </a:fontRef>
+        </p:style>
+        <p:txBody>
+          <a:bodyPr rtlCol="0" anchor="ctr"/>
+          <a:lstStyle/>
+          <a:p>
+            <a:pPr algn="ctr"/>
+            <a:endParaRPr lang="zh-CN" altLang="en-US"/>
+          </a:p>
+        </p:txBody>
+      </p:sp>
+      <p:sp>
+        <p:nvSpPr>
+          <p:cNvPr id="13" name="矩形 12">
+            <a:extLst>
+              <a:ext uri="{FF2B5EF4-FFF2-40B4-BE49-F238E27FC236}">
+                <a16:creationId xmlns:a16="http://schemas.microsoft.com/office/drawing/2014/main" id="{B63C8C91-97C0-9045-0B8C-5165DD311624}"/>
+              </a:ext>
+            </a:extLst>
+          </p:cNvPr>
+          <p:cNvSpPr/>
+          <p:nvPr/>
+        </p:nvSpPr>
+        <p:spPr>
+          <a:xfrm>
+            <a:off x="753412" y="5835940"/>
+            <a:ext cx="5827236" cy="707886"/>
+          </a:xfrm>
+          <a:prstGeom prst="rect">
+            <a:avLst/>
+          </a:prstGeom>
+          <a:noFill/>
+        </p:spPr>
+        <p:txBody>
+          <a:bodyPr wrap="none" lIns="91440" tIns="45720" rIns="91440" bIns="45720">
+            <a:spAutoFit/>
+          </a:bodyPr>
+          <a:lstStyle/>
+          <a:p>
+            <a:r>
+              <a:rPr lang="zh-CN" altLang="en-US" sz="2000" b="1" cap="none" spc="0" dirty="0">
+                <a:ln w="0"/>
+                <a:solidFill>
+                  <a:schemeClr val="tx1"/>
+                </a:solidFill>
+                <a:effectLst>
+                  <a:outerShdw blurRad="38100" dist="19050" dir="2700000" algn="tl" rotWithShape="0">
+                    <a:schemeClr val="dk1">
+                      <a:alpha val="40000"/>
+                    </a:schemeClr>
+                  </a:outerShdw>
+                </a:effectLst>
+              </a:rPr>
+              <a:t>行空间与零空间正交。</a:t>
+            </a:r>
+            <a:endParaRPr lang="en-US" altLang="zh-CN" sz="2000" b="1" cap="none" spc="0" dirty="0">
+              <a:ln w="0"/>
+              <a:solidFill>
+                <a:schemeClr val="tx1"/>
+              </a:solidFill>
+              <a:effectLst>
+                <a:outerShdw blurRad="38100" dist="19050" dir="2700000" algn="tl" rotWithShape="0">
+                  <a:schemeClr val="dk1">
+                    <a:alpha val="40000"/>
+                  </a:schemeClr>
+                </a:outerShdw>
+              </a:effectLst>
+            </a:endParaRPr>
+          </a:p>
+          <a:p>
+            <a:r>
+              <a:rPr lang="zh-CN" altLang="en-US" sz="2000" b="1" cap="none" spc="0" dirty="0">
+                <a:ln w="0"/>
+                <a:solidFill>
+                  <a:schemeClr val="tx1"/>
+                </a:solidFill>
+                <a:effectLst>
+                  <a:outerShdw blurRad="38100" dist="19050" dir="2700000" algn="tl" rotWithShape="0">
+                    <a:schemeClr val="dk1">
+                      <a:alpha val="40000"/>
+                    </a:schemeClr>
+                  </a:outerShdw>
+                </a:effectLst>
+              </a:rPr>
+              <a:t>行空间与零空间只会有一个交点，那就是零向量。</a:t>
+            </a:r>
+          </a:p>
+        </p:txBody>
+      </p:sp>
+      <p:sp>
+        <p:nvSpPr>
+          <p:cNvPr id="14" name="弧形 13">
+            <a:extLst>
+              <a:ext uri="{FF2B5EF4-FFF2-40B4-BE49-F238E27FC236}">
+                <a16:creationId xmlns:a16="http://schemas.microsoft.com/office/drawing/2014/main" id="{DC653209-C4C1-9EC7-884C-28F10BD4301F}"/>
+              </a:ext>
+            </a:extLst>
+          </p:cNvPr>
+          <p:cNvSpPr/>
+          <p:nvPr/>
+        </p:nvSpPr>
+        <p:spPr>
+          <a:xfrm rot="15373600">
+            <a:off x="2541214" y="2535962"/>
+            <a:ext cx="3929974" cy="5231376"/>
+          </a:xfrm>
+          <a:prstGeom prst="arc">
+            <a:avLst/>
+          </a:prstGeom>
+          <a:ln w="19050">
+            <a:solidFill>
+              <a:schemeClr val="tx1"/>
+            </a:solidFill>
+            <a:tailEnd type="arrow"/>
+          </a:ln>
+        </p:spPr>
+        <p:style>
+          <a:lnRef idx="1">
+            <a:schemeClr val="accent1"/>
+          </a:lnRef>
+          <a:fillRef idx="0">
+            <a:schemeClr val="accent1"/>
+          </a:fillRef>
+          <a:effectRef idx="0">
+            <a:schemeClr val="accent1"/>
+          </a:effectRef>
+          <a:fontRef idx="minor">
+            <a:schemeClr val="tx1"/>
+          </a:fontRef>
+        </p:style>
+        <p:txBody>
+          <a:bodyPr rtlCol="0" anchor="ctr"/>
+          <a:lstStyle/>
+          <a:p>
+            <a:pPr algn="ctr"/>
+            <a:endParaRPr lang="zh-CN" altLang="en-US"/>
+          </a:p>
+        </p:txBody>
+      </p:sp>
+      <p:grpSp>
+        <p:nvGrpSpPr>
+          <p:cNvPr id="19" name="组合 18">
+            <a:extLst>
+              <a:ext uri="{FF2B5EF4-FFF2-40B4-BE49-F238E27FC236}">
+                <a16:creationId xmlns:a16="http://schemas.microsoft.com/office/drawing/2014/main" id="{AB5C6136-6CBF-44B4-C4E1-8C57AF281775}"/>
+              </a:ext>
+            </a:extLst>
+          </p:cNvPr>
+          <p:cNvGrpSpPr/>
+          <p:nvPr/>
+        </p:nvGrpSpPr>
+        <p:grpSpPr>
+          <a:xfrm>
+            <a:off x="8921455" y="369932"/>
+            <a:ext cx="870519" cy="953945"/>
+            <a:chOff x="6576474" y="2943690"/>
+            <a:chExt cx="870519" cy="953945"/>
+          </a:xfrm>
+        </p:grpSpPr>
+        <p:sp>
+          <p:nvSpPr>
+            <p:cNvPr id="17" name="矩形 16">
+              <a:extLst>
+                <a:ext uri="{FF2B5EF4-FFF2-40B4-BE49-F238E27FC236}">
+                  <a16:creationId xmlns:a16="http://schemas.microsoft.com/office/drawing/2014/main" id="{EEDF6602-2B18-FD80-0936-9E34790BEF3E}"/>
+                </a:ext>
+              </a:extLst>
+            </p:cNvPr>
+            <p:cNvSpPr/>
+            <p:nvPr/>
+          </p:nvSpPr>
+          <p:spPr>
+            <a:xfrm>
+              <a:off x="6989817" y="2943690"/>
+              <a:ext cx="457176" cy="461665"/>
+            </a:xfrm>
+            <a:prstGeom prst="rect">
+              <a:avLst/>
+            </a:prstGeom>
+            <a:noFill/>
+          </p:spPr>
+          <p:txBody>
+            <a:bodyPr wrap="none" lIns="91440" tIns="45720" rIns="91440" bIns="45720">
+              <a:spAutoFit/>
+            </a:bodyPr>
+            <a:lstStyle/>
+            <a:p>
+              <a:pPr algn="ctr"/>
+              <a:r>
+                <a:rPr lang="en-US" altLang="zh-CN" sz="2400" b="1" cap="none" spc="0" dirty="0">
+                  <a:ln w="0"/>
+                  <a:solidFill>
+                    <a:schemeClr val="tx1"/>
+                  </a:solidFill>
+                  <a:effectLst>
+                    <a:outerShdw blurRad="38100" dist="19050" dir="2700000" algn="tl" rotWithShape="0">
+                      <a:schemeClr val="dk1">
+                        <a:alpha val="40000"/>
+                      </a:schemeClr>
+                    </a:outerShdw>
+                  </a:effectLst>
+                </a:rPr>
+                <a:t>m</a:t>
+              </a:r>
+              <a:endParaRPr lang="zh-CN" altLang="en-US" sz="2400" b="1" cap="none" spc="0" dirty="0">
+                <a:ln w="0"/>
+                <a:solidFill>
+                  <a:schemeClr val="tx1"/>
+                </a:solidFill>
+                <a:effectLst>
+                  <a:outerShdw blurRad="38100" dist="19050" dir="2700000" algn="tl" rotWithShape="0">
+                    <a:schemeClr val="dk1">
+                      <a:alpha val="40000"/>
+                    </a:schemeClr>
+                  </a:outerShdw>
+                </a:effectLst>
+              </a:endParaRPr>
+            </a:p>
+          </p:txBody>
+        </p:sp>
+        <p:sp>
+          <p:nvSpPr>
+            <p:cNvPr id="18" name="矩形 17">
+              <a:extLst>
+                <a:ext uri="{FF2B5EF4-FFF2-40B4-BE49-F238E27FC236}">
+                  <a16:creationId xmlns:a16="http://schemas.microsoft.com/office/drawing/2014/main" id="{C05A6C3C-6EB0-201B-F2F5-31EE9CCEC0DF}"/>
+                </a:ext>
+              </a:extLst>
+            </p:cNvPr>
+            <p:cNvSpPr/>
+            <p:nvPr/>
+          </p:nvSpPr>
+          <p:spPr>
+            <a:xfrm>
+              <a:off x="6576474" y="2974305"/>
+              <a:ext cx="615874" cy="923330"/>
+            </a:xfrm>
+            <a:prstGeom prst="rect">
+              <a:avLst/>
+            </a:prstGeom>
+            <a:noFill/>
+          </p:spPr>
+          <p:txBody>
+            <a:bodyPr wrap="none" lIns="91440" tIns="45720" rIns="91440" bIns="45720">
+              <a:spAutoFit/>
+            </a:bodyPr>
+            <a:lstStyle/>
+            <a:p>
+              <a:pPr algn="ctr"/>
+              <a:r>
+                <a:rPr lang="en-US" altLang="zh-CN" sz="5400" b="1" cap="none" spc="0" dirty="0">
+                  <a:ln w="0"/>
+                  <a:solidFill>
+                    <a:schemeClr val="tx1"/>
+                  </a:solidFill>
+                  <a:effectLst>
+                    <a:outerShdw blurRad="38100" dist="19050" dir="2700000" algn="tl" rotWithShape="0">
+                      <a:schemeClr val="dk1">
+                        <a:alpha val="40000"/>
+                      </a:schemeClr>
+                    </a:outerShdw>
+                  </a:effectLst>
+                </a:rPr>
+                <a:t>R</a:t>
+              </a:r>
+              <a:endParaRPr lang="zh-CN" altLang="en-US" sz="5400" b="1" cap="none" spc="0" dirty="0">
+                <a:ln w="0"/>
+                <a:solidFill>
+                  <a:schemeClr val="tx1"/>
+                </a:solidFill>
+                <a:effectLst>
+                  <a:outerShdw blurRad="38100" dist="19050" dir="2700000" algn="tl" rotWithShape="0">
+                    <a:schemeClr val="dk1">
+                      <a:alpha val="40000"/>
+                    </a:schemeClr>
+                  </a:outerShdw>
+                </a:effectLst>
+              </a:endParaRPr>
+            </a:p>
+          </p:txBody>
+        </p:sp>
+      </p:grpSp>
+      <p:grpSp>
+        <p:nvGrpSpPr>
+          <p:cNvPr id="20" name="组合 19">
+            <a:extLst>
+              <a:ext uri="{FF2B5EF4-FFF2-40B4-BE49-F238E27FC236}">
+                <a16:creationId xmlns:a16="http://schemas.microsoft.com/office/drawing/2014/main" id="{A7383CA1-0D71-047C-978C-364539488FEF}"/>
+              </a:ext>
+            </a:extLst>
+          </p:cNvPr>
+          <p:cNvGrpSpPr/>
+          <p:nvPr/>
+        </p:nvGrpSpPr>
+        <p:grpSpPr>
+          <a:xfrm>
+            <a:off x="3796578" y="369932"/>
+            <a:ext cx="824032" cy="953945"/>
+            <a:chOff x="6576474" y="2943690"/>
+            <a:chExt cx="824032" cy="953945"/>
+          </a:xfrm>
+        </p:grpSpPr>
+        <p:sp>
+          <p:nvSpPr>
+            <p:cNvPr id="21" name="矩形 20">
+              <a:extLst>
+                <a:ext uri="{FF2B5EF4-FFF2-40B4-BE49-F238E27FC236}">
+                  <a16:creationId xmlns:a16="http://schemas.microsoft.com/office/drawing/2014/main" id="{BFFB348C-A1AE-16D0-649C-CA92B2C87CF2}"/>
+                </a:ext>
+              </a:extLst>
+            </p:cNvPr>
+            <p:cNvSpPr/>
+            <p:nvPr/>
+          </p:nvSpPr>
+          <p:spPr>
+            <a:xfrm>
+              <a:off x="7036303" y="2943690"/>
+              <a:ext cx="364203" cy="461665"/>
+            </a:xfrm>
+            <a:prstGeom prst="rect">
+              <a:avLst/>
+            </a:prstGeom>
+            <a:noFill/>
+          </p:spPr>
+          <p:txBody>
+            <a:bodyPr wrap="none" lIns="91440" tIns="45720" rIns="91440" bIns="45720">
+              <a:spAutoFit/>
+            </a:bodyPr>
+            <a:lstStyle/>
+            <a:p>
+              <a:pPr algn="ctr"/>
+              <a:r>
+                <a:rPr lang="en-US" altLang="zh-CN" sz="2400" b="1" dirty="0">
+                  <a:ln w="0"/>
+                  <a:effectLst>
+                    <a:outerShdw blurRad="38100" dist="19050" dir="2700000" algn="tl" rotWithShape="0">
+                      <a:schemeClr val="dk1">
+                        <a:alpha val="40000"/>
+                      </a:schemeClr>
+                    </a:outerShdw>
+                  </a:effectLst>
+                </a:rPr>
+                <a:t>n</a:t>
+              </a:r>
+              <a:endParaRPr lang="zh-CN" altLang="en-US" sz="2400" b="1" cap="none" spc="0" dirty="0">
+                <a:ln w="0"/>
+                <a:solidFill>
+                  <a:schemeClr val="tx1"/>
+                </a:solidFill>
+                <a:effectLst>
+                  <a:outerShdw blurRad="38100" dist="19050" dir="2700000" algn="tl" rotWithShape="0">
+                    <a:schemeClr val="dk1">
+                      <a:alpha val="40000"/>
+                    </a:schemeClr>
+                  </a:outerShdw>
+                </a:effectLst>
+              </a:endParaRPr>
+            </a:p>
+          </p:txBody>
+        </p:sp>
+        <p:sp>
+          <p:nvSpPr>
+            <p:cNvPr id="22" name="矩形 21">
+              <a:extLst>
+                <a:ext uri="{FF2B5EF4-FFF2-40B4-BE49-F238E27FC236}">
+                  <a16:creationId xmlns:a16="http://schemas.microsoft.com/office/drawing/2014/main" id="{9CB61DA5-CE2E-E1DF-C2BB-60DE16A1B2E5}"/>
+                </a:ext>
+              </a:extLst>
+            </p:cNvPr>
+            <p:cNvSpPr/>
+            <p:nvPr/>
+          </p:nvSpPr>
+          <p:spPr>
+            <a:xfrm>
+              <a:off x="6576474" y="2974305"/>
+              <a:ext cx="615874" cy="923330"/>
+            </a:xfrm>
+            <a:prstGeom prst="rect">
+              <a:avLst/>
+            </a:prstGeom>
+            <a:noFill/>
+          </p:spPr>
+          <p:txBody>
+            <a:bodyPr wrap="none" lIns="91440" tIns="45720" rIns="91440" bIns="45720">
+              <a:spAutoFit/>
+            </a:bodyPr>
+            <a:lstStyle/>
+            <a:p>
+              <a:pPr algn="ctr"/>
+              <a:r>
+                <a:rPr lang="en-US" altLang="zh-CN" sz="5400" b="1" cap="none" spc="0" dirty="0">
+                  <a:ln w="0"/>
+                  <a:solidFill>
+                    <a:schemeClr val="tx1"/>
+                  </a:solidFill>
+                  <a:effectLst>
+                    <a:outerShdw blurRad="38100" dist="19050" dir="2700000" algn="tl" rotWithShape="0">
+                      <a:schemeClr val="dk1">
+                        <a:alpha val="40000"/>
+                      </a:schemeClr>
+                    </a:outerShdw>
+                  </a:effectLst>
+                </a:rPr>
+                <a:t>R</a:t>
+              </a:r>
+              <a:endParaRPr lang="zh-CN" altLang="en-US" sz="5400" b="1" cap="none" spc="0" dirty="0">
+                <a:ln w="0"/>
+                <a:solidFill>
+                  <a:schemeClr val="tx1"/>
+                </a:solidFill>
+                <a:effectLst>
+                  <a:outerShdw blurRad="38100" dist="19050" dir="2700000" algn="tl" rotWithShape="0">
+                    <a:schemeClr val="dk1">
+                      <a:alpha val="40000"/>
+                    </a:schemeClr>
+                  </a:outerShdw>
+                </a:effectLst>
+              </a:endParaRPr>
+            </a:p>
+          </p:txBody>
+        </p:sp>
+      </p:grpSp>
     </p:spTree>
     <p:extLst>
       <p:ext uri="{BB962C8B-B14F-4D97-AF65-F5344CB8AC3E}">

--- a/notes/campus.pptx
+++ b/notes/campus.pptx
@@ -13,6 +13,8 @@
     <p:sldId id="262" r:id="rId7"/>
     <p:sldId id="263" r:id="rId8"/>
     <p:sldId id="264" r:id="rId9"/>
+    <p:sldId id="265" r:id="rId10"/>
+    <p:sldId id="266" r:id="rId11"/>
   </p:sldIdLst>
   <p:sldSz cx="12192000" cy="6858000"/>
   <p:notesSz cx="6858000" cy="9144000"/>
@@ -4134,6 +4136,196 @@
 </p:sld>
 </file>
 
+<file path=ppt/slides/slide10.xml><?xml version="1.0" encoding="utf-8"?>
+<p:sld xmlns:a="http://schemas.openxmlformats.org/drawingml/2006/main" xmlns:r="http://schemas.openxmlformats.org/officeDocument/2006/relationships" xmlns:p="http://schemas.openxmlformats.org/presentationml/2006/main">
+  <p:cSld>
+    <p:spTree>
+      <p:nvGrpSpPr>
+        <p:cNvPr id="1" name=""/>
+        <p:cNvGrpSpPr/>
+        <p:nvPr/>
+      </p:nvGrpSpPr>
+      <p:grpSpPr>
+        <a:xfrm>
+          <a:off x="0" y="0"/>
+          <a:ext cx="0" cy="0"/>
+          <a:chOff x="0" y="0"/>
+          <a:chExt cx="0" cy="0"/>
+        </a:xfrm>
+      </p:grpSpPr>
+      <p:sp>
+        <p:nvSpPr>
+          <p:cNvPr id="3" name="平行四边形 2">
+            <a:extLst>
+              <a:ext uri="{FF2B5EF4-FFF2-40B4-BE49-F238E27FC236}">
+                <a16:creationId xmlns:a16="http://schemas.microsoft.com/office/drawing/2014/main" id="{6191DC79-BE74-6CFD-00B8-33E8DD86CA20}"/>
+              </a:ext>
+            </a:extLst>
+          </p:cNvPr>
+          <p:cNvSpPr/>
+          <p:nvPr/>
+        </p:nvSpPr>
+        <p:spPr>
+          <a:xfrm rot="8168551">
+            <a:off x="202877" y="1904558"/>
+            <a:ext cx="3000415" cy="1240374"/>
+          </a:xfrm>
+          <a:prstGeom prst="parallelogram">
+            <a:avLst>
+              <a:gd name="adj" fmla="val 94915"/>
+            </a:avLst>
+          </a:prstGeom>
+        </p:spPr>
+        <p:style>
+          <a:lnRef idx="2">
+            <a:schemeClr val="accent1">
+              <a:shade val="15000"/>
+            </a:schemeClr>
+          </a:lnRef>
+          <a:fillRef idx="1">
+            <a:schemeClr val="accent1"/>
+          </a:fillRef>
+          <a:effectRef idx="0">
+            <a:schemeClr val="accent1"/>
+          </a:effectRef>
+          <a:fontRef idx="minor">
+            <a:schemeClr val="lt1"/>
+          </a:fontRef>
+        </p:style>
+        <p:txBody>
+          <a:bodyPr rtlCol="0" anchor="ctr"/>
+          <a:lstStyle/>
+          <a:p>
+            <a:pPr algn="ctr"/>
+            <a:endParaRPr lang="zh-CN" altLang="en-US"/>
+          </a:p>
+        </p:txBody>
+      </p:sp>
+      <p:sp>
+        <p:nvSpPr>
+          <p:cNvPr id="5" name="平行四边形 4">
+            <a:extLst>
+              <a:ext uri="{FF2B5EF4-FFF2-40B4-BE49-F238E27FC236}">
+                <a16:creationId xmlns:a16="http://schemas.microsoft.com/office/drawing/2014/main" id="{85D2339F-1A0F-8A68-CA16-11EF67792149}"/>
+              </a:ext>
+            </a:extLst>
+          </p:cNvPr>
+          <p:cNvSpPr/>
+          <p:nvPr/>
+        </p:nvSpPr>
+        <p:spPr>
+          <a:xfrm rot="10800000">
+            <a:off x="1046374" y="2752626"/>
+            <a:ext cx="3242819" cy="1268186"/>
+          </a:xfrm>
+          <a:prstGeom prst="parallelogram">
+            <a:avLst>
+              <a:gd name="adj" fmla="val 103835"/>
+            </a:avLst>
+          </a:prstGeom>
+          <a:solidFill>
+            <a:srgbClr val="FFFF00"/>
+          </a:solidFill>
+        </p:spPr>
+        <p:style>
+          <a:lnRef idx="2">
+            <a:schemeClr val="accent1">
+              <a:shade val="15000"/>
+            </a:schemeClr>
+          </a:lnRef>
+          <a:fillRef idx="1">
+            <a:schemeClr val="accent1"/>
+          </a:fillRef>
+          <a:effectRef idx="0">
+            <a:schemeClr val="accent1"/>
+          </a:effectRef>
+          <a:fontRef idx="minor">
+            <a:schemeClr val="lt1"/>
+          </a:fontRef>
+        </p:style>
+        <p:txBody>
+          <a:bodyPr rtlCol="0" anchor="ctr"/>
+          <a:lstStyle/>
+          <a:p>
+            <a:pPr algn="ctr"/>
+            <a:endParaRPr lang="zh-CN" altLang="en-US"/>
+          </a:p>
+        </p:txBody>
+      </p:sp>
+      <p:sp>
+        <p:nvSpPr>
+          <p:cNvPr id="6" name="矩形 5">
+            <a:extLst>
+              <a:ext uri="{FF2B5EF4-FFF2-40B4-BE49-F238E27FC236}">
+                <a16:creationId xmlns:a16="http://schemas.microsoft.com/office/drawing/2014/main" id="{F9137488-70D1-B4B8-94E0-ABB001F2E6B2}"/>
+              </a:ext>
+            </a:extLst>
+          </p:cNvPr>
+          <p:cNvSpPr/>
+          <p:nvPr/>
+        </p:nvSpPr>
+        <p:spPr>
+          <a:xfrm>
+            <a:off x="4634768" y="2460238"/>
+            <a:ext cx="3469219" cy="584775"/>
+          </a:xfrm>
+          <a:prstGeom prst="rect">
+            <a:avLst/>
+          </a:prstGeom>
+          <a:noFill/>
+        </p:spPr>
+        <p:txBody>
+          <a:bodyPr wrap="none" lIns="91440" tIns="45720" rIns="91440" bIns="45720">
+            <a:spAutoFit/>
+          </a:bodyPr>
+          <a:lstStyle/>
+          <a:p>
+            <a:pPr algn="ctr"/>
+            <a:r>
+              <a:rPr lang="en-US" altLang="zh-CN" sz="3200" b="1" cap="none" spc="0" dirty="0">
+                <a:ln w="0"/>
+                <a:solidFill>
+                  <a:srgbClr val="C00000"/>
+                </a:solidFill>
+                <a:effectLst>
+                  <a:outerShdw blurRad="38100" dist="19050" dir="2700000" algn="tl" rotWithShape="0">
+                    <a:schemeClr val="dk1">
+                      <a:alpha val="40000"/>
+                    </a:schemeClr>
+                  </a:outerShdw>
+                </a:effectLst>
+              </a:rPr>
+              <a:t>NOT orthogonal !</a:t>
+            </a:r>
+            <a:endParaRPr lang="zh-CN" altLang="en-US" sz="3200" b="1" cap="none" spc="0" dirty="0">
+              <a:ln w="0"/>
+              <a:solidFill>
+                <a:srgbClr val="C00000"/>
+              </a:solidFill>
+              <a:effectLst>
+                <a:outerShdw blurRad="38100" dist="19050" dir="2700000" algn="tl" rotWithShape="0">
+                  <a:schemeClr val="dk1">
+                    <a:alpha val="40000"/>
+                  </a:schemeClr>
+                </a:outerShdw>
+              </a:effectLst>
+            </a:endParaRPr>
+          </a:p>
+        </p:txBody>
+      </p:sp>
+    </p:spTree>
+    <p:extLst>
+      <p:ext uri="{BB962C8B-B14F-4D97-AF65-F5344CB8AC3E}">
+        <p14:creationId xmlns:p14="http://schemas.microsoft.com/office/powerpoint/2010/main" val="2389468729"/>
+      </p:ext>
+    </p:extLst>
+  </p:cSld>
+  <p:clrMapOvr>
+    <a:masterClrMapping/>
+  </p:clrMapOvr>
+</p:sld>
+</file>
+
 <file path=ppt/slides/slide2.xml><?xml version="1.0" encoding="utf-8"?>
 <p:sld xmlns:a="http://schemas.openxmlformats.org/drawingml/2006/main" xmlns:r="http://schemas.openxmlformats.org/officeDocument/2006/relationships" xmlns:p="http://schemas.openxmlformats.org/presentationml/2006/main">
   <p:cSld>
@@ -12050,6 +12242,855 @@
     <p:extLst>
       <p:ext uri="{BB962C8B-B14F-4D97-AF65-F5344CB8AC3E}">
         <p14:creationId xmlns:p14="http://schemas.microsoft.com/office/powerpoint/2010/main" val="818883912"/>
+      </p:ext>
+    </p:extLst>
+  </p:cSld>
+  <p:clrMapOvr>
+    <a:masterClrMapping/>
+  </p:clrMapOvr>
+</p:sld>
+</file>
+
+<file path=ppt/slides/slide9.xml><?xml version="1.0" encoding="utf-8"?>
+<p:sld xmlns:a="http://schemas.openxmlformats.org/drawingml/2006/main" xmlns:r="http://schemas.openxmlformats.org/officeDocument/2006/relationships" xmlns:p="http://schemas.openxmlformats.org/presentationml/2006/main">
+  <p:cSld>
+    <p:spTree>
+      <p:nvGrpSpPr>
+        <p:cNvPr id="1" name=""/>
+        <p:cNvGrpSpPr/>
+        <p:nvPr/>
+      </p:nvGrpSpPr>
+      <p:grpSpPr>
+        <a:xfrm>
+          <a:off x="0" y="0"/>
+          <a:ext cx="0" cy="0"/>
+          <a:chOff x="0" y="0"/>
+          <a:chExt cx="0" cy="0"/>
+        </a:xfrm>
+      </p:grpSpPr>
+      <p:sp>
+        <p:nvSpPr>
+          <p:cNvPr id="2" name="矩形 1">
+            <a:extLst>
+              <a:ext uri="{FF2B5EF4-FFF2-40B4-BE49-F238E27FC236}">
+                <a16:creationId xmlns:a16="http://schemas.microsoft.com/office/drawing/2014/main" id="{00016A35-2B04-2D7A-8E9F-E9FAF56E65E9}"/>
+              </a:ext>
+            </a:extLst>
+          </p:cNvPr>
+          <p:cNvSpPr/>
+          <p:nvPr/>
+        </p:nvSpPr>
+        <p:spPr>
+          <a:xfrm rot="16585253">
+            <a:off x="2335841" y="1074957"/>
+            <a:ext cx="1489435" cy="2375554"/>
+          </a:xfrm>
+          <a:prstGeom prst="rect">
+            <a:avLst/>
+          </a:prstGeom>
+          <a:solidFill>
+            <a:srgbClr val="7030A0">
+              <a:alpha val="50000"/>
+            </a:srgbClr>
+          </a:solidFill>
+          <a:ln>
+            <a:solidFill>
+              <a:srgbClr val="7030A0">
+                <a:alpha val="50000"/>
+              </a:srgbClr>
+            </a:solidFill>
+          </a:ln>
+        </p:spPr>
+        <p:style>
+          <a:lnRef idx="2">
+            <a:schemeClr val="accent1">
+              <a:shade val="15000"/>
+            </a:schemeClr>
+          </a:lnRef>
+          <a:fillRef idx="1">
+            <a:schemeClr val="accent1"/>
+          </a:fillRef>
+          <a:effectRef idx="0">
+            <a:schemeClr val="accent1"/>
+          </a:effectRef>
+          <a:fontRef idx="minor">
+            <a:schemeClr val="lt1"/>
+          </a:fontRef>
+        </p:style>
+        <p:txBody>
+          <a:bodyPr rtlCol="0" anchor="ctr"/>
+          <a:lstStyle/>
+          <a:p>
+            <a:pPr algn="ctr"/>
+            <a:endParaRPr lang="zh-CN" altLang="en-US" dirty="0"/>
+          </a:p>
+        </p:txBody>
+      </p:sp>
+      <p:sp>
+        <p:nvSpPr>
+          <p:cNvPr id="3" name="矩形 2">
+            <a:extLst>
+              <a:ext uri="{FF2B5EF4-FFF2-40B4-BE49-F238E27FC236}">
+                <a16:creationId xmlns:a16="http://schemas.microsoft.com/office/drawing/2014/main" id="{44D9E4D2-19A9-1F4C-E066-DB11DE859EEF}"/>
+              </a:ext>
+            </a:extLst>
+          </p:cNvPr>
+          <p:cNvSpPr/>
+          <p:nvPr/>
+        </p:nvSpPr>
+        <p:spPr>
+          <a:xfrm rot="364855">
+            <a:off x="4056041" y="3217546"/>
+            <a:ext cx="1489435" cy="2375554"/>
+          </a:xfrm>
+          <a:prstGeom prst="rect">
+            <a:avLst/>
+          </a:prstGeom>
+          <a:solidFill>
+            <a:schemeClr val="accent4">
+              <a:lumMod val="40000"/>
+              <a:lumOff val="60000"/>
+              <a:alpha val="50000"/>
+            </a:schemeClr>
+          </a:solidFill>
+          <a:ln>
+            <a:solidFill>
+              <a:schemeClr val="accent4">
+                <a:lumMod val="40000"/>
+                <a:lumOff val="60000"/>
+                <a:alpha val="50000"/>
+              </a:schemeClr>
+            </a:solidFill>
+          </a:ln>
+        </p:spPr>
+        <p:style>
+          <a:lnRef idx="2">
+            <a:schemeClr val="accent1">
+              <a:shade val="15000"/>
+            </a:schemeClr>
+          </a:lnRef>
+          <a:fillRef idx="1">
+            <a:schemeClr val="accent1"/>
+          </a:fillRef>
+          <a:effectRef idx="0">
+            <a:schemeClr val="accent1"/>
+          </a:effectRef>
+          <a:fontRef idx="minor">
+            <a:schemeClr val="lt1"/>
+          </a:fontRef>
+        </p:style>
+        <p:txBody>
+          <a:bodyPr rtlCol="0" anchor="ctr"/>
+          <a:lstStyle/>
+          <a:p>
+            <a:pPr algn="ctr"/>
+            <a:endParaRPr lang="zh-CN" altLang="en-US"/>
+          </a:p>
+        </p:txBody>
+      </p:sp>
+      <p:sp>
+        <p:nvSpPr>
+          <p:cNvPr id="4" name="矩形 3">
+            <a:extLst>
+              <a:ext uri="{FF2B5EF4-FFF2-40B4-BE49-F238E27FC236}">
+                <a16:creationId xmlns:a16="http://schemas.microsoft.com/office/drawing/2014/main" id="{78F0DB3C-9BB4-716B-0811-41DB4D766776}"/>
+              </a:ext>
+            </a:extLst>
+          </p:cNvPr>
+          <p:cNvSpPr/>
+          <p:nvPr/>
+        </p:nvSpPr>
+        <p:spPr>
+          <a:xfrm rot="18662037">
+            <a:off x="8804345" y="1360892"/>
+            <a:ext cx="822800" cy="2118945"/>
+          </a:xfrm>
+          <a:prstGeom prst="rect">
+            <a:avLst/>
+          </a:prstGeom>
+          <a:solidFill>
+            <a:srgbClr val="00B0F0">
+              <a:alpha val="50000"/>
+            </a:srgbClr>
+          </a:solidFill>
+          <a:ln>
+            <a:solidFill>
+              <a:srgbClr val="00B0F0">
+                <a:alpha val="50000"/>
+              </a:srgbClr>
+            </a:solidFill>
+          </a:ln>
+        </p:spPr>
+        <p:style>
+          <a:lnRef idx="2">
+            <a:schemeClr val="accent1">
+              <a:shade val="15000"/>
+            </a:schemeClr>
+          </a:lnRef>
+          <a:fillRef idx="1">
+            <a:schemeClr val="accent1"/>
+          </a:fillRef>
+          <a:effectRef idx="0">
+            <a:schemeClr val="accent1"/>
+          </a:effectRef>
+          <a:fontRef idx="minor">
+            <a:schemeClr val="lt1"/>
+          </a:fontRef>
+        </p:style>
+        <p:txBody>
+          <a:bodyPr rtlCol="0" anchor="ctr"/>
+          <a:lstStyle/>
+          <a:p>
+            <a:pPr algn="ctr"/>
+            <a:endParaRPr lang="zh-CN" altLang="en-US"/>
+          </a:p>
+        </p:txBody>
+      </p:sp>
+      <p:sp>
+        <p:nvSpPr>
+          <p:cNvPr id="7" name="矩形 6">
+            <a:extLst>
+              <a:ext uri="{FF2B5EF4-FFF2-40B4-BE49-F238E27FC236}">
+                <a16:creationId xmlns:a16="http://schemas.microsoft.com/office/drawing/2014/main" id="{B5980FEC-D786-B530-C0DC-B5235403891D}"/>
+              </a:ext>
+            </a:extLst>
+          </p:cNvPr>
+          <p:cNvSpPr/>
+          <p:nvPr/>
+        </p:nvSpPr>
+        <p:spPr>
+          <a:xfrm rot="13265096">
+            <a:off x="8949394" y="3445423"/>
+            <a:ext cx="822800" cy="2118945"/>
+          </a:xfrm>
+          <a:prstGeom prst="rect">
+            <a:avLst/>
+          </a:prstGeom>
+          <a:solidFill>
+            <a:srgbClr val="00B050">
+              <a:alpha val="50000"/>
+            </a:srgbClr>
+          </a:solidFill>
+          <a:ln>
+            <a:solidFill>
+              <a:srgbClr val="00B050">
+                <a:alpha val="50000"/>
+              </a:srgbClr>
+            </a:solidFill>
+          </a:ln>
+          <a:scene3d>
+            <a:camera prst="orthographicFront">
+              <a:rot lat="0" lon="0" rev="0"/>
+            </a:camera>
+            <a:lightRig rig="threePt" dir="t"/>
+          </a:scene3d>
+        </p:spPr>
+        <p:style>
+          <a:lnRef idx="2">
+            <a:schemeClr val="accent1">
+              <a:shade val="15000"/>
+            </a:schemeClr>
+          </a:lnRef>
+          <a:fillRef idx="1">
+            <a:schemeClr val="accent1"/>
+          </a:fillRef>
+          <a:effectRef idx="0">
+            <a:schemeClr val="accent1"/>
+          </a:effectRef>
+          <a:fontRef idx="minor">
+            <a:schemeClr val="lt1"/>
+          </a:fontRef>
+        </p:style>
+        <p:txBody>
+          <a:bodyPr rtlCol="0" anchor="ctr"/>
+          <a:lstStyle/>
+          <a:p>
+            <a:pPr algn="ctr"/>
+            <a:endParaRPr lang="zh-CN" altLang="en-US"/>
+          </a:p>
+        </p:txBody>
+      </p:sp>
+      <p:sp>
+        <p:nvSpPr>
+          <p:cNvPr id="8" name="矩形 7">
+            <a:extLst>
+              <a:ext uri="{FF2B5EF4-FFF2-40B4-BE49-F238E27FC236}">
+                <a16:creationId xmlns:a16="http://schemas.microsoft.com/office/drawing/2014/main" id="{1F92AEF1-0B14-E20D-5F99-67410738669A}"/>
+              </a:ext>
+            </a:extLst>
+          </p:cNvPr>
+          <p:cNvSpPr/>
+          <p:nvPr/>
+        </p:nvSpPr>
+        <p:spPr>
+          <a:xfrm>
+            <a:off x="2403930" y="1956373"/>
+            <a:ext cx="1353256" cy="707886"/>
+          </a:xfrm>
+          <a:prstGeom prst="rect">
+            <a:avLst/>
+          </a:prstGeom>
+          <a:noFill/>
+        </p:spPr>
+        <p:txBody>
+          <a:bodyPr wrap="none" lIns="91440" tIns="45720" rIns="91440" bIns="45720">
+            <a:spAutoFit/>
+          </a:bodyPr>
+          <a:lstStyle/>
+          <a:p>
+            <a:pPr algn="ctr"/>
+            <a:r>
+              <a:rPr lang="en-US" altLang="zh-CN" sz="2000" b="1" cap="none" spc="0" dirty="0">
+                <a:ln w="0"/>
+                <a:solidFill>
+                  <a:schemeClr val="tx1"/>
+                </a:solidFill>
+                <a:effectLst>
+                  <a:outerShdw blurRad="38100" dist="19050" dir="2700000" algn="tl" rotWithShape="0">
+                    <a:schemeClr val="dk1">
+                      <a:alpha val="40000"/>
+                    </a:schemeClr>
+                  </a:outerShdw>
+                </a:effectLst>
+              </a:rPr>
+              <a:t>row space</a:t>
+            </a:r>
+          </a:p>
+          <a:p>
+            <a:pPr algn="ctr"/>
+            <a:r>
+              <a:rPr lang="en-US" altLang="zh-CN" sz="2000" b="1" dirty="0">
+                <a:ln w="0"/>
+                <a:effectLst>
+                  <a:outerShdw blurRad="38100" dist="19050" dir="2700000" algn="tl" rotWithShape="0">
+                    <a:schemeClr val="dk1">
+                      <a:alpha val="40000"/>
+                    </a:schemeClr>
+                  </a:outerShdw>
+                </a:effectLst>
+              </a:rPr>
+              <a:t>(r)</a:t>
+            </a:r>
+            <a:endParaRPr lang="zh-CN" altLang="en-US" sz="2000" b="1" cap="none" spc="0" dirty="0">
+              <a:ln w="0"/>
+              <a:solidFill>
+                <a:schemeClr val="tx1"/>
+              </a:solidFill>
+              <a:effectLst>
+                <a:outerShdw blurRad="38100" dist="19050" dir="2700000" algn="tl" rotWithShape="0">
+                  <a:schemeClr val="dk1">
+                    <a:alpha val="40000"/>
+                  </a:schemeClr>
+                </a:outerShdw>
+              </a:effectLst>
+            </a:endParaRPr>
+          </a:p>
+        </p:txBody>
+      </p:sp>
+      <p:sp>
+        <p:nvSpPr>
+          <p:cNvPr id="9" name="矩形 8">
+            <a:extLst>
+              <a:ext uri="{FF2B5EF4-FFF2-40B4-BE49-F238E27FC236}">
+                <a16:creationId xmlns:a16="http://schemas.microsoft.com/office/drawing/2014/main" id="{513E2146-D1E2-F86D-0C2A-BB2060FF8E4F}"/>
+              </a:ext>
+            </a:extLst>
+          </p:cNvPr>
+          <p:cNvSpPr/>
+          <p:nvPr/>
+        </p:nvSpPr>
+        <p:spPr>
+          <a:xfrm>
+            <a:off x="4124386" y="4158133"/>
+            <a:ext cx="1343638" cy="707886"/>
+          </a:xfrm>
+          <a:prstGeom prst="rect">
+            <a:avLst/>
+          </a:prstGeom>
+          <a:noFill/>
+        </p:spPr>
+        <p:txBody>
+          <a:bodyPr wrap="none" lIns="91440" tIns="45720" rIns="91440" bIns="45720">
+            <a:spAutoFit/>
+          </a:bodyPr>
+          <a:lstStyle/>
+          <a:p>
+            <a:pPr algn="ctr"/>
+            <a:r>
+              <a:rPr lang="en-US" altLang="zh-CN" sz="2000" b="1" cap="none" spc="0" dirty="0">
+                <a:ln w="0"/>
+                <a:solidFill>
+                  <a:schemeClr val="tx1"/>
+                </a:solidFill>
+                <a:effectLst>
+                  <a:outerShdw blurRad="38100" dist="19050" dir="2700000" algn="tl" rotWithShape="0">
+                    <a:schemeClr val="dk1">
+                      <a:alpha val="40000"/>
+                    </a:schemeClr>
+                  </a:outerShdw>
+                </a:effectLst>
+              </a:rPr>
+              <a:t>null space</a:t>
+            </a:r>
+          </a:p>
+          <a:p>
+            <a:pPr algn="ctr"/>
+            <a:r>
+              <a:rPr lang="en-US" altLang="zh-CN" sz="2000" b="1" dirty="0">
+                <a:ln w="0"/>
+                <a:effectLst>
+                  <a:outerShdw blurRad="38100" dist="19050" dir="2700000" algn="tl" rotWithShape="0">
+                    <a:schemeClr val="dk1">
+                      <a:alpha val="40000"/>
+                    </a:schemeClr>
+                  </a:outerShdw>
+                </a:effectLst>
+              </a:rPr>
+              <a:t>(n-r)</a:t>
+            </a:r>
+            <a:endParaRPr lang="zh-CN" altLang="en-US" sz="2000" b="1" cap="none" spc="0" dirty="0">
+              <a:ln w="0"/>
+              <a:solidFill>
+                <a:schemeClr val="tx1"/>
+              </a:solidFill>
+              <a:effectLst>
+                <a:outerShdw blurRad="38100" dist="19050" dir="2700000" algn="tl" rotWithShape="0">
+                  <a:schemeClr val="dk1">
+                    <a:alpha val="40000"/>
+                  </a:schemeClr>
+                </a:outerShdw>
+              </a:effectLst>
+            </a:endParaRPr>
+          </a:p>
+        </p:txBody>
+      </p:sp>
+      <p:sp>
+        <p:nvSpPr>
+          <p:cNvPr id="10" name="矩形 9">
+            <a:extLst>
+              <a:ext uri="{FF2B5EF4-FFF2-40B4-BE49-F238E27FC236}">
+                <a16:creationId xmlns:a16="http://schemas.microsoft.com/office/drawing/2014/main" id="{449B4021-5FB5-1DF6-F609-9A420B775C88}"/>
+              </a:ext>
+            </a:extLst>
+          </p:cNvPr>
+          <p:cNvSpPr/>
+          <p:nvPr/>
+        </p:nvSpPr>
+        <p:spPr>
+          <a:xfrm>
+            <a:off x="8354445" y="2126039"/>
+            <a:ext cx="1778051" cy="707886"/>
+          </a:xfrm>
+          <a:prstGeom prst="rect">
+            <a:avLst/>
+          </a:prstGeom>
+          <a:noFill/>
+        </p:spPr>
+        <p:txBody>
+          <a:bodyPr wrap="none" lIns="91440" tIns="45720" rIns="91440" bIns="45720">
+            <a:spAutoFit/>
+          </a:bodyPr>
+          <a:lstStyle/>
+          <a:p>
+            <a:pPr algn="ctr"/>
+            <a:r>
+              <a:rPr lang="en-US" altLang="zh-CN" sz="2000" b="1" cap="none" spc="0" dirty="0">
+                <a:ln w="0"/>
+                <a:solidFill>
+                  <a:schemeClr val="tx1"/>
+                </a:solidFill>
+                <a:effectLst>
+                  <a:outerShdw blurRad="38100" dist="19050" dir="2700000" algn="tl" rotWithShape="0">
+                    <a:schemeClr val="dk1">
+                      <a:alpha val="40000"/>
+                    </a:schemeClr>
+                  </a:outerShdw>
+                </a:effectLst>
+              </a:rPr>
+              <a:t>column space</a:t>
+            </a:r>
+          </a:p>
+          <a:p>
+            <a:pPr algn="ctr"/>
+            <a:r>
+              <a:rPr lang="en-US" altLang="zh-CN" sz="2000" b="1" dirty="0">
+                <a:ln w="0"/>
+                <a:effectLst>
+                  <a:outerShdw blurRad="38100" dist="19050" dir="2700000" algn="tl" rotWithShape="0">
+                    <a:schemeClr val="dk1">
+                      <a:alpha val="40000"/>
+                    </a:schemeClr>
+                  </a:outerShdw>
+                </a:effectLst>
+              </a:rPr>
+              <a:t>(r)</a:t>
+            </a:r>
+            <a:endParaRPr lang="zh-CN" altLang="en-US" sz="2000" b="1" cap="none" spc="0" dirty="0">
+              <a:ln w="0"/>
+              <a:solidFill>
+                <a:schemeClr val="tx1"/>
+              </a:solidFill>
+              <a:effectLst>
+                <a:outerShdw blurRad="38100" dist="19050" dir="2700000" algn="tl" rotWithShape="0">
+                  <a:schemeClr val="dk1">
+                    <a:alpha val="40000"/>
+                  </a:schemeClr>
+                </a:outerShdw>
+              </a:effectLst>
+            </a:endParaRPr>
+          </a:p>
+        </p:txBody>
+      </p:sp>
+      <p:sp>
+        <p:nvSpPr>
+          <p:cNvPr id="11" name="矩形 10">
+            <a:extLst>
+              <a:ext uri="{FF2B5EF4-FFF2-40B4-BE49-F238E27FC236}">
+                <a16:creationId xmlns:a16="http://schemas.microsoft.com/office/drawing/2014/main" id="{8042D078-5743-D2D0-43A4-D106A8FD0205}"/>
+              </a:ext>
+            </a:extLst>
+          </p:cNvPr>
+          <p:cNvSpPr/>
+          <p:nvPr/>
+        </p:nvSpPr>
+        <p:spPr>
+          <a:xfrm>
+            <a:off x="8457270" y="4267132"/>
+            <a:ext cx="1798889" cy="707886"/>
+          </a:xfrm>
+          <a:prstGeom prst="rect">
+            <a:avLst/>
+          </a:prstGeom>
+          <a:noFill/>
+        </p:spPr>
+        <p:txBody>
+          <a:bodyPr wrap="none" lIns="91440" tIns="45720" rIns="91440" bIns="45720">
+            <a:spAutoFit/>
+          </a:bodyPr>
+          <a:lstStyle/>
+          <a:p>
+            <a:pPr algn="ctr"/>
+            <a:r>
+              <a:rPr lang="en-US" altLang="zh-CN" sz="2000" b="1" cap="none" spc="0" dirty="0">
+                <a:ln w="0"/>
+                <a:solidFill>
+                  <a:schemeClr val="tx1"/>
+                </a:solidFill>
+                <a:effectLst>
+                  <a:outerShdw blurRad="38100" dist="19050" dir="2700000" algn="tl" rotWithShape="0">
+                    <a:schemeClr val="dk1">
+                      <a:alpha val="40000"/>
+                    </a:schemeClr>
+                  </a:outerShdw>
+                </a:effectLst>
+              </a:rPr>
+              <a:t>left null space</a:t>
+            </a:r>
+          </a:p>
+          <a:p>
+            <a:pPr algn="ctr"/>
+            <a:r>
+              <a:rPr lang="en-US" altLang="zh-CN" sz="2000" b="1" dirty="0">
+                <a:ln w="0"/>
+                <a:effectLst>
+                  <a:outerShdw blurRad="38100" dist="19050" dir="2700000" algn="tl" rotWithShape="0">
+                    <a:schemeClr val="dk1">
+                      <a:alpha val="40000"/>
+                    </a:schemeClr>
+                  </a:outerShdw>
+                </a:effectLst>
+              </a:rPr>
+              <a:t>(m-r)</a:t>
+            </a:r>
+            <a:endParaRPr lang="zh-CN" altLang="en-US" sz="2000" b="1" cap="none" spc="0" dirty="0">
+              <a:ln w="0"/>
+              <a:solidFill>
+                <a:schemeClr val="tx1"/>
+              </a:solidFill>
+              <a:effectLst>
+                <a:outerShdw blurRad="38100" dist="19050" dir="2700000" algn="tl" rotWithShape="0">
+                  <a:schemeClr val="dk1">
+                    <a:alpha val="40000"/>
+                  </a:schemeClr>
+                </a:outerShdw>
+              </a:effectLst>
+            </a:endParaRPr>
+          </a:p>
+        </p:txBody>
+      </p:sp>
+      <p:sp>
+        <p:nvSpPr>
+          <p:cNvPr id="12" name="椭圆 11">
+            <a:extLst>
+              <a:ext uri="{FF2B5EF4-FFF2-40B4-BE49-F238E27FC236}">
+                <a16:creationId xmlns:a16="http://schemas.microsoft.com/office/drawing/2014/main" id="{FF27956B-882A-606C-ECE7-E29A2B87FDCC}"/>
+              </a:ext>
+            </a:extLst>
+          </p:cNvPr>
+          <p:cNvSpPr/>
+          <p:nvPr/>
+        </p:nvSpPr>
+        <p:spPr>
+          <a:xfrm>
+            <a:off x="4134112" y="3099105"/>
+            <a:ext cx="75418" cy="75418"/>
+          </a:xfrm>
+          <a:prstGeom prst="ellipse">
+            <a:avLst/>
+          </a:prstGeom>
+          <a:solidFill>
+            <a:schemeClr val="tx1"/>
+          </a:solidFill>
+          <a:ln>
+            <a:solidFill>
+              <a:schemeClr val="tx1"/>
+            </a:solidFill>
+          </a:ln>
+        </p:spPr>
+        <p:style>
+          <a:lnRef idx="2">
+            <a:schemeClr val="accent1">
+              <a:shade val="15000"/>
+            </a:schemeClr>
+          </a:lnRef>
+          <a:fillRef idx="1">
+            <a:schemeClr val="accent1"/>
+          </a:fillRef>
+          <a:effectRef idx="0">
+            <a:schemeClr val="accent1"/>
+          </a:effectRef>
+          <a:fontRef idx="minor">
+            <a:schemeClr val="lt1"/>
+          </a:fontRef>
+        </p:style>
+        <p:txBody>
+          <a:bodyPr rtlCol="0" anchor="ctr"/>
+          <a:lstStyle/>
+          <a:p>
+            <a:pPr algn="ctr"/>
+            <a:endParaRPr lang="zh-CN" altLang="en-US"/>
+          </a:p>
+        </p:txBody>
+      </p:sp>
+      <p:sp>
+        <p:nvSpPr>
+          <p:cNvPr id="5" name="椭圆 4">
+            <a:extLst>
+              <a:ext uri="{FF2B5EF4-FFF2-40B4-BE49-F238E27FC236}">
+                <a16:creationId xmlns:a16="http://schemas.microsoft.com/office/drawing/2014/main" id="{03A8081F-ACEE-4A71-4C27-D26B392A9A88}"/>
+              </a:ext>
+            </a:extLst>
+          </p:cNvPr>
+          <p:cNvSpPr/>
+          <p:nvPr/>
+        </p:nvSpPr>
+        <p:spPr>
+          <a:xfrm>
+            <a:off x="9697702" y="3395017"/>
+            <a:ext cx="75418" cy="75418"/>
+          </a:xfrm>
+          <a:prstGeom prst="ellipse">
+            <a:avLst/>
+          </a:prstGeom>
+          <a:solidFill>
+            <a:schemeClr val="tx1"/>
+          </a:solidFill>
+          <a:ln>
+            <a:solidFill>
+              <a:schemeClr val="tx1"/>
+            </a:solidFill>
+          </a:ln>
+        </p:spPr>
+        <p:style>
+          <a:lnRef idx="2">
+            <a:schemeClr val="accent1">
+              <a:shade val="15000"/>
+            </a:schemeClr>
+          </a:lnRef>
+          <a:fillRef idx="1">
+            <a:schemeClr val="accent1"/>
+          </a:fillRef>
+          <a:effectRef idx="0">
+            <a:schemeClr val="accent1"/>
+          </a:effectRef>
+          <a:fontRef idx="minor">
+            <a:schemeClr val="lt1"/>
+          </a:fontRef>
+        </p:style>
+        <p:txBody>
+          <a:bodyPr rtlCol="0" anchor="ctr"/>
+          <a:lstStyle/>
+          <a:p>
+            <a:pPr algn="ctr"/>
+            <a:endParaRPr lang="zh-CN" altLang="en-US"/>
+          </a:p>
+        </p:txBody>
+      </p:sp>
+      <p:sp>
+        <p:nvSpPr>
+          <p:cNvPr id="6" name="矩形 5">
+            <a:extLst>
+              <a:ext uri="{FF2B5EF4-FFF2-40B4-BE49-F238E27FC236}">
+                <a16:creationId xmlns:a16="http://schemas.microsoft.com/office/drawing/2014/main" id="{EE3883AA-20A5-97F9-BCFD-42B450F62D50}"/>
+              </a:ext>
+            </a:extLst>
+          </p:cNvPr>
+          <p:cNvSpPr/>
+          <p:nvPr/>
+        </p:nvSpPr>
+        <p:spPr>
+          <a:xfrm rot="19764368">
+            <a:off x="6219154" y="2521493"/>
+            <a:ext cx="1487908" cy="400110"/>
+          </a:xfrm>
+          <a:prstGeom prst="rect">
+            <a:avLst/>
+          </a:prstGeom>
+          <a:noFill/>
+        </p:spPr>
+        <p:txBody>
+          <a:bodyPr wrap="none" lIns="91440" tIns="45720" rIns="91440" bIns="45720">
+            <a:spAutoFit/>
+          </a:bodyPr>
+          <a:lstStyle/>
+          <a:p>
+            <a:pPr algn="ctr"/>
+            <a:r>
+              <a:rPr lang="en-US" altLang="zh-CN" sz="2000" b="1" cap="none" spc="0" dirty="0">
+                <a:ln w="0"/>
+                <a:solidFill>
+                  <a:srgbClr val="FF0000"/>
+                </a:solidFill>
+                <a:effectLst>
+                  <a:outerShdw blurRad="38100" dist="19050" dir="2700000" algn="tl" rotWithShape="0">
+                    <a:schemeClr val="dk1">
+                      <a:alpha val="40000"/>
+                    </a:schemeClr>
+                  </a:outerShdw>
+                </a:effectLst>
+              </a:rPr>
+              <a:t>orthogonal</a:t>
+            </a:r>
+            <a:endParaRPr lang="zh-CN" altLang="en-US" sz="2000" b="1" cap="none" spc="0" dirty="0">
+              <a:ln w="0"/>
+              <a:solidFill>
+                <a:srgbClr val="FF0000"/>
+              </a:solidFill>
+              <a:effectLst>
+                <a:outerShdw blurRad="38100" dist="19050" dir="2700000" algn="tl" rotWithShape="0">
+                  <a:schemeClr val="dk1">
+                    <a:alpha val="40000"/>
+                  </a:schemeClr>
+                </a:outerShdw>
+              </a:effectLst>
+            </a:endParaRPr>
+          </a:p>
+        </p:txBody>
+      </p:sp>
+      <p:sp>
+        <p:nvSpPr>
+          <p:cNvPr id="15" name="弧形 14">
+            <a:extLst>
+              <a:ext uri="{FF2B5EF4-FFF2-40B4-BE49-F238E27FC236}">
+                <a16:creationId xmlns:a16="http://schemas.microsoft.com/office/drawing/2014/main" id="{E07BBD2F-5622-FD0D-6E54-BD429A44C5B4}"/>
+              </a:ext>
+            </a:extLst>
+          </p:cNvPr>
+          <p:cNvSpPr/>
+          <p:nvPr/>
+        </p:nvSpPr>
+        <p:spPr>
+          <a:xfrm rot="18932027">
+            <a:off x="3430639" y="2701147"/>
+            <a:ext cx="3594385" cy="2724226"/>
+          </a:xfrm>
+          <a:prstGeom prst="arc">
+            <a:avLst/>
+          </a:prstGeom>
+          <a:ln w="19050">
+            <a:solidFill>
+              <a:schemeClr val="tx1"/>
+            </a:solidFill>
+            <a:headEnd type="arrow"/>
+          </a:ln>
+        </p:spPr>
+        <p:style>
+          <a:lnRef idx="1">
+            <a:schemeClr val="accent1"/>
+          </a:lnRef>
+          <a:fillRef idx="0">
+            <a:schemeClr val="accent1"/>
+          </a:fillRef>
+          <a:effectRef idx="0">
+            <a:schemeClr val="accent1"/>
+          </a:effectRef>
+          <a:fontRef idx="minor">
+            <a:schemeClr val="tx1"/>
+          </a:fontRef>
+        </p:style>
+        <p:txBody>
+          <a:bodyPr rtlCol="0" anchor="ctr"/>
+          <a:lstStyle/>
+          <a:p>
+            <a:pPr algn="ctr"/>
+            <a:endParaRPr lang="zh-CN" altLang="en-US"/>
+          </a:p>
+        </p:txBody>
+      </p:sp>
+      <p:sp>
+        <p:nvSpPr>
+          <p:cNvPr id="16" name="弧形 15">
+            <a:extLst>
+              <a:ext uri="{FF2B5EF4-FFF2-40B4-BE49-F238E27FC236}">
+                <a16:creationId xmlns:a16="http://schemas.microsoft.com/office/drawing/2014/main" id="{719CDB23-2B7C-BC4C-A4D8-D66064505188}"/>
+              </a:ext>
+            </a:extLst>
+          </p:cNvPr>
+          <p:cNvSpPr/>
+          <p:nvPr/>
+        </p:nvSpPr>
+        <p:spPr>
+          <a:xfrm rot="9751555">
+            <a:off x="7403712" y="763926"/>
+            <a:ext cx="3594385" cy="2724226"/>
+          </a:xfrm>
+          <a:prstGeom prst="arc">
+            <a:avLst/>
+          </a:prstGeom>
+          <a:ln w="19050">
+            <a:solidFill>
+              <a:schemeClr val="tx1"/>
+            </a:solidFill>
+            <a:headEnd type="arrow"/>
+          </a:ln>
+        </p:spPr>
+        <p:style>
+          <a:lnRef idx="1">
+            <a:schemeClr val="accent1"/>
+          </a:lnRef>
+          <a:fillRef idx="0">
+            <a:schemeClr val="accent1"/>
+          </a:fillRef>
+          <a:effectRef idx="0">
+            <a:schemeClr val="accent1"/>
+          </a:effectRef>
+          <a:fontRef idx="minor">
+            <a:schemeClr val="tx1"/>
+          </a:fontRef>
+        </p:style>
+        <p:txBody>
+          <a:bodyPr rtlCol="0" anchor="ctr"/>
+          <a:lstStyle/>
+          <a:p>
+            <a:pPr algn="ctr"/>
+            <a:endParaRPr lang="zh-CN" altLang="en-US"/>
+          </a:p>
+        </p:txBody>
+      </p:sp>
+    </p:spTree>
+    <p:extLst>
+      <p:ext uri="{BB962C8B-B14F-4D97-AF65-F5344CB8AC3E}">
+        <p14:creationId xmlns:p14="http://schemas.microsoft.com/office/powerpoint/2010/main" val="1466812716"/>
       </p:ext>
     </p:extLst>
   </p:cSld>

--- a/notes/campus.pptx
+++ b/notes/campus.pptx
@@ -15,6 +15,8 @@
     <p:sldId id="264" r:id="rId9"/>
     <p:sldId id="265" r:id="rId10"/>
     <p:sldId id="266" r:id="rId11"/>
+    <p:sldId id="267" r:id="rId12"/>
+    <p:sldId id="268" r:id="rId13"/>
   </p:sldIdLst>
   <p:sldSz cx="12192000" cy="6858000"/>
   <p:notesSz cx="6858000" cy="9144000"/>
@@ -4326,6 +4328,1640 @@
 </p:sld>
 </file>
 
+<file path=ppt/slides/slide11.xml><?xml version="1.0" encoding="utf-8"?>
+<p:sld xmlns:a="http://schemas.openxmlformats.org/drawingml/2006/main" xmlns:r="http://schemas.openxmlformats.org/officeDocument/2006/relationships" xmlns:p="http://schemas.openxmlformats.org/presentationml/2006/main">
+  <p:cSld>
+    <p:spTree>
+      <p:nvGrpSpPr>
+        <p:cNvPr id="1" name=""/>
+        <p:cNvGrpSpPr/>
+        <p:nvPr/>
+      </p:nvGrpSpPr>
+      <p:grpSpPr>
+        <a:xfrm>
+          <a:off x="0" y="0"/>
+          <a:ext cx="0" cy="0"/>
+          <a:chOff x="0" y="0"/>
+          <a:chExt cx="0" cy="0"/>
+        </a:xfrm>
+      </p:grpSpPr>
+      <p:cxnSp>
+        <p:nvCxnSpPr>
+          <p:cNvPr id="3" name="直接箭头连接符 2">
+            <a:extLst>
+              <a:ext uri="{FF2B5EF4-FFF2-40B4-BE49-F238E27FC236}">
+                <a16:creationId xmlns:a16="http://schemas.microsoft.com/office/drawing/2014/main" id="{9EF88798-0F42-8C73-BFF2-C6611440309A}"/>
+              </a:ext>
+            </a:extLst>
+          </p:cNvPr>
+          <p:cNvCxnSpPr>
+            <a:cxnSpLocks/>
+          </p:cNvCxnSpPr>
+          <p:nvPr/>
+        </p:nvCxnSpPr>
+        <p:spPr>
+          <a:xfrm flipV="1">
+            <a:off x="5392132" y="3157979"/>
+            <a:ext cx="3463281" cy="1875934"/>
+          </a:xfrm>
+          <a:prstGeom prst="straightConnector1">
+            <a:avLst/>
+          </a:prstGeom>
+          <a:ln w="25400">
+            <a:solidFill>
+              <a:schemeClr val="tx1"/>
+            </a:solidFill>
+            <a:tailEnd type="arrow"/>
+          </a:ln>
+        </p:spPr>
+        <p:style>
+          <a:lnRef idx="1">
+            <a:schemeClr val="accent1"/>
+          </a:lnRef>
+          <a:fillRef idx="0">
+            <a:schemeClr val="accent1"/>
+          </a:fillRef>
+          <a:effectRef idx="0">
+            <a:schemeClr val="accent1"/>
+          </a:effectRef>
+          <a:fontRef idx="minor">
+            <a:schemeClr val="tx1"/>
+          </a:fontRef>
+        </p:style>
+      </p:cxnSp>
+      <p:sp>
+        <p:nvSpPr>
+          <p:cNvPr id="7" name="矩形 6">
+            <a:extLst>
+              <a:ext uri="{FF2B5EF4-FFF2-40B4-BE49-F238E27FC236}">
+                <a16:creationId xmlns:a16="http://schemas.microsoft.com/office/drawing/2014/main" id="{0E198224-D6CE-505C-B996-72F758F0C119}"/>
+              </a:ext>
+            </a:extLst>
+          </p:cNvPr>
+          <p:cNvSpPr/>
+          <p:nvPr/>
+        </p:nvSpPr>
+        <p:spPr>
+          <a:xfrm>
+            <a:off x="8575297" y="3228983"/>
+            <a:ext cx="344967" cy="461665"/>
+          </a:xfrm>
+          <a:prstGeom prst="rect">
+            <a:avLst/>
+          </a:prstGeom>
+          <a:noFill/>
+        </p:spPr>
+        <p:txBody>
+          <a:bodyPr wrap="none" lIns="91440" tIns="45720" rIns="91440" bIns="45720">
+            <a:spAutoFit/>
+          </a:bodyPr>
+          <a:lstStyle/>
+          <a:p>
+            <a:pPr algn="ctr"/>
+            <a:r>
+              <a:rPr lang="en-US" altLang="zh-CN" sz="2400" b="1" cap="none" spc="0" dirty="0">
+                <a:ln w="0"/>
+                <a:solidFill>
+                  <a:schemeClr val="tx1"/>
+                </a:solidFill>
+                <a:effectLst>
+                  <a:outerShdw blurRad="38100" dist="19050" dir="2700000" algn="tl" rotWithShape="0">
+                    <a:schemeClr val="dk1">
+                      <a:alpha val="40000"/>
+                    </a:schemeClr>
+                  </a:outerShdw>
+                </a:effectLst>
+              </a:rPr>
+              <a:t>a</a:t>
+            </a:r>
+            <a:endParaRPr lang="zh-CN" altLang="en-US" sz="2400" b="1" cap="none" spc="0" dirty="0">
+              <a:ln w="0"/>
+              <a:solidFill>
+                <a:schemeClr val="tx1"/>
+              </a:solidFill>
+              <a:effectLst>
+                <a:outerShdw blurRad="38100" dist="19050" dir="2700000" algn="tl" rotWithShape="0">
+                  <a:schemeClr val="dk1">
+                    <a:alpha val="40000"/>
+                  </a:schemeClr>
+                </a:outerShdw>
+              </a:effectLst>
+            </a:endParaRPr>
+          </a:p>
+        </p:txBody>
+      </p:sp>
+      <p:cxnSp>
+        <p:nvCxnSpPr>
+          <p:cNvPr id="12" name="直接连接符 11">
+            <a:extLst>
+              <a:ext uri="{FF2B5EF4-FFF2-40B4-BE49-F238E27FC236}">
+                <a16:creationId xmlns:a16="http://schemas.microsoft.com/office/drawing/2014/main" id="{0092C623-99A1-9C27-33EE-FD5782615971}"/>
+              </a:ext>
+            </a:extLst>
+          </p:cNvPr>
+          <p:cNvCxnSpPr>
+            <a:cxnSpLocks/>
+          </p:cNvCxnSpPr>
+          <p:nvPr/>
+        </p:nvCxnSpPr>
+        <p:spPr>
+          <a:xfrm flipV="1">
+            <a:off x="6146197" y="3044858"/>
+            <a:ext cx="1023705" cy="1582376"/>
+          </a:xfrm>
+          <a:prstGeom prst="line">
+            <a:avLst/>
+          </a:prstGeom>
+          <a:ln w="25400">
+            <a:solidFill>
+              <a:srgbClr val="00B0F0"/>
+            </a:solidFill>
+            <a:tailEnd type="arrow"/>
+          </a:ln>
+        </p:spPr>
+        <p:style>
+          <a:lnRef idx="1">
+            <a:schemeClr val="accent1"/>
+          </a:lnRef>
+          <a:fillRef idx="0">
+            <a:schemeClr val="accent1"/>
+          </a:fillRef>
+          <a:effectRef idx="0">
+            <a:schemeClr val="accent1"/>
+          </a:effectRef>
+          <a:fontRef idx="minor">
+            <a:schemeClr val="tx1"/>
+          </a:fontRef>
+        </p:style>
+      </p:cxnSp>
+      <p:cxnSp>
+        <p:nvCxnSpPr>
+          <p:cNvPr id="14" name="直接连接符 13">
+            <a:extLst>
+              <a:ext uri="{FF2B5EF4-FFF2-40B4-BE49-F238E27FC236}">
+                <a16:creationId xmlns:a16="http://schemas.microsoft.com/office/drawing/2014/main" id="{11B52BA6-759F-D695-AF68-04F858C9D075}"/>
+              </a:ext>
+            </a:extLst>
+          </p:cNvPr>
+          <p:cNvCxnSpPr>
+            <a:cxnSpLocks/>
+          </p:cNvCxnSpPr>
+          <p:nvPr/>
+        </p:nvCxnSpPr>
+        <p:spPr>
+          <a:xfrm>
+            <a:off x="7179630" y="3054586"/>
+            <a:ext cx="412516" cy="791188"/>
+          </a:xfrm>
+          <a:prstGeom prst="line">
+            <a:avLst/>
+          </a:prstGeom>
+          <a:ln w="25400">
+            <a:solidFill>
+              <a:srgbClr val="7030A0"/>
+            </a:solidFill>
+            <a:prstDash val="dash"/>
+            <a:tailEnd type="none"/>
+          </a:ln>
+        </p:spPr>
+        <p:style>
+          <a:lnRef idx="1">
+            <a:schemeClr val="accent1"/>
+          </a:lnRef>
+          <a:fillRef idx="0">
+            <a:schemeClr val="accent1"/>
+          </a:fillRef>
+          <a:effectRef idx="0">
+            <a:schemeClr val="accent1"/>
+          </a:effectRef>
+          <a:fontRef idx="minor">
+            <a:schemeClr val="tx1"/>
+          </a:fontRef>
+        </p:style>
+      </p:cxnSp>
+      <p:sp>
+        <p:nvSpPr>
+          <p:cNvPr id="18" name="矩形 17">
+            <a:extLst>
+              <a:ext uri="{FF2B5EF4-FFF2-40B4-BE49-F238E27FC236}">
+                <a16:creationId xmlns:a16="http://schemas.microsoft.com/office/drawing/2014/main" id="{0148B290-B7C5-05E6-7799-62F80F0F7B66}"/>
+              </a:ext>
+            </a:extLst>
+          </p:cNvPr>
+          <p:cNvSpPr/>
+          <p:nvPr/>
+        </p:nvSpPr>
+        <p:spPr>
+          <a:xfrm>
+            <a:off x="6658049" y="2927146"/>
+            <a:ext cx="370614" cy="461665"/>
+          </a:xfrm>
+          <a:prstGeom prst="rect">
+            <a:avLst/>
+          </a:prstGeom>
+          <a:noFill/>
+        </p:spPr>
+        <p:txBody>
+          <a:bodyPr wrap="none" lIns="91440" tIns="45720" rIns="91440" bIns="45720">
+            <a:spAutoFit/>
+          </a:bodyPr>
+          <a:lstStyle/>
+          <a:p>
+            <a:pPr algn="ctr"/>
+            <a:r>
+              <a:rPr lang="en-US" altLang="zh-CN" sz="2400" b="1" cap="none" spc="0" dirty="0">
+                <a:ln w="0"/>
+                <a:solidFill>
+                  <a:srgbClr val="00B0F0"/>
+                </a:solidFill>
+                <a:effectLst>
+                  <a:outerShdw blurRad="38100" dist="25400" dir="5400000" algn="ctr" rotWithShape="0">
+                    <a:srgbClr val="6E747A">
+                      <a:alpha val="43000"/>
+                    </a:srgbClr>
+                  </a:outerShdw>
+                </a:effectLst>
+              </a:rPr>
+              <a:t>b</a:t>
+            </a:r>
+            <a:endParaRPr lang="zh-CN" altLang="en-US" sz="2400" b="1" cap="none" spc="0" dirty="0">
+              <a:ln w="0"/>
+              <a:solidFill>
+                <a:srgbClr val="00B0F0"/>
+              </a:solidFill>
+              <a:effectLst>
+                <a:outerShdw blurRad="38100" dist="25400" dir="5400000" algn="ctr" rotWithShape="0">
+                  <a:srgbClr val="6E747A">
+                    <a:alpha val="43000"/>
+                  </a:srgbClr>
+                </a:outerShdw>
+              </a:effectLst>
+            </a:endParaRPr>
+          </a:p>
+        </p:txBody>
+      </p:sp>
+      <p:sp>
+        <p:nvSpPr>
+          <p:cNvPr id="20" name="矩形 19">
+            <a:extLst>
+              <a:ext uri="{FF2B5EF4-FFF2-40B4-BE49-F238E27FC236}">
+                <a16:creationId xmlns:a16="http://schemas.microsoft.com/office/drawing/2014/main" id="{3E2D542C-BE97-3A0C-A357-E8CC772BD444}"/>
+              </a:ext>
+            </a:extLst>
+          </p:cNvPr>
+          <p:cNvSpPr/>
+          <p:nvPr/>
+        </p:nvSpPr>
+        <p:spPr>
+          <a:xfrm>
+            <a:off x="7311141" y="3044858"/>
+            <a:ext cx="1087157" cy="461665"/>
+          </a:xfrm>
+          <a:prstGeom prst="rect">
+            <a:avLst/>
+          </a:prstGeom>
+          <a:noFill/>
+        </p:spPr>
+        <p:txBody>
+          <a:bodyPr wrap="none" lIns="91440" tIns="45720" rIns="91440" bIns="45720">
+            <a:spAutoFit/>
+          </a:bodyPr>
+          <a:lstStyle/>
+          <a:p>
+            <a:pPr algn="ctr"/>
+            <a:r>
+              <a:rPr lang="en-US" altLang="zh-CN" sz="2400" b="1" dirty="0">
+                <a:ln w="0"/>
+                <a:solidFill>
+                  <a:srgbClr val="7030A0"/>
+                </a:solidFill>
+                <a:effectLst>
+                  <a:outerShdw blurRad="38100" dist="25400" dir="5400000" algn="ctr" rotWithShape="0">
+                    <a:srgbClr val="6E747A">
+                      <a:alpha val="43000"/>
+                    </a:srgbClr>
+                  </a:outerShdw>
+                </a:effectLst>
+              </a:rPr>
+              <a:t>e=b-p</a:t>
+            </a:r>
+            <a:endParaRPr lang="zh-CN" altLang="en-US" sz="2400" b="1" cap="none" spc="0" dirty="0">
+              <a:ln w="0"/>
+              <a:solidFill>
+                <a:srgbClr val="7030A0"/>
+              </a:solidFill>
+              <a:effectLst>
+                <a:outerShdw blurRad="38100" dist="25400" dir="5400000" algn="ctr" rotWithShape="0">
+                  <a:srgbClr val="6E747A">
+                    <a:alpha val="43000"/>
+                  </a:srgbClr>
+                </a:outerShdw>
+              </a:effectLst>
+            </a:endParaRPr>
+          </a:p>
+        </p:txBody>
+      </p:sp>
+      <p:cxnSp>
+        <p:nvCxnSpPr>
+          <p:cNvPr id="25" name="直接连接符 24">
+            <a:extLst>
+              <a:ext uri="{FF2B5EF4-FFF2-40B4-BE49-F238E27FC236}">
+                <a16:creationId xmlns:a16="http://schemas.microsoft.com/office/drawing/2014/main" id="{712B3AA8-F7C8-171A-F725-18FF3F1E94E8}"/>
+              </a:ext>
+            </a:extLst>
+          </p:cNvPr>
+          <p:cNvCxnSpPr>
+            <a:cxnSpLocks/>
+          </p:cNvCxnSpPr>
+          <p:nvPr/>
+        </p:nvCxnSpPr>
+        <p:spPr>
+          <a:xfrm flipV="1">
+            <a:off x="6146197" y="3836046"/>
+            <a:ext cx="1480288" cy="791188"/>
+          </a:xfrm>
+          <a:prstGeom prst="line">
+            <a:avLst/>
+          </a:prstGeom>
+          <a:ln w="50800">
+            <a:solidFill>
+              <a:srgbClr val="FFC000"/>
+            </a:solidFill>
+            <a:tailEnd type="arrow"/>
+          </a:ln>
+        </p:spPr>
+        <p:style>
+          <a:lnRef idx="1">
+            <a:schemeClr val="accent1"/>
+          </a:lnRef>
+          <a:fillRef idx="0">
+            <a:schemeClr val="accent1"/>
+          </a:fillRef>
+          <a:effectRef idx="0">
+            <a:schemeClr val="accent1"/>
+          </a:effectRef>
+          <a:fontRef idx="minor">
+            <a:schemeClr val="tx1"/>
+          </a:fontRef>
+        </p:style>
+      </p:cxnSp>
+      <p:sp>
+        <p:nvSpPr>
+          <p:cNvPr id="26" name="矩形 25">
+            <a:extLst>
+              <a:ext uri="{FF2B5EF4-FFF2-40B4-BE49-F238E27FC236}">
+                <a16:creationId xmlns:a16="http://schemas.microsoft.com/office/drawing/2014/main" id="{DA26B362-087E-B3DF-1754-690D068B1666}"/>
+              </a:ext>
+            </a:extLst>
+          </p:cNvPr>
+          <p:cNvSpPr/>
+          <p:nvPr/>
+        </p:nvSpPr>
+        <p:spPr>
+          <a:xfrm>
+            <a:off x="7255871" y="3944464"/>
+            <a:ext cx="370614" cy="461665"/>
+          </a:xfrm>
+          <a:prstGeom prst="rect">
+            <a:avLst/>
+          </a:prstGeom>
+          <a:noFill/>
+        </p:spPr>
+        <p:txBody>
+          <a:bodyPr wrap="none" lIns="91440" tIns="45720" rIns="91440" bIns="45720">
+            <a:spAutoFit/>
+          </a:bodyPr>
+          <a:lstStyle/>
+          <a:p>
+            <a:pPr algn="ctr"/>
+            <a:r>
+              <a:rPr lang="en-US" altLang="zh-CN" sz="2400" b="1" cap="none" spc="0" dirty="0">
+                <a:ln w="0"/>
+                <a:solidFill>
+                  <a:srgbClr val="FFC000"/>
+                </a:solidFill>
+                <a:effectLst>
+                  <a:outerShdw blurRad="38100" dist="25400" dir="5400000" algn="ctr" rotWithShape="0">
+                    <a:srgbClr val="6E747A">
+                      <a:alpha val="43000"/>
+                    </a:srgbClr>
+                  </a:outerShdw>
+                </a:effectLst>
+              </a:rPr>
+              <a:t>p</a:t>
+            </a:r>
+            <a:endParaRPr lang="zh-CN" altLang="en-US" sz="2400" b="1" cap="none" spc="0" dirty="0">
+              <a:ln w="0"/>
+              <a:solidFill>
+                <a:srgbClr val="FFC000"/>
+              </a:solidFill>
+              <a:effectLst>
+                <a:outerShdw blurRad="38100" dist="25400" dir="5400000" algn="ctr" rotWithShape="0">
+                  <a:srgbClr val="6E747A">
+                    <a:alpha val="43000"/>
+                  </a:srgbClr>
+                </a:outerShdw>
+              </a:effectLst>
+            </a:endParaRPr>
+          </a:p>
+        </p:txBody>
+      </p:sp>
+      <p:grpSp>
+        <p:nvGrpSpPr>
+          <p:cNvPr id="38" name="组合 37">
+            <a:extLst>
+              <a:ext uri="{FF2B5EF4-FFF2-40B4-BE49-F238E27FC236}">
+                <a16:creationId xmlns:a16="http://schemas.microsoft.com/office/drawing/2014/main" id="{FDF2460A-4516-B5BF-715D-DB6A16DC14C9}"/>
+              </a:ext>
+            </a:extLst>
+          </p:cNvPr>
+          <p:cNvGrpSpPr/>
+          <p:nvPr/>
+        </p:nvGrpSpPr>
+        <p:grpSpPr>
+          <a:xfrm rot="19793194">
+            <a:off x="7555813" y="3646633"/>
+            <a:ext cx="165370" cy="165370"/>
+            <a:chOff x="2830749" y="1896894"/>
+            <a:chExt cx="165370" cy="165370"/>
+          </a:xfrm>
+        </p:grpSpPr>
+        <p:cxnSp>
+          <p:nvCxnSpPr>
+            <p:cNvPr id="32" name="直接连接符 31">
+              <a:extLst>
+                <a:ext uri="{FF2B5EF4-FFF2-40B4-BE49-F238E27FC236}">
+                  <a16:creationId xmlns:a16="http://schemas.microsoft.com/office/drawing/2014/main" id="{747557D9-1FD9-EC41-49A4-66407C34AFE0}"/>
+                </a:ext>
+              </a:extLst>
+            </p:cNvPr>
+            <p:cNvCxnSpPr/>
+            <p:nvPr/>
+          </p:nvCxnSpPr>
+          <p:spPr>
+            <a:xfrm>
+              <a:off x="2830749" y="1896894"/>
+              <a:ext cx="165370" cy="0"/>
+            </a:xfrm>
+            <a:prstGeom prst="line">
+              <a:avLst/>
+            </a:prstGeom>
+            <a:ln w="25400">
+              <a:solidFill>
+                <a:schemeClr val="tx1"/>
+              </a:solidFill>
+            </a:ln>
+          </p:spPr>
+          <p:style>
+            <a:lnRef idx="1">
+              <a:schemeClr val="accent1"/>
+            </a:lnRef>
+            <a:fillRef idx="0">
+              <a:schemeClr val="accent1"/>
+            </a:fillRef>
+            <a:effectRef idx="0">
+              <a:schemeClr val="accent1"/>
+            </a:effectRef>
+            <a:fontRef idx="minor">
+              <a:schemeClr val="tx1"/>
+            </a:fontRef>
+          </p:style>
+        </p:cxnSp>
+        <p:cxnSp>
+          <p:nvCxnSpPr>
+            <p:cNvPr id="33" name="直接连接符 32">
+              <a:extLst>
+                <a:ext uri="{FF2B5EF4-FFF2-40B4-BE49-F238E27FC236}">
+                  <a16:creationId xmlns:a16="http://schemas.microsoft.com/office/drawing/2014/main" id="{6356B6C4-B763-8FAF-CE58-535F4CB2B95F}"/>
+                </a:ext>
+              </a:extLst>
+            </p:cNvPr>
+            <p:cNvCxnSpPr>
+              <a:cxnSpLocks/>
+            </p:cNvCxnSpPr>
+            <p:nvPr/>
+          </p:nvCxnSpPr>
+          <p:spPr>
+            <a:xfrm>
+              <a:off x="2986391" y="1896894"/>
+              <a:ext cx="0" cy="165370"/>
+            </a:xfrm>
+            <a:prstGeom prst="line">
+              <a:avLst/>
+            </a:prstGeom>
+            <a:ln w="25400">
+              <a:solidFill>
+                <a:schemeClr val="tx1"/>
+              </a:solidFill>
+            </a:ln>
+          </p:spPr>
+          <p:style>
+            <a:lnRef idx="1">
+              <a:schemeClr val="accent1"/>
+            </a:lnRef>
+            <a:fillRef idx="0">
+              <a:schemeClr val="accent1"/>
+            </a:fillRef>
+            <a:effectRef idx="0">
+              <a:schemeClr val="accent1"/>
+            </a:effectRef>
+            <a:fontRef idx="minor">
+              <a:schemeClr val="tx1"/>
+            </a:fontRef>
+          </p:style>
+        </p:cxnSp>
+      </p:grpSp>
+    </p:spTree>
+    <p:extLst>
+      <p:ext uri="{BB962C8B-B14F-4D97-AF65-F5344CB8AC3E}">
+        <p14:creationId xmlns:p14="http://schemas.microsoft.com/office/powerpoint/2010/main" val="2200265225"/>
+      </p:ext>
+    </p:extLst>
+  </p:cSld>
+  <p:clrMapOvr>
+    <a:masterClrMapping/>
+  </p:clrMapOvr>
+</p:sld>
+</file>
+
+<file path=ppt/slides/slide12.xml><?xml version="1.0" encoding="utf-8"?>
+<p:sld xmlns:a="http://schemas.openxmlformats.org/drawingml/2006/main" xmlns:r="http://schemas.openxmlformats.org/officeDocument/2006/relationships" xmlns:p="http://schemas.openxmlformats.org/presentationml/2006/main">
+  <p:cSld>
+    <p:spTree>
+      <p:nvGrpSpPr>
+        <p:cNvPr id="1" name=""/>
+        <p:cNvGrpSpPr/>
+        <p:nvPr/>
+      </p:nvGrpSpPr>
+      <p:grpSpPr>
+        <a:xfrm>
+          <a:off x="0" y="0"/>
+          <a:ext cx="0" cy="0"/>
+          <a:chOff x="0" y="0"/>
+          <a:chExt cx="0" cy="0"/>
+        </a:xfrm>
+      </p:grpSpPr>
+      <p:cxnSp>
+        <p:nvCxnSpPr>
+          <p:cNvPr id="24" name="直接连接符 23">
+            <a:extLst>
+              <a:ext uri="{FF2B5EF4-FFF2-40B4-BE49-F238E27FC236}">
+                <a16:creationId xmlns:a16="http://schemas.microsoft.com/office/drawing/2014/main" id="{A2FCAB8A-316C-DD33-720F-A8A9770E85AC}"/>
+              </a:ext>
+            </a:extLst>
+          </p:cNvPr>
+          <p:cNvCxnSpPr>
+            <a:cxnSpLocks/>
+          </p:cNvCxnSpPr>
+          <p:nvPr/>
+        </p:nvCxnSpPr>
+        <p:spPr>
+          <a:xfrm flipH="1">
+            <a:off x="4834385" y="2822694"/>
+            <a:ext cx="1350461" cy="2386063"/>
+          </a:xfrm>
+          <a:prstGeom prst="line">
+            <a:avLst/>
+          </a:prstGeom>
+          <a:ln w="19050"/>
+        </p:spPr>
+        <p:style>
+          <a:lnRef idx="1">
+            <a:schemeClr val="accent1"/>
+          </a:lnRef>
+          <a:fillRef idx="0">
+            <a:schemeClr val="accent1"/>
+          </a:fillRef>
+          <a:effectRef idx="0">
+            <a:schemeClr val="accent1"/>
+          </a:effectRef>
+          <a:fontRef idx="minor">
+            <a:schemeClr val="tx1"/>
+          </a:fontRef>
+        </p:style>
+      </p:cxnSp>
+      <p:cxnSp>
+        <p:nvCxnSpPr>
+          <p:cNvPr id="3" name="直接箭头连接符 2">
+            <a:extLst>
+              <a:ext uri="{FF2B5EF4-FFF2-40B4-BE49-F238E27FC236}">
+                <a16:creationId xmlns:a16="http://schemas.microsoft.com/office/drawing/2014/main" id="{9EF88798-0F42-8C73-BFF2-C6611440309A}"/>
+              </a:ext>
+            </a:extLst>
+          </p:cNvPr>
+          <p:cNvCxnSpPr>
+            <a:cxnSpLocks/>
+          </p:cNvCxnSpPr>
+          <p:nvPr/>
+        </p:nvCxnSpPr>
+        <p:spPr>
+          <a:xfrm>
+            <a:off x="5162144" y="4027351"/>
+            <a:ext cx="4896256" cy="0"/>
+          </a:xfrm>
+          <a:prstGeom prst="straightConnector1">
+            <a:avLst/>
+          </a:prstGeom>
+          <a:ln w="25400">
+            <a:solidFill>
+              <a:schemeClr val="tx1"/>
+            </a:solidFill>
+            <a:tailEnd type="none"/>
+          </a:ln>
+        </p:spPr>
+        <p:style>
+          <a:lnRef idx="1">
+            <a:schemeClr val="accent1"/>
+          </a:lnRef>
+          <a:fillRef idx="0">
+            <a:schemeClr val="accent1"/>
+          </a:fillRef>
+          <a:effectRef idx="0">
+            <a:schemeClr val="accent1"/>
+          </a:effectRef>
+          <a:fontRef idx="minor">
+            <a:schemeClr val="tx1"/>
+          </a:fontRef>
+        </p:style>
+      </p:cxnSp>
+      <p:cxnSp>
+        <p:nvCxnSpPr>
+          <p:cNvPr id="4" name="直接箭头连接符 3">
+            <a:extLst>
+              <a:ext uri="{FF2B5EF4-FFF2-40B4-BE49-F238E27FC236}">
+                <a16:creationId xmlns:a16="http://schemas.microsoft.com/office/drawing/2014/main" id="{63E6A94F-6E89-6AA7-53E2-7F83D4CADEAC}"/>
+              </a:ext>
+            </a:extLst>
+          </p:cNvPr>
+          <p:cNvCxnSpPr>
+            <a:cxnSpLocks/>
+          </p:cNvCxnSpPr>
+          <p:nvPr/>
+        </p:nvCxnSpPr>
+        <p:spPr>
+          <a:xfrm flipV="1">
+            <a:off x="5171872" y="778213"/>
+            <a:ext cx="0" cy="3249138"/>
+          </a:xfrm>
+          <a:prstGeom prst="straightConnector1">
+            <a:avLst/>
+          </a:prstGeom>
+          <a:ln w="25400">
+            <a:solidFill>
+              <a:schemeClr val="tx1"/>
+            </a:solidFill>
+            <a:tailEnd type="none"/>
+          </a:ln>
+        </p:spPr>
+        <p:style>
+          <a:lnRef idx="1">
+            <a:schemeClr val="accent1"/>
+          </a:lnRef>
+          <a:fillRef idx="0">
+            <a:schemeClr val="accent1"/>
+          </a:fillRef>
+          <a:effectRef idx="0">
+            <a:schemeClr val="accent1"/>
+          </a:effectRef>
+          <a:fontRef idx="minor">
+            <a:schemeClr val="tx1"/>
+          </a:fontRef>
+        </p:style>
+      </p:cxnSp>
+      <p:sp>
+        <p:nvSpPr>
+          <p:cNvPr id="18" name="矩形 17">
+            <a:extLst>
+              <a:ext uri="{FF2B5EF4-FFF2-40B4-BE49-F238E27FC236}">
+                <a16:creationId xmlns:a16="http://schemas.microsoft.com/office/drawing/2014/main" id="{0148B290-B7C5-05E6-7799-62F80F0F7B66}"/>
+              </a:ext>
+            </a:extLst>
+          </p:cNvPr>
+          <p:cNvSpPr/>
+          <p:nvPr/>
+        </p:nvSpPr>
+        <p:spPr>
+          <a:xfrm>
+            <a:off x="6541062" y="1878147"/>
+            <a:ext cx="370614" cy="461665"/>
+          </a:xfrm>
+          <a:prstGeom prst="rect">
+            <a:avLst/>
+          </a:prstGeom>
+          <a:noFill/>
+        </p:spPr>
+        <p:txBody>
+          <a:bodyPr wrap="none" lIns="91440" tIns="45720" rIns="91440" bIns="45720">
+            <a:spAutoFit/>
+          </a:bodyPr>
+          <a:lstStyle/>
+          <a:p>
+            <a:pPr algn="ctr"/>
+            <a:r>
+              <a:rPr lang="en-US" altLang="zh-CN" sz="2400" b="1" cap="none" spc="0" dirty="0">
+                <a:ln w="0"/>
+                <a:solidFill>
+                  <a:srgbClr val="C00000"/>
+                </a:solidFill>
+                <a:effectLst>
+                  <a:outerShdw blurRad="38100" dist="25400" dir="5400000" algn="ctr" rotWithShape="0">
+                    <a:srgbClr val="6E747A">
+                      <a:alpha val="43000"/>
+                    </a:srgbClr>
+                  </a:outerShdw>
+                </a:effectLst>
+              </a:rPr>
+              <a:t>b</a:t>
+            </a:r>
+            <a:endParaRPr lang="zh-CN" altLang="en-US" sz="2400" b="1" cap="none" spc="0" dirty="0">
+              <a:ln w="0"/>
+              <a:solidFill>
+                <a:srgbClr val="C00000"/>
+              </a:solidFill>
+              <a:effectLst>
+                <a:outerShdw blurRad="38100" dist="25400" dir="5400000" algn="ctr" rotWithShape="0">
+                  <a:srgbClr val="6E747A">
+                    <a:alpha val="43000"/>
+                  </a:srgbClr>
+                </a:outerShdw>
+              </a:effectLst>
+            </a:endParaRPr>
+          </a:p>
+        </p:txBody>
+      </p:sp>
+      <p:cxnSp>
+        <p:nvCxnSpPr>
+          <p:cNvPr id="6" name="直接箭头连接符 5">
+            <a:extLst>
+              <a:ext uri="{FF2B5EF4-FFF2-40B4-BE49-F238E27FC236}">
+                <a16:creationId xmlns:a16="http://schemas.microsoft.com/office/drawing/2014/main" id="{53598971-1709-6738-14B6-2796A3F83A9B}"/>
+              </a:ext>
+            </a:extLst>
+          </p:cNvPr>
+          <p:cNvCxnSpPr>
+            <a:cxnSpLocks/>
+          </p:cNvCxnSpPr>
+          <p:nvPr/>
+        </p:nvCxnSpPr>
+        <p:spPr>
+          <a:xfrm flipH="1">
+            <a:off x="2743200" y="4027351"/>
+            <a:ext cx="2418944" cy="1439594"/>
+          </a:xfrm>
+          <a:prstGeom prst="straightConnector1">
+            <a:avLst/>
+          </a:prstGeom>
+          <a:ln w="25400">
+            <a:solidFill>
+              <a:schemeClr val="tx1"/>
+            </a:solidFill>
+            <a:tailEnd type="none"/>
+          </a:ln>
+        </p:spPr>
+        <p:style>
+          <a:lnRef idx="1">
+            <a:schemeClr val="accent1"/>
+          </a:lnRef>
+          <a:fillRef idx="0">
+            <a:schemeClr val="accent1"/>
+          </a:fillRef>
+          <a:effectRef idx="0">
+            <a:schemeClr val="accent1"/>
+          </a:effectRef>
+          <a:fontRef idx="minor">
+            <a:schemeClr val="tx1"/>
+          </a:fontRef>
+        </p:style>
+      </p:cxnSp>
+      <p:cxnSp>
+        <p:nvCxnSpPr>
+          <p:cNvPr id="22" name="直接连接符 21">
+            <a:extLst>
+              <a:ext uri="{FF2B5EF4-FFF2-40B4-BE49-F238E27FC236}">
+                <a16:creationId xmlns:a16="http://schemas.microsoft.com/office/drawing/2014/main" id="{62AA77F0-26B5-D01B-13B6-581FC3CB22E5}"/>
+              </a:ext>
+            </a:extLst>
+          </p:cNvPr>
+          <p:cNvCxnSpPr>
+            <a:cxnSpLocks/>
+          </p:cNvCxnSpPr>
+          <p:nvPr/>
+        </p:nvCxnSpPr>
+        <p:spPr>
+          <a:xfrm flipH="1">
+            <a:off x="3458355" y="2062483"/>
+            <a:ext cx="1149784" cy="2077109"/>
+          </a:xfrm>
+          <a:prstGeom prst="line">
+            <a:avLst/>
+          </a:prstGeom>
+          <a:ln w="19050"/>
+        </p:spPr>
+        <p:style>
+          <a:lnRef idx="1">
+            <a:schemeClr val="accent1"/>
+          </a:lnRef>
+          <a:fillRef idx="0">
+            <a:schemeClr val="accent1"/>
+          </a:fillRef>
+          <a:effectRef idx="0">
+            <a:schemeClr val="accent1"/>
+          </a:effectRef>
+          <a:fontRef idx="minor">
+            <a:schemeClr val="tx1"/>
+          </a:fontRef>
+        </p:style>
+      </p:cxnSp>
+      <p:cxnSp>
+        <p:nvCxnSpPr>
+          <p:cNvPr id="23" name="直接连接符 22">
+            <a:extLst>
+              <a:ext uri="{FF2B5EF4-FFF2-40B4-BE49-F238E27FC236}">
+                <a16:creationId xmlns:a16="http://schemas.microsoft.com/office/drawing/2014/main" id="{DA69CC49-61EB-945E-3F82-E4CD89ED0780}"/>
+              </a:ext>
+            </a:extLst>
+          </p:cNvPr>
+          <p:cNvCxnSpPr>
+            <a:cxnSpLocks/>
+          </p:cNvCxnSpPr>
+          <p:nvPr/>
+        </p:nvCxnSpPr>
+        <p:spPr>
+          <a:xfrm flipH="1">
+            <a:off x="4134561" y="2293019"/>
+            <a:ext cx="1350461" cy="2386063"/>
+          </a:xfrm>
+          <a:prstGeom prst="line">
+            <a:avLst/>
+          </a:prstGeom>
+          <a:ln w="19050"/>
+        </p:spPr>
+        <p:style>
+          <a:lnRef idx="1">
+            <a:schemeClr val="accent1"/>
+          </a:lnRef>
+          <a:fillRef idx="0">
+            <a:schemeClr val="accent1"/>
+          </a:fillRef>
+          <a:effectRef idx="0">
+            <a:schemeClr val="accent1"/>
+          </a:effectRef>
+          <a:fontRef idx="minor">
+            <a:schemeClr val="tx1"/>
+          </a:fontRef>
+        </p:style>
+      </p:cxnSp>
+      <p:cxnSp>
+        <p:nvCxnSpPr>
+          <p:cNvPr id="25" name="直接连接符 24">
+            <a:extLst>
+              <a:ext uri="{FF2B5EF4-FFF2-40B4-BE49-F238E27FC236}">
+                <a16:creationId xmlns:a16="http://schemas.microsoft.com/office/drawing/2014/main" id="{04F179B8-C984-3F72-00F2-1913511A796A}"/>
+              </a:ext>
+            </a:extLst>
+          </p:cNvPr>
+          <p:cNvCxnSpPr>
+            <a:cxnSpLocks/>
+          </p:cNvCxnSpPr>
+          <p:nvPr/>
+        </p:nvCxnSpPr>
+        <p:spPr>
+          <a:xfrm flipH="1">
+            <a:off x="5423943" y="3263712"/>
+            <a:ext cx="1302426" cy="2387254"/>
+          </a:xfrm>
+          <a:prstGeom prst="line">
+            <a:avLst/>
+          </a:prstGeom>
+          <a:ln w="19050"/>
+        </p:spPr>
+        <p:style>
+          <a:lnRef idx="1">
+            <a:schemeClr val="accent1"/>
+          </a:lnRef>
+          <a:fillRef idx="0">
+            <a:schemeClr val="accent1"/>
+          </a:fillRef>
+          <a:effectRef idx="0">
+            <a:schemeClr val="accent1"/>
+          </a:effectRef>
+          <a:fontRef idx="minor">
+            <a:schemeClr val="tx1"/>
+          </a:fontRef>
+        </p:style>
+      </p:cxnSp>
+      <p:cxnSp>
+        <p:nvCxnSpPr>
+          <p:cNvPr id="26" name="直接连接符 25">
+            <a:extLst>
+              <a:ext uri="{FF2B5EF4-FFF2-40B4-BE49-F238E27FC236}">
+                <a16:creationId xmlns:a16="http://schemas.microsoft.com/office/drawing/2014/main" id="{AE6FCFF5-6269-205F-506B-4E1DCA222375}"/>
+              </a:ext>
+            </a:extLst>
+          </p:cNvPr>
+          <p:cNvCxnSpPr>
+            <a:cxnSpLocks/>
+          </p:cNvCxnSpPr>
+          <p:nvPr/>
+        </p:nvCxnSpPr>
+        <p:spPr>
+          <a:xfrm flipH="1">
+            <a:off x="6344753" y="3704877"/>
+            <a:ext cx="959329" cy="1847980"/>
+          </a:xfrm>
+          <a:prstGeom prst="line">
+            <a:avLst/>
+          </a:prstGeom>
+          <a:ln w="19050"/>
+        </p:spPr>
+        <p:style>
+          <a:lnRef idx="1">
+            <a:schemeClr val="accent1"/>
+          </a:lnRef>
+          <a:fillRef idx="0">
+            <a:schemeClr val="accent1"/>
+          </a:fillRef>
+          <a:effectRef idx="0">
+            <a:schemeClr val="accent1"/>
+          </a:effectRef>
+          <a:fontRef idx="minor">
+            <a:schemeClr val="tx1"/>
+          </a:fontRef>
+        </p:style>
+      </p:cxnSp>
+      <p:cxnSp>
+        <p:nvCxnSpPr>
+          <p:cNvPr id="27" name="直接箭头连接符 26">
+            <a:extLst>
+              <a:ext uri="{FF2B5EF4-FFF2-40B4-BE49-F238E27FC236}">
+                <a16:creationId xmlns:a16="http://schemas.microsoft.com/office/drawing/2014/main" id="{8E541489-9BA5-D68C-D1DB-A94232DC1BD6}"/>
+              </a:ext>
+            </a:extLst>
+          </p:cNvPr>
+          <p:cNvCxnSpPr>
+            <a:cxnSpLocks/>
+          </p:cNvCxnSpPr>
+          <p:nvPr/>
+        </p:nvCxnSpPr>
+        <p:spPr>
+          <a:xfrm flipH="1" flipV="1">
+            <a:off x="4416357" y="3093396"/>
+            <a:ext cx="745787" cy="933955"/>
+          </a:xfrm>
+          <a:prstGeom prst="straightConnector1">
+            <a:avLst/>
+          </a:prstGeom>
+          <a:ln w="50800">
+            <a:solidFill>
+              <a:srgbClr val="7030A0"/>
+            </a:solidFill>
+            <a:tailEnd type="triangle"/>
+          </a:ln>
+        </p:spPr>
+        <p:style>
+          <a:lnRef idx="1">
+            <a:schemeClr val="accent1"/>
+          </a:lnRef>
+          <a:fillRef idx="0">
+            <a:schemeClr val="accent1"/>
+          </a:fillRef>
+          <a:effectRef idx="0">
+            <a:schemeClr val="accent1"/>
+          </a:effectRef>
+          <a:fontRef idx="minor">
+            <a:schemeClr val="tx1"/>
+          </a:fontRef>
+        </p:style>
+      </p:cxnSp>
+      <p:sp>
+        <p:nvSpPr>
+          <p:cNvPr id="28" name="矩形 27">
+            <a:extLst>
+              <a:ext uri="{FF2B5EF4-FFF2-40B4-BE49-F238E27FC236}">
+                <a16:creationId xmlns:a16="http://schemas.microsoft.com/office/drawing/2014/main" id="{4541B7CA-0CDD-2998-28AC-581580FD74E8}"/>
+              </a:ext>
+            </a:extLst>
+          </p:cNvPr>
+          <p:cNvSpPr/>
+          <p:nvPr/>
+        </p:nvSpPr>
+        <p:spPr>
+          <a:xfrm>
+            <a:off x="5197187" y="4654493"/>
+            <a:ext cx="375423" cy="369332"/>
+          </a:xfrm>
+          <a:prstGeom prst="rect">
+            <a:avLst/>
+          </a:prstGeom>
+          <a:noFill/>
+        </p:spPr>
+        <p:txBody>
+          <a:bodyPr wrap="none" lIns="91440" tIns="45720" rIns="91440" bIns="45720">
+            <a:spAutoFit/>
+          </a:bodyPr>
+          <a:lstStyle/>
+          <a:p>
+            <a:pPr algn="ctr"/>
+            <a:r>
+              <a:rPr lang="en-US" altLang="zh-CN" b="1" dirty="0">
+                <a:ln w="0"/>
+                <a:solidFill>
+                  <a:srgbClr val="7030A0"/>
+                </a:solidFill>
+                <a:effectLst>
+                  <a:outerShdw blurRad="38100" dist="19050" dir="2700000" algn="tl" rotWithShape="0">
+                    <a:schemeClr val="dk1">
+                      <a:alpha val="40000"/>
+                    </a:schemeClr>
+                  </a:outerShdw>
+                </a:effectLst>
+              </a:rPr>
+              <a:t>a</a:t>
+            </a:r>
+            <a:r>
+              <a:rPr lang="en-US" altLang="zh-CN" sz="1000" b="1" cap="none" spc="0" dirty="0">
+                <a:ln w="0"/>
+                <a:solidFill>
+                  <a:srgbClr val="7030A0"/>
+                </a:solidFill>
+                <a:effectLst>
+                  <a:outerShdw blurRad="38100" dist="19050" dir="2700000" algn="tl" rotWithShape="0">
+                    <a:schemeClr val="dk1">
+                      <a:alpha val="40000"/>
+                    </a:schemeClr>
+                  </a:outerShdw>
+                </a:effectLst>
+              </a:rPr>
+              <a:t>1</a:t>
+            </a:r>
+            <a:endParaRPr lang="zh-CN" altLang="en-US" sz="1000" b="1" cap="none" spc="0" dirty="0">
+              <a:ln w="0"/>
+              <a:solidFill>
+                <a:srgbClr val="7030A0"/>
+              </a:solidFill>
+              <a:effectLst>
+                <a:outerShdw blurRad="38100" dist="19050" dir="2700000" algn="tl" rotWithShape="0">
+                  <a:schemeClr val="dk1">
+                    <a:alpha val="40000"/>
+                  </a:schemeClr>
+                </a:outerShdw>
+              </a:effectLst>
+            </a:endParaRPr>
+          </a:p>
+        </p:txBody>
+      </p:sp>
+      <p:sp>
+        <p:nvSpPr>
+          <p:cNvPr id="29" name="矩形 28">
+            <a:extLst>
+              <a:ext uri="{FF2B5EF4-FFF2-40B4-BE49-F238E27FC236}">
+                <a16:creationId xmlns:a16="http://schemas.microsoft.com/office/drawing/2014/main" id="{F56CFB39-E062-6742-7FB7-64EDEB65924D}"/>
+              </a:ext>
+            </a:extLst>
+          </p:cNvPr>
+          <p:cNvSpPr/>
+          <p:nvPr/>
+        </p:nvSpPr>
+        <p:spPr>
+          <a:xfrm>
+            <a:off x="4495517" y="2922285"/>
+            <a:ext cx="375423" cy="369332"/>
+          </a:xfrm>
+          <a:prstGeom prst="rect">
+            <a:avLst/>
+          </a:prstGeom>
+          <a:noFill/>
+        </p:spPr>
+        <p:txBody>
+          <a:bodyPr wrap="none" lIns="91440" tIns="45720" rIns="91440" bIns="45720">
+            <a:spAutoFit/>
+          </a:bodyPr>
+          <a:lstStyle/>
+          <a:p>
+            <a:pPr algn="ctr"/>
+            <a:r>
+              <a:rPr lang="en-US" altLang="zh-CN" b="1" dirty="0">
+                <a:ln w="0"/>
+                <a:solidFill>
+                  <a:srgbClr val="7030A0"/>
+                </a:solidFill>
+                <a:effectLst>
+                  <a:outerShdw blurRad="38100" dist="19050" dir="2700000" algn="tl" rotWithShape="0">
+                    <a:schemeClr val="dk1">
+                      <a:alpha val="40000"/>
+                    </a:schemeClr>
+                  </a:outerShdw>
+                </a:effectLst>
+              </a:rPr>
+              <a:t>a</a:t>
+            </a:r>
+            <a:r>
+              <a:rPr lang="en-US" altLang="zh-CN" sz="1000" b="1" dirty="0">
+                <a:ln w="0"/>
+                <a:solidFill>
+                  <a:srgbClr val="7030A0"/>
+                </a:solidFill>
+                <a:effectLst>
+                  <a:outerShdw blurRad="38100" dist="19050" dir="2700000" algn="tl" rotWithShape="0">
+                    <a:schemeClr val="dk1">
+                      <a:alpha val="40000"/>
+                    </a:schemeClr>
+                  </a:outerShdw>
+                </a:effectLst>
+              </a:rPr>
+              <a:t>2</a:t>
+            </a:r>
+            <a:endParaRPr lang="zh-CN" altLang="en-US" sz="1000" b="1" cap="none" spc="0" dirty="0">
+              <a:ln w="0"/>
+              <a:solidFill>
+                <a:srgbClr val="7030A0"/>
+              </a:solidFill>
+              <a:effectLst>
+                <a:outerShdw blurRad="38100" dist="19050" dir="2700000" algn="tl" rotWithShape="0">
+                  <a:schemeClr val="dk1">
+                    <a:alpha val="40000"/>
+                  </a:schemeClr>
+                </a:outerShdw>
+              </a:effectLst>
+            </a:endParaRPr>
+          </a:p>
+        </p:txBody>
+      </p:sp>
+      <p:cxnSp>
+        <p:nvCxnSpPr>
+          <p:cNvPr id="31" name="直接箭头连接符 30">
+            <a:extLst>
+              <a:ext uri="{FF2B5EF4-FFF2-40B4-BE49-F238E27FC236}">
+                <a16:creationId xmlns:a16="http://schemas.microsoft.com/office/drawing/2014/main" id="{2B9B9FC3-133E-B416-D577-DEC7F6488957}"/>
+              </a:ext>
+            </a:extLst>
+          </p:cNvPr>
+          <p:cNvCxnSpPr>
+            <a:cxnSpLocks/>
+          </p:cNvCxnSpPr>
+          <p:nvPr/>
+        </p:nvCxnSpPr>
+        <p:spPr>
+          <a:xfrm flipH="1">
+            <a:off x="5162144" y="4017623"/>
+            <a:ext cx="9728" cy="977280"/>
+          </a:xfrm>
+          <a:prstGeom prst="straightConnector1">
+            <a:avLst/>
+          </a:prstGeom>
+          <a:ln w="50800">
+            <a:solidFill>
+              <a:srgbClr val="7030A0"/>
+            </a:solidFill>
+            <a:tailEnd type="triangle"/>
+          </a:ln>
+        </p:spPr>
+        <p:style>
+          <a:lnRef idx="1">
+            <a:schemeClr val="accent1"/>
+          </a:lnRef>
+          <a:fillRef idx="0">
+            <a:schemeClr val="accent1"/>
+          </a:fillRef>
+          <a:effectRef idx="0">
+            <a:schemeClr val="accent1"/>
+          </a:effectRef>
+          <a:fontRef idx="minor">
+            <a:schemeClr val="tx1"/>
+          </a:fontRef>
+        </p:style>
+      </p:cxnSp>
+      <p:sp>
+        <p:nvSpPr>
+          <p:cNvPr id="19" name="流程图: 数据 18">
+            <a:extLst>
+              <a:ext uri="{FF2B5EF4-FFF2-40B4-BE49-F238E27FC236}">
+                <a16:creationId xmlns:a16="http://schemas.microsoft.com/office/drawing/2014/main" id="{21CDF416-1488-3631-3F51-2D562E34B42B}"/>
+              </a:ext>
+            </a:extLst>
+          </p:cNvPr>
+          <p:cNvSpPr/>
+          <p:nvPr/>
+        </p:nvSpPr>
+        <p:spPr>
+          <a:xfrm rot="2288190">
+            <a:off x="2740723" y="2519804"/>
+            <a:ext cx="5207669" cy="2739479"/>
+          </a:xfrm>
+          <a:prstGeom prst="flowChartInputOutput">
+            <a:avLst/>
+          </a:prstGeom>
+          <a:solidFill>
+            <a:srgbClr val="00B0F0">
+              <a:alpha val="56000"/>
+            </a:srgbClr>
+          </a:solidFill>
+          <a:ln>
+            <a:solidFill>
+              <a:srgbClr val="00B0F0">
+                <a:alpha val="27000"/>
+              </a:srgbClr>
+            </a:solidFill>
+          </a:ln>
+        </p:spPr>
+        <p:style>
+          <a:lnRef idx="2">
+            <a:schemeClr val="accent1">
+              <a:shade val="15000"/>
+            </a:schemeClr>
+          </a:lnRef>
+          <a:fillRef idx="1">
+            <a:schemeClr val="accent1"/>
+          </a:fillRef>
+          <a:effectRef idx="0">
+            <a:schemeClr val="accent1"/>
+          </a:effectRef>
+          <a:fontRef idx="minor">
+            <a:schemeClr val="lt1"/>
+          </a:fontRef>
+        </p:style>
+        <p:txBody>
+          <a:bodyPr rtlCol="0" anchor="ctr"/>
+          <a:lstStyle/>
+          <a:p>
+            <a:pPr algn="ctr"/>
+            <a:endParaRPr lang="zh-CN" altLang="en-US" dirty="0"/>
+          </a:p>
+        </p:txBody>
+      </p:sp>
+      <p:cxnSp>
+        <p:nvCxnSpPr>
+          <p:cNvPr id="12" name="直接连接符 11">
+            <a:extLst>
+              <a:ext uri="{FF2B5EF4-FFF2-40B4-BE49-F238E27FC236}">
+                <a16:creationId xmlns:a16="http://schemas.microsoft.com/office/drawing/2014/main" id="{0092C623-99A1-9C27-33EE-FD5782615971}"/>
+              </a:ext>
+            </a:extLst>
+          </p:cNvPr>
+          <p:cNvCxnSpPr>
+            <a:cxnSpLocks/>
+          </p:cNvCxnSpPr>
+          <p:nvPr/>
+        </p:nvCxnSpPr>
+        <p:spPr>
+          <a:xfrm flipV="1">
+            <a:off x="5187459" y="2108087"/>
+            <a:ext cx="1832670" cy="1907638"/>
+          </a:xfrm>
+          <a:prstGeom prst="line">
+            <a:avLst/>
+          </a:prstGeom>
+          <a:ln w="25400">
+            <a:solidFill>
+              <a:srgbClr val="C00000"/>
+            </a:solidFill>
+            <a:tailEnd type="arrow"/>
+          </a:ln>
+        </p:spPr>
+        <p:style>
+          <a:lnRef idx="1">
+            <a:schemeClr val="accent1"/>
+          </a:lnRef>
+          <a:fillRef idx="0">
+            <a:schemeClr val="accent1"/>
+          </a:fillRef>
+          <a:effectRef idx="0">
+            <a:schemeClr val="accent1"/>
+          </a:effectRef>
+          <a:fontRef idx="minor">
+            <a:schemeClr val="tx1"/>
+          </a:fontRef>
+        </p:style>
+      </p:cxnSp>
+      <p:cxnSp>
+        <p:nvCxnSpPr>
+          <p:cNvPr id="41" name="直接连接符 40">
+            <a:extLst>
+              <a:ext uri="{FF2B5EF4-FFF2-40B4-BE49-F238E27FC236}">
+                <a16:creationId xmlns:a16="http://schemas.microsoft.com/office/drawing/2014/main" id="{E330EF36-B496-9C91-610E-C36F7804BB6C}"/>
+              </a:ext>
+            </a:extLst>
+          </p:cNvPr>
+          <p:cNvCxnSpPr>
+            <a:cxnSpLocks/>
+          </p:cNvCxnSpPr>
+          <p:nvPr/>
+        </p:nvCxnSpPr>
+        <p:spPr>
+          <a:xfrm flipV="1">
+            <a:off x="5206915" y="3780405"/>
+            <a:ext cx="1808834" cy="235320"/>
+          </a:xfrm>
+          <a:prstGeom prst="line">
+            <a:avLst/>
+          </a:prstGeom>
+          <a:ln w="25400">
+            <a:solidFill>
+              <a:srgbClr val="FFC000"/>
+            </a:solidFill>
+            <a:tailEnd type="arrow"/>
+          </a:ln>
+        </p:spPr>
+        <p:style>
+          <a:lnRef idx="1">
+            <a:schemeClr val="accent1"/>
+          </a:lnRef>
+          <a:fillRef idx="0">
+            <a:schemeClr val="accent1"/>
+          </a:fillRef>
+          <a:effectRef idx="0">
+            <a:schemeClr val="accent1"/>
+          </a:effectRef>
+          <a:fontRef idx="minor">
+            <a:schemeClr val="tx1"/>
+          </a:fontRef>
+        </p:style>
+      </p:cxnSp>
+      <p:cxnSp>
+        <p:nvCxnSpPr>
+          <p:cNvPr id="14" name="直接连接符 13">
+            <a:extLst>
+              <a:ext uri="{FF2B5EF4-FFF2-40B4-BE49-F238E27FC236}">
+                <a16:creationId xmlns:a16="http://schemas.microsoft.com/office/drawing/2014/main" id="{11B52BA6-759F-D695-AF68-04F858C9D075}"/>
+              </a:ext>
+            </a:extLst>
+          </p:cNvPr>
+          <p:cNvCxnSpPr>
+            <a:cxnSpLocks/>
+          </p:cNvCxnSpPr>
+          <p:nvPr/>
+        </p:nvCxnSpPr>
+        <p:spPr>
+          <a:xfrm flipV="1">
+            <a:off x="6986843" y="2059447"/>
+            <a:ext cx="28906" cy="1758314"/>
+          </a:xfrm>
+          <a:prstGeom prst="line">
+            <a:avLst/>
+          </a:prstGeom>
+          <a:ln w="25400">
+            <a:solidFill>
+              <a:srgbClr val="7030A0"/>
+            </a:solidFill>
+            <a:prstDash val="dash"/>
+            <a:tailEnd type="none"/>
+          </a:ln>
+        </p:spPr>
+        <p:style>
+          <a:lnRef idx="1">
+            <a:schemeClr val="accent1"/>
+          </a:lnRef>
+          <a:fillRef idx="0">
+            <a:schemeClr val="accent1"/>
+          </a:fillRef>
+          <a:effectRef idx="0">
+            <a:schemeClr val="accent1"/>
+          </a:effectRef>
+          <a:fontRef idx="minor">
+            <a:schemeClr val="tx1"/>
+          </a:fontRef>
+        </p:style>
+      </p:cxnSp>
+      <p:sp>
+        <p:nvSpPr>
+          <p:cNvPr id="45" name="矩形 44">
+            <a:extLst>
+              <a:ext uri="{FF2B5EF4-FFF2-40B4-BE49-F238E27FC236}">
+                <a16:creationId xmlns:a16="http://schemas.microsoft.com/office/drawing/2014/main" id="{06904F77-FBBA-A581-363B-2F2D0020D7EE}"/>
+              </a:ext>
+            </a:extLst>
+          </p:cNvPr>
+          <p:cNvSpPr/>
+          <p:nvPr/>
+        </p:nvSpPr>
+        <p:spPr>
+          <a:xfrm>
+            <a:off x="6975852" y="2691458"/>
+            <a:ext cx="1082349" cy="461665"/>
+          </a:xfrm>
+          <a:prstGeom prst="rect">
+            <a:avLst/>
+          </a:prstGeom>
+          <a:noFill/>
+        </p:spPr>
+        <p:txBody>
+          <a:bodyPr wrap="none" lIns="91440" tIns="45720" rIns="91440" bIns="45720">
+            <a:spAutoFit/>
+          </a:bodyPr>
+          <a:lstStyle/>
+          <a:p>
+            <a:pPr algn="ctr"/>
+            <a:r>
+              <a:rPr lang="en-US" altLang="zh-CN" sz="2400" b="1" cap="none" spc="0" dirty="0">
+                <a:ln w="0"/>
+                <a:solidFill>
+                  <a:srgbClr val="7030A0"/>
+                </a:solidFill>
+                <a:effectLst>
+                  <a:outerShdw blurRad="38100" dist="25400" dir="5400000" algn="ctr" rotWithShape="0">
+                    <a:srgbClr val="6E747A">
+                      <a:alpha val="43000"/>
+                    </a:srgbClr>
+                  </a:outerShdw>
+                </a:effectLst>
+              </a:rPr>
+              <a:t>e=b-p</a:t>
+            </a:r>
+            <a:endParaRPr lang="zh-CN" altLang="en-US" sz="2400" b="1" cap="none" spc="0" dirty="0">
+              <a:ln w="0"/>
+              <a:solidFill>
+                <a:srgbClr val="7030A0"/>
+              </a:solidFill>
+              <a:effectLst>
+                <a:outerShdw blurRad="38100" dist="25400" dir="5400000" algn="ctr" rotWithShape="0">
+                  <a:srgbClr val="6E747A">
+                    <a:alpha val="43000"/>
+                  </a:srgbClr>
+                </a:outerShdw>
+              </a:effectLst>
+            </a:endParaRPr>
+          </a:p>
+        </p:txBody>
+      </p:sp>
+      <p:sp>
+        <p:nvSpPr>
+          <p:cNvPr id="46" name="矩形 45">
+            <a:extLst>
+              <a:ext uri="{FF2B5EF4-FFF2-40B4-BE49-F238E27FC236}">
+                <a16:creationId xmlns:a16="http://schemas.microsoft.com/office/drawing/2014/main" id="{C0F3E255-C896-08E4-429C-290EAC15C490}"/>
+              </a:ext>
+            </a:extLst>
+          </p:cNvPr>
+          <p:cNvSpPr/>
+          <p:nvPr/>
+        </p:nvSpPr>
+        <p:spPr>
+          <a:xfrm>
+            <a:off x="6602059" y="3705769"/>
+            <a:ext cx="334882" cy="461665"/>
+          </a:xfrm>
+          <a:prstGeom prst="rect">
+            <a:avLst/>
+          </a:prstGeom>
+          <a:noFill/>
+        </p:spPr>
+        <p:txBody>
+          <a:bodyPr wrap="square" lIns="91440" tIns="45720" rIns="91440" bIns="45720">
+            <a:spAutoFit/>
+          </a:bodyPr>
+          <a:lstStyle/>
+          <a:p>
+            <a:pPr algn="ctr"/>
+            <a:r>
+              <a:rPr lang="en-US" altLang="zh-CN" sz="2400" b="1" cap="none" spc="0" dirty="0">
+                <a:ln w="0"/>
+                <a:solidFill>
+                  <a:srgbClr val="FFC000"/>
+                </a:solidFill>
+                <a:effectLst>
+                  <a:outerShdw blurRad="38100" dist="25400" dir="5400000" algn="ctr" rotWithShape="0">
+                    <a:srgbClr val="6E747A">
+                      <a:alpha val="43000"/>
+                    </a:srgbClr>
+                  </a:outerShdw>
+                </a:effectLst>
+              </a:rPr>
+              <a:t>p</a:t>
+            </a:r>
+            <a:endParaRPr lang="zh-CN" altLang="en-US" sz="2400" b="1" cap="none" spc="0" dirty="0">
+              <a:ln w="0"/>
+              <a:solidFill>
+                <a:srgbClr val="FFC000"/>
+              </a:solidFill>
+              <a:effectLst>
+                <a:outerShdw blurRad="38100" dist="25400" dir="5400000" algn="ctr" rotWithShape="0">
+                  <a:srgbClr val="6E747A">
+                    <a:alpha val="43000"/>
+                  </a:srgbClr>
+                </a:outerShdw>
+              </a:effectLst>
+            </a:endParaRPr>
+          </a:p>
+        </p:txBody>
+      </p:sp>
+      <p:grpSp>
+        <p:nvGrpSpPr>
+          <p:cNvPr id="47" name="组合 46">
+            <a:extLst>
+              <a:ext uri="{FF2B5EF4-FFF2-40B4-BE49-F238E27FC236}">
+                <a16:creationId xmlns:a16="http://schemas.microsoft.com/office/drawing/2014/main" id="{E19AB485-B6F0-13D9-5B48-4E24638595A9}"/>
+              </a:ext>
+            </a:extLst>
+          </p:cNvPr>
+          <p:cNvGrpSpPr/>
+          <p:nvPr/>
+        </p:nvGrpSpPr>
+        <p:grpSpPr>
+          <a:xfrm rot="15871661">
+            <a:off x="6825646" y="3619067"/>
+            <a:ext cx="165370" cy="165370"/>
+            <a:chOff x="2830749" y="1896894"/>
+            <a:chExt cx="165370" cy="165370"/>
+          </a:xfrm>
+        </p:grpSpPr>
+        <p:cxnSp>
+          <p:nvCxnSpPr>
+            <p:cNvPr id="48" name="直接连接符 47">
+              <a:extLst>
+                <a:ext uri="{FF2B5EF4-FFF2-40B4-BE49-F238E27FC236}">
+                  <a16:creationId xmlns:a16="http://schemas.microsoft.com/office/drawing/2014/main" id="{3BB56FD6-9ED0-06D0-ABAA-F88B84002EBD}"/>
+                </a:ext>
+              </a:extLst>
+            </p:cNvPr>
+            <p:cNvCxnSpPr/>
+            <p:nvPr/>
+          </p:nvCxnSpPr>
+          <p:spPr>
+            <a:xfrm>
+              <a:off x="2830749" y="1896894"/>
+              <a:ext cx="165370" cy="0"/>
+            </a:xfrm>
+            <a:prstGeom prst="line">
+              <a:avLst/>
+            </a:prstGeom>
+            <a:ln w="25400">
+              <a:solidFill>
+                <a:schemeClr val="tx1"/>
+              </a:solidFill>
+            </a:ln>
+          </p:spPr>
+          <p:style>
+            <a:lnRef idx="1">
+              <a:schemeClr val="accent1"/>
+            </a:lnRef>
+            <a:fillRef idx="0">
+              <a:schemeClr val="accent1"/>
+            </a:fillRef>
+            <a:effectRef idx="0">
+              <a:schemeClr val="accent1"/>
+            </a:effectRef>
+            <a:fontRef idx="minor">
+              <a:schemeClr val="tx1"/>
+            </a:fontRef>
+          </p:style>
+        </p:cxnSp>
+        <p:cxnSp>
+          <p:nvCxnSpPr>
+            <p:cNvPr id="49" name="直接连接符 48">
+              <a:extLst>
+                <a:ext uri="{FF2B5EF4-FFF2-40B4-BE49-F238E27FC236}">
+                  <a16:creationId xmlns:a16="http://schemas.microsoft.com/office/drawing/2014/main" id="{A6A8E412-A432-80CC-A52C-76ADD0DA2249}"/>
+                </a:ext>
+              </a:extLst>
+            </p:cNvPr>
+            <p:cNvCxnSpPr>
+              <a:cxnSpLocks/>
+            </p:cNvCxnSpPr>
+            <p:nvPr/>
+          </p:nvCxnSpPr>
+          <p:spPr>
+            <a:xfrm>
+              <a:off x="2986391" y="1896894"/>
+              <a:ext cx="0" cy="165370"/>
+            </a:xfrm>
+            <a:prstGeom prst="line">
+              <a:avLst/>
+            </a:prstGeom>
+            <a:ln w="25400">
+              <a:solidFill>
+                <a:schemeClr val="tx1"/>
+              </a:solidFill>
+            </a:ln>
+          </p:spPr>
+          <p:style>
+            <a:lnRef idx="1">
+              <a:schemeClr val="accent1"/>
+            </a:lnRef>
+            <a:fillRef idx="0">
+              <a:schemeClr val="accent1"/>
+            </a:fillRef>
+            <a:effectRef idx="0">
+              <a:schemeClr val="accent1"/>
+            </a:effectRef>
+            <a:fontRef idx="minor">
+              <a:schemeClr val="tx1"/>
+            </a:fontRef>
+          </p:style>
+        </p:cxnSp>
+      </p:grpSp>
+    </p:spTree>
+    <p:extLst>
+      <p:ext uri="{BB962C8B-B14F-4D97-AF65-F5344CB8AC3E}">
+        <p14:creationId xmlns:p14="http://schemas.microsoft.com/office/powerpoint/2010/main" val="1132933131"/>
+      </p:ext>
+    </p:extLst>
+  </p:cSld>
+  <p:clrMapOvr>
+    <a:masterClrMapping/>
+  </p:clrMapOvr>
+</p:sld>
+</file>
+
 <file path=ppt/slides/slide2.xml><?xml version="1.0" encoding="utf-8"?>
 <p:sld xmlns:a="http://schemas.openxmlformats.org/drawingml/2006/main" xmlns:r="http://schemas.openxmlformats.org/officeDocument/2006/relationships" xmlns:p="http://schemas.openxmlformats.org/presentationml/2006/main">
   <p:cSld>

--- a/notes/campus.pptx
+++ b/notes/campus.pptx
@@ -17,6 +17,9 @@
     <p:sldId id="266" r:id="rId11"/>
     <p:sldId id="267" r:id="rId12"/>
     <p:sldId id="268" r:id="rId13"/>
+    <p:sldId id="269" r:id="rId14"/>
+    <p:sldId id="270" r:id="rId15"/>
+    <p:sldId id="271" r:id="rId16"/>
   </p:sldIdLst>
   <p:sldSz cx="12192000" cy="6858000"/>
   <p:notesSz cx="6858000" cy="9144000"/>
@@ -270,7 +273,7 @@
           <a:p>
             <a:fld id="{00614340-6DC8-4F03-8B80-799B88CEBCA0}" type="datetimeFigureOut">
               <a:rPr lang="zh-CN" altLang="en-US" smtClean="0"/>
-              <a:t>2023/9/29</a:t>
+              <a:t>2023/9/30</a:t>
             </a:fld>
             <a:endParaRPr lang="zh-CN" altLang="en-US"/>
           </a:p>
@@ -468,7 +471,7 @@
           <a:p>
             <a:fld id="{00614340-6DC8-4F03-8B80-799B88CEBCA0}" type="datetimeFigureOut">
               <a:rPr lang="zh-CN" altLang="en-US" smtClean="0"/>
-              <a:t>2023/9/29</a:t>
+              <a:t>2023/9/30</a:t>
             </a:fld>
             <a:endParaRPr lang="zh-CN" altLang="en-US"/>
           </a:p>
@@ -676,7 +679,7 @@
           <a:p>
             <a:fld id="{00614340-6DC8-4F03-8B80-799B88CEBCA0}" type="datetimeFigureOut">
               <a:rPr lang="zh-CN" altLang="en-US" smtClean="0"/>
-              <a:t>2023/9/29</a:t>
+              <a:t>2023/9/30</a:t>
             </a:fld>
             <a:endParaRPr lang="zh-CN" altLang="en-US"/>
           </a:p>
@@ -874,7 +877,7 @@
           <a:p>
             <a:fld id="{00614340-6DC8-4F03-8B80-799B88CEBCA0}" type="datetimeFigureOut">
               <a:rPr lang="zh-CN" altLang="en-US" smtClean="0"/>
-              <a:t>2023/9/29</a:t>
+              <a:t>2023/9/30</a:t>
             </a:fld>
             <a:endParaRPr lang="zh-CN" altLang="en-US"/>
           </a:p>
@@ -1149,7 +1152,7 @@
           <a:p>
             <a:fld id="{00614340-6DC8-4F03-8B80-799B88CEBCA0}" type="datetimeFigureOut">
               <a:rPr lang="zh-CN" altLang="en-US" smtClean="0"/>
-              <a:t>2023/9/29</a:t>
+              <a:t>2023/9/30</a:t>
             </a:fld>
             <a:endParaRPr lang="zh-CN" altLang="en-US"/>
           </a:p>
@@ -1414,7 +1417,7 @@
           <a:p>
             <a:fld id="{00614340-6DC8-4F03-8B80-799B88CEBCA0}" type="datetimeFigureOut">
               <a:rPr lang="zh-CN" altLang="en-US" smtClean="0"/>
-              <a:t>2023/9/29</a:t>
+              <a:t>2023/9/30</a:t>
             </a:fld>
             <a:endParaRPr lang="zh-CN" altLang="en-US"/>
           </a:p>
@@ -1826,7 +1829,7 @@
           <a:p>
             <a:fld id="{00614340-6DC8-4F03-8B80-799B88CEBCA0}" type="datetimeFigureOut">
               <a:rPr lang="zh-CN" altLang="en-US" smtClean="0"/>
-              <a:t>2023/9/29</a:t>
+              <a:t>2023/9/30</a:t>
             </a:fld>
             <a:endParaRPr lang="zh-CN" altLang="en-US"/>
           </a:p>
@@ -1967,7 +1970,7 @@
           <a:p>
             <a:fld id="{00614340-6DC8-4F03-8B80-799B88CEBCA0}" type="datetimeFigureOut">
               <a:rPr lang="zh-CN" altLang="en-US" smtClean="0"/>
-              <a:t>2023/9/29</a:t>
+              <a:t>2023/9/30</a:t>
             </a:fld>
             <a:endParaRPr lang="zh-CN" altLang="en-US"/>
           </a:p>
@@ -2080,7 +2083,7 @@
           <a:p>
             <a:fld id="{00614340-6DC8-4F03-8B80-799B88CEBCA0}" type="datetimeFigureOut">
               <a:rPr lang="zh-CN" altLang="en-US" smtClean="0"/>
-              <a:t>2023/9/29</a:t>
+              <a:t>2023/9/30</a:t>
             </a:fld>
             <a:endParaRPr lang="zh-CN" altLang="en-US"/>
           </a:p>
@@ -2391,7 +2394,7 @@
           <a:p>
             <a:fld id="{00614340-6DC8-4F03-8B80-799B88CEBCA0}" type="datetimeFigureOut">
               <a:rPr lang="zh-CN" altLang="en-US" smtClean="0"/>
-              <a:t>2023/9/29</a:t>
+              <a:t>2023/9/30</a:t>
             </a:fld>
             <a:endParaRPr lang="zh-CN" altLang="en-US"/>
           </a:p>
@@ -2679,7 +2682,7 @@
           <a:p>
             <a:fld id="{00614340-6DC8-4F03-8B80-799B88CEBCA0}" type="datetimeFigureOut">
               <a:rPr lang="zh-CN" altLang="en-US" smtClean="0"/>
-              <a:t>2023/9/29</a:t>
+              <a:t>2023/9/30</a:t>
             </a:fld>
             <a:endParaRPr lang="zh-CN" altLang="en-US"/>
           </a:p>
@@ -2920,7 +2923,7 @@
           <a:p>
             <a:fld id="{00614340-6DC8-4F03-8B80-799B88CEBCA0}" type="datetimeFigureOut">
               <a:rPr lang="zh-CN" altLang="en-US" smtClean="0"/>
-              <a:t>2023/9/29</a:t>
+              <a:t>2023/9/30</a:t>
             </a:fld>
             <a:endParaRPr lang="zh-CN" altLang="en-US"/>
           </a:p>
@@ -5962,6 +5965,3609 @@
 </p:sld>
 </file>
 
+<file path=ppt/slides/slide13.xml><?xml version="1.0" encoding="utf-8"?>
+<p:sld xmlns:a="http://schemas.openxmlformats.org/drawingml/2006/main" xmlns:r="http://schemas.openxmlformats.org/officeDocument/2006/relationships" xmlns:p="http://schemas.openxmlformats.org/presentationml/2006/main">
+  <p:cSld>
+    <p:spTree>
+      <p:nvGrpSpPr>
+        <p:cNvPr id="1" name=""/>
+        <p:cNvGrpSpPr/>
+        <p:nvPr/>
+      </p:nvGrpSpPr>
+      <p:grpSpPr>
+        <a:xfrm>
+          <a:off x="0" y="0"/>
+          <a:ext cx="0" cy="0"/>
+          <a:chOff x="0" y="0"/>
+          <a:chExt cx="0" cy="0"/>
+        </a:xfrm>
+      </p:grpSpPr>
+      <p:cxnSp>
+        <p:nvCxnSpPr>
+          <p:cNvPr id="3" name="直接箭头连接符 2">
+            <a:extLst>
+              <a:ext uri="{FF2B5EF4-FFF2-40B4-BE49-F238E27FC236}">
+                <a16:creationId xmlns:a16="http://schemas.microsoft.com/office/drawing/2014/main" id="{9EF88798-0F42-8C73-BFF2-C6611440309A}"/>
+              </a:ext>
+            </a:extLst>
+          </p:cNvPr>
+          <p:cNvCxnSpPr>
+            <a:cxnSpLocks/>
+          </p:cNvCxnSpPr>
+          <p:nvPr/>
+        </p:nvCxnSpPr>
+        <p:spPr>
+          <a:xfrm>
+            <a:off x="5185386" y="3959258"/>
+            <a:ext cx="3336445" cy="0"/>
+          </a:xfrm>
+          <a:prstGeom prst="straightConnector1">
+            <a:avLst/>
+          </a:prstGeom>
+          <a:ln w="25400">
+            <a:solidFill>
+              <a:schemeClr val="tx1"/>
+            </a:solidFill>
+            <a:tailEnd type="arrow"/>
+          </a:ln>
+        </p:spPr>
+        <p:style>
+          <a:lnRef idx="1">
+            <a:schemeClr val="accent1"/>
+          </a:lnRef>
+          <a:fillRef idx="0">
+            <a:schemeClr val="accent1"/>
+          </a:fillRef>
+          <a:effectRef idx="0">
+            <a:schemeClr val="accent1"/>
+          </a:effectRef>
+          <a:fontRef idx="minor">
+            <a:schemeClr val="tx1"/>
+          </a:fontRef>
+        </p:style>
+      </p:cxnSp>
+      <p:cxnSp>
+        <p:nvCxnSpPr>
+          <p:cNvPr id="4" name="直接箭头连接符 3">
+            <a:extLst>
+              <a:ext uri="{FF2B5EF4-FFF2-40B4-BE49-F238E27FC236}">
+                <a16:creationId xmlns:a16="http://schemas.microsoft.com/office/drawing/2014/main" id="{63E6A94F-6E89-6AA7-53E2-7F83D4CADEAC}"/>
+              </a:ext>
+            </a:extLst>
+          </p:cNvPr>
+          <p:cNvCxnSpPr>
+            <a:cxnSpLocks/>
+          </p:cNvCxnSpPr>
+          <p:nvPr/>
+        </p:nvCxnSpPr>
+        <p:spPr>
+          <a:xfrm flipH="1" flipV="1">
+            <a:off x="5950084" y="2089301"/>
+            <a:ext cx="12160" cy="2608810"/>
+          </a:xfrm>
+          <a:prstGeom prst="straightConnector1">
+            <a:avLst/>
+          </a:prstGeom>
+          <a:ln w="25400">
+            <a:solidFill>
+              <a:schemeClr val="tx1"/>
+            </a:solidFill>
+            <a:tailEnd type="arrow"/>
+          </a:ln>
+        </p:spPr>
+        <p:style>
+          <a:lnRef idx="1">
+            <a:schemeClr val="accent1"/>
+          </a:lnRef>
+          <a:fillRef idx="0">
+            <a:schemeClr val="accent1"/>
+          </a:fillRef>
+          <a:effectRef idx="0">
+            <a:schemeClr val="accent1"/>
+          </a:effectRef>
+          <a:fontRef idx="minor">
+            <a:schemeClr val="tx1"/>
+          </a:fontRef>
+        </p:style>
+      </p:cxnSp>
+      <p:sp>
+        <p:nvSpPr>
+          <p:cNvPr id="7" name="矩形 6">
+            <a:extLst>
+              <a:ext uri="{FF2B5EF4-FFF2-40B4-BE49-F238E27FC236}">
+                <a16:creationId xmlns:a16="http://schemas.microsoft.com/office/drawing/2014/main" id="{0E198224-D6CE-505C-B996-72F758F0C119}"/>
+              </a:ext>
+            </a:extLst>
+          </p:cNvPr>
+          <p:cNvSpPr/>
+          <p:nvPr/>
+        </p:nvSpPr>
+        <p:spPr>
+          <a:xfrm>
+            <a:off x="8234464" y="3852253"/>
+            <a:ext cx="338555" cy="461665"/>
+          </a:xfrm>
+          <a:prstGeom prst="rect">
+            <a:avLst/>
+          </a:prstGeom>
+          <a:noFill/>
+        </p:spPr>
+        <p:txBody>
+          <a:bodyPr wrap="none" lIns="91440" tIns="45720" rIns="91440" bIns="45720">
+            <a:spAutoFit/>
+          </a:bodyPr>
+          <a:lstStyle/>
+          <a:p>
+            <a:pPr algn="ctr"/>
+            <a:r>
+              <a:rPr lang="en-US" altLang="zh-CN" sz="2400" b="1" cap="none" spc="0" dirty="0">
+                <a:ln w="0"/>
+                <a:solidFill>
+                  <a:schemeClr val="tx1"/>
+                </a:solidFill>
+                <a:effectLst>
+                  <a:outerShdw blurRad="38100" dist="19050" dir="2700000" algn="tl" rotWithShape="0">
+                    <a:schemeClr val="dk1">
+                      <a:alpha val="40000"/>
+                    </a:schemeClr>
+                  </a:outerShdw>
+                </a:effectLst>
+              </a:rPr>
+              <a:t>x</a:t>
+            </a:r>
+            <a:endParaRPr lang="zh-CN" altLang="en-US" sz="2400" b="1" cap="none" spc="0" dirty="0">
+              <a:ln w="0"/>
+              <a:solidFill>
+                <a:schemeClr val="tx1"/>
+              </a:solidFill>
+              <a:effectLst>
+                <a:outerShdw blurRad="38100" dist="19050" dir="2700000" algn="tl" rotWithShape="0">
+                  <a:schemeClr val="dk1">
+                    <a:alpha val="40000"/>
+                  </a:schemeClr>
+                </a:outerShdw>
+              </a:effectLst>
+            </a:endParaRPr>
+          </a:p>
+        </p:txBody>
+      </p:sp>
+      <p:sp>
+        <p:nvSpPr>
+          <p:cNvPr id="8" name="矩形 7">
+            <a:extLst>
+              <a:ext uri="{FF2B5EF4-FFF2-40B4-BE49-F238E27FC236}">
+                <a16:creationId xmlns:a16="http://schemas.microsoft.com/office/drawing/2014/main" id="{E784E719-45D6-3D78-6DF2-CCAFE1ED227B}"/>
+              </a:ext>
+            </a:extLst>
+          </p:cNvPr>
+          <p:cNvSpPr/>
+          <p:nvPr/>
+        </p:nvSpPr>
+        <p:spPr>
+          <a:xfrm>
+            <a:off x="5633400" y="1961384"/>
+            <a:ext cx="341760" cy="461665"/>
+          </a:xfrm>
+          <a:prstGeom prst="rect">
+            <a:avLst/>
+          </a:prstGeom>
+          <a:noFill/>
+        </p:spPr>
+        <p:txBody>
+          <a:bodyPr wrap="none" lIns="91440" tIns="45720" rIns="91440" bIns="45720">
+            <a:spAutoFit/>
+          </a:bodyPr>
+          <a:lstStyle/>
+          <a:p>
+            <a:pPr algn="ctr"/>
+            <a:r>
+              <a:rPr lang="en-US" altLang="zh-CN" sz="2400" b="1" dirty="0">
+                <a:ln w="0"/>
+                <a:effectLst>
+                  <a:outerShdw blurRad="38100" dist="19050" dir="2700000" algn="tl" rotWithShape="0">
+                    <a:schemeClr val="dk1">
+                      <a:alpha val="40000"/>
+                    </a:schemeClr>
+                  </a:outerShdw>
+                </a:effectLst>
+              </a:rPr>
+              <a:t>y</a:t>
+            </a:r>
+            <a:endParaRPr lang="zh-CN" altLang="en-US" sz="2400" b="1" cap="none" spc="0" dirty="0">
+              <a:ln w="0"/>
+              <a:solidFill>
+                <a:schemeClr val="tx1"/>
+              </a:solidFill>
+              <a:effectLst>
+                <a:outerShdw blurRad="38100" dist="19050" dir="2700000" algn="tl" rotWithShape="0">
+                  <a:schemeClr val="dk1">
+                    <a:alpha val="40000"/>
+                  </a:schemeClr>
+                </a:outerShdw>
+              </a:effectLst>
+            </a:endParaRPr>
+          </a:p>
+        </p:txBody>
+      </p:sp>
+      <p:sp>
+        <p:nvSpPr>
+          <p:cNvPr id="13" name="矩形 12">
+            <a:extLst>
+              <a:ext uri="{FF2B5EF4-FFF2-40B4-BE49-F238E27FC236}">
+                <a16:creationId xmlns:a16="http://schemas.microsoft.com/office/drawing/2014/main" id="{9A18427E-1A03-B188-79A2-4E520B03A444}"/>
+              </a:ext>
+            </a:extLst>
+          </p:cNvPr>
+          <p:cNvSpPr/>
+          <p:nvPr/>
+        </p:nvSpPr>
+        <p:spPr>
+          <a:xfrm>
+            <a:off x="5595729" y="3900889"/>
+            <a:ext cx="417102" cy="461665"/>
+          </a:xfrm>
+          <a:prstGeom prst="rect">
+            <a:avLst/>
+          </a:prstGeom>
+          <a:noFill/>
+        </p:spPr>
+        <p:txBody>
+          <a:bodyPr wrap="none" lIns="91440" tIns="45720" rIns="91440" bIns="45720">
+            <a:spAutoFit/>
+          </a:bodyPr>
+          <a:lstStyle/>
+          <a:p>
+            <a:pPr algn="ctr"/>
+            <a:r>
+              <a:rPr lang="en-US" altLang="zh-CN" sz="2400" b="1" dirty="0">
+                <a:ln w="0"/>
+                <a:effectLst>
+                  <a:outerShdw blurRad="38100" dist="19050" dir="2700000" algn="tl" rotWithShape="0">
+                    <a:schemeClr val="dk1">
+                      <a:alpha val="40000"/>
+                    </a:schemeClr>
+                  </a:outerShdw>
+                </a:effectLst>
+              </a:rPr>
+              <a:t>O</a:t>
+            </a:r>
+            <a:endParaRPr lang="zh-CN" altLang="en-US" sz="2400" b="1" cap="none" spc="0" dirty="0">
+              <a:ln w="0"/>
+              <a:solidFill>
+                <a:schemeClr val="tx1"/>
+              </a:solidFill>
+              <a:effectLst>
+                <a:outerShdw blurRad="38100" dist="19050" dir="2700000" algn="tl" rotWithShape="0">
+                  <a:schemeClr val="dk1">
+                    <a:alpha val="40000"/>
+                  </a:schemeClr>
+                </a:outerShdw>
+              </a:effectLst>
+            </a:endParaRPr>
+          </a:p>
+        </p:txBody>
+      </p:sp>
+      <p:cxnSp>
+        <p:nvCxnSpPr>
+          <p:cNvPr id="15" name="直接连接符 14">
+            <a:extLst>
+              <a:ext uri="{FF2B5EF4-FFF2-40B4-BE49-F238E27FC236}">
+                <a16:creationId xmlns:a16="http://schemas.microsoft.com/office/drawing/2014/main" id="{B4B779B2-B067-FCE3-4D36-9852C0144568}"/>
+              </a:ext>
+            </a:extLst>
+          </p:cNvPr>
+          <p:cNvCxnSpPr>
+            <a:cxnSpLocks/>
+          </p:cNvCxnSpPr>
+          <p:nvPr/>
+        </p:nvCxnSpPr>
+        <p:spPr>
+          <a:xfrm>
+            <a:off x="6488349" y="3842426"/>
+            <a:ext cx="0" cy="116831"/>
+          </a:xfrm>
+          <a:prstGeom prst="line">
+            <a:avLst/>
+          </a:prstGeom>
+          <a:ln w="25400">
+            <a:solidFill>
+              <a:schemeClr val="tx1"/>
+            </a:solidFill>
+            <a:prstDash val="dash"/>
+          </a:ln>
+        </p:spPr>
+        <p:style>
+          <a:lnRef idx="1">
+            <a:schemeClr val="accent1"/>
+          </a:lnRef>
+          <a:fillRef idx="0">
+            <a:schemeClr val="accent1"/>
+          </a:fillRef>
+          <a:effectRef idx="0">
+            <a:schemeClr val="accent1"/>
+          </a:effectRef>
+          <a:fontRef idx="minor">
+            <a:schemeClr val="tx1"/>
+          </a:fontRef>
+        </p:style>
+      </p:cxnSp>
+      <p:cxnSp>
+        <p:nvCxnSpPr>
+          <p:cNvPr id="20" name="直接连接符 19">
+            <a:extLst>
+              <a:ext uri="{FF2B5EF4-FFF2-40B4-BE49-F238E27FC236}">
+                <a16:creationId xmlns:a16="http://schemas.microsoft.com/office/drawing/2014/main" id="{C58E3F9E-CF82-4B7D-53C1-CFD9A6A97ADB}"/>
+              </a:ext>
+            </a:extLst>
+          </p:cNvPr>
+          <p:cNvCxnSpPr>
+            <a:cxnSpLocks/>
+          </p:cNvCxnSpPr>
+          <p:nvPr/>
+        </p:nvCxnSpPr>
+        <p:spPr>
+          <a:xfrm>
+            <a:off x="5950085" y="2874673"/>
+            <a:ext cx="173477" cy="0"/>
+          </a:xfrm>
+          <a:prstGeom prst="line">
+            <a:avLst/>
+          </a:prstGeom>
+          <a:ln w="25400">
+            <a:solidFill>
+              <a:schemeClr val="tx1"/>
+            </a:solidFill>
+            <a:prstDash val="dash"/>
+          </a:ln>
+        </p:spPr>
+        <p:style>
+          <a:lnRef idx="1">
+            <a:schemeClr val="accent1"/>
+          </a:lnRef>
+          <a:fillRef idx="0">
+            <a:schemeClr val="accent1"/>
+          </a:fillRef>
+          <a:effectRef idx="0">
+            <a:schemeClr val="accent1"/>
+          </a:effectRef>
+          <a:fontRef idx="minor">
+            <a:schemeClr val="tx1"/>
+          </a:fontRef>
+        </p:style>
+      </p:cxnSp>
+      <p:sp>
+        <p:nvSpPr>
+          <p:cNvPr id="23" name="矩形 22">
+            <a:extLst>
+              <a:ext uri="{FF2B5EF4-FFF2-40B4-BE49-F238E27FC236}">
+                <a16:creationId xmlns:a16="http://schemas.microsoft.com/office/drawing/2014/main" id="{A7CF8891-8FB5-7978-E789-70F56AF108AE}"/>
+              </a:ext>
+            </a:extLst>
+          </p:cNvPr>
+          <p:cNvSpPr/>
+          <p:nvPr/>
+        </p:nvSpPr>
+        <p:spPr>
+          <a:xfrm>
+            <a:off x="6331896" y="3944587"/>
+            <a:ext cx="312906" cy="369332"/>
+          </a:xfrm>
+          <a:prstGeom prst="rect">
+            <a:avLst/>
+          </a:prstGeom>
+          <a:noFill/>
+        </p:spPr>
+        <p:txBody>
+          <a:bodyPr wrap="none" lIns="91440" tIns="45720" rIns="91440" bIns="45720">
+            <a:spAutoFit/>
+          </a:bodyPr>
+          <a:lstStyle/>
+          <a:p>
+            <a:pPr algn="ctr"/>
+            <a:r>
+              <a:rPr lang="en-US" altLang="zh-CN" b="1" cap="none" spc="0" dirty="0">
+                <a:ln w="0"/>
+                <a:solidFill>
+                  <a:schemeClr val="tx1"/>
+                </a:solidFill>
+                <a:effectLst>
+                  <a:outerShdw blurRad="38100" dist="19050" dir="2700000" algn="tl" rotWithShape="0">
+                    <a:schemeClr val="dk1">
+                      <a:alpha val="40000"/>
+                    </a:schemeClr>
+                  </a:outerShdw>
+                </a:effectLst>
+              </a:rPr>
+              <a:t>1</a:t>
+            </a:r>
+            <a:endParaRPr lang="zh-CN" altLang="en-US" b="1" cap="none" spc="0" dirty="0">
+              <a:ln w="0"/>
+              <a:solidFill>
+                <a:schemeClr val="tx1"/>
+              </a:solidFill>
+              <a:effectLst>
+                <a:outerShdw blurRad="38100" dist="19050" dir="2700000" algn="tl" rotWithShape="0">
+                  <a:schemeClr val="dk1">
+                    <a:alpha val="40000"/>
+                  </a:schemeClr>
+                </a:outerShdw>
+              </a:effectLst>
+            </a:endParaRPr>
+          </a:p>
+        </p:txBody>
+      </p:sp>
+      <p:sp>
+        <p:nvSpPr>
+          <p:cNvPr id="24" name="矩形 23">
+            <a:extLst>
+              <a:ext uri="{FF2B5EF4-FFF2-40B4-BE49-F238E27FC236}">
+                <a16:creationId xmlns:a16="http://schemas.microsoft.com/office/drawing/2014/main" id="{619A5DE3-EC7E-0BB3-3A3E-43BC55588F53}"/>
+              </a:ext>
+            </a:extLst>
+          </p:cNvPr>
+          <p:cNvSpPr/>
+          <p:nvPr/>
+        </p:nvSpPr>
+        <p:spPr>
+          <a:xfrm>
+            <a:off x="5652651" y="2690007"/>
+            <a:ext cx="338555" cy="369332"/>
+          </a:xfrm>
+          <a:prstGeom prst="rect">
+            <a:avLst/>
+          </a:prstGeom>
+          <a:noFill/>
+        </p:spPr>
+        <p:txBody>
+          <a:bodyPr wrap="square" lIns="91440" tIns="45720" rIns="91440" bIns="45720">
+            <a:spAutoFit/>
+          </a:bodyPr>
+          <a:lstStyle/>
+          <a:p>
+            <a:pPr algn="ctr"/>
+            <a:r>
+              <a:rPr lang="en-US" altLang="zh-CN" b="1" cap="none" spc="0" dirty="0">
+                <a:ln w="0"/>
+                <a:solidFill>
+                  <a:schemeClr val="tx1"/>
+                </a:solidFill>
+                <a:effectLst>
+                  <a:outerShdw blurRad="38100" dist="19050" dir="2700000" algn="tl" rotWithShape="0">
+                    <a:schemeClr val="dk1">
+                      <a:alpha val="40000"/>
+                    </a:schemeClr>
+                  </a:outerShdw>
+                </a:effectLst>
+              </a:rPr>
+              <a:t>2</a:t>
+            </a:r>
+            <a:endParaRPr lang="zh-CN" altLang="en-US" b="1" cap="none" spc="0" dirty="0">
+              <a:ln w="0"/>
+              <a:solidFill>
+                <a:schemeClr val="tx1"/>
+              </a:solidFill>
+              <a:effectLst>
+                <a:outerShdw blurRad="38100" dist="19050" dir="2700000" algn="tl" rotWithShape="0">
+                  <a:schemeClr val="dk1">
+                    <a:alpha val="40000"/>
+                  </a:schemeClr>
+                </a:outerShdw>
+              </a:effectLst>
+            </a:endParaRPr>
+          </a:p>
+        </p:txBody>
+      </p:sp>
+      <p:cxnSp>
+        <p:nvCxnSpPr>
+          <p:cNvPr id="2" name="直接连接符 1">
+            <a:extLst>
+              <a:ext uri="{FF2B5EF4-FFF2-40B4-BE49-F238E27FC236}">
+                <a16:creationId xmlns:a16="http://schemas.microsoft.com/office/drawing/2014/main" id="{51CF55F1-E30F-3AA5-54DF-18F29D406632}"/>
+              </a:ext>
+            </a:extLst>
+          </p:cNvPr>
+          <p:cNvCxnSpPr>
+            <a:cxnSpLocks/>
+          </p:cNvCxnSpPr>
+          <p:nvPr/>
+        </p:nvCxnSpPr>
+        <p:spPr>
+          <a:xfrm>
+            <a:off x="7068766" y="3842426"/>
+            <a:ext cx="0" cy="103786"/>
+          </a:xfrm>
+          <a:prstGeom prst="line">
+            <a:avLst/>
+          </a:prstGeom>
+          <a:ln w="25400">
+            <a:solidFill>
+              <a:schemeClr val="tx1"/>
+            </a:solidFill>
+            <a:prstDash val="dash"/>
+          </a:ln>
+        </p:spPr>
+        <p:style>
+          <a:lnRef idx="1">
+            <a:schemeClr val="accent1"/>
+          </a:lnRef>
+          <a:fillRef idx="0">
+            <a:schemeClr val="accent1"/>
+          </a:fillRef>
+          <a:effectRef idx="0">
+            <a:schemeClr val="accent1"/>
+          </a:effectRef>
+          <a:fontRef idx="minor">
+            <a:schemeClr val="tx1"/>
+          </a:fontRef>
+        </p:style>
+      </p:cxnSp>
+      <p:sp>
+        <p:nvSpPr>
+          <p:cNvPr id="9" name="矩形 8">
+            <a:extLst>
+              <a:ext uri="{FF2B5EF4-FFF2-40B4-BE49-F238E27FC236}">
+                <a16:creationId xmlns:a16="http://schemas.microsoft.com/office/drawing/2014/main" id="{7268D8EE-89E3-A76D-A0DB-C51E3D4C0084}"/>
+              </a:ext>
+            </a:extLst>
+          </p:cNvPr>
+          <p:cNvSpPr/>
+          <p:nvPr/>
+        </p:nvSpPr>
+        <p:spPr>
+          <a:xfrm>
+            <a:off x="6912313" y="3944586"/>
+            <a:ext cx="312906" cy="369332"/>
+          </a:xfrm>
+          <a:prstGeom prst="rect">
+            <a:avLst/>
+          </a:prstGeom>
+          <a:noFill/>
+        </p:spPr>
+        <p:txBody>
+          <a:bodyPr wrap="none" lIns="91440" tIns="45720" rIns="91440" bIns="45720">
+            <a:spAutoFit/>
+          </a:bodyPr>
+          <a:lstStyle/>
+          <a:p>
+            <a:pPr algn="ctr"/>
+            <a:r>
+              <a:rPr lang="en-US" altLang="zh-CN" b="1" cap="none" spc="0" dirty="0">
+                <a:ln w="0"/>
+                <a:solidFill>
+                  <a:schemeClr val="tx1"/>
+                </a:solidFill>
+                <a:effectLst>
+                  <a:outerShdw blurRad="38100" dist="19050" dir="2700000" algn="tl" rotWithShape="0">
+                    <a:schemeClr val="dk1">
+                      <a:alpha val="40000"/>
+                    </a:schemeClr>
+                  </a:outerShdw>
+                </a:effectLst>
+              </a:rPr>
+              <a:t>2</a:t>
+            </a:r>
+            <a:endParaRPr lang="zh-CN" altLang="en-US" b="1" cap="none" spc="0" dirty="0">
+              <a:ln w="0"/>
+              <a:solidFill>
+                <a:schemeClr val="tx1"/>
+              </a:solidFill>
+              <a:effectLst>
+                <a:outerShdw blurRad="38100" dist="19050" dir="2700000" algn="tl" rotWithShape="0">
+                  <a:schemeClr val="dk1">
+                    <a:alpha val="40000"/>
+                  </a:schemeClr>
+                </a:outerShdw>
+              </a:effectLst>
+            </a:endParaRPr>
+          </a:p>
+        </p:txBody>
+      </p:sp>
+      <p:cxnSp>
+        <p:nvCxnSpPr>
+          <p:cNvPr id="17" name="直接连接符 16">
+            <a:extLst>
+              <a:ext uri="{FF2B5EF4-FFF2-40B4-BE49-F238E27FC236}">
+                <a16:creationId xmlns:a16="http://schemas.microsoft.com/office/drawing/2014/main" id="{57740508-A45E-52C4-B0E0-80AB925B67B8}"/>
+              </a:ext>
+            </a:extLst>
+          </p:cNvPr>
+          <p:cNvCxnSpPr>
+            <a:cxnSpLocks/>
+          </p:cNvCxnSpPr>
+          <p:nvPr/>
+        </p:nvCxnSpPr>
+        <p:spPr>
+          <a:xfrm>
+            <a:off x="7631443" y="3848260"/>
+            <a:ext cx="0" cy="103786"/>
+          </a:xfrm>
+          <a:prstGeom prst="line">
+            <a:avLst/>
+          </a:prstGeom>
+          <a:ln w="25400">
+            <a:solidFill>
+              <a:schemeClr val="tx1"/>
+            </a:solidFill>
+            <a:prstDash val="dash"/>
+          </a:ln>
+        </p:spPr>
+        <p:style>
+          <a:lnRef idx="1">
+            <a:schemeClr val="accent1"/>
+          </a:lnRef>
+          <a:fillRef idx="0">
+            <a:schemeClr val="accent1"/>
+          </a:fillRef>
+          <a:effectRef idx="0">
+            <a:schemeClr val="accent1"/>
+          </a:effectRef>
+          <a:fontRef idx="minor">
+            <a:schemeClr val="tx1"/>
+          </a:fontRef>
+        </p:style>
+      </p:cxnSp>
+      <p:sp>
+        <p:nvSpPr>
+          <p:cNvPr id="18" name="矩形 17">
+            <a:extLst>
+              <a:ext uri="{FF2B5EF4-FFF2-40B4-BE49-F238E27FC236}">
+                <a16:creationId xmlns:a16="http://schemas.microsoft.com/office/drawing/2014/main" id="{B6177FA9-4A5A-9CB4-663D-7D62CCEC62A1}"/>
+              </a:ext>
+            </a:extLst>
+          </p:cNvPr>
+          <p:cNvSpPr/>
+          <p:nvPr/>
+        </p:nvSpPr>
+        <p:spPr>
+          <a:xfrm>
+            <a:off x="7474989" y="3944586"/>
+            <a:ext cx="312907" cy="369332"/>
+          </a:xfrm>
+          <a:prstGeom prst="rect">
+            <a:avLst/>
+          </a:prstGeom>
+          <a:noFill/>
+        </p:spPr>
+        <p:txBody>
+          <a:bodyPr wrap="none" lIns="91440" tIns="45720" rIns="91440" bIns="45720">
+            <a:spAutoFit/>
+          </a:bodyPr>
+          <a:lstStyle/>
+          <a:p>
+            <a:pPr algn="ctr"/>
+            <a:r>
+              <a:rPr lang="en-US" altLang="zh-CN" b="1" dirty="0">
+                <a:ln w="0"/>
+                <a:effectLst>
+                  <a:outerShdw blurRad="38100" dist="19050" dir="2700000" algn="tl" rotWithShape="0">
+                    <a:schemeClr val="dk1">
+                      <a:alpha val="40000"/>
+                    </a:schemeClr>
+                  </a:outerShdw>
+                </a:effectLst>
+              </a:rPr>
+              <a:t>3</a:t>
+            </a:r>
+            <a:endParaRPr lang="zh-CN" altLang="en-US" b="1" cap="none" spc="0" dirty="0">
+              <a:ln w="0"/>
+              <a:solidFill>
+                <a:schemeClr val="tx1"/>
+              </a:solidFill>
+              <a:effectLst>
+                <a:outerShdw blurRad="38100" dist="19050" dir="2700000" algn="tl" rotWithShape="0">
+                  <a:schemeClr val="dk1">
+                    <a:alpha val="40000"/>
+                  </a:schemeClr>
+                </a:outerShdw>
+              </a:effectLst>
+            </a:endParaRPr>
+          </a:p>
+        </p:txBody>
+      </p:sp>
+      <p:cxnSp>
+        <p:nvCxnSpPr>
+          <p:cNvPr id="19" name="直接连接符 18">
+            <a:extLst>
+              <a:ext uri="{FF2B5EF4-FFF2-40B4-BE49-F238E27FC236}">
+                <a16:creationId xmlns:a16="http://schemas.microsoft.com/office/drawing/2014/main" id="{886411BB-9AB2-4948-BE80-0B64137E0576}"/>
+              </a:ext>
+            </a:extLst>
+          </p:cNvPr>
+          <p:cNvCxnSpPr>
+            <a:cxnSpLocks/>
+          </p:cNvCxnSpPr>
+          <p:nvPr/>
+        </p:nvCxnSpPr>
+        <p:spPr>
+          <a:xfrm>
+            <a:off x="5950084" y="3419150"/>
+            <a:ext cx="173477" cy="0"/>
+          </a:xfrm>
+          <a:prstGeom prst="line">
+            <a:avLst/>
+          </a:prstGeom>
+          <a:ln w="25400">
+            <a:solidFill>
+              <a:schemeClr val="tx1"/>
+            </a:solidFill>
+            <a:prstDash val="dash"/>
+          </a:ln>
+        </p:spPr>
+        <p:style>
+          <a:lnRef idx="1">
+            <a:schemeClr val="accent1"/>
+          </a:lnRef>
+          <a:fillRef idx="0">
+            <a:schemeClr val="accent1"/>
+          </a:fillRef>
+          <a:effectRef idx="0">
+            <a:schemeClr val="accent1"/>
+          </a:effectRef>
+          <a:fontRef idx="minor">
+            <a:schemeClr val="tx1"/>
+          </a:fontRef>
+        </p:style>
+      </p:cxnSp>
+      <p:sp>
+        <p:nvSpPr>
+          <p:cNvPr id="21" name="矩形 20">
+            <a:extLst>
+              <a:ext uri="{FF2B5EF4-FFF2-40B4-BE49-F238E27FC236}">
+                <a16:creationId xmlns:a16="http://schemas.microsoft.com/office/drawing/2014/main" id="{D74BA64B-3132-3775-1BF1-1806B3A365EE}"/>
+              </a:ext>
+            </a:extLst>
+          </p:cNvPr>
+          <p:cNvSpPr/>
+          <p:nvPr/>
+        </p:nvSpPr>
+        <p:spPr>
+          <a:xfrm>
+            <a:off x="5655010" y="3242319"/>
+            <a:ext cx="312906" cy="369332"/>
+          </a:xfrm>
+          <a:prstGeom prst="rect">
+            <a:avLst/>
+          </a:prstGeom>
+          <a:noFill/>
+        </p:spPr>
+        <p:txBody>
+          <a:bodyPr wrap="none" lIns="91440" tIns="45720" rIns="91440" bIns="45720">
+            <a:spAutoFit/>
+          </a:bodyPr>
+          <a:lstStyle/>
+          <a:p>
+            <a:pPr algn="ctr"/>
+            <a:r>
+              <a:rPr lang="en-US" altLang="zh-CN" b="1" cap="none" spc="0" dirty="0">
+                <a:ln w="0"/>
+                <a:solidFill>
+                  <a:schemeClr val="tx1"/>
+                </a:solidFill>
+                <a:effectLst>
+                  <a:outerShdw blurRad="38100" dist="19050" dir="2700000" algn="tl" rotWithShape="0">
+                    <a:schemeClr val="dk1">
+                      <a:alpha val="40000"/>
+                    </a:schemeClr>
+                  </a:outerShdw>
+                </a:effectLst>
+              </a:rPr>
+              <a:t>1</a:t>
+            </a:r>
+            <a:endParaRPr lang="zh-CN" altLang="en-US" b="1" cap="none" spc="0" dirty="0">
+              <a:ln w="0"/>
+              <a:solidFill>
+                <a:schemeClr val="tx1"/>
+              </a:solidFill>
+              <a:effectLst>
+                <a:outerShdw blurRad="38100" dist="19050" dir="2700000" algn="tl" rotWithShape="0">
+                  <a:schemeClr val="dk1">
+                    <a:alpha val="40000"/>
+                  </a:schemeClr>
+                </a:outerShdw>
+              </a:effectLst>
+            </a:endParaRPr>
+          </a:p>
+        </p:txBody>
+      </p:sp>
+      <p:sp>
+        <p:nvSpPr>
+          <p:cNvPr id="22" name="乘号 21">
+            <a:extLst>
+              <a:ext uri="{FF2B5EF4-FFF2-40B4-BE49-F238E27FC236}">
+                <a16:creationId xmlns:a16="http://schemas.microsoft.com/office/drawing/2014/main" id="{0EAD3258-515D-814D-D5BC-F0A3EED1F82A}"/>
+              </a:ext>
+            </a:extLst>
+          </p:cNvPr>
+          <p:cNvSpPr/>
+          <p:nvPr/>
+        </p:nvSpPr>
+        <p:spPr>
+          <a:xfrm>
+            <a:off x="7552065" y="2799851"/>
+            <a:ext cx="158754" cy="149644"/>
+          </a:xfrm>
+          <a:prstGeom prst="mathMultiply">
+            <a:avLst/>
+          </a:prstGeom>
+          <a:solidFill>
+            <a:srgbClr val="FFC000"/>
+          </a:solidFill>
+          <a:ln>
+            <a:solidFill>
+              <a:srgbClr val="FFC000"/>
+            </a:solidFill>
+          </a:ln>
+        </p:spPr>
+        <p:style>
+          <a:lnRef idx="2">
+            <a:schemeClr val="accent1">
+              <a:shade val="15000"/>
+            </a:schemeClr>
+          </a:lnRef>
+          <a:fillRef idx="1">
+            <a:schemeClr val="accent1"/>
+          </a:fillRef>
+          <a:effectRef idx="0">
+            <a:schemeClr val="accent1"/>
+          </a:effectRef>
+          <a:fontRef idx="minor">
+            <a:schemeClr val="lt1"/>
+          </a:fontRef>
+        </p:style>
+        <p:txBody>
+          <a:bodyPr rtlCol="0" anchor="ctr"/>
+          <a:lstStyle/>
+          <a:p>
+            <a:pPr algn="ctr"/>
+            <a:endParaRPr lang="zh-CN" altLang="en-US"/>
+          </a:p>
+        </p:txBody>
+      </p:sp>
+      <p:sp>
+        <p:nvSpPr>
+          <p:cNvPr id="25" name="乘号 24">
+            <a:extLst>
+              <a:ext uri="{FF2B5EF4-FFF2-40B4-BE49-F238E27FC236}">
+                <a16:creationId xmlns:a16="http://schemas.microsoft.com/office/drawing/2014/main" id="{3F8FF56A-A639-2515-5FF9-6B4EFE537B55}"/>
+              </a:ext>
+            </a:extLst>
+          </p:cNvPr>
+          <p:cNvSpPr/>
+          <p:nvPr/>
+        </p:nvSpPr>
+        <p:spPr>
+          <a:xfrm>
+            <a:off x="6989389" y="2799851"/>
+            <a:ext cx="158754" cy="149644"/>
+          </a:xfrm>
+          <a:prstGeom prst="mathMultiply">
+            <a:avLst/>
+          </a:prstGeom>
+          <a:solidFill>
+            <a:srgbClr val="FFC000"/>
+          </a:solidFill>
+          <a:ln>
+            <a:solidFill>
+              <a:srgbClr val="FFC000"/>
+            </a:solidFill>
+          </a:ln>
+        </p:spPr>
+        <p:style>
+          <a:lnRef idx="2">
+            <a:schemeClr val="accent1">
+              <a:shade val="15000"/>
+            </a:schemeClr>
+          </a:lnRef>
+          <a:fillRef idx="1">
+            <a:schemeClr val="accent1"/>
+          </a:fillRef>
+          <a:effectRef idx="0">
+            <a:schemeClr val="accent1"/>
+          </a:effectRef>
+          <a:fontRef idx="minor">
+            <a:schemeClr val="lt1"/>
+          </a:fontRef>
+        </p:style>
+        <p:txBody>
+          <a:bodyPr rtlCol="0" anchor="ctr"/>
+          <a:lstStyle/>
+          <a:p>
+            <a:pPr algn="ctr"/>
+            <a:endParaRPr lang="zh-CN" altLang="en-US"/>
+          </a:p>
+        </p:txBody>
+      </p:sp>
+      <p:sp>
+        <p:nvSpPr>
+          <p:cNvPr id="34" name="乘号 33">
+            <a:extLst>
+              <a:ext uri="{FF2B5EF4-FFF2-40B4-BE49-F238E27FC236}">
+                <a16:creationId xmlns:a16="http://schemas.microsoft.com/office/drawing/2014/main" id="{E22EA049-BFF9-8286-9209-EFD2B86E8D71}"/>
+              </a:ext>
+            </a:extLst>
+          </p:cNvPr>
+          <p:cNvSpPr/>
+          <p:nvPr/>
+        </p:nvSpPr>
+        <p:spPr>
+          <a:xfrm>
+            <a:off x="6408972" y="3341903"/>
+            <a:ext cx="158754" cy="149644"/>
+          </a:xfrm>
+          <a:prstGeom prst="mathMultiply">
+            <a:avLst/>
+          </a:prstGeom>
+          <a:solidFill>
+            <a:srgbClr val="FFC000"/>
+          </a:solidFill>
+          <a:ln>
+            <a:solidFill>
+              <a:srgbClr val="FFC000"/>
+            </a:solidFill>
+          </a:ln>
+        </p:spPr>
+        <p:style>
+          <a:lnRef idx="2">
+            <a:schemeClr val="accent1">
+              <a:shade val="15000"/>
+            </a:schemeClr>
+          </a:lnRef>
+          <a:fillRef idx="1">
+            <a:schemeClr val="accent1"/>
+          </a:fillRef>
+          <a:effectRef idx="0">
+            <a:schemeClr val="accent1"/>
+          </a:effectRef>
+          <a:fontRef idx="minor">
+            <a:schemeClr val="lt1"/>
+          </a:fontRef>
+        </p:style>
+        <p:txBody>
+          <a:bodyPr rtlCol="0" anchor="ctr"/>
+          <a:lstStyle/>
+          <a:p>
+            <a:pPr algn="ctr"/>
+            <a:endParaRPr lang="zh-CN" altLang="en-US"/>
+          </a:p>
+        </p:txBody>
+      </p:sp>
+      <p:cxnSp>
+        <p:nvCxnSpPr>
+          <p:cNvPr id="37" name="直接连接符 36">
+            <a:extLst>
+              <a:ext uri="{FF2B5EF4-FFF2-40B4-BE49-F238E27FC236}">
+                <a16:creationId xmlns:a16="http://schemas.microsoft.com/office/drawing/2014/main" id="{3425946E-CD8F-B292-464E-956DC3B908FE}"/>
+              </a:ext>
+            </a:extLst>
+          </p:cNvPr>
+          <p:cNvCxnSpPr>
+            <a:cxnSpLocks/>
+          </p:cNvCxnSpPr>
+          <p:nvPr/>
+        </p:nvCxnSpPr>
+        <p:spPr>
+          <a:xfrm flipV="1">
+            <a:off x="5448693" y="2571484"/>
+            <a:ext cx="2518260" cy="1270942"/>
+          </a:xfrm>
+          <a:prstGeom prst="line">
+            <a:avLst/>
+          </a:prstGeom>
+          <a:ln w="25400"/>
+        </p:spPr>
+        <p:style>
+          <a:lnRef idx="1">
+            <a:schemeClr val="accent1"/>
+          </a:lnRef>
+          <a:fillRef idx="0">
+            <a:schemeClr val="accent1"/>
+          </a:fillRef>
+          <a:effectRef idx="0">
+            <a:schemeClr val="accent1"/>
+          </a:effectRef>
+          <a:fontRef idx="minor">
+            <a:schemeClr val="tx1"/>
+          </a:fontRef>
+        </p:style>
+      </p:cxnSp>
+      <p:sp>
+        <p:nvSpPr>
+          <p:cNvPr id="41" name="矩形 40">
+            <a:extLst>
+              <a:ext uri="{FF2B5EF4-FFF2-40B4-BE49-F238E27FC236}">
+                <a16:creationId xmlns:a16="http://schemas.microsoft.com/office/drawing/2014/main" id="{136277C1-C51E-C400-597D-33EAD869463F}"/>
+              </a:ext>
+            </a:extLst>
+          </p:cNvPr>
+          <p:cNvSpPr/>
+          <p:nvPr/>
+        </p:nvSpPr>
+        <p:spPr>
+          <a:xfrm>
+            <a:off x="7098044" y="2188934"/>
+            <a:ext cx="1423787" cy="400110"/>
+          </a:xfrm>
+          <a:prstGeom prst="rect">
+            <a:avLst/>
+          </a:prstGeom>
+          <a:noFill/>
+        </p:spPr>
+        <p:txBody>
+          <a:bodyPr wrap="none" lIns="91440" tIns="45720" rIns="91440" bIns="45720">
+            <a:spAutoFit/>
+          </a:bodyPr>
+          <a:lstStyle/>
+          <a:p>
+            <a:pPr algn="ctr"/>
+            <a:r>
+              <a:rPr lang="en-US" altLang="zh-CN" sz="2000" b="1" dirty="0">
+                <a:ln w="0"/>
+                <a:solidFill>
+                  <a:schemeClr val="accent1"/>
+                </a:solidFill>
+                <a:effectLst>
+                  <a:outerShdw blurRad="38100" dist="25400" dir="5400000" algn="ctr" rotWithShape="0">
+                    <a:srgbClr val="6E747A">
+                      <a:alpha val="43000"/>
+                    </a:srgbClr>
+                  </a:outerShdw>
+                </a:effectLst>
+              </a:rPr>
+              <a:t>y</a:t>
+            </a:r>
+            <a:r>
+              <a:rPr lang="en-US" altLang="zh-CN" sz="2000" b="1" cap="none" spc="0" dirty="0">
+                <a:ln w="0"/>
+                <a:solidFill>
+                  <a:schemeClr val="accent1"/>
+                </a:solidFill>
+                <a:effectLst>
+                  <a:outerShdw blurRad="38100" dist="25400" dir="5400000" algn="ctr" rotWithShape="0">
+                    <a:srgbClr val="6E747A">
+                      <a:alpha val="43000"/>
+                    </a:srgbClr>
+                  </a:outerShdw>
+                </a:effectLst>
+              </a:rPr>
+              <a:t> = C + Dx</a:t>
+            </a:r>
+            <a:endParaRPr lang="zh-CN" altLang="en-US" sz="2000" b="1" cap="none" spc="0" dirty="0">
+              <a:ln w="0"/>
+              <a:solidFill>
+                <a:schemeClr val="accent1"/>
+              </a:solidFill>
+              <a:effectLst>
+                <a:outerShdw blurRad="38100" dist="25400" dir="5400000" algn="ctr" rotWithShape="0">
+                  <a:srgbClr val="6E747A">
+                    <a:alpha val="43000"/>
+                  </a:srgbClr>
+                </a:outerShdw>
+              </a:effectLst>
+            </a:endParaRPr>
+          </a:p>
+        </p:txBody>
+      </p:sp>
+    </p:spTree>
+    <p:extLst>
+      <p:ext uri="{BB962C8B-B14F-4D97-AF65-F5344CB8AC3E}">
+        <p14:creationId xmlns:p14="http://schemas.microsoft.com/office/powerpoint/2010/main" val="2819084655"/>
+      </p:ext>
+    </p:extLst>
+  </p:cSld>
+  <p:clrMapOvr>
+    <a:masterClrMapping/>
+  </p:clrMapOvr>
+</p:sld>
+</file>
+
+<file path=ppt/slides/slide14.xml><?xml version="1.0" encoding="utf-8"?>
+<p:sld xmlns:a="http://schemas.openxmlformats.org/drawingml/2006/main" xmlns:r="http://schemas.openxmlformats.org/officeDocument/2006/relationships" xmlns:p="http://schemas.openxmlformats.org/presentationml/2006/main">
+  <p:cSld>
+    <p:spTree>
+      <p:nvGrpSpPr>
+        <p:cNvPr id="1" name=""/>
+        <p:cNvGrpSpPr/>
+        <p:nvPr/>
+      </p:nvGrpSpPr>
+      <p:grpSpPr>
+        <a:xfrm>
+          <a:off x="0" y="0"/>
+          <a:ext cx="0" cy="0"/>
+          <a:chOff x="0" y="0"/>
+          <a:chExt cx="0" cy="0"/>
+        </a:xfrm>
+      </p:grpSpPr>
+      <p:sp>
+        <p:nvSpPr>
+          <p:cNvPr id="3" name="矩形 2">
+            <a:extLst>
+              <a:ext uri="{FF2B5EF4-FFF2-40B4-BE49-F238E27FC236}">
+                <a16:creationId xmlns:a16="http://schemas.microsoft.com/office/drawing/2014/main" id="{31483217-F141-82C7-09F0-08508310EC36}"/>
+              </a:ext>
+            </a:extLst>
+          </p:cNvPr>
+          <p:cNvSpPr/>
+          <p:nvPr/>
+        </p:nvSpPr>
+        <p:spPr>
+          <a:xfrm rot="13265096">
+            <a:off x="5188950" y="3676260"/>
+            <a:ext cx="1494525" cy="2036776"/>
+          </a:xfrm>
+          <a:prstGeom prst="rect">
+            <a:avLst/>
+          </a:prstGeom>
+          <a:solidFill>
+            <a:srgbClr val="00B050">
+              <a:alpha val="50000"/>
+            </a:srgbClr>
+          </a:solidFill>
+          <a:ln>
+            <a:solidFill>
+              <a:srgbClr val="00B050">
+                <a:alpha val="50000"/>
+              </a:srgbClr>
+            </a:solidFill>
+          </a:ln>
+          <a:scene3d>
+            <a:camera prst="orthographicFront">
+              <a:rot lat="0" lon="0" rev="0"/>
+            </a:camera>
+            <a:lightRig rig="threePt" dir="t"/>
+          </a:scene3d>
+        </p:spPr>
+        <p:style>
+          <a:lnRef idx="2">
+            <a:schemeClr val="accent1">
+              <a:shade val="15000"/>
+            </a:schemeClr>
+          </a:lnRef>
+          <a:fillRef idx="1">
+            <a:schemeClr val="accent1"/>
+          </a:fillRef>
+          <a:effectRef idx="0">
+            <a:schemeClr val="accent1"/>
+          </a:effectRef>
+          <a:fontRef idx="minor">
+            <a:schemeClr val="lt1"/>
+          </a:fontRef>
+        </p:style>
+        <p:txBody>
+          <a:bodyPr rtlCol="0" anchor="ctr"/>
+          <a:lstStyle/>
+          <a:p>
+            <a:pPr algn="ctr"/>
+            <a:endParaRPr lang="zh-CN" altLang="en-US"/>
+          </a:p>
+        </p:txBody>
+      </p:sp>
+      <p:cxnSp>
+        <p:nvCxnSpPr>
+          <p:cNvPr id="16" name="直接箭头连接符 15">
+            <a:extLst>
+              <a:ext uri="{FF2B5EF4-FFF2-40B4-BE49-F238E27FC236}">
+                <a16:creationId xmlns:a16="http://schemas.microsoft.com/office/drawing/2014/main" id="{61FA68F9-9D51-5F69-0649-F7EBFFEFC138}"/>
+              </a:ext>
+            </a:extLst>
+          </p:cNvPr>
+          <p:cNvCxnSpPr>
+            <a:cxnSpLocks/>
+          </p:cNvCxnSpPr>
+          <p:nvPr/>
+        </p:nvCxnSpPr>
+        <p:spPr>
+          <a:xfrm flipH="1">
+            <a:off x="5758885" y="3422998"/>
+            <a:ext cx="272997" cy="763972"/>
+          </a:xfrm>
+          <a:prstGeom prst="straightConnector1">
+            <a:avLst/>
+          </a:prstGeom>
+          <a:ln w="25400">
+            <a:solidFill>
+              <a:srgbClr val="7030A0"/>
+            </a:solidFill>
+            <a:tailEnd type="arrow"/>
+          </a:ln>
+        </p:spPr>
+        <p:style>
+          <a:lnRef idx="1">
+            <a:schemeClr val="accent1"/>
+          </a:lnRef>
+          <a:fillRef idx="0">
+            <a:schemeClr val="accent1"/>
+          </a:fillRef>
+          <a:effectRef idx="0">
+            <a:schemeClr val="accent1"/>
+          </a:effectRef>
+          <a:fontRef idx="minor">
+            <a:schemeClr val="tx1"/>
+          </a:fontRef>
+        </p:style>
+      </p:cxnSp>
+      <p:sp>
+        <p:nvSpPr>
+          <p:cNvPr id="2" name="矩形 1">
+            <a:extLst>
+              <a:ext uri="{FF2B5EF4-FFF2-40B4-BE49-F238E27FC236}">
+                <a16:creationId xmlns:a16="http://schemas.microsoft.com/office/drawing/2014/main" id="{69C0193E-E37C-638D-0EBC-A5FE106EE41A}"/>
+              </a:ext>
+            </a:extLst>
+          </p:cNvPr>
+          <p:cNvSpPr/>
+          <p:nvPr/>
+        </p:nvSpPr>
+        <p:spPr>
+          <a:xfrm rot="18662037">
+            <a:off x="4647613" y="368290"/>
+            <a:ext cx="1497420" cy="3010173"/>
+          </a:xfrm>
+          <a:prstGeom prst="rect">
+            <a:avLst/>
+          </a:prstGeom>
+          <a:solidFill>
+            <a:schemeClr val="accent5">
+              <a:lumMod val="20000"/>
+              <a:lumOff val="80000"/>
+              <a:alpha val="50000"/>
+            </a:schemeClr>
+          </a:solidFill>
+          <a:ln>
+            <a:solidFill>
+              <a:schemeClr val="accent5">
+                <a:lumMod val="20000"/>
+                <a:lumOff val="80000"/>
+                <a:alpha val="50000"/>
+              </a:schemeClr>
+            </a:solidFill>
+          </a:ln>
+        </p:spPr>
+        <p:style>
+          <a:lnRef idx="2">
+            <a:schemeClr val="accent1">
+              <a:shade val="15000"/>
+            </a:schemeClr>
+          </a:lnRef>
+          <a:fillRef idx="1">
+            <a:schemeClr val="accent1"/>
+          </a:fillRef>
+          <a:effectRef idx="0">
+            <a:schemeClr val="accent1"/>
+          </a:effectRef>
+          <a:fontRef idx="minor">
+            <a:schemeClr val="lt1"/>
+          </a:fontRef>
+        </p:style>
+        <p:txBody>
+          <a:bodyPr rtlCol="0" anchor="ctr"/>
+          <a:lstStyle/>
+          <a:p>
+            <a:pPr algn="ctr"/>
+            <a:endParaRPr lang="zh-CN" altLang="en-US"/>
+          </a:p>
+        </p:txBody>
+      </p:sp>
+      <p:cxnSp>
+        <p:nvCxnSpPr>
+          <p:cNvPr id="19" name="直接箭头连接符 18">
+            <a:extLst>
+              <a:ext uri="{FF2B5EF4-FFF2-40B4-BE49-F238E27FC236}">
+                <a16:creationId xmlns:a16="http://schemas.microsoft.com/office/drawing/2014/main" id="{79CA1D43-51F7-2E17-D59C-9BF66CA748B7}"/>
+              </a:ext>
+            </a:extLst>
+          </p:cNvPr>
+          <p:cNvCxnSpPr>
+            <a:cxnSpLocks/>
+          </p:cNvCxnSpPr>
+          <p:nvPr/>
+        </p:nvCxnSpPr>
+        <p:spPr>
+          <a:xfrm flipH="1" flipV="1">
+            <a:off x="5264781" y="2353456"/>
+            <a:ext cx="774423" cy="1079270"/>
+          </a:xfrm>
+          <a:prstGeom prst="straightConnector1">
+            <a:avLst/>
+          </a:prstGeom>
+          <a:ln w="25400">
+            <a:solidFill>
+              <a:srgbClr val="FFC000"/>
+            </a:solidFill>
+            <a:tailEnd type="arrow"/>
+          </a:ln>
+        </p:spPr>
+        <p:style>
+          <a:lnRef idx="1">
+            <a:schemeClr val="accent1"/>
+          </a:lnRef>
+          <a:fillRef idx="0">
+            <a:schemeClr val="accent1"/>
+          </a:fillRef>
+          <a:effectRef idx="0">
+            <a:schemeClr val="accent1"/>
+          </a:effectRef>
+          <a:fontRef idx="minor">
+            <a:schemeClr val="tx1"/>
+          </a:fontRef>
+        </p:style>
+      </p:cxnSp>
+      <p:cxnSp>
+        <p:nvCxnSpPr>
+          <p:cNvPr id="8" name="直接箭头连接符 7">
+            <a:extLst>
+              <a:ext uri="{FF2B5EF4-FFF2-40B4-BE49-F238E27FC236}">
+                <a16:creationId xmlns:a16="http://schemas.microsoft.com/office/drawing/2014/main" id="{06B2D0B9-2A42-42E1-92BB-7A72A12997D6}"/>
+              </a:ext>
+            </a:extLst>
+          </p:cNvPr>
+          <p:cNvCxnSpPr>
+            <a:cxnSpLocks/>
+          </p:cNvCxnSpPr>
+          <p:nvPr/>
+        </p:nvCxnSpPr>
+        <p:spPr>
+          <a:xfrm flipH="1" flipV="1">
+            <a:off x="4498884" y="3107700"/>
+            <a:ext cx="1531795" cy="323823"/>
+          </a:xfrm>
+          <a:prstGeom prst="straightConnector1">
+            <a:avLst/>
+          </a:prstGeom>
+          <a:ln w="25400">
+            <a:solidFill>
+              <a:srgbClr val="00B0F0"/>
+            </a:solidFill>
+            <a:tailEnd type="arrow"/>
+          </a:ln>
+        </p:spPr>
+        <p:style>
+          <a:lnRef idx="1">
+            <a:schemeClr val="accent1"/>
+          </a:lnRef>
+          <a:fillRef idx="0">
+            <a:schemeClr val="accent1"/>
+          </a:fillRef>
+          <a:effectRef idx="0">
+            <a:schemeClr val="accent1"/>
+          </a:effectRef>
+          <a:fontRef idx="minor">
+            <a:schemeClr val="tx1"/>
+          </a:fontRef>
+        </p:style>
+      </p:cxnSp>
+      <p:sp>
+        <p:nvSpPr>
+          <p:cNvPr id="4" name="矩形 3">
+            <a:extLst>
+              <a:ext uri="{FF2B5EF4-FFF2-40B4-BE49-F238E27FC236}">
+                <a16:creationId xmlns:a16="http://schemas.microsoft.com/office/drawing/2014/main" id="{9582DBA1-D652-C06A-D4D5-E46A886C54FD}"/>
+              </a:ext>
+            </a:extLst>
+          </p:cNvPr>
+          <p:cNvSpPr/>
+          <p:nvPr/>
+        </p:nvSpPr>
+        <p:spPr>
+          <a:xfrm>
+            <a:off x="4498884" y="1567756"/>
+            <a:ext cx="1778051" cy="400110"/>
+          </a:xfrm>
+          <a:prstGeom prst="rect">
+            <a:avLst/>
+          </a:prstGeom>
+          <a:noFill/>
+        </p:spPr>
+        <p:txBody>
+          <a:bodyPr wrap="none" lIns="91440" tIns="45720" rIns="91440" bIns="45720">
+            <a:spAutoFit/>
+          </a:bodyPr>
+          <a:lstStyle/>
+          <a:p>
+            <a:pPr algn="ctr"/>
+            <a:r>
+              <a:rPr lang="en-US" altLang="zh-CN" sz="2000" b="1" cap="none" spc="0" dirty="0">
+                <a:ln w="0"/>
+                <a:solidFill>
+                  <a:schemeClr val="tx1"/>
+                </a:solidFill>
+                <a:effectLst>
+                  <a:outerShdw blurRad="38100" dist="19050" dir="2700000" algn="tl" rotWithShape="0">
+                    <a:schemeClr val="dk1">
+                      <a:alpha val="40000"/>
+                    </a:schemeClr>
+                  </a:outerShdw>
+                </a:effectLst>
+              </a:rPr>
+              <a:t>column space</a:t>
+            </a:r>
+          </a:p>
+        </p:txBody>
+      </p:sp>
+      <p:sp>
+        <p:nvSpPr>
+          <p:cNvPr id="5" name="矩形 4">
+            <a:extLst>
+              <a:ext uri="{FF2B5EF4-FFF2-40B4-BE49-F238E27FC236}">
+                <a16:creationId xmlns:a16="http://schemas.microsoft.com/office/drawing/2014/main" id="{D5F3632F-BF8A-3525-B6D2-C1AF2B640C95}"/>
+              </a:ext>
+            </a:extLst>
+          </p:cNvPr>
+          <p:cNvSpPr/>
+          <p:nvPr/>
+        </p:nvSpPr>
+        <p:spPr>
+          <a:xfrm>
+            <a:off x="5003060" y="4527565"/>
+            <a:ext cx="1798889" cy="400110"/>
+          </a:xfrm>
+          <a:prstGeom prst="rect">
+            <a:avLst/>
+          </a:prstGeom>
+          <a:noFill/>
+        </p:spPr>
+        <p:txBody>
+          <a:bodyPr wrap="none" lIns="91440" tIns="45720" rIns="91440" bIns="45720">
+            <a:spAutoFit/>
+          </a:bodyPr>
+          <a:lstStyle/>
+          <a:p>
+            <a:pPr algn="ctr"/>
+            <a:r>
+              <a:rPr lang="en-US" altLang="zh-CN" sz="2000" b="1" cap="none" spc="0" dirty="0">
+                <a:ln w="0"/>
+                <a:solidFill>
+                  <a:schemeClr val="tx1"/>
+                </a:solidFill>
+                <a:effectLst>
+                  <a:outerShdw blurRad="38100" dist="19050" dir="2700000" algn="tl" rotWithShape="0">
+                    <a:schemeClr val="dk1">
+                      <a:alpha val="40000"/>
+                    </a:schemeClr>
+                  </a:outerShdw>
+                </a:effectLst>
+              </a:rPr>
+              <a:t>left null space</a:t>
+            </a:r>
+          </a:p>
+        </p:txBody>
+      </p:sp>
+      <p:sp>
+        <p:nvSpPr>
+          <p:cNvPr id="6" name="椭圆 5">
+            <a:extLst>
+              <a:ext uri="{FF2B5EF4-FFF2-40B4-BE49-F238E27FC236}">
+                <a16:creationId xmlns:a16="http://schemas.microsoft.com/office/drawing/2014/main" id="{9B624980-7EF1-C050-25CE-4E18FB9EE651}"/>
+              </a:ext>
+            </a:extLst>
+          </p:cNvPr>
+          <p:cNvSpPr/>
+          <p:nvPr/>
+        </p:nvSpPr>
+        <p:spPr>
+          <a:xfrm>
+            <a:off x="5992970" y="3395017"/>
+            <a:ext cx="75418" cy="75418"/>
+          </a:xfrm>
+          <a:prstGeom prst="ellipse">
+            <a:avLst/>
+          </a:prstGeom>
+          <a:solidFill>
+            <a:schemeClr val="tx1"/>
+          </a:solidFill>
+          <a:ln>
+            <a:solidFill>
+              <a:schemeClr val="tx1"/>
+            </a:solidFill>
+          </a:ln>
+        </p:spPr>
+        <p:style>
+          <a:lnRef idx="2">
+            <a:schemeClr val="accent1">
+              <a:shade val="15000"/>
+            </a:schemeClr>
+          </a:lnRef>
+          <a:fillRef idx="1">
+            <a:schemeClr val="accent1"/>
+          </a:fillRef>
+          <a:effectRef idx="0">
+            <a:schemeClr val="accent1"/>
+          </a:effectRef>
+          <a:fontRef idx="minor">
+            <a:schemeClr val="lt1"/>
+          </a:fontRef>
+        </p:style>
+        <p:txBody>
+          <a:bodyPr rtlCol="0" anchor="ctr"/>
+          <a:lstStyle/>
+          <a:p>
+            <a:pPr algn="ctr"/>
+            <a:endParaRPr lang="zh-CN" altLang="en-US"/>
+          </a:p>
+        </p:txBody>
+      </p:sp>
+      <p:sp>
+        <p:nvSpPr>
+          <p:cNvPr id="15" name="矩形 14">
+            <a:extLst>
+              <a:ext uri="{FF2B5EF4-FFF2-40B4-BE49-F238E27FC236}">
+                <a16:creationId xmlns:a16="http://schemas.microsoft.com/office/drawing/2014/main" id="{BC518B66-AAFE-58CC-02C1-6B2F1176C98D}"/>
+              </a:ext>
+            </a:extLst>
+          </p:cNvPr>
+          <p:cNvSpPr/>
+          <p:nvPr/>
+        </p:nvSpPr>
+        <p:spPr>
+          <a:xfrm>
+            <a:off x="4164855" y="2912577"/>
+            <a:ext cx="338554" cy="400110"/>
+          </a:xfrm>
+          <a:prstGeom prst="rect">
+            <a:avLst/>
+          </a:prstGeom>
+          <a:noFill/>
+        </p:spPr>
+        <p:txBody>
+          <a:bodyPr wrap="none" lIns="91440" tIns="45720" rIns="91440" bIns="45720">
+            <a:spAutoFit/>
+          </a:bodyPr>
+          <a:lstStyle/>
+          <a:p>
+            <a:pPr algn="ctr"/>
+            <a:r>
+              <a:rPr lang="en-US" altLang="zh-CN" sz="2000" b="1" cap="none" spc="0" dirty="0">
+                <a:ln w="0"/>
+                <a:solidFill>
+                  <a:srgbClr val="00B0F0"/>
+                </a:solidFill>
+                <a:effectLst>
+                  <a:outerShdw blurRad="38100" dist="19050" dir="2700000" algn="tl" rotWithShape="0">
+                    <a:schemeClr val="dk1">
+                      <a:alpha val="40000"/>
+                    </a:schemeClr>
+                  </a:outerShdw>
+                </a:effectLst>
+              </a:rPr>
+              <a:t>b</a:t>
+            </a:r>
+            <a:endParaRPr lang="zh-CN" altLang="en-US" sz="2000" b="1" cap="none" spc="0" dirty="0">
+              <a:ln w="0"/>
+              <a:solidFill>
+                <a:srgbClr val="00B0F0"/>
+              </a:solidFill>
+              <a:effectLst>
+                <a:outerShdw blurRad="38100" dist="19050" dir="2700000" algn="tl" rotWithShape="0">
+                  <a:schemeClr val="dk1">
+                    <a:alpha val="40000"/>
+                  </a:schemeClr>
+                </a:outerShdw>
+              </a:effectLst>
+            </a:endParaRPr>
+          </a:p>
+        </p:txBody>
+      </p:sp>
+      <p:sp>
+        <p:nvSpPr>
+          <p:cNvPr id="17" name="矩形 16">
+            <a:extLst>
+              <a:ext uri="{FF2B5EF4-FFF2-40B4-BE49-F238E27FC236}">
+                <a16:creationId xmlns:a16="http://schemas.microsoft.com/office/drawing/2014/main" id="{C47CD140-8A7B-2368-FCA5-66D594DEF43F}"/>
+              </a:ext>
+            </a:extLst>
+          </p:cNvPr>
+          <p:cNvSpPr/>
+          <p:nvPr/>
+        </p:nvSpPr>
+        <p:spPr>
+          <a:xfrm>
+            <a:off x="5830191" y="3903612"/>
+            <a:ext cx="320922" cy="400110"/>
+          </a:xfrm>
+          <a:prstGeom prst="rect">
+            <a:avLst/>
+          </a:prstGeom>
+          <a:noFill/>
+        </p:spPr>
+        <p:txBody>
+          <a:bodyPr wrap="none" lIns="91440" tIns="45720" rIns="91440" bIns="45720">
+            <a:spAutoFit/>
+          </a:bodyPr>
+          <a:lstStyle/>
+          <a:p>
+            <a:pPr algn="ctr"/>
+            <a:r>
+              <a:rPr lang="en-US" altLang="zh-CN" sz="2000" b="1" cap="none" spc="0" dirty="0">
+                <a:ln w="0"/>
+                <a:solidFill>
+                  <a:srgbClr val="7030A0"/>
+                </a:solidFill>
+                <a:effectLst>
+                  <a:outerShdw blurRad="38100" dist="19050" dir="2700000" algn="tl" rotWithShape="0">
+                    <a:schemeClr val="dk1">
+                      <a:alpha val="40000"/>
+                    </a:schemeClr>
+                  </a:outerShdw>
+                </a:effectLst>
+              </a:rPr>
+              <a:t>e</a:t>
+            </a:r>
+            <a:endParaRPr lang="zh-CN" altLang="en-US" sz="2000" b="1" cap="none" spc="0" dirty="0">
+              <a:ln w="0"/>
+              <a:solidFill>
+                <a:srgbClr val="7030A0"/>
+              </a:solidFill>
+              <a:effectLst>
+                <a:outerShdw blurRad="38100" dist="19050" dir="2700000" algn="tl" rotWithShape="0">
+                  <a:schemeClr val="dk1">
+                    <a:alpha val="40000"/>
+                  </a:schemeClr>
+                </a:outerShdw>
+              </a:effectLst>
+            </a:endParaRPr>
+          </a:p>
+        </p:txBody>
+      </p:sp>
+      <p:sp>
+        <p:nvSpPr>
+          <p:cNvPr id="18" name="矩形 17">
+            <a:extLst>
+              <a:ext uri="{FF2B5EF4-FFF2-40B4-BE49-F238E27FC236}">
+                <a16:creationId xmlns:a16="http://schemas.microsoft.com/office/drawing/2014/main" id="{8B094686-CA47-22FA-A033-6C6DD848E750}"/>
+              </a:ext>
+            </a:extLst>
+          </p:cNvPr>
+          <p:cNvSpPr/>
+          <p:nvPr/>
+        </p:nvSpPr>
+        <p:spPr>
+          <a:xfrm>
+            <a:off x="5411193" y="2172995"/>
+            <a:ext cx="338554" cy="400110"/>
+          </a:xfrm>
+          <a:prstGeom prst="rect">
+            <a:avLst/>
+          </a:prstGeom>
+          <a:noFill/>
+        </p:spPr>
+        <p:txBody>
+          <a:bodyPr wrap="none" lIns="91440" tIns="45720" rIns="91440" bIns="45720">
+            <a:spAutoFit/>
+          </a:bodyPr>
+          <a:lstStyle/>
+          <a:p>
+            <a:pPr algn="ctr"/>
+            <a:r>
+              <a:rPr lang="en-US" altLang="zh-CN" sz="2000" b="1" cap="none" spc="0" dirty="0">
+                <a:ln w="0"/>
+                <a:solidFill>
+                  <a:srgbClr val="FFC000"/>
+                </a:solidFill>
+                <a:effectLst>
+                  <a:outerShdw blurRad="38100" dist="19050" dir="2700000" algn="tl" rotWithShape="0">
+                    <a:schemeClr val="dk1">
+                      <a:alpha val="40000"/>
+                    </a:schemeClr>
+                  </a:outerShdw>
+                </a:effectLst>
+              </a:rPr>
+              <a:t>p</a:t>
+            </a:r>
+            <a:endParaRPr lang="zh-CN" altLang="en-US" sz="2000" b="1" cap="none" spc="0" dirty="0">
+              <a:ln w="0"/>
+              <a:solidFill>
+                <a:srgbClr val="FFC000"/>
+              </a:solidFill>
+              <a:effectLst>
+                <a:outerShdw blurRad="38100" dist="19050" dir="2700000" algn="tl" rotWithShape="0">
+                  <a:schemeClr val="dk1">
+                    <a:alpha val="40000"/>
+                  </a:schemeClr>
+                </a:outerShdw>
+              </a:effectLst>
+            </a:endParaRPr>
+          </a:p>
+        </p:txBody>
+      </p:sp>
+      <p:cxnSp>
+        <p:nvCxnSpPr>
+          <p:cNvPr id="21" name="直接连接符 20">
+            <a:extLst>
+              <a:ext uri="{FF2B5EF4-FFF2-40B4-BE49-F238E27FC236}">
+                <a16:creationId xmlns:a16="http://schemas.microsoft.com/office/drawing/2014/main" id="{5D2BDDEC-07AD-954B-F09B-A22AB3365297}"/>
+              </a:ext>
+            </a:extLst>
+          </p:cNvPr>
+          <p:cNvCxnSpPr>
+            <a:cxnSpLocks/>
+            <a:stCxn id="15" idx="3"/>
+          </p:cNvCxnSpPr>
+          <p:nvPr/>
+        </p:nvCxnSpPr>
+        <p:spPr>
+          <a:xfrm>
+            <a:off x="4503409" y="3112632"/>
+            <a:ext cx="1255476" cy="1067855"/>
+          </a:xfrm>
+          <a:prstGeom prst="line">
+            <a:avLst/>
+          </a:prstGeom>
+          <a:ln w="25400">
+            <a:solidFill>
+              <a:schemeClr val="tx1"/>
+            </a:solidFill>
+            <a:prstDash val="dash"/>
+          </a:ln>
+        </p:spPr>
+        <p:style>
+          <a:lnRef idx="1">
+            <a:schemeClr val="accent1"/>
+          </a:lnRef>
+          <a:fillRef idx="0">
+            <a:schemeClr val="accent1"/>
+          </a:fillRef>
+          <a:effectRef idx="0">
+            <a:schemeClr val="accent1"/>
+          </a:effectRef>
+          <a:fontRef idx="minor">
+            <a:schemeClr val="tx1"/>
+          </a:fontRef>
+        </p:style>
+      </p:cxnSp>
+      <p:grpSp>
+        <p:nvGrpSpPr>
+          <p:cNvPr id="24" name="组合 23">
+            <a:extLst>
+              <a:ext uri="{FF2B5EF4-FFF2-40B4-BE49-F238E27FC236}">
+                <a16:creationId xmlns:a16="http://schemas.microsoft.com/office/drawing/2014/main" id="{1BBC7A8D-A068-8FDA-2387-3048330B8A8B}"/>
+              </a:ext>
+            </a:extLst>
+          </p:cNvPr>
+          <p:cNvGrpSpPr/>
+          <p:nvPr/>
+        </p:nvGrpSpPr>
+        <p:grpSpPr>
+          <a:xfrm rot="18334820">
+            <a:off x="5677580" y="4020199"/>
+            <a:ext cx="89595" cy="104994"/>
+            <a:chOff x="2830749" y="1896894"/>
+            <a:chExt cx="165370" cy="165370"/>
+          </a:xfrm>
+        </p:grpSpPr>
+        <p:cxnSp>
+          <p:nvCxnSpPr>
+            <p:cNvPr id="25" name="直接连接符 24">
+              <a:extLst>
+                <a:ext uri="{FF2B5EF4-FFF2-40B4-BE49-F238E27FC236}">
+                  <a16:creationId xmlns:a16="http://schemas.microsoft.com/office/drawing/2014/main" id="{0AD71F3D-0AC8-20F9-6DF6-8CB212BECE90}"/>
+                </a:ext>
+              </a:extLst>
+            </p:cNvPr>
+            <p:cNvCxnSpPr/>
+            <p:nvPr/>
+          </p:nvCxnSpPr>
+          <p:spPr>
+            <a:xfrm>
+              <a:off x="2830749" y="1896894"/>
+              <a:ext cx="165370" cy="0"/>
+            </a:xfrm>
+            <a:prstGeom prst="line">
+              <a:avLst/>
+            </a:prstGeom>
+            <a:ln w="25400">
+              <a:solidFill>
+                <a:schemeClr val="tx1"/>
+              </a:solidFill>
+            </a:ln>
+          </p:spPr>
+          <p:style>
+            <a:lnRef idx="1">
+              <a:schemeClr val="accent1"/>
+            </a:lnRef>
+            <a:fillRef idx="0">
+              <a:schemeClr val="accent1"/>
+            </a:fillRef>
+            <a:effectRef idx="0">
+              <a:schemeClr val="accent1"/>
+            </a:effectRef>
+            <a:fontRef idx="minor">
+              <a:schemeClr val="tx1"/>
+            </a:fontRef>
+          </p:style>
+        </p:cxnSp>
+        <p:cxnSp>
+          <p:nvCxnSpPr>
+            <p:cNvPr id="26" name="直接连接符 25">
+              <a:extLst>
+                <a:ext uri="{FF2B5EF4-FFF2-40B4-BE49-F238E27FC236}">
+                  <a16:creationId xmlns:a16="http://schemas.microsoft.com/office/drawing/2014/main" id="{D86DB8AD-6DC0-11E1-9E2F-D4BC5D991E74}"/>
+                </a:ext>
+              </a:extLst>
+            </p:cNvPr>
+            <p:cNvCxnSpPr>
+              <a:cxnSpLocks/>
+            </p:cNvCxnSpPr>
+            <p:nvPr/>
+          </p:nvCxnSpPr>
+          <p:spPr>
+            <a:xfrm>
+              <a:off x="2986391" y="1896894"/>
+              <a:ext cx="0" cy="165370"/>
+            </a:xfrm>
+            <a:prstGeom prst="line">
+              <a:avLst/>
+            </a:prstGeom>
+            <a:ln w="25400">
+              <a:solidFill>
+                <a:schemeClr val="tx1"/>
+              </a:solidFill>
+            </a:ln>
+          </p:spPr>
+          <p:style>
+            <a:lnRef idx="1">
+              <a:schemeClr val="accent1"/>
+            </a:lnRef>
+            <a:fillRef idx="0">
+              <a:schemeClr val="accent1"/>
+            </a:fillRef>
+            <a:effectRef idx="0">
+              <a:schemeClr val="accent1"/>
+            </a:effectRef>
+            <a:fontRef idx="minor">
+              <a:schemeClr val="tx1"/>
+            </a:fontRef>
+          </p:style>
+        </p:cxnSp>
+      </p:grpSp>
+      <p:cxnSp>
+        <p:nvCxnSpPr>
+          <p:cNvPr id="27" name="直接连接符 26">
+            <a:extLst>
+              <a:ext uri="{FF2B5EF4-FFF2-40B4-BE49-F238E27FC236}">
+                <a16:creationId xmlns:a16="http://schemas.microsoft.com/office/drawing/2014/main" id="{1E3E80E4-6328-6D0D-40F3-05D08FB92D15}"/>
+              </a:ext>
+            </a:extLst>
+          </p:cNvPr>
+          <p:cNvCxnSpPr>
+            <a:cxnSpLocks/>
+          </p:cNvCxnSpPr>
+          <p:nvPr/>
+        </p:nvCxnSpPr>
+        <p:spPr>
+          <a:xfrm flipH="1">
+            <a:off x="4493681" y="2382778"/>
+            <a:ext cx="761372" cy="739582"/>
+          </a:xfrm>
+          <a:prstGeom prst="line">
+            <a:avLst/>
+          </a:prstGeom>
+          <a:ln w="25400">
+            <a:solidFill>
+              <a:schemeClr val="tx1"/>
+            </a:solidFill>
+            <a:prstDash val="dash"/>
+          </a:ln>
+        </p:spPr>
+        <p:style>
+          <a:lnRef idx="1">
+            <a:schemeClr val="accent1"/>
+          </a:lnRef>
+          <a:fillRef idx="0">
+            <a:schemeClr val="accent1"/>
+          </a:fillRef>
+          <a:effectRef idx="0">
+            <a:schemeClr val="accent1"/>
+          </a:effectRef>
+          <a:fontRef idx="minor">
+            <a:schemeClr val="tx1"/>
+          </a:fontRef>
+        </p:style>
+      </p:cxnSp>
+      <p:grpSp>
+        <p:nvGrpSpPr>
+          <p:cNvPr id="30" name="组合 29">
+            <a:extLst>
+              <a:ext uri="{FF2B5EF4-FFF2-40B4-BE49-F238E27FC236}">
+                <a16:creationId xmlns:a16="http://schemas.microsoft.com/office/drawing/2014/main" id="{F8EAB8EC-52B3-3E94-65CF-49D1531AC4BA}"/>
+              </a:ext>
+            </a:extLst>
+          </p:cNvPr>
+          <p:cNvGrpSpPr/>
+          <p:nvPr/>
+        </p:nvGrpSpPr>
+        <p:grpSpPr>
+          <a:xfrm rot="8452988">
+            <a:off x="5207151" y="2441775"/>
+            <a:ext cx="124986" cy="138289"/>
+            <a:chOff x="2830749" y="1896894"/>
+            <a:chExt cx="165370" cy="165370"/>
+          </a:xfrm>
+        </p:grpSpPr>
+        <p:cxnSp>
+          <p:nvCxnSpPr>
+            <p:cNvPr id="31" name="直接连接符 30">
+              <a:extLst>
+                <a:ext uri="{FF2B5EF4-FFF2-40B4-BE49-F238E27FC236}">
+                  <a16:creationId xmlns:a16="http://schemas.microsoft.com/office/drawing/2014/main" id="{115DD1DE-8558-B9AB-7AA8-D2F3BEF62532}"/>
+                </a:ext>
+              </a:extLst>
+            </p:cNvPr>
+            <p:cNvCxnSpPr/>
+            <p:nvPr/>
+          </p:nvCxnSpPr>
+          <p:spPr>
+            <a:xfrm>
+              <a:off x="2830749" y="1896894"/>
+              <a:ext cx="165370" cy="0"/>
+            </a:xfrm>
+            <a:prstGeom prst="line">
+              <a:avLst/>
+            </a:prstGeom>
+            <a:ln w="25400">
+              <a:solidFill>
+                <a:schemeClr val="tx1"/>
+              </a:solidFill>
+            </a:ln>
+          </p:spPr>
+          <p:style>
+            <a:lnRef idx="1">
+              <a:schemeClr val="accent1"/>
+            </a:lnRef>
+            <a:fillRef idx="0">
+              <a:schemeClr val="accent1"/>
+            </a:fillRef>
+            <a:effectRef idx="0">
+              <a:schemeClr val="accent1"/>
+            </a:effectRef>
+            <a:fontRef idx="minor">
+              <a:schemeClr val="tx1"/>
+            </a:fontRef>
+          </p:style>
+        </p:cxnSp>
+        <p:cxnSp>
+          <p:nvCxnSpPr>
+            <p:cNvPr id="32" name="直接连接符 31">
+              <a:extLst>
+                <a:ext uri="{FF2B5EF4-FFF2-40B4-BE49-F238E27FC236}">
+                  <a16:creationId xmlns:a16="http://schemas.microsoft.com/office/drawing/2014/main" id="{7633C74E-696B-AE39-6031-387963A07770}"/>
+                </a:ext>
+              </a:extLst>
+            </p:cNvPr>
+            <p:cNvCxnSpPr>
+              <a:cxnSpLocks/>
+            </p:cNvCxnSpPr>
+            <p:nvPr/>
+          </p:nvCxnSpPr>
+          <p:spPr>
+            <a:xfrm>
+              <a:off x="2986391" y="1896894"/>
+              <a:ext cx="0" cy="165370"/>
+            </a:xfrm>
+            <a:prstGeom prst="line">
+              <a:avLst/>
+            </a:prstGeom>
+            <a:ln w="25400">
+              <a:solidFill>
+                <a:schemeClr val="tx1"/>
+              </a:solidFill>
+            </a:ln>
+          </p:spPr>
+          <p:style>
+            <a:lnRef idx="1">
+              <a:schemeClr val="accent1"/>
+            </a:lnRef>
+            <a:fillRef idx="0">
+              <a:schemeClr val="accent1"/>
+            </a:fillRef>
+            <a:effectRef idx="0">
+              <a:schemeClr val="accent1"/>
+            </a:effectRef>
+            <a:fontRef idx="minor">
+              <a:schemeClr val="tx1"/>
+            </a:fontRef>
+          </p:style>
+        </p:cxnSp>
+      </p:grpSp>
+    </p:spTree>
+    <p:extLst>
+      <p:ext uri="{BB962C8B-B14F-4D97-AF65-F5344CB8AC3E}">
+        <p14:creationId xmlns:p14="http://schemas.microsoft.com/office/powerpoint/2010/main" val="3610587585"/>
+      </p:ext>
+    </p:extLst>
+  </p:cSld>
+  <p:clrMapOvr>
+    <a:masterClrMapping/>
+  </p:clrMapOvr>
+</p:sld>
+</file>
+
+<file path=ppt/slides/slide15.xml><?xml version="1.0" encoding="utf-8"?>
+<p:sld xmlns:a="http://schemas.openxmlformats.org/drawingml/2006/main" xmlns:r="http://schemas.openxmlformats.org/officeDocument/2006/relationships" xmlns:p="http://schemas.openxmlformats.org/presentationml/2006/main">
+  <p:cSld>
+    <p:spTree>
+      <p:nvGrpSpPr>
+        <p:cNvPr id="1" name=""/>
+        <p:cNvGrpSpPr/>
+        <p:nvPr/>
+      </p:nvGrpSpPr>
+      <p:grpSpPr>
+        <a:xfrm>
+          <a:off x="0" y="0"/>
+          <a:ext cx="0" cy="0"/>
+          <a:chOff x="0" y="0"/>
+          <a:chExt cx="0" cy="0"/>
+        </a:xfrm>
+      </p:grpSpPr>
+      <p:cxnSp>
+        <p:nvCxnSpPr>
+          <p:cNvPr id="3" name="直接箭头连接符 2">
+            <a:extLst>
+              <a:ext uri="{FF2B5EF4-FFF2-40B4-BE49-F238E27FC236}">
+                <a16:creationId xmlns:a16="http://schemas.microsoft.com/office/drawing/2014/main" id="{9EF88798-0F42-8C73-BFF2-C6611440309A}"/>
+              </a:ext>
+            </a:extLst>
+          </p:cNvPr>
+          <p:cNvCxnSpPr>
+            <a:cxnSpLocks/>
+          </p:cNvCxnSpPr>
+          <p:nvPr/>
+        </p:nvCxnSpPr>
+        <p:spPr>
+          <a:xfrm>
+            <a:off x="5185386" y="3959258"/>
+            <a:ext cx="3336445" cy="0"/>
+          </a:xfrm>
+          <a:prstGeom prst="straightConnector1">
+            <a:avLst/>
+          </a:prstGeom>
+          <a:ln w="25400">
+            <a:solidFill>
+              <a:schemeClr val="tx1"/>
+            </a:solidFill>
+            <a:tailEnd type="arrow"/>
+          </a:ln>
+        </p:spPr>
+        <p:style>
+          <a:lnRef idx="1">
+            <a:schemeClr val="accent1"/>
+          </a:lnRef>
+          <a:fillRef idx="0">
+            <a:schemeClr val="accent1"/>
+          </a:fillRef>
+          <a:effectRef idx="0">
+            <a:schemeClr val="accent1"/>
+          </a:effectRef>
+          <a:fontRef idx="minor">
+            <a:schemeClr val="tx1"/>
+          </a:fontRef>
+        </p:style>
+      </p:cxnSp>
+      <p:cxnSp>
+        <p:nvCxnSpPr>
+          <p:cNvPr id="4" name="直接箭头连接符 3">
+            <a:extLst>
+              <a:ext uri="{FF2B5EF4-FFF2-40B4-BE49-F238E27FC236}">
+                <a16:creationId xmlns:a16="http://schemas.microsoft.com/office/drawing/2014/main" id="{63E6A94F-6E89-6AA7-53E2-7F83D4CADEAC}"/>
+              </a:ext>
+            </a:extLst>
+          </p:cNvPr>
+          <p:cNvCxnSpPr>
+            <a:cxnSpLocks/>
+          </p:cNvCxnSpPr>
+          <p:nvPr/>
+        </p:nvCxnSpPr>
+        <p:spPr>
+          <a:xfrm flipH="1" flipV="1">
+            <a:off x="5950084" y="2089301"/>
+            <a:ext cx="12160" cy="2608810"/>
+          </a:xfrm>
+          <a:prstGeom prst="straightConnector1">
+            <a:avLst/>
+          </a:prstGeom>
+          <a:ln w="25400">
+            <a:solidFill>
+              <a:schemeClr val="tx1"/>
+            </a:solidFill>
+            <a:tailEnd type="arrow"/>
+          </a:ln>
+        </p:spPr>
+        <p:style>
+          <a:lnRef idx="1">
+            <a:schemeClr val="accent1"/>
+          </a:lnRef>
+          <a:fillRef idx="0">
+            <a:schemeClr val="accent1"/>
+          </a:fillRef>
+          <a:effectRef idx="0">
+            <a:schemeClr val="accent1"/>
+          </a:effectRef>
+          <a:fontRef idx="minor">
+            <a:schemeClr val="tx1"/>
+          </a:fontRef>
+        </p:style>
+      </p:cxnSp>
+      <p:sp>
+        <p:nvSpPr>
+          <p:cNvPr id="7" name="矩形 6">
+            <a:extLst>
+              <a:ext uri="{FF2B5EF4-FFF2-40B4-BE49-F238E27FC236}">
+                <a16:creationId xmlns:a16="http://schemas.microsoft.com/office/drawing/2014/main" id="{0E198224-D6CE-505C-B996-72F758F0C119}"/>
+              </a:ext>
+            </a:extLst>
+          </p:cNvPr>
+          <p:cNvSpPr/>
+          <p:nvPr/>
+        </p:nvSpPr>
+        <p:spPr>
+          <a:xfrm>
+            <a:off x="8234464" y="3852253"/>
+            <a:ext cx="338555" cy="461665"/>
+          </a:xfrm>
+          <a:prstGeom prst="rect">
+            <a:avLst/>
+          </a:prstGeom>
+          <a:noFill/>
+        </p:spPr>
+        <p:txBody>
+          <a:bodyPr wrap="none" lIns="91440" tIns="45720" rIns="91440" bIns="45720">
+            <a:spAutoFit/>
+          </a:bodyPr>
+          <a:lstStyle/>
+          <a:p>
+            <a:pPr algn="ctr"/>
+            <a:r>
+              <a:rPr lang="en-US" altLang="zh-CN" sz="2400" b="1" cap="none" spc="0" dirty="0">
+                <a:ln w="0"/>
+                <a:solidFill>
+                  <a:schemeClr val="tx1"/>
+                </a:solidFill>
+                <a:effectLst>
+                  <a:outerShdw blurRad="38100" dist="19050" dir="2700000" algn="tl" rotWithShape="0">
+                    <a:schemeClr val="dk1">
+                      <a:alpha val="40000"/>
+                    </a:schemeClr>
+                  </a:outerShdw>
+                </a:effectLst>
+              </a:rPr>
+              <a:t>x</a:t>
+            </a:r>
+            <a:endParaRPr lang="zh-CN" altLang="en-US" sz="2400" b="1" cap="none" spc="0" dirty="0">
+              <a:ln w="0"/>
+              <a:solidFill>
+                <a:schemeClr val="tx1"/>
+              </a:solidFill>
+              <a:effectLst>
+                <a:outerShdw blurRad="38100" dist="19050" dir="2700000" algn="tl" rotWithShape="0">
+                  <a:schemeClr val="dk1">
+                    <a:alpha val="40000"/>
+                  </a:schemeClr>
+                </a:outerShdw>
+              </a:effectLst>
+            </a:endParaRPr>
+          </a:p>
+        </p:txBody>
+      </p:sp>
+      <p:sp>
+        <p:nvSpPr>
+          <p:cNvPr id="8" name="矩形 7">
+            <a:extLst>
+              <a:ext uri="{FF2B5EF4-FFF2-40B4-BE49-F238E27FC236}">
+                <a16:creationId xmlns:a16="http://schemas.microsoft.com/office/drawing/2014/main" id="{E784E719-45D6-3D78-6DF2-CCAFE1ED227B}"/>
+              </a:ext>
+            </a:extLst>
+          </p:cNvPr>
+          <p:cNvSpPr/>
+          <p:nvPr/>
+        </p:nvSpPr>
+        <p:spPr>
+          <a:xfrm>
+            <a:off x="5633400" y="1961384"/>
+            <a:ext cx="341760" cy="461665"/>
+          </a:xfrm>
+          <a:prstGeom prst="rect">
+            <a:avLst/>
+          </a:prstGeom>
+          <a:noFill/>
+        </p:spPr>
+        <p:txBody>
+          <a:bodyPr wrap="none" lIns="91440" tIns="45720" rIns="91440" bIns="45720">
+            <a:spAutoFit/>
+          </a:bodyPr>
+          <a:lstStyle/>
+          <a:p>
+            <a:pPr algn="ctr"/>
+            <a:r>
+              <a:rPr lang="en-US" altLang="zh-CN" sz="2400" b="1" dirty="0">
+                <a:ln w="0"/>
+                <a:effectLst>
+                  <a:outerShdw blurRad="38100" dist="19050" dir="2700000" algn="tl" rotWithShape="0">
+                    <a:schemeClr val="dk1">
+                      <a:alpha val="40000"/>
+                    </a:schemeClr>
+                  </a:outerShdw>
+                </a:effectLst>
+              </a:rPr>
+              <a:t>y</a:t>
+            </a:r>
+            <a:endParaRPr lang="zh-CN" altLang="en-US" sz="2400" b="1" cap="none" spc="0" dirty="0">
+              <a:ln w="0"/>
+              <a:solidFill>
+                <a:schemeClr val="tx1"/>
+              </a:solidFill>
+              <a:effectLst>
+                <a:outerShdw blurRad="38100" dist="19050" dir="2700000" algn="tl" rotWithShape="0">
+                  <a:schemeClr val="dk1">
+                    <a:alpha val="40000"/>
+                  </a:schemeClr>
+                </a:outerShdw>
+              </a:effectLst>
+            </a:endParaRPr>
+          </a:p>
+        </p:txBody>
+      </p:sp>
+      <p:sp>
+        <p:nvSpPr>
+          <p:cNvPr id="13" name="矩形 12">
+            <a:extLst>
+              <a:ext uri="{FF2B5EF4-FFF2-40B4-BE49-F238E27FC236}">
+                <a16:creationId xmlns:a16="http://schemas.microsoft.com/office/drawing/2014/main" id="{9A18427E-1A03-B188-79A2-4E520B03A444}"/>
+              </a:ext>
+            </a:extLst>
+          </p:cNvPr>
+          <p:cNvSpPr/>
+          <p:nvPr/>
+        </p:nvSpPr>
+        <p:spPr>
+          <a:xfrm>
+            <a:off x="5595729" y="3900889"/>
+            <a:ext cx="417102" cy="461665"/>
+          </a:xfrm>
+          <a:prstGeom prst="rect">
+            <a:avLst/>
+          </a:prstGeom>
+          <a:noFill/>
+        </p:spPr>
+        <p:txBody>
+          <a:bodyPr wrap="none" lIns="91440" tIns="45720" rIns="91440" bIns="45720">
+            <a:spAutoFit/>
+          </a:bodyPr>
+          <a:lstStyle/>
+          <a:p>
+            <a:pPr algn="ctr"/>
+            <a:r>
+              <a:rPr lang="en-US" altLang="zh-CN" sz="2400" b="1" dirty="0">
+                <a:ln w="0"/>
+                <a:effectLst>
+                  <a:outerShdw blurRad="38100" dist="19050" dir="2700000" algn="tl" rotWithShape="0">
+                    <a:schemeClr val="dk1">
+                      <a:alpha val="40000"/>
+                    </a:schemeClr>
+                  </a:outerShdw>
+                </a:effectLst>
+              </a:rPr>
+              <a:t>O</a:t>
+            </a:r>
+            <a:endParaRPr lang="zh-CN" altLang="en-US" sz="2400" b="1" cap="none" spc="0" dirty="0">
+              <a:ln w="0"/>
+              <a:solidFill>
+                <a:schemeClr val="tx1"/>
+              </a:solidFill>
+              <a:effectLst>
+                <a:outerShdw blurRad="38100" dist="19050" dir="2700000" algn="tl" rotWithShape="0">
+                  <a:schemeClr val="dk1">
+                    <a:alpha val="40000"/>
+                  </a:schemeClr>
+                </a:outerShdw>
+              </a:effectLst>
+            </a:endParaRPr>
+          </a:p>
+        </p:txBody>
+      </p:sp>
+      <p:cxnSp>
+        <p:nvCxnSpPr>
+          <p:cNvPr id="15" name="直接连接符 14">
+            <a:extLst>
+              <a:ext uri="{FF2B5EF4-FFF2-40B4-BE49-F238E27FC236}">
+                <a16:creationId xmlns:a16="http://schemas.microsoft.com/office/drawing/2014/main" id="{B4B779B2-B067-FCE3-4D36-9852C0144568}"/>
+              </a:ext>
+            </a:extLst>
+          </p:cNvPr>
+          <p:cNvCxnSpPr>
+            <a:cxnSpLocks/>
+          </p:cNvCxnSpPr>
+          <p:nvPr/>
+        </p:nvCxnSpPr>
+        <p:spPr>
+          <a:xfrm>
+            <a:off x="6488349" y="3842426"/>
+            <a:ext cx="0" cy="116831"/>
+          </a:xfrm>
+          <a:prstGeom prst="line">
+            <a:avLst/>
+          </a:prstGeom>
+          <a:ln w="25400">
+            <a:solidFill>
+              <a:schemeClr val="tx1"/>
+            </a:solidFill>
+            <a:prstDash val="dash"/>
+          </a:ln>
+        </p:spPr>
+        <p:style>
+          <a:lnRef idx="1">
+            <a:schemeClr val="accent1"/>
+          </a:lnRef>
+          <a:fillRef idx="0">
+            <a:schemeClr val="accent1"/>
+          </a:fillRef>
+          <a:effectRef idx="0">
+            <a:schemeClr val="accent1"/>
+          </a:effectRef>
+          <a:fontRef idx="minor">
+            <a:schemeClr val="tx1"/>
+          </a:fontRef>
+        </p:style>
+      </p:cxnSp>
+      <p:cxnSp>
+        <p:nvCxnSpPr>
+          <p:cNvPr id="20" name="直接连接符 19">
+            <a:extLst>
+              <a:ext uri="{FF2B5EF4-FFF2-40B4-BE49-F238E27FC236}">
+                <a16:creationId xmlns:a16="http://schemas.microsoft.com/office/drawing/2014/main" id="{C58E3F9E-CF82-4B7D-53C1-CFD9A6A97ADB}"/>
+              </a:ext>
+            </a:extLst>
+          </p:cNvPr>
+          <p:cNvCxnSpPr>
+            <a:cxnSpLocks/>
+          </p:cNvCxnSpPr>
+          <p:nvPr/>
+        </p:nvCxnSpPr>
+        <p:spPr>
+          <a:xfrm>
+            <a:off x="5950085" y="2874673"/>
+            <a:ext cx="173477" cy="0"/>
+          </a:xfrm>
+          <a:prstGeom prst="line">
+            <a:avLst/>
+          </a:prstGeom>
+          <a:ln w="25400">
+            <a:solidFill>
+              <a:schemeClr val="tx1"/>
+            </a:solidFill>
+            <a:prstDash val="dash"/>
+          </a:ln>
+        </p:spPr>
+        <p:style>
+          <a:lnRef idx="1">
+            <a:schemeClr val="accent1"/>
+          </a:lnRef>
+          <a:fillRef idx="0">
+            <a:schemeClr val="accent1"/>
+          </a:fillRef>
+          <a:effectRef idx="0">
+            <a:schemeClr val="accent1"/>
+          </a:effectRef>
+          <a:fontRef idx="minor">
+            <a:schemeClr val="tx1"/>
+          </a:fontRef>
+        </p:style>
+      </p:cxnSp>
+      <p:sp>
+        <p:nvSpPr>
+          <p:cNvPr id="23" name="矩形 22">
+            <a:extLst>
+              <a:ext uri="{FF2B5EF4-FFF2-40B4-BE49-F238E27FC236}">
+                <a16:creationId xmlns:a16="http://schemas.microsoft.com/office/drawing/2014/main" id="{A7CF8891-8FB5-7978-E789-70F56AF108AE}"/>
+              </a:ext>
+            </a:extLst>
+          </p:cNvPr>
+          <p:cNvSpPr/>
+          <p:nvPr/>
+        </p:nvSpPr>
+        <p:spPr>
+          <a:xfrm>
+            <a:off x="6331896" y="3944587"/>
+            <a:ext cx="312906" cy="369332"/>
+          </a:xfrm>
+          <a:prstGeom prst="rect">
+            <a:avLst/>
+          </a:prstGeom>
+          <a:noFill/>
+        </p:spPr>
+        <p:txBody>
+          <a:bodyPr wrap="none" lIns="91440" tIns="45720" rIns="91440" bIns="45720">
+            <a:spAutoFit/>
+          </a:bodyPr>
+          <a:lstStyle/>
+          <a:p>
+            <a:pPr algn="ctr"/>
+            <a:r>
+              <a:rPr lang="en-US" altLang="zh-CN" b="1" cap="none" spc="0" dirty="0">
+                <a:ln w="0"/>
+                <a:solidFill>
+                  <a:schemeClr val="tx1"/>
+                </a:solidFill>
+                <a:effectLst>
+                  <a:outerShdw blurRad="38100" dist="19050" dir="2700000" algn="tl" rotWithShape="0">
+                    <a:schemeClr val="dk1">
+                      <a:alpha val="40000"/>
+                    </a:schemeClr>
+                  </a:outerShdw>
+                </a:effectLst>
+              </a:rPr>
+              <a:t>1</a:t>
+            </a:r>
+            <a:endParaRPr lang="zh-CN" altLang="en-US" b="1" cap="none" spc="0" dirty="0">
+              <a:ln w="0"/>
+              <a:solidFill>
+                <a:schemeClr val="tx1"/>
+              </a:solidFill>
+              <a:effectLst>
+                <a:outerShdw blurRad="38100" dist="19050" dir="2700000" algn="tl" rotWithShape="0">
+                  <a:schemeClr val="dk1">
+                    <a:alpha val="40000"/>
+                  </a:schemeClr>
+                </a:outerShdw>
+              </a:effectLst>
+            </a:endParaRPr>
+          </a:p>
+        </p:txBody>
+      </p:sp>
+      <p:sp>
+        <p:nvSpPr>
+          <p:cNvPr id="24" name="矩形 23">
+            <a:extLst>
+              <a:ext uri="{FF2B5EF4-FFF2-40B4-BE49-F238E27FC236}">
+                <a16:creationId xmlns:a16="http://schemas.microsoft.com/office/drawing/2014/main" id="{619A5DE3-EC7E-0BB3-3A3E-43BC55588F53}"/>
+              </a:ext>
+            </a:extLst>
+          </p:cNvPr>
+          <p:cNvSpPr/>
+          <p:nvPr/>
+        </p:nvSpPr>
+        <p:spPr>
+          <a:xfrm>
+            <a:off x="5652651" y="2690007"/>
+            <a:ext cx="338555" cy="369332"/>
+          </a:xfrm>
+          <a:prstGeom prst="rect">
+            <a:avLst/>
+          </a:prstGeom>
+          <a:noFill/>
+        </p:spPr>
+        <p:txBody>
+          <a:bodyPr wrap="square" lIns="91440" tIns="45720" rIns="91440" bIns="45720">
+            <a:spAutoFit/>
+          </a:bodyPr>
+          <a:lstStyle/>
+          <a:p>
+            <a:pPr algn="ctr"/>
+            <a:r>
+              <a:rPr lang="en-US" altLang="zh-CN" b="1" cap="none" spc="0" dirty="0">
+                <a:ln w="0"/>
+                <a:solidFill>
+                  <a:schemeClr val="tx1"/>
+                </a:solidFill>
+                <a:effectLst>
+                  <a:outerShdw blurRad="38100" dist="19050" dir="2700000" algn="tl" rotWithShape="0">
+                    <a:schemeClr val="dk1">
+                      <a:alpha val="40000"/>
+                    </a:schemeClr>
+                  </a:outerShdw>
+                </a:effectLst>
+              </a:rPr>
+              <a:t>2</a:t>
+            </a:r>
+            <a:endParaRPr lang="zh-CN" altLang="en-US" b="1" cap="none" spc="0" dirty="0">
+              <a:ln w="0"/>
+              <a:solidFill>
+                <a:schemeClr val="tx1"/>
+              </a:solidFill>
+              <a:effectLst>
+                <a:outerShdw blurRad="38100" dist="19050" dir="2700000" algn="tl" rotWithShape="0">
+                  <a:schemeClr val="dk1">
+                    <a:alpha val="40000"/>
+                  </a:schemeClr>
+                </a:outerShdw>
+              </a:effectLst>
+            </a:endParaRPr>
+          </a:p>
+        </p:txBody>
+      </p:sp>
+      <p:cxnSp>
+        <p:nvCxnSpPr>
+          <p:cNvPr id="2" name="直接连接符 1">
+            <a:extLst>
+              <a:ext uri="{FF2B5EF4-FFF2-40B4-BE49-F238E27FC236}">
+                <a16:creationId xmlns:a16="http://schemas.microsoft.com/office/drawing/2014/main" id="{51CF55F1-E30F-3AA5-54DF-18F29D406632}"/>
+              </a:ext>
+            </a:extLst>
+          </p:cNvPr>
+          <p:cNvCxnSpPr>
+            <a:cxnSpLocks/>
+          </p:cNvCxnSpPr>
+          <p:nvPr/>
+        </p:nvCxnSpPr>
+        <p:spPr>
+          <a:xfrm>
+            <a:off x="7068766" y="3842426"/>
+            <a:ext cx="0" cy="103786"/>
+          </a:xfrm>
+          <a:prstGeom prst="line">
+            <a:avLst/>
+          </a:prstGeom>
+          <a:ln w="25400">
+            <a:solidFill>
+              <a:schemeClr val="tx1"/>
+            </a:solidFill>
+            <a:prstDash val="dash"/>
+          </a:ln>
+        </p:spPr>
+        <p:style>
+          <a:lnRef idx="1">
+            <a:schemeClr val="accent1"/>
+          </a:lnRef>
+          <a:fillRef idx="0">
+            <a:schemeClr val="accent1"/>
+          </a:fillRef>
+          <a:effectRef idx="0">
+            <a:schemeClr val="accent1"/>
+          </a:effectRef>
+          <a:fontRef idx="minor">
+            <a:schemeClr val="tx1"/>
+          </a:fontRef>
+        </p:style>
+      </p:cxnSp>
+      <p:sp>
+        <p:nvSpPr>
+          <p:cNvPr id="9" name="矩形 8">
+            <a:extLst>
+              <a:ext uri="{FF2B5EF4-FFF2-40B4-BE49-F238E27FC236}">
+                <a16:creationId xmlns:a16="http://schemas.microsoft.com/office/drawing/2014/main" id="{7268D8EE-89E3-A76D-A0DB-C51E3D4C0084}"/>
+              </a:ext>
+            </a:extLst>
+          </p:cNvPr>
+          <p:cNvSpPr/>
+          <p:nvPr/>
+        </p:nvSpPr>
+        <p:spPr>
+          <a:xfrm>
+            <a:off x="6912313" y="3944586"/>
+            <a:ext cx="312906" cy="369332"/>
+          </a:xfrm>
+          <a:prstGeom prst="rect">
+            <a:avLst/>
+          </a:prstGeom>
+          <a:noFill/>
+        </p:spPr>
+        <p:txBody>
+          <a:bodyPr wrap="none" lIns="91440" tIns="45720" rIns="91440" bIns="45720">
+            <a:spAutoFit/>
+          </a:bodyPr>
+          <a:lstStyle/>
+          <a:p>
+            <a:pPr algn="ctr"/>
+            <a:r>
+              <a:rPr lang="en-US" altLang="zh-CN" b="1" cap="none" spc="0" dirty="0">
+                <a:ln w="0"/>
+                <a:solidFill>
+                  <a:schemeClr val="tx1"/>
+                </a:solidFill>
+                <a:effectLst>
+                  <a:outerShdw blurRad="38100" dist="19050" dir="2700000" algn="tl" rotWithShape="0">
+                    <a:schemeClr val="dk1">
+                      <a:alpha val="40000"/>
+                    </a:schemeClr>
+                  </a:outerShdw>
+                </a:effectLst>
+              </a:rPr>
+              <a:t>2</a:t>
+            </a:r>
+            <a:endParaRPr lang="zh-CN" altLang="en-US" b="1" cap="none" spc="0" dirty="0">
+              <a:ln w="0"/>
+              <a:solidFill>
+                <a:schemeClr val="tx1"/>
+              </a:solidFill>
+              <a:effectLst>
+                <a:outerShdw blurRad="38100" dist="19050" dir="2700000" algn="tl" rotWithShape="0">
+                  <a:schemeClr val="dk1">
+                    <a:alpha val="40000"/>
+                  </a:schemeClr>
+                </a:outerShdw>
+              </a:effectLst>
+            </a:endParaRPr>
+          </a:p>
+        </p:txBody>
+      </p:sp>
+      <p:cxnSp>
+        <p:nvCxnSpPr>
+          <p:cNvPr id="17" name="直接连接符 16">
+            <a:extLst>
+              <a:ext uri="{FF2B5EF4-FFF2-40B4-BE49-F238E27FC236}">
+                <a16:creationId xmlns:a16="http://schemas.microsoft.com/office/drawing/2014/main" id="{57740508-A45E-52C4-B0E0-80AB925B67B8}"/>
+              </a:ext>
+            </a:extLst>
+          </p:cNvPr>
+          <p:cNvCxnSpPr>
+            <a:cxnSpLocks/>
+          </p:cNvCxnSpPr>
+          <p:nvPr/>
+        </p:nvCxnSpPr>
+        <p:spPr>
+          <a:xfrm>
+            <a:off x="7631443" y="3848260"/>
+            <a:ext cx="0" cy="103786"/>
+          </a:xfrm>
+          <a:prstGeom prst="line">
+            <a:avLst/>
+          </a:prstGeom>
+          <a:ln w="25400">
+            <a:solidFill>
+              <a:schemeClr val="tx1"/>
+            </a:solidFill>
+            <a:prstDash val="dash"/>
+          </a:ln>
+        </p:spPr>
+        <p:style>
+          <a:lnRef idx="1">
+            <a:schemeClr val="accent1"/>
+          </a:lnRef>
+          <a:fillRef idx="0">
+            <a:schemeClr val="accent1"/>
+          </a:fillRef>
+          <a:effectRef idx="0">
+            <a:schemeClr val="accent1"/>
+          </a:effectRef>
+          <a:fontRef idx="minor">
+            <a:schemeClr val="tx1"/>
+          </a:fontRef>
+        </p:style>
+      </p:cxnSp>
+      <p:sp>
+        <p:nvSpPr>
+          <p:cNvPr id="18" name="矩形 17">
+            <a:extLst>
+              <a:ext uri="{FF2B5EF4-FFF2-40B4-BE49-F238E27FC236}">
+                <a16:creationId xmlns:a16="http://schemas.microsoft.com/office/drawing/2014/main" id="{B6177FA9-4A5A-9CB4-663D-7D62CCEC62A1}"/>
+              </a:ext>
+            </a:extLst>
+          </p:cNvPr>
+          <p:cNvSpPr/>
+          <p:nvPr/>
+        </p:nvSpPr>
+        <p:spPr>
+          <a:xfrm>
+            <a:off x="7474989" y="3944586"/>
+            <a:ext cx="312907" cy="369332"/>
+          </a:xfrm>
+          <a:prstGeom prst="rect">
+            <a:avLst/>
+          </a:prstGeom>
+          <a:noFill/>
+        </p:spPr>
+        <p:txBody>
+          <a:bodyPr wrap="none" lIns="91440" tIns="45720" rIns="91440" bIns="45720">
+            <a:spAutoFit/>
+          </a:bodyPr>
+          <a:lstStyle/>
+          <a:p>
+            <a:pPr algn="ctr"/>
+            <a:r>
+              <a:rPr lang="en-US" altLang="zh-CN" b="1" dirty="0">
+                <a:ln w="0"/>
+                <a:effectLst>
+                  <a:outerShdw blurRad="38100" dist="19050" dir="2700000" algn="tl" rotWithShape="0">
+                    <a:schemeClr val="dk1">
+                      <a:alpha val="40000"/>
+                    </a:schemeClr>
+                  </a:outerShdw>
+                </a:effectLst>
+              </a:rPr>
+              <a:t>3</a:t>
+            </a:r>
+            <a:endParaRPr lang="zh-CN" altLang="en-US" b="1" cap="none" spc="0" dirty="0">
+              <a:ln w="0"/>
+              <a:solidFill>
+                <a:schemeClr val="tx1"/>
+              </a:solidFill>
+              <a:effectLst>
+                <a:outerShdw blurRad="38100" dist="19050" dir="2700000" algn="tl" rotWithShape="0">
+                  <a:schemeClr val="dk1">
+                    <a:alpha val="40000"/>
+                  </a:schemeClr>
+                </a:outerShdw>
+              </a:effectLst>
+            </a:endParaRPr>
+          </a:p>
+        </p:txBody>
+      </p:sp>
+      <p:cxnSp>
+        <p:nvCxnSpPr>
+          <p:cNvPr id="19" name="直接连接符 18">
+            <a:extLst>
+              <a:ext uri="{FF2B5EF4-FFF2-40B4-BE49-F238E27FC236}">
+                <a16:creationId xmlns:a16="http://schemas.microsoft.com/office/drawing/2014/main" id="{886411BB-9AB2-4948-BE80-0B64137E0576}"/>
+              </a:ext>
+            </a:extLst>
+          </p:cNvPr>
+          <p:cNvCxnSpPr>
+            <a:cxnSpLocks/>
+          </p:cNvCxnSpPr>
+          <p:nvPr/>
+        </p:nvCxnSpPr>
+        <p:spPr>
+          <a:xfrm>
+            <a:off x="5950084" y="3419150"/>
+            <a:ext cx="173477" cy="0"/>
+          </a:xfrm>
+          <a:prstGeom prst="line">
+            <a:avLst/>
+          </a:prstGeom>
+          <a:ln w="25400">
+            <a:solidFill>
+              <a:schemeClr val="tx1"/>
+            </a:solidFill>
+            <a:prstDash val="dash"/>
+          </a:ln>
+        </p:spPr>
+        <p:style>
+          <a:lnRef idx="1">
+            <a:schemeClr val="accent1"/>
+          </a:lnRef>
+          <a:fillRef idx="0">
+            <a:schemeClr val="accent1"/>
+          </a:fillRef>
+          <a:effectRef idx="0">
+            <a:schemeClr val="accent1"/>
+          </a:effectRef>
+          <a:fontRef idx="minor">
+            <a:schemeClr val="tx1"/>
+          </a:fontRef>
+        </p:style>
+      </p:cxnSp>
+      <p:sp>
+        <p:nvSpPr>
+          <p:cNvPr id="21" name="矩形 20">
+            <a:extLst>
+              <a:ext uri="{FF2B5EF4-FFF2-40B4-BE49-F238E27FC236}">
+                <a16:creationId xmlns:a16="http://schemas.microsoft.com/office/drawing/2014/main" id="{D74BA64B-3132-3775-1BF1-1806B3A365EE}"/>
+              </a:ext>
+            </a:extLst>
+          </p:cNvPr>
+          <p:cNvSpPr/>
+          <p:nvPr/>
+        </p:nvSpPr>
+        <p:spPr>
+          <a:xfrm>
+            <a:off x="5655010" y="3242319"/>
+            <a:ext cx="312906" cy="369332"/>
+          </a:xfrm>
+          <a:prstGeom prst="rect">
+            <a:avLst/>
+          </a:prstGeom>
+          <a:noFill/>
+        </p:spPr>
+        <p:txBody>
+          <a:bodyPr wrap="none" lIns="91440" tIns="45720" rIns="91440" bIns="45720">
+            <a:spAutoFit/>
+          </a:bodyPr>
+          <a:lstStyle/>
+          <a:p>
+            <a:pPr algn="ctr"/>
+            <a:r>
+              <a:rPr lang="en-US" altLang="zh-CN" b="1" cap="none" spc="0" dirty="0">
+                <a:ln w="0"/>
+                <a:solidFill>
+                  <a:schemeClr val="tx1"/>
+                </a:solidFill>
+                <a:effectLst>
+                  <a:outerShdw blurRad="38100" dist="19050" dir="2700000" algn="tl" rotWithShape="0">
+                    <a:schemeClr val="dk1">
+                      <a:alpha val="40000"/>
+                    </a:schemeClr>
+                  </a:outerShdw>
+                </a:effectLst>
+              </a:rPr>
+              <a:t>1</a:t>
+            </a:r>
+            <a:endParaRPr lang="zh-CN" altLang="en-US" b="1" cap="none" spc="0" dirty="0">
+              <a:ln w="0"/>
+              <a:solidFill>
+                <a:schemeClr val="tx1"/>
+              </a:solidFill>
+              <a:effectLst>
+                <a:outerShdw blurRad="38100" dist="19050" dir="2700000" algn="tl" rotWithShape="0">
+                  <a:schemeClr val="dk1">
+                    <a:alpha val="40000"/>
+                  </a:schemeClr>
+                </a:outerShdw>
+              </a:effectLst>
+            </a:endParaRPr>
+          </a:p>
+        </p:txBody>
+      </p:sp>
+      <p:sp>
+        <p:nvSpPr>
+          <p:cNvPr id="22" name="乘号 21">
+            <a:extLst>
+              <a:ext uri="{FF2B5EF4-FFF2-40B4-BE49-F238E27FC236}">
+                <a16:creationId xmlns:a16="http://schemas.microsoft.com/office/drawing/2014/main" id="{0EAD3258-515D-814D-D5BC-F0A3EED1F82A}"/>
+              </a:ext>
+            </a:extLst>
+          </p:cNvPr>
+          <p:cNvSpPr/>
+          <p:nvPr/>
+        </p:nvSpPr>
+        <p:spPr>
+          <a:xfrm>
+            <a:off x="7552065" y="2799851"/>
+            <a:ext cx="158754" cy="149644"/>
+          </a:xfrm>
+          <a:prstGeom prst="mathMultiply">
+            <a:avLst/>
+          </a:prstGeom>
+          <a:solidFill>
+            <a:srgbClr val="FFC000"/>
+          </a:solidFill>
+          <a:ln>
+            <a:solidFill>
+              <a:srgbClr val="FFC000"/>
+            </a:solidFill>
+          </a:ln>
+        </p:spPr>
+        <p:style>
+          <a:lnRef idx="2">
+            <a:schemeClr val="accent1">
+              <a:shade val="15000"/>
+            </a:schemeClr>
+          </a:lnRef>
+          <a:fillRef idx="1">
+            <a:schemeClr val="accent1"/>
+          </a:fillRef>
+          <a:effectRef idx="0">
+            <a:schemeClr val="accent1"/>
+          </a:effectRef>
+          <a:fontRef idx="minor">
+            <a:schemeClr val="lt1"/>
+          </a:fontRef>
+        </p:style>
+        <p:txBody>
+          <a:bodyPr rtlCol="0" anchor="ctr"/>
+          <a:lstStyle/>
+          <a:p>
+            <a:pPr algn="ctr"/>
+            <a:endParaRPr lang="zh-CN" altLang="en-US"/>
+          </a:p>
+        </p:txBody>
+      </p:sp>
+      <p:sp>
+        <p:nvSpPr>
+          <p:cNvPr id="25" name="乘号 24">
+            <a:extLst>
+              <a:ext uri="{FF2B5EF4-FFF2-40B4-BE49-F238E27FC236}">
+                <a16:creationId xmlns:a16="http://schemas.microsoft.com/office/drawing/2014/main" id="{3F8FF56A-A639-2515-5FF9-6B4EFE537B55}"/>
+              </a:ext>
+            </a:extLst>
+          </p:cNvPr>
+          <p:cNvSpPr/>
+          <p:nvPr/>
+        </p:nvSpPr>
+        <p:spPr>
+          <a:xfrm>
+            <a:off x="6989389" y="2799851"/>
+            <a:ext cx="158754" cy="149644"/>
+          </a:xfrm>
+          <a:prstGeom prst="mathMultiply">
+            <a:avLst/>
+          </a:prstGeom>
+          <a:solidFill>
+            <a:srgbClr val="FFC000"/>
+          </a:solidFill>
+          <a:ln>
+            <a:solidFill>
+              <a:srgbClr val="FFC000"/>
+            </a:solidFill>
+          </a:ln>
+        </p:spPr>
+        <p:style>
+          <a:lnRef idx="2">
+            <a:schemeClr val="accent1">
+              <a:shade val="15000"/>
+            </a:schemeClr>
+          </a:lnRef>
+          <a:fillRef idx="1">
+            <a:schemeClr val="accent1"/>
+          </a:fillRef>
+          <a:effectRef idx="0">
+            <a:schemeClr val="accent1"/>
+          </a:effectRef>
+          <a:fontRef idx="minor">
+            <a:schemeClr val="lt1"/>
+          </a:fontRef>
+        </p:style>
+        <p:txBody>
+          <a:bodyPr rtlCol="0" anchor="ctr"/>
+          <a:lstStyle/>
+          <a:p>
+            <a:pPr algn="ctr"/>
+            <a:endParaRPr lang="zh-CN" altLang="en-US"/>
+          </a:p>
+        </p:txBody>
+      </p:sp>
+      <p:sp>
+        <p:nvSpPr>
+          <p:cNvPr id="34" name="乘号 33">
+            <a:extLst>
+              <a:ext uri="{FF2B5EF4-FFF2-40B4-BE49-F238E27FC236}">
+                <a16:creationId xmlns:a16="http://schemas.microsoft.com/office/drawing/2014/main" id="{E22EA049-BFF9-8286-9209-EFD2B86E8D71}"/>
+              </a:ext>
+            </a:extLst>
+          </p:cNvPr>
+          <p:cNvSpPr/>
+          <p:nvPr/>
+        </p:nvSpPr>
+        <p:spPr>
+          <a:xfrm>
+            <a:off x="6408972" y="3341903"/>
+            <a:ext cx="158754" cy="149644"/>
+          </a:xfrm>
+          <a:prstGeom prst="mathMultiply">
+            <a:avLst/>
+          </a:prstGeom>
+          <a:solidFill>
+            <a:srgbClr val="FFC000"/>
+          </a:solidFill>
+          <a:ln>
+            <a:solidFill>
+              <a:srgbClr val="FFC000"/>
+            </a:solidFill>
+          </a:ln>
+        </p:spPr>
+        <p:style>
+          <a:lnRef idx="2">
+            <a:schemeClr val="accent1">
+              <a:shade val="15000"/>
+            </a:schemeClr>
+          </a:lnRef>
+          <a:fillRef idx="1">
+            <a:schemeClr val="accent1"/>
+          </a:fillRef>
+          <a:effectRef idx="0">
+            <a:schemeClr val="accent1"/>
+          </a:effectRef>
+          <a:fontRef idx="minor">
+            <a:schemeClr val="lt1"/>
+          </a:fontRef>
+        </p:style>
+        <p:txBody>
+          <a:bodyPr rtlCol="0" anchor="ctr"/>
+          <a:lstStyle/>
+          <a:p>
+            <a:pPr algn="ctr"/>
+            <a:endParaRPr lang="zh-CN" altLang="en-US"/>
+          </a:p>
+        </p:txBody>
+      </p:sp>
+      <p:cxnSp>
+        <p:nvCxnSpPr>
+          <p:cNvPr id="37" name="直接连接符 36">
+            <a:extLst>
+              <a:ext uri="{FF2B5EF4-FFF2-40B4-BE49-F238E27FC236}">
+                <a16:creationId xmlns:a16="http://schemas.microsoft.com/office/drawing/2014/main" id="{3425946E-CD8F-B292-464E-956DC3B908FE}"/>
+              </a:ext>
+            </a:extLst>
+          </p:cNvPr>
+          <p:cNvCxnSpPr>
+            <a:cxnSpLocks/>
+          </p:cNvCxnSpPr>
+          <p:nvPr/>
+        </p:nvCxnSpPr>
+        <p:spPr>
+          <a:xfrm flipV="1">
+            <a:off x="5448693" y="2571484"/>
+            <a:ext cx="2518260" cy="1270942"/>
+          </a:xfrm>
+          <a:prstGeom prst="line">
+            <a:avLst/>
+          </a:prstGeom>
+          <a:ln w="25400"/>
+        </p:spPr>
+        <p:style>
+          <a:lnRef idx="1">
+            <a:schemeClr val="accent1"/>
+          </a:lnRef>
+          <a:fillRef idx="0">
+            <a:schemeClr val="accent1"/>
+          </a:fillRef>
+          <a:effectRef idx="0">
+            <a:schemeClr val="accent1"/>
+          </a:effectRef>
+          <a:fontRef idx="minor">
+            <a:schemeClr val="tx1"/>
+          </a:fontRef>
+        </p:style>
+      </p:cxnSp>
+      <p:sp>
+        <p:nvSpPr>
+          <p:cNvPr id="41" name="矩形 40">
+            <a:extLst>
+              <a:ext uri="{FF2B5EF4-FFF2-40B4-BE49-F238E27FC236}">
+                <a16:creationId xmlns:a16="http://schemas.microsoft.com/office/drawing/2014/main" id="{136277C1-C51E-C400-597D-33EAD869463F}"/>
+              </a:ext>
+            </a:extLst>
+          </p:cNvPr>
+          <p:cNvSpPr/>
+          <p:nvPr/>
+        </p:nvSpPr>
+        <p:spPr>
+          <a:xfrm>
+            <a:off x="7098044" y="2188934"/>
+            <a:ext cx="1423787" cy="400110"/>
+          </a:xfrm>
+          <a:prstGeom prst="rect">
+            <a:avLst/>
+          </a:prstGeom>
+          <a:noFill/>
+        </p:spPr>
+        <p:txBody>
+          <a:bodyPr wrap="none" lIns="91440" tIns="45720" rIns="91440" bIns="45720">
+            <a:spAutoFit/>
+          </a:bodyPr>
+          <a:lstStyle/>
+          <a:p>
+            <a:pPr algn="ctr"/>
+            <a:r>
+              <a:rPr lang="en-US" altLang="zh-CN" sz="2000" b="1" dirty="0">
+                <a:ln w="0"/>
+                <a:solidFill>
+                  <a:schemeClr val="accent1"/>
+                </a:solidFill>
+                <a:effectLst>
+                  <a:outerShdw blurRad="38100" dist="25400" dir="5400000" algn="ctr" rotWithShape="0">
+                    <a:srgbClr val="6E747A">
+                      <a:alpha val="43000"/>
+                    </a:srgbClr>
+                  </a:outerShdw>
+                </a:effectLst>
+              </a:rPr>
+              <a:t>y</a:t>
+            </a:r>
+            <a:r>
+              <a:rPr lang="en-US" altLang="zh-CN" sz="2000" b="1" cap="none" spc="0" dirty="0">
+                <a:ln w="0"/>
+                <a:solidFill>
+                  <a:schemeClr val="accent1"/>
+                </a:solidFill>
+                <a:effectLst>
+                  <a:outerShdw blurRad="38100" dist="25400" dir="5400000" algn="ctr" rotWithShape="0">
+                    <a:srgbClr val="6E747A">
+                      <a:alpha val="43000"/>
+                    </a:srgbClr>
+                  </a:outerShdw>
+                </a:effectLst>
+              </a:rPr>
+              <a:t> = C + Dx</a:t>
+            </a:r>
+            <a:endParaRPr lang="zh-CN" altLang="en-US" sz="2000" b="1" cap="none" spc="0" dirty="0">
+              <a:ln w="0"/>
+              <a:solidFill>
+                <a:schemeClr val="accent1"/>
+              </a:solidFill>
+              <a:effectLst>
+                <a:outerShdw blurRad="38100" dist="25400" dir="5400000" algn="ctr" rotWithShape="0">
+                  <a:srgbClr val="6E747A">
+                    <a:alpha val="43000"/>
+                  </a:srgbClr>
+                </a:outerShdw>
+              </a:effectLst>
+            </a:endParaRPr>
+          </a:p>
+        </p:txBody>
+      </p:sp>
+      <p:sp>
+        <p:nvSpPr>
+          <p:cNvPr id="5" name="乘号 4">
+            <a:extLst>
+              <a:ext uri="{FF2B5EF4-FFF2-40B4-BE49-F238E27FC236}">
+                <a16:creationId xmlns:a16="http://schemas.microsoft.com/office/drawing/2014/main" id="{71A0C54B-AFA4-927B-91B6-747471FCDBB1}"/>
+              </a:ext>
+            </a:extLst>
+          </p:cNvPr>
+          <p:cNvSpPr/>
+          <p:nvPr/>
+        </p:nvSpPr>
+        <p:spPr>
+          <a:xfrm>
+            <a:off x="5873533" y="2316757"/>
+            <a:ext cx="158754" cy="149644"/>
+          </a:xfrm>
+          <a:prstGeom prst="mathMultiply">
+            <a:avLst/>
+          </a:prstGeom>
+          <a:solidFill>
+            <a:srgbClr val="FFC000"/>
+          </a:solidFill>
+          <a:ln>
+            <a:solidFill>
+              <a:srgbClr val="FFC000"/>
+            </a:solidFill>
+          </a:ln>
+        </p:spPr>
+        <p:style>
+          <a:lnRef idx="2">
+            <a:schemeClr val="accent1">
+              <a:shade val="15000"/>
+            </a:schemeClr>
+          </a:lnRef>
+          <a:fillRef idx="1">
+            <a:schemeClr val="accent1"/>
+          </a:fillRef>
+          <a:effectRef idx="0">
+            <a:schemeClr val="accent1"/>
+          </a:effectRef>
+          <a:fontRef idx="minor">
+            <a:schemeClr val="lt1"/>
+          </a:fontRef>
+        </p:style>
+        <p:txBody>
+          <a:bodyPr rtlCol="0" anchor="ctr"/>
+          <a:lstStyle/>
+          <a:p>
+            <a:pPr algn="ctr"/>
+            <a:endParaRPr lang="zh-CN" altLang="en-US"/>
+          </a:p>
+        </p:txBody>
+      </p:sp>
+      <p:sp>
+        <p:nvSpPr>
+          <p:cNvPr id="6" name="矩形 5">
+            <a:extLst>
+              <a:ext uri="{FF2B5EF4-FFF2-40B4-BE49-F238E27FC236}">
+                <a16:creationId xmlns:a16="http://schemas.microsoft.com/office/drawing/2014/main" id="{429DF27E-F916-8CCE-E8EA-AA1DE8A0503B}"/>
+              </a:ext>
+            </a:extLst>
+          </p:cNvPr>
+          <p:cNvSpPr/>
+          <p:nvPr/>
+        </p:nvSpPr>
+        <p:spPr>
+          <a:xfrm>
+            <a:off x="4071840" y="3206955"/>
+            <a:ext cx="1627369" cy="369332"/>
+          </a:xfrm>
+          <a:prstGeom prst="rect">
+            <a:avLst/>
+          </a:prstGeom>
+          <a:noFill/>
+        </p:spPr>
+        <p:txBody>
+          <a:bodyPr wrap="none" lIns="91440" tIns="45720" rIns="91440" bIns="45720">
+            <a:spAutoFit/>
+          </a:bodyPr>
+          <a:lstStyle/>
+          <a:p>
+            <a:pPr algn="ctr"/>
+            <a:r>
+              <a:rPr lang="en-US" altLang="zh-CN" b="1" dirty="0">
+                <a:ln w="0"/>
+                <a:solidFill>
+                  <a:srgbClr val="C00000"/>
+                </a:solidFill>
+                <a:effectLst>
+                  <a:outerShdw blurRad="38100" dist="19050" dir="2700000" algn="tl" rotWithShape="0">
+                    <a:schemeClr val="dk1">
+                      <a:alpha val="40000"/>
+                    </a:schemeClr>
+                  </a:outerShdw>
+                </a:effectLst>
+              </a:rPr>
+              <a:t>outlier </a:t>
+            </a:r>
+            <a:r>
+              <a:rPr lang="zh-CN" altLang="en-US" b="1" dirty="0">
+                <a:ln w="0"/>
+                <a:solidFill>
+                  <a:srgbClr val="C00000"/>
+                </a:solidFill>
+                <a:effectLst>
+                  <a:outerShdw blurRad="38100" dist="19050" dir="2700000" algn="tl" rotWithShape="0">
+                    <a:schemeClr val="dk1">
+                      <a:alpha val="40000"/>
+                    </a:schemeClr>
+                  </a:outerShdw>
+                </a:effectLst>
+              </a:rPr>
+              <a:t>离群值</a:t>
+            </a:r>
+            <a:endParaRPr lang="zh-CN" altLang="en-US" b="1" cap="none" spc="0" dirty="0">
+              <a:ln w="0"/>
+              <a:solidFill>
+                <a:srgbClr val="C00000"/>
+              </a:solidFill>
+              <a:effectLst>
+                <a:outerShdw blurRad="38100" dist="19050" dir="2700000" algn="tl" rotWithShape="0">
+                  <a:schemeClr val="dk1">
+                    <a:alpha val="40000"/>
+                  </a:schemeClr>
+                </a:outerShdw>
+              </a:effectLst>
+            </a:endParaRPr>
+          </a:p>
+        </p:txBody>
+      </p:sp>
+      <p:sp>
+        <p:nvSpPr>
+          <p:cNvPr id="10" name="弧形 9">
+            <a:extLst>
+              <a:ext uri="{FF2B5EF4-FFF2-40B4-BE49-F238E27FC236}">
+                <a16:creationId xmlns:a16="http://schemas.microsoft.com/office/drawing/2014/main" id="{78EEA7A0-4316-788F-F1DB-39B49D64F59C}"/>
+              </a:ext>
+            </a:extLst>
+          </p:cNvPr>
+          <p:cNvSpPr/>
+          <p:nvPr/>
+        </p:nvSpPr>
+        <p:spPr>
+          <a:xfrm rot="17305394">
+            <a:off x="4366978" y="2847834"/>
+            <a:ext cx="2332206" cy="1324976"/>
+          </a:xfrm>
+          <a:prstGeom prst="arc">
+            <a:avLst/>
+          </a:prstGeom>
+          <a:ln w="25400">
+            <a:solidFill>
+              <a:srgbClr val="C00000"/>
+            </a:solidFill>
+            <a:tailEnd type="arrow"/>
+          </a:ln>
+        </p:spPr>
+        <p:style>
+          <a:lnRef idx="1">
+            <a:schemeClr val="accent1"/>
+          </a:lnRef>
+          <a:fillRef idx="0">
+            <a:schemeClr val="accent1"/>
+          </a:fillRef>
+          <a:effectRef idx="0">
+            <a:schemeClr val="accent1"/>
+          </a:effectRef>
+          <a:fontRef idx="minor">
+            <a:schemeClr val="tx1"/>
+          </a:fontRef>
+        </p:style>
+        <p:txBody>
+          <a:bodyPr rtlCol="0" anchor="ctr"/>
+          <a:lstStyle/>
+          <a:p>
+            <a:pPr algn="ctr"/>
+            <a:endParaRPr lang="zh-CN" altLang="en-US"/>
+          </a:p>
+        </p:txBody>
+      </p:sp>
+      <p:cxnSp>
+        <p:nvCxnSpPr>
+          <p:cNvPr id="12" name="直接连接符 11">
+            <a:extLst>
+              <a:ext uri="{FF2B5EF4-FFF2-40B4-BE49-F238E27FC236}">
+                <a16:creationId xmlns:a16="http://schemas.microsoft.com/office/drawing/2014/main" id="{B642A2EB-B2D9-CA3C-F3C9-34F9FFDE2F80}"/>
+              </a:ext>
+            </a:extLst>
+          </p:cNvPr>
+          <p:cNvCxnSpPr>
+            <a:cxnSpLocks/>
+          </p:cNvCxnSpPr>
+          <p:nvPr/>
+        </p:nvCxnSpPr>
+        <p:spPr>
+          <a:xfrm flipH="1">
+            <a:off x="7068766" y="2874642"/>
+            <a:ext cx="2336" cy="133222"/>
+          </a:xfrm>
+          <a:prstGeom prst="line">
+            <a:avLst/>
+          </a:prstGeom>
+          <a:ln w="25400">
+            <a:solidFill>
+              <a:srgbClr val="7030A0"/>
+            </a:solidFill>
+          </a:ln>
+        </p:spPr>
+        <p:style>
+          <a:lnRef idx="1">
+            <a:schemeClr val="accent1"/>
+          </a:lnRef>
+          <a:fillRef idx="0">
+            <a:schemeClr val="accent1"/>
+          </a:fillRef>
+          <a:effectRef idx="0">
+            <a:schemeClr val="accent1"/>
+          </a:effectRef>
+          <a:fontRef idx="minor">
+            <a:schemeClr val="tx1"/>
+          </a:fontRef>
+        </p:style>
+      </p:cxnSp>
+      <p:cxnSp>
+        <p:nvCxnSpPr>
+          <p:cNvPr id="14" name="直接连接符 13">
+            <a:extLst>
+              <a:ext uri="{FF2B5EF4-FFF2-40B4-BE49-F238E27FC236}">
+                <a16:creationId xmlns:a16="http://schemas.microsoft.com/office/drawing/2014/main" id="{512B4833-9032-6EFF-EE71-5B92C1C9DEA9}"/>
+              </a:ext>
+            </a:extLst>
+          </p:cNvPr>
+          <p:cNvCxnSpPr>
+            <a:cxnSpLocks/>
+          </p:cNvCxnSpPr>
+          <p:nvPr/>
+        </p:nvCxnSpPr>
+        <p:spPr>
+          <a:xfrm>
+            <a:off x="7637927" y="2728919"/>
+            <a:ext cx="3243" cy="144000"/>
+          </a:xfrm>
+          <a:prstGeom prst="line">
+            <a:avLst/>
+          </a:prstGeom>
+          <a:ln w="25400">
+            <a:solidFill>
+              <a:srgbClr val="7030A0"/>
+            </a:solidFill>
+          </a:ln>
+        </p:spPr>
+        <p:style>
+          <a:lnRef idx="1">
+            <a:schemeClr val="accent1"/>
+          </a:lnRef>
+          <a:fillRef idx="0">
+            <a:schemeClr val="accent1"/>
+          </a:fillRef>
+          <a:effectRef idx="0">
+            <a:schemeClr val="accent1"/>
+          </a:effectRef>
+          <a:fontRef idx="minor">
+            <a:schemeClr val="tx1"/>
+          </a:fontRef>
+        </p:style>
+      </p:cxnSp>
+      <p:cxnSp>
+        <p:nvCxnSpPr>
+          <p:cNvPr id="16" name="直接连接符 15">
+            <a:extLst>
+              <a:ext uri="{FF2B5EF4-FFF2-40B4-BE49-F238E27FC236}">
+                <a16:creationId xmlns:a16="http://schemas.microsoft.com/office/drawing/2014/main" id="{4321DC1A-F8D8-00A5-17BF-04506BADA374}"/>
+              </a:ext>
+            </a:extLst>
+          </p:cNvPr>
+          <p:cNvCxnSpPr>
+            <a:cxnSpLocks/>
+          </p:cNvCxnSpPr>
+          <p:nvPr/>
+        </p:nvCxnSpPr>
+        <p:spPr>
+          <a:xfrm>
+            <a:off x="6488349" y="3310398"/>
+            <a:ext cx="0" cy="120295"/>
+          </a:xfrm>
+          <a:prstGeom prst="line">
+            <a:avLst/>
+          </a:prstGeom>
+          <a:ln w="25400">
+            <a:solidFill>
+              <a:srgbClr val="7030A0"/>
+            </a:solidFill>
+          </a:ln>
+        </p:spPr>
+        <p:style>
+          <a:lnRef idx="1">
+            <a:schemeClr val="accent1"/>
+          </a:lnRef>
+          <a:fillRef idx="0">
+            <a:schemeClr val="accent1"/>
+          </a:fillRef>
+          <a:effectRef idx="0">
+            <a:schemeClr val="accent1"/>
+          </a:effectRef>
+          <a:fontRef idx="minor">
+            <a:schemeClr val="tx1"/>
+          </a:fontRef>
+        </p:style>
+      </p:cxnSp>
+      <p:sp>
+        <p:nvSpPr>
+          <p:cNvPr id="43" name="矩形 42">
+            <a:extLst>
+              <a:ext uri="{FF2B5EF4-FFF2-40B4-BE49-F238E27FC236}">
+                <a16:creationId xmlns:a16="http://schemas.microsoft.com/office/drawing/2014/main" id="{A4E1527C-EF1C-7545-15A0-5538D69479E0}"/>
+              </a:ext>
+            </a:extLst>
+          </p:cNvPr>
+          <p:cNvSpPr/>
+          <p:nvPr/>
+        </p:nvSpPr>
+        <p:spPr>
+          <a:xfrm>
+            <a:off x="7637086" y="2612485"/>
+            <a:ext cx="380232" cy="307777"/>
+          </a:xfrm>
+          <a:prstGeom prst="rect">
+            <a:avLst/>
+          </a:prstGeom>
+          <a:noFill/>
+        </p:spPr>
+        <p:txBody>
+          <a:bodyPr wrap="none" lIns="91440" tIns="45720" rIns="91440" bIns="45720">
+            <a:spAutoFit/>
+          </a:bodyPr>
+          <a:lstStyle/>
+          <a:p>
+            <a:pPr algn="ctr"/>
+            <a:r>
+              <a:rPr lang="en-US" altLang="zh-CN" sz="1400" b="1" cap="none" spc="0" dirty="0">
+                <a:ln w="0"/>
+                <a:solidFill>
+                  <a:srgbClr val="7030A0"/>
+                </a:solidFill>
+                <a:effectLst>
+                  <a:outerShdw blurRad="38100" dist="19050" dir="2700000" algn="tl" rotWithShape="0">
+                    <a:schemeClr val="dk1">
+                      <a:alpha val="40000"/>
+                    </a:schemeClr>
+                  </a:outerShdw>
+                </a:effectLst>
+              </a:rPr>
+              <a:t>e3</a:t>
+            </a:r>
+            <a:endParaRPr lang="zh-CN" altLang="en-US" sz="1400" b="1" cap="none" spc="0" dirty="0">
+              <a:ln w="0"/>
+              <a:solidFill>
+                <a:srgbClr val="7030A0"/>
+              </a:solidFill>
+              <a:effectLst>
+                <a:outerShdw blurRad="38100" dist="19050" dir="2700000" algn="tl" rotWithShape="0">
+                  <a:schemeClr val="dk1">
+                    <a:alpha val="40000"/>
+                  </a:schemeClr>
+                </a:outerShdw>
+              </a:effectLst>
+            </a:endParaRPr>
+          </a:p>
+        </p:txBody>
+      </p:sp>
+      <p:sp>
+        <p:nvSpPr>
+          <p:cNvPr id="44" name="矩形 43">
+            <a:extLst>
+              <a:ext uri="{FF2B5EF4-FFF2-40B4-BE49-F238E27FC236}">
+                <a16:creationId xmlns:a16="http://schemas.microsoft.com/office/drawing/2014/main" id="{691CE184-EEC4-F8BD-4323-1FCA5B88051C}"/>
+              </a:ext>
+            </a:extLst>
+          </p:cNvPr>
+          <p:cNvSpPr/>
+          <p:nvPr/>
+        </p:nvSpPr>
+        <p:spPr>
+          <a:xfrm>
+            <a:off x="6504415" y="3207952"/>
+            <a:ext cx="380232" cy="307777"/>
+          </a:xfrm>
+          <a:prstGeom prst="rect">
+            <a:avLst/>
+          </a:prstGeom>
+          <a:noFill/>
+        </p:spPr>
+        <p:txBody>
+          <a:bodyPr wrap="none" lIns="91440" tIns="45720" rIns="91440" bIns="45720">
+            <a:spAutoFit/>
+          </a:bodyPr>
+          <a:lstStyle/>
+          <a:p>
+            <a:pPr algn="ctr"/>
+            <a:r>
+              <a:rPr lang="en-US" altLang="zh-CN" sz="1400" b="1" cap="none" spc="0" dirty="0">
+                <a:ln w="0"/>
+                <a:solidFill>
+                  <a:srgbClr val="7030A0"/>
+                </a:solidFill>
+                <a:effectLst>
+                  <a:outerShdw blurRad="38100" dist="19050" dir="2700000" algn="tl" rotWithShape="0">
+                    <a:schemeClr val="dk1">
+                      <a:alpha val="40000"/>
+                    </a:schemeClr>
+                  </a:outerShdw>
+                </a:effectLst>
+              </a:rPr>
+              <a:t>e1</a:t>
+            </a:r>
+            <a:endParaRPr lang="zh-CN" altLang="en-US" sz="1400" b="1" cap="none" spc="0" dirty="0">
+              <a:ln w="0"/>
+              <a:solidFill>
+                <a:srgbClr val="7030A0"/>
+              </a:solidFill>
+              <a:effectLst>
+                <a:outerShdw blurRad="38100" dist="19050" dir="2700000" algn="tl" rotWithShape="0">
+                  <a:schemeClr val="dk1">
+                    <a:alpha val="40000"/>
+                  </a:schemeClr>
+                </a:outerShdw>
+              </a:effectLst>
+            </a:endParaRPr>
+          </a:p>
+        </p:txBody>
+      </p:sp>
+      <p:sp>
+        <p:nvSpPr>
+          <p:cNvPr id="45" name="矩形 44">
+            <a:extLst>
+              <a:ext uri="{FF2B5EF4-FFF2-40B4-BE49-F238E27FC236}">
+                <a16:creationId xmlns:a16="http://schemas.microsoft.com/office/drawing/2014/main" id="{40ED40F3-BBFD-0C53-6388-F3E64851C44D}"/>
+              </a:ext>
+            </a:extLst>
+          </p:cNvPr>
+          <p:cNvSpPr/>
+          <p:nvPr/>
+        </p:nvSpPr>
+        <p:spPr>
+          <a:xfrm>
+            <a:off x="6707823" y="2790919"/>
+            <a:ext cx="380232" cy="307777"/>
+          </a:xfrm>
+          <a:prstGeom prst="rect">
+            <a:avLst/>
+          </a:prstGeom>
+          <a:noFill/>
+        </p:spPr>
+        <p:txBody>
+          <a:bodyPr wrap="none" lIns="91440" tIns="45720" rIns="91440" bIns="45720">
+            <a:spAutoFit/>
+          </a:bodyPr>
+          <a:lstStyle/>
+          <a:p>
+            <a:pPr algn="ctr"/>
+            <a:r>
+              <a:rPr lang="en-US" altLang="zh-CN" sz="1400" b="1" cap="none" spc="0" dirty="0">
+                <a:ln w="0"/>
+                <a:solidFill>
+                  <a:srgbClr val="7030A0"/>
+                </a:solidFill>
+                <a:effectLst>
+                  <a:outerShdw blurRad="38100" dist="19050" dir="2700000" algn="tl" rotWithShape="0">
+                    <a:schemeClr val="dk1">
+                      <a:alpha val="40000"/>
+                    </a:schemeClr>
+                  </a:outerShdw>
+                </a:effectLst>
+              </a:rPr>
+              <a:t>e2</a:t>
+            </a:r>
+            <a:endParaRPr lang="zh-CN" altLang="en-US" sz="1400" b="1" cap="none" spc="0" dirty="0">
+              <a:ln w="0"/>
+              <a:solidFill>
+                <a:srgbClr val="7030A0"/>
+              </a:solidFill>
+              <a:effectLst>
+                <a:outerShdw blurRad="38100" dist="19050" dir="2700000" algn="tl" rotWithShape="0">
+                  <a:schemeClr val="dk1">
+                    <a:alpha val="40000"/>
+                  </a:schemeClr>
+                </a:outerShdw>
+              </a:effectLst>
+            </a:endParaRPr>
+          </a:p>
+        </p:txBody>
+      </p:sp>
+    </p:spTree>
+    <p:extLst>
+      <p:ext uri="{BB962C8B-B14F-4D97-AF65-F5344CB8AC3E}">
+        <p14:creationId xmlns:p14="http://schemas.microsoft.com/office/powerpoint/2010/main" val="527343524"/>
+      </p:ext>
+    </p:extLst>
+  </p:cSld>
+  <p:clrMapOvr>
+    <a:masterClrMapping/>
+  </p:clrMapOvr>
+</p:sld>
+</file>
+
 <file path=ppt/slides/slide2.xml><?xml version="1.0" encoding="utf-8"?>
 <p:sld xmlns:a="http://schemas.openxmlformats.org/drawingml/2006/main" xmlns:r="http://schemas.openxmlformats.org/officeDocument/2006/relationships" xmlns:p="http://schemas.openxmlformats.org/presentationml/2006/main">
   <p:cSld>

--- a/notes/campus.pptx
+++ b/notes/campus.pptx
@@ -20,6 +20,7 @@
     <p:sldId id="269" r:id="rId14"/>
     <p:sldId id="270" r:id="rId15"/>
     <p:sldId id="271" r:id="rId16"/>
+    <p:sldId id="272" r:id="rId17"/>
   </p:sldIdLst>
   <p:sldSz cx="12192000" cy="6858000"/>
   <p:notesSz cx="6858000" cy="9144000"/>
@@ -9568,6 +9569,778 @@
 </p:sld>
 </file>
 
+<file path=ppt/slides/slide16.xml><?xml version="1.0" encoding="utf-8"?>
+<p:sld xmlns:a="http://schemas.openxmlformats.org/drawingml/2006/main" xmlns:r="http://schemas.openxmlformats.org/officeDocument/2006/relationships" xmlns:p="http://schemas.openxmlformats.org/presentationml/2006/main">
+  <p:cSld>
+    <p:spTree>
+      <p:nvGrpSpPr>
+        <p:cNvPr id="1" name=""/>
+        <p:cNvGrpSpPr/>
+        <p:nvPr/>
+      </p:nvGrpSpPr>
+      <p:grpSpPr>
+        <a:xfrm>
+          <a:off x="0" y="0"/>
+          <a:ext cx="0" cy="0"/>
+          <a:chOff x="0" y="0"/>
+          <a:chExt cx="0" cy="0"/>
+        </a:xfrm>
+      </p:grpSpPr>
+      <p:cxnSp>
+        <p:nvCxnSpPr>
+          <p:cNvPr id="3" name="直接箭头连接符 2">
+            <a:extLst>
+              <a:ext uri="{FF2B5EF4-FFF2-40B4-BE49-F238E27FC236}">
+                <a16:creationId xmlns:a16="http://schemas.microsoft.com/office/drawing/2014/main" id="{9EF88798-0F42-8C73-BFF2-C6611440309A}"/>
+              </a:ext>
+            </a:extLst>
+          </p:cNvPr>
+          <p:cNvCxnSpPr>
+            <a:cxnSpLocks/>
+          </p:cNvCxnSpPr>
+          <p:nvPr/>
+        </p:nvCxnSpPr>
+        <p:spPr>
+          <a:xfrm flipV="1">
+            <a:off x="6287678" y="4369244"/>
+            <a:ext cx="3205114" cy="462953"/>
+          </a:xfrm>
+          <a:prstGeom prst="straightConnector1">
+            <a:avLst/>
+          </a:prstGeom>
+          <a:ln w="25400">
+            <a:solidFill>
+              <a:srgbClr val="FFC000"/>
+            </a:solidFill>
+            <a:tailEnd type="arrow"/>
+          </a:ln>
+        </p:spPr>
+        <p:style>
+          <a:lnRef idx="1">
+            <a:schemeClr val="accent1"/>
+          </a:lnRef>
+          <a:fillRef idx="0">
+            <a:schemeClr val="accent1"/>
+          </a:fillRef>
+          <a:effectRef idx="0">
+            <a:schemeClr val="accent1"/>
+          </a:effectRef>
+          <a:fontRef idx="minor">
+            <a:schemeClr val="tx1"/>
+          </a:fontRef>
+        </p:style>
+      </p:cxnSp>
+      <p:sp>
+        <p:nvSpPr>
+          <p:cNvPr id="7" name="矩形 6">
+            <a:extLst>
+              <a:ext uri="{FF2B5EF4-FFF2-40B4-BE49-F238E27FC236}">
+                <a16:creationId xmlns:a16="http://schemas.microsoft.com/office/drawing/2014/main" id="{0E198224-D6CE-505C-B996-72F758F0C119}"/>
+              </a:ext>
+            </a:extLst>
+          </p:cNvPr>
+          <p:cNvSpPr/>
+          <p:nvPr/>
+        </p:nvSpPr>
+        <p:spPr>
+          <a:xfrm>
+            <a:off x="8595706" y="4435336"/>
+            <a:ext cx="934871" cy="461665"/>
+          </a:xfrm>
+          <a:prstGeom prst="rect">
+            <a:avLst/>
+          </a:prstGeom>
+          <a:noFill/>
+        </p:spPr>
+        <p:txBody>
+          <a:bodyPr wrap="none" lIns="91440" tIns="45720" rIns="91440" bIns="45720">
+            <a:spAutoFit/>
+          </a:bodyPr>
+          <a:lstStyle/>
+          <a:p>
+            <a:pPr algn="ctr"/>
+            <a:r>
+              <a:rPr lang="en-US" altLang="zh-CN" sz="2400" b="1" cap="none" spc="0" dirty="0">
+                <a:ln w="0"/>
+                <a:solidFill>
+                  <a:schemeClr val="tx1"/>
+                </a:solidFill>
+                <a:effectLst>
+                  <a:outerShdw blurRad="38100" dist="19050" dir="2700000" algn="tl" rotWithShape="0">
+                    <a:schemeClr val="dk1">
+                      <a:alpha val="40000"/>
+                    </a:schemeClr>
+                  </a:outerShdw>
+                </a:effectLst>
+              </a:rPr>
+              <a:t>a = </a:t>
+            </a:r>
+            <a:r>
+              <a:rPr lang="en-US" altLang="zh-CN" sz="2400" b="1" cap="none" spc="0" dirty="0">
+                <a:ln w="0"/>
+                <a:solidFill>
+                  <a:srgbClr val="FFC000"/>
+                </a:solidFill>
+                <a:effectLst>
+                  <a:outerShdw blurRad="38100" dist="19050" dir="2700000" algn="tl" rotWithShape="0">
+                    <a:schemeClr val="dk1">
+                      <a:alpha val="40000"/>
+                    </a:schemeClr>
+                  </a:outerShdw>
+                </a:effectLst>
+              </a:rPr>
+              <a:t>A</a:t>
+            </a:r>
+            <a:endParaRPr lang="zh-CN" altLang="en-US" sz="2400" b="1" cap="none" spc="0" dirty="0">
+              <a:ln w="0"/>
+              <a:solidFill>
+                <a:srgbClr val="FFC000"/>
+              </a:solidFill>
+              <a:effectLst>
+                <a:outerShdw blurRad="38100" dist="19050" dir="2700000" algn="tl" rotWithShape="0">
+                  <a:schemeClr val="dk1">
+                    <a:alpha val="40000"/>
+                  </a:schemeClr>
+                </a:outerShdw>
+              </a:effectLst>
+            </a:endParaRPr>
+          </a:p>
+        </p:txBody>
+      </p:sp>
+      <p:cxnSp>
+        <p:nvCxnSpPr>
+          <p:cNvPr id="12" name="直接连接符 11">
+            <a:extLst>
+              <a:ext uri="{FF2B5EF4-FFF2-40B4-BE49-F238E27FC236}">
+                <a16:creationId xmlns:a16="http://schemas.microsoft.com/office/drawing/2014/main" id="{0092C623-99A1-9C27-33EE-FD5782615971}"/>
+              </a:ext>
+            </a:extLst>
+          </p:cNvPr>
+          <p:cNvCxnSpPr>
+            <a:cxnSpLocks/>
+          </p:cNvCxnSpPr>
+          <p:nvPr/>
+        </p:nvCxnSpPr>
+        <p:spPr>
+          <a:xfrm flipV="1">
+            <a:off x="6287678" y="3429000"/>
+            <a:ext cx="1725106" cy="1403197"/>
+          </a:xfrm>
+          <a:prstGeom prst="line">
+            <a:avLst/>
+          </a:prstGeom>
+          <a:ln w="25400">
+            <a:solidFill>
+              <a:schemeClr val="tx1"/>
+            </a:solidFill>
+            <a:tailEnd type="arrow"/>
+          </a:ln>
+        </p:spPr>
+        <p:style>
+          <a:lnRef idx="1">
+            <a:schemeClr val="accent1"/>
+          </a:lnRef>
+          <a:fillRef idx="0">
+            <a:schemeClr val="accent1"/>
+          </a:fillRef>
+          <a:effectRef idx="0">
+            <a:schemeClr val="accent1"/>
+          </a:effectRef>
+          <a:fontRef idx="minor">
+            <a:schemeClr val="tx1"/>
+          </a:fontRef>
+        </p:style>
+      </p:cxnSp>
+      <p:cxnSp>
+        <p:nvCxnSpPr>
+          <p:cNvPr id="14" name="直接连接符 13">
+            <a:extLst>
+              <a:ext uri="{FF2B5EF4-FFF2-40B4-BE49-F238E27FC236}">
+                <a16:creationId xmlns:a16="http://schemas.microsoft.com/office/drawing/2014/main" id="{11B52BA6-759F-D695-AF68-04F858C9D075}"/>
+              </a:ext>
+            </a:extLst>
+          </p:cNvPr>
+          <p:cNvCxnSpPr>
+            <a:cxnSpLocks/>
+            <a:stCxn id="18" idx="1"/>
+          </p:cNvCxnSpPr>
+          <p:nvPr/>
+        </p:nvCxnSpPr>
+        <p:spPr>
+          <a:xfrm>
+            <a:off x="8012784" y="3437458"/>
+            <a:ext cx="137326" cy="1163262"/>
+          </a:xfrm>
+          <a:prstGeom prst="line">
+            <a:avLst/>
+          </a:prstGeom>
+          <a:ln w="25400">
+            <a:solidFill>
+              <a:srgbClr val="7030A0"/>
+            </a:solidFill>
+            <a:prstDash val="dash"/>
+            <a:tailEnd type="none"/>
+          </a:ln>
+        </p:spPr>
+        <p:style>
+          <a:lnRef idx="1">
+            <a:schemeClr val="accent1"/>
+          </a:lnRef>
+          <a:fillRef idx="0">
+            <a:schemeClr val="accent1"/>
+          </a:fillRef>
+          <a:effectRef idx="0">
+            <a:schemeClr val="accent1"/>
+          </a:effectRef>
+          <a:fontRef idx="minor">
+            <a:schemeClr val="tx1"/>
+          </a:fontRef>
+        </p:style>
+      </p:cxnSp>
+      <p:sp>
+        <p:nvSpPr>
+          <p:cNvPr id="18" name="矩形 17">
+            <a:extLst>
+              <a:ext uri="{FF2B5EF4-FFF2-40B4-BE49-F238E27FC236}">
+                <a16:creationId xmlns:a16="http://schemas.microsoft.com/office/drawing/2014/main" id="{0148B290-B7C5-05E6-7799-62F80F0F7B66}"/>
+              </a:ext>
+            </a:extLst>
+          </p:cNvPr>
+          <p:cNvSpPr/>
+          <p:nvPr/>
+        </p:nvSpPr>
+        <p:spPr>
+          <a:xfrm>
+            <a:off x="8012784" y="3206625"/>
+            <a:ext cx="370615" cy="461665"/>
+          </a:xfrm>
+          <a:prstGeom prst="rect">
+            <a:avLst/>
+          </a:prstGeom>
+          <a:noFill/>
+        </p:spPr>
+        <p:txBody>
+          <a:bodyPr wrap="none" lIns="91440" tIns="45720" rIns="91440" bIns="45720">
+            <a:spAutoFit/>
+          </a:bodyPr>
+          <a:lstStyle/>
+          <a:p>
+            <a:pPr algn="ctr"/>
+            <a:r>
+              <a:rPr lang="en-US" altLang="zh-CN" sz="2400" b="1" dirty="0">
+                <a:ln w="0"/>
+                <a:effectLst>
+                  <a:outerShdw blurRad="38100" dist="25400" dir="5400000" algn="ctr" rotWithShape="0">
+                    <a:srgbClr val="6E747A">
+                      <a:alpha val="43000"/>
+                    </a:srgbClr>
+                  </a:outerShdw>
+                </a:effectLst>
+              </a:rPr>
+              <a:t>b</a:t>
+            </a:r>
+            <a:endParaRPr lang="zh-CN" altLang="en-US" sz="2400" b="1" cap="none" spc="0" dirty="0">
+              <a:ln w="0"/>
+              <a:effectLst>
+                <a:outerShdw blurRad="38100" dist="25400" dir="5400000" algn="ctr" rotWithShape="0">
+                  <a:srgbClr val="6E747A">
+                    <a:alpha val="43000"/>
+                  </a:srgbClr>
+                </a:outerShdw>
+              </a:effectLst>
+            </a:endParaRPr>
+          </a:p>
+        </p:txBody>
+      </p:sp>
+      <p:cxnSp>
+        <p:nvCxnSpPr>
+          <p:cNvPr id="25" name="直接连接符 24">
+            <a:extLst>
+              <a:ext uri="{FF2B5EF4-FFF2-40B4-BE49-F238E27FC236}">
+                <a16:creationId xmlns:a16="http://schemas.microsoft.com/office/drawing/2014/main" id="{712B3AA8-F7C8-171A-F725-18FF3F1E94E8}"/>
+              </a:ext>
+            </a:extLst>
+          </p:cNvPr>
+          <p:cNvCxnSpPr>
+            <a:cxnSpLocks/>
+          </p:cNvCxnSpPr>
+          <p:nvPr/>
+        </p:nvCxnSpPr>
+        <p:spPr>
+          <a:xfrm flipH="1" flipV="1">
+            <a:off x="6143261" y="3736075"/>
+            <a:ext cx="144417" cy="1100061"/>
+          </a:xfrm>
+          <a:prstGeom prst="line">
+            <a:avLst/>
+          </a:prstGeom>
+          <a:ln w="25400">
+            <a:solidFill>
+              <a:srgbClr val="FFC000"/>
+            </a:solidFill>
+            <a:tailEnd type="arrow"/>
+          </a:ln>
+        </p:spPr>
+        <p:style>
+          <a:lnRef idx="1">
+            <a:schemeClr val="accent1"/>
+          </a:lnRef>
+          <a:fillRef idx="0">
+            <a:schemeClr val="accent1"/>
+          </a:fillRef>
+          <a:effectRef idx="0">
+            <a:schemeClr val="accent1"/>
+          </a:effectRef>
+          <a:fontRef idx="minor">
+            <a:schemeClr val="tx1"/>
+          </a:fontRef>
+        </p:style>
+      </p:cxnSp>
+      <p:sp>
+        <p:nvSpPr>
+          <p:cNvPr id="26" name="矩形 25">
+            <a:extLst>
+              <a:ext uri="{FF2B5EF4-FFF2-40B4-BE49-F238E27FC236}">
+                <a16:creationId xmlns:a16="http://schemas.microsoft.com/office/drawing/2014/main" id="{DA26B362-087E-B3DF-1754-690D068B1666}"/>
+              </a:ext>
+            </a:extLst>
+          </p:cNvPr>
+          <p:cNvSpPr/>
+          <p:nvPr/>
+        </p:nvSpPr>
+        <p:spPr>
+          <a:xfrm>
+            <a:off x="5425739" y="3768561"/>
+            <a:ext cx="747320" cy="461665"/>
+          </a:xfrm>
+          <a:prstGeom prst="rect">
+            <a:avLst/>
+          </a:prstGeom>
+          <a:noFill/>
+        </p:spPr>
+        <p:txBody>
+          <a:bodyPr wrap="square" lIns="91440" tIns="45720" rIns="91440" bIns="45720">
+            <a:spAutoFit/>
+          </a:bodyPr>
+          <a:lstStyle/>
+          <a:p>
+            <a:pPr algn="ctr"/>
+            <a:r>
+              <a:rPr lang="en-US" altLang="zh-CN" sz="2400" b="1" cap="none" spc="0" dirty="0">
+                <a:ln w="0"/>
+                <a:solidFill>
+                  <a:srgbClr val="FFC000"/>
+                </a:solidFill>
+                <a:effectLst>
+                  <a:outerShdw blurRad="38100" dist="25400" dir="5400000" algn="ctr" rotWithShape="0">
+                    <a:srgbClr val="6E747A">
+                      <a:alpha val="43000"/>
+                    </a:srgbClr>
+                  </a:outerShdw>
+                </a:effectLst>
+              </a:rPr>
+              <a:t>B</a:t>
+            </a:r>
+            <a:r>
+              <a:rPr lang="en-US" altLang="zh-CN" sz="2400" b="1" cap="none" spc="0" dirty="0">
+                <a:ln w="0"/>
+                <a:effectLst>
+                  <a:outerShdw blurRad="38100" dist="25400" dir="5400000" algn="ctr" rotWithShape="0">
+                    <a:srgbClr val="6E747A">
+                      <a:alpha val="43000"/>
+                    </a:srgbClr>
+                  </a:outerShdw>
+                </a:effectLst>
+              </a:rPr>
+              <a:t>=e</a:t>
+            </a:r>
+            <a:endParaRPr lang="zh-CN" altLang="en-US" sz="2400" b="1" cap="none" spc="0" dirty="0">
+              <a:ln w="0"/>
+              <a:effectLst>
+                <a:outerShdw blurRad="38100" dist="25400" dir="5400000" algn="ctr" rotWithShape="0">
+                  <a:srgbClr val="6E747A">
+                    <a:alpha val="43000"/>
+                  </a:srgbClr>
+                </a:outerShdw>
+              </a:effectLst>
+            </a:endParaRPr>
+          </a:p>
+        </p:txBody>
+      </p:sp>
+      <p:grpSp>
+        <p:nvGrpSpPr>
+          <p:cNvPr id="38" name="组合 37">
+            <a:extLst>
+              <a:ext uri="{FF2B5EF4-FFF2-40B4-BE49-F238E27FC236}">
+                <a16:creationId xmlns:a16="http://schemas.microsoft.com/office/drawing/2014/main" id="{FDF2460A-4516-B5BF-715D-DB6A16DC14C9}"/>
+              </a:ext>
+            </a:extLst>
+          </p:cNvPr>
+          <p:cNvGrpSpPr/>
+          <p:nvPr/>
+        </p:nvGrpSpPr>
+        <p:grpSpPr>
+          <a:xfrm rot="4881318">
+            <a:off x="6170567" y="3698304"/>
+            <a:ext cx="165370" cy="165370"/>
+            <a:chOff x="2830749" y="1896894"/>
+            <a:chExt cx="165370" cy="165370"/>
+          </a:xfrm>
+        </p:grpSpPr>
+        <p:cxnSp>
+          <p:nvCxnSpPr>
+            <p:cNvPr id="32" name="直接连接符 31">
+              <a:extLst>
+                <a:ext uri="{FF2B5EF4-FFF2-40B4-BE49-F238E27FC236}">
+                  <a16:creationId xmlns:a16="http://schemas.microsoft.com/office/drawing/2014/main" id="{747557D9-1FD9-EC41-49A4-66407C34AFE0}"/>
+                </a:ext>
+              </a:extLst>
+            </p:cNvPr>
+            <p:cNvCxnSpPr/>
+            <p:nvPr/>
+          </p:nvCxnSpPr>
+          <p:spPr>
+            <a:xfrm>
+              <a:off x="2830749" y="1896894"/>
+              <a:ext cx="165370" cy="0"/>
+            </a:xfrm>
+            <a:prstGeom prst="line">
+              <a:avLst/>
+            </a:prstGeom>
+            <a:ln w="25400">
+              <a:solidFill>
+                <a:srgbClr val="7030A0"/>
+              </a:solidFill>
+            </a:ln>
+          </p:spPr>
+          <p:style>
+            <a:lnRef idx="1">
+              <a:schemeClr val="accent1"/>
+            </a:lnRef>
+            <a:fillRef idx="0">
+              <a:schemeClr val="accent1"/>
+            </a:fillRef>
+            <a:effectRef idx="0">
+              <a:schemeClr val="accent1"/>
+            </a:effectRef>
+            <a:fontRef idx="minor">
+              <a:schemeClr val="tx1"/>
+            </a:fontRef>
+          </p:style>
+        </p:cxnSp>
+        <p:cxnSp>
+          <p:nvCxnSpPr>
+            <p:cNvPr id="33" name="直接连接符 32">
+              <a:extLst>
+                <a:ext uri="{FF2B5EF4-FFF2-40B4-BE49-F238E27FC236}">
+                  <a16:creationId xmlns:a16="http://schemas.microsoft.com/office/drawing/2014/main" id="{6356B6C4-B763-8FAF-CE58-535F4CB2B95F}"/>
+                </a:ext>
+              </a:extLst>
+            </p:cNvPr>
+            <p:cNvCxnSpPr>
+              <a:cxnSpLocks/>
+            </p:cNvCxnSpPr>
+            <p:nvPr/>
+          </p:nvCxnSpPr>
+          <p:spPr>
+            <a:xfrm>
+              <a:off x="2986391" y="1896894"/>
+              <a:ext cx="0" cy="165370"/>
+            </a:xfrm>
+            <a:prstGeom prst="line">
+              <a:avLst/>
+            </a:prstGeom>
+            <a:ln w="25400">
+              <a:solidFill>
+                <a:srgbClr val="7030A0"/>
+              </a:solidFill>
+            </a:ln>
+          </p:spPr>
+          <p:style>
+            <a:lnRef idx="1">
+              <a:schemeClr val="accent1"/>
+            </a:lnRef>
+            <a:fillRef idx="0">
+              <a:schemeClr val="accent1"/>
+            </a:fillRef>
+            <a:effectRef idx="0">
+              <a:schemeClr val="accent1"/>
+            </a:effectRef>
+            <a:fontRef idx="minor">
+              <a:schemeClr val="tx1"/>
+            </a:fontRef>
+          </p:style>
+        </p:cxnSp>
+      </p:grpSp>
+      <p:cxnSp>
+        <p:nvCxnSpPr>
+          <p:cNvPr id="8" name="直接连接符 7">
+            <a:extLst>
+              <a:ext uri="{FF2B5EF4-FFF2-40B4-BE49-F238E27FC236}">
+                <a16:creationId xmlns:a16="http://schemas.microsoft.com/office/drawing/2014/main" id="{CDC95A87-4E51-C06B-81E3-C5D7B243DCDA}"/>
+              </a:ext>
+            </a:extLst>
+          </p:cNvPr>
+          <p:cNvCxnSpPr>
+            <a:cxnSpLocks/>
+            <a:endCxn id="18" idx="1"/>
+          </p:cNvCxnSpPr>
+          <p:nvPr/>
+        </p:nvCxnSpPr>
+        <p:spPr>
+          <a:xfrm flipV="1">
+            <a:off x="6143261" y="3437458"/>
+            <a:ext cx="1869523" cy="278393"/>
+          </a:xfrm>
+          <a:prstGeom prst="line">
+            <a:avLst/>
+          </a:prstGeom>
+          <a:ln w="25400">
+            <a:solidFill>
+              <a:srgbClr val="7030A0"/>
+            </a:solidFill>
+            <a:prstDash val="dash"/>
+            <a:tailEnd type="none"/>
+          </a:ln>
+        </p:spPr>
+        <p:style>
+          <a:lnRef idx="1">
+            <a:schemeClr val="accent1"/>
+          </a:lnRef>
+          <a:fillRef idx="0">
+            <a:schemeClr val="accent1"/>
+          </a:fillRef>
+          <a:effectRef idx="0">
+            <a:schemeClr val="accent1"/>
+          </a:effectRef>
+          <a:fontRef idx="minor">
+            <a:schemeClr val="tx1"/>
+          </a:fontRef>
+        </p:style>
+      </p:cxnSp>
+      <p:grpSp>
+        <p:nvGrpSpPr>
+          <p:cNvPr id="17" name="组合 16">
+            <a:extLst>
+              <a:ext uri="{FF2B5EF4-FFF2-40B4-BE49-F238E27FC236}">
+                <a16:creationId xmlns:a16="http://schemas.microsoft.com/office/drawing/2014/main" id="{C3249BBF-A8E8-6446-50F4-8A895EDB2C18}"/>
+              </a:ext>
+            </a:extLst>
+          </p:cNvPr>
+          <p:cNvGrpSpPr/>
+          <p:nvPr/>
+        </p:nvGrpSpPr>
+        <p:grpSpPr>
+          <a:xfrm rot="21233138">
+            <a:off x="8158415" y="4377059"/>
+            <a:ext cx="165370" cy="165370"/>
+            <a:chOff x="2830749" y="1896894"/>
+            <a:chExt cx="165370" cy="165370"/>
+          </a:xfrm>
+        </p:grpSpPr>
+        <p:cxnSp>
+          <p:nvCxnSpPr>
+            <p:cNvPr id="19" name="直接连接符 18">
+              <a:extLst>
+                <a:ext uri="{FF2B5EF4-FFF2-40B4-BE49-F238E27FC236}">
+                  <a16:creationId xmlns:a16="http://schemas.microsoft.com/office/drawing/2014/main" id="{9ABB97CD-6399-94A8-9CB5-FF4CA0378DC6}"/>
+                </a:ext>
+              </a:extLst>
+            </p:cNvPr>
+            <p:cNvCxnSpPr/>
+            <p:nvPr/>
+          </p:nvCxnSpPr>
+          <p:spPr>
+            <a:xfrm>
+              <a:off x="2830749" y="1896894"/>
+              <a:ext cx="165370" cy="0"/>
+            </a:xfrm>
+            <a:prstGeom prst="line">
+              <a:avLst/>
+            </a:prstGeom>
+            <a:ln w="25400">
+              <a:solidFill>
+                <a:srgbClr val="7030A0"/>
+              </a:solidFill>
+            </a:ln>
+          </p:spPr>
+          <p:style>
+            <a:lnRef idx="1">
+              <a:schemeClr val="accent1"/>
+            </a:lnRef>
+            <a:fillRef idx="0">
+              <a:schemeClr val="accent1"/>
+            </a:fillRef>
+            <a:effectRef idx="0">
+              <a:schemeClr val="accent1"/>
+            </a:effectRef>
+            <a:fontRef idx="minor">
+              <a:schemeClr val="tx1"/>
+            </a:fontRef>
+          </p:style>
+        </p:cxnSp>
+        <p:cxnSp>
+          <p:nvCxnSpPr>
+            <p:cNvPr id="21" name="直接连接符 20">
+              <a:extLst>
+                <a:ext uri="{FF2B5EF4-FFF2-40B4-BE49-F238E27FC236}">
+                  <a16:creationId xmlns:a16="http://schemas.microsoft.com/office/drawing/2014/main" id="{F3E81936-9421-4B92-E83F-0CEBBC68CE3A}"/>
+                </a:ext>
+              </a:extLst>
+            </p:cNvPr>
+            <p:cNvCxnSpPr>
+              <a:cxnSpLocks/>
+            </p:cNvCxnSpPr>
+            <p:nvPr/>
+          </p:nvCxnSpPr>
+          <p:spPr>
+            <a:xfrm>
+              <a:off x="2986391" y="1896894"/>
+              <a:ext cx="0" cy="165370"/>
+            </a:xfrm>
+            <a:prstGeom prst="line">
+              <a:avLst/>
+            </a:prstGeom>
+            <a:ln w="25400">
+              <a:solidFill>
+                <a:srgbClr val="7030A0"/>
+              </a:solidFill>
+            </a:ln>
+          </p:spPr>
+          <p:style>
+            <a:lnRef idx="1">
+              <a:schemeClr val="accent1"/>
+            </a:lnRef>
+            <a:fillRef idx="0">
+              <a:schemeClr val="accent1"/>
+            </a:fillRef>
+            <a:effectRef idx="0">
+              <a:schemeClr val="accent1"/>
+            </a:effectRef>
+            <a:fontRef idx="minor">
+              <a:schemeClr val="tx1"/>
+            </a:fontRef>
+          </p:style>
+        </p:cxnSp>
+      </p:grpSp>
+      <p:grpSp>
+        <p:nvGrpSpPr>
+          <p:cNvPr id="29" name="组合 28">
+            <a:extLst>
+              <a:ext uri="{FF2B5EF4-FFF2-40B4-BE49-F238E27FC236}">
+                <a16:creationId xmlns:a16="http://schemas.microsoft.com/office/drawing/2014/main" id="{5AA55905-3FFE-9114-D7E4-5FAE1AD82968}"/>
+              </a:ext>
+            </a:extLst>
+          </p:cNvPr>
+          <p:cNvGrpSpPr/>
+          <p:nvPr/>
+        </p:nvGrpSpPr>
+        <p:grpSpPr>
+          <a:xfrm rot="21233138">
+            <a:off x="6272555" y="4657897"/>
+            <a:ext cx="165370" cy="165370"/>
+            <a:chOff x="2830749" y="1896894"/>
+            <a:chExt cx="165370" cy="165370"/>
+          </a:xfrm>
+        </p:grpSpPr>
+        <p:cxnSp>
+          <p:nvCxnSpPr>
+            <p:cNvPr id="30" name="直接连接符 29">
+              <a:extLst>
+                <a:ext uri="{FF2B5EF4-FFF2-40B4-BE49-F238E27FC236}">
+                  <a16:creationId xmlns:a16="http://schemas.microsoft.com/office/drawing/2014/main" id="{8A348BBF-1CE2-4109-352A-E0C447639297}"/>
+                </a:ext>
+              </a:extLst>
+            </p:cNvPr>
+            <p:cNvCxnSpPr/>
+            <p:nvPr/>
+          </p:nvCxnSpPr>
+          <p:spPr>
+            <a:xfrm>
+              <a:off x="2830749" y="1896894"/>
+              <a:ext cx="165370" cy="0"/>
+            </a:xfrm>
+            <a:prstGeom prst="line">
+              <a:avLst/>
+            </a:prstGeom>
+            <a:ln w="25400">
+              <a:solidFill>
+                <a:srgbClr val="7030A0"/>
+              </a:solidFill>
+            </a:ln>
+          </p:spPr>
+          <p:style>
+            <a:lnRef idx="1">
+              <a:schemeClr val="accent1"/>
+            </a:lnRef>
+            <a:fillRef idx="0">
+              <a:schemeClr val="accent1"/>
+            </a:fillRef>
+            <a:effectRef idx="0">
+              <a:schemeClr val="accent1"/>
+            </a:effectRef>
+            <a:fontRef idx="minor">
+              <a:schemeClr val="tx1"/>
+            </a:fontRef>
+          </p:style>
+        </p:cxnSp>
+        <p:cxnSp>
+          <p:nvCxnSpPr>
+            <p:cNvPr id="31" name="直接连接符 30">
+              <a:extLst>
+                <a:ext uri="{FF2B5EF4-FFF2-40B4-BE49-F238E27FC236}">
+                  <a16:creationId xmlns:a16="http://schemas.microsoft.com/office/drawing/2014/main" id="{F7850BD2-97CF-1D2D-F338-4863F12700AE}"/>
+                </a:ext>
+              </a:extLst>
+            </p:cNvPr>
+            <p:cNvCxnSpPr>
+              <a:cxnSpLocks/>
+            </p:cNvCxnSpPr>
+            <p:nvPr/>
+          </p:nvCxnSpPr>
+          <p:spPr>
+            <a:xfrm>
+              <a:off x="2986391" y="1896894"/>
+              <a:ext cx="0" cy="165370"/>
+            </a:xfrm>
+            <a:prstGeom prst="line">
+              <a:avLst/>
+            </a:prstGeom>
+            <a:ln w="25400">
+              <a:solidFill>
+                <a:srgbClr val="7030A0"/>
+              </a:solidFill>
+            </a:ln>
+          </p:spPr>
+          <p:style>
+            <a:lnRef idx="1">
+              <a:schemeClr val="accent1"/>
+            </a:lnRef>
+            <a:fillRef idx="0">
+              <a:schemeClr val="accent1"/>
+            </a:fillRef>
+            <a:effectRef idx="0">
+              <a:schemeClr val="accent1"/>
+            </a:effectRef>
+            <a:fontRef idx="minor">
+              <a:schemeClr val="tx1"/>
+            </a:fontRef>
+          </p:style>
+        </p:cxnSp>
+      </p:grpSp>
+    </p:spTree>
+    <p:extLst>
+      <p:ext uri="{BB962C8B-B14F-4D97-AF65-F5344CB8AC3E}">
+        <p14:creationId xmlns:p14="http://schemas.microsoft.com/office/powerpoint/2010/main" val="3330512696"/>
+      </p:ext>
+    </p:extLst>
+  </p:cSld>
+  <p:clrMapOvr>
+    <a:masterClrMapping/>
+  </p:clrMapOvr>
+</p:sld>
+</file>
+
 <file path=ppt/slides/slide2.xml><?xml version="1.0" encoding="utf-8"?>
 <p:sld xmlns:a="http://schemas.openxmlformats.org/drawingml/2006/main" xmlns:r="http://schemas.openxmlformats.org/officeDocument/2006/relationships" xmlns:p="http://schemas.openxmlformats.org/presentationml/2006/main">
   <p:cSld>

--- a/notes/campus.pptx
+++ b/notes/campus.pptx
@@ -21,6 +21,10 @@
     <p:sldId id="270" r:id="rId15"/>
     <p:sldId id="271" r:id="rId16"/>
     <p:sldId id="272" r:id="rId17"/>
+    <p:sldId id="273" r:id="rId18"/>
+    <p:sldId id="274" r:id="rId19"/>
+    <p:sldId id="275" r:id="rId20"/>
+    <p:sldId id="276" r:id="rId21"/>
   </p:sldIdLst>
   <p:sldSz cx="12192000" cy="6858000"/>
   <p:notesSz cx="6858000" cy="9144000"/>
@@ -274,7 +278,7 @@
           <a:p>
             <a:fld id="{00614340-6DC8-4F03-8B80-799B88CEBCA0}" type="datetimeFigureOut">
               <a:rPr lang="zh-CN" altLang="en-US" smtClean="0"/>
-              <a:t>2023/9/30</a:t>
+              <a:t>2023/10/1</a:t>
             </a:fld>
             <a:endParaRPr lang="zh-CN" altLang="en-US"/>
           </a:p>
@@ -472,7 +476,7 @@
           <a:p>
             <a:fld id="{00614340-6DC8-4F03-8B80-799B88CEBCA0}" type="datetimeFigureOut">
               <a:rPr lang="zh-CN" altLang="en-US" smtClean="0"/>
-              <a:t>2023/9/30</a:t>
+              <a:t>2023/10/1</a:t>
             </a:fld>
             <a:endParaRPr lang="zh-CN" altLang="en-US"/>
           </a:p>
@@ -680,7 +684,7 @@
           <a:p>
             <a:fld id="{00614340-6DC8-4F03-8B80-799B88CEBCA0}" type="datetimeFigureOut">
               <a:rPr lang="zh-CN" altLang="en-US" smtClean="0"/>
-              <a:t>2023/9/30</a:t>
+              <a:t>2023/10/1</a:t>
             </a:fld>
             <a:endParaRPr lang="zh-CN" altLang="en-US"/>
           </a:p>
@@ -878,7 +882,7 @@
           <a:p>
             <a:fld id="{00614340-6DC8-4F03-8B80-799B88CEBCA0}" type="datetimeFigureOut">
               <a:rPr lang="zh-CN" altLang="en-US" smtClean="0"/>
-              <a:t>2023/9/30</a:t>
+              <a:t>2023/10/1</a:t>
             </a:fld>
             <a:endParaRPr lang="zh-CN" altLang="en-US"/>
           </a:p>
@@ -1153,7 +1157,7 @@
           <a:p>
             <a:fld id="{00614340-6DC8-4F03-8B80-799B88CEBCA0}" type="datetimeFigureOut">
               <a:rPr lang="zh-CN" altLang="en-US" smtClean="0"/>
-              <a:t>2023/9/30</a:t>
+              <a:t>2023/10/1</a:t>
             </a:fld>
             <a:endParaRPr lang="zh-CN" altLang="en-US"/>
           </a:p>
@@ -1418,7 +1422,7 @@
           <a:p>
             <a:fld id="{00614340-6DC8-4F03-8B80-799B88CEBCA0}" type="datetimeFigureOut">
               <a:rPr lang="zh-CN" altLang="en-US" smtClean="0"/>
-              <a:t>2023/9/30</a:t>
+              <a:t>2023/10/1</a:t>
             </a:fld>
             <a:endParaRPr lang="zh-CN" altLang="en-US"/>
           </a:p>
@@ -1830,7 +1834,7 @@
           <a:p>
             <a:fld id="{00614340-6DC8-4F03-8B80-799B88CEBCA0}" type="datetimeFigureOut">
               <a:rPr lang="zh-CN" altLang="en-US" smtClean="0"/>
-              <a:t>2023/9/30</a:t>
+              <a:t>2023/10/1</a:t>
             </a:fld>
             <a:endParaRPr lang="zh-CN" altLang="en-US"/>
           </a:p>
@@ -1971,7 +1975,7 @@
           <a:p>
             <a:fld id="{00614340-6DC8-4F03-8B80-799B88CEBCA0}" type="datetimeFigureOut">
               <a:rPr lang="zh-CN" altLang="en-US" smtClean="0"/>
-              <a:t>2023/9/30</a:t>
+              <a:t>2023/10/1</a:t>
             </a:fld>
             <a:endParaRPr lang="zh-CN" altLang="en-US"/>
           </a:p>
@@ -2084,7 +2088,7 @@
           <a:p>
             <a:fld id="{00614340-6DC8-4F03-8B80-799B88CEBCA0}" type="datetimeFigureOut">
               <a:rPr lang="zh-CN" altLang="en-US" smtClean="0"/>
-              <a:t>2023/9/30</a:t>
+              <a:t>2023/10/1</a:t>
             </a:fld>
             <a:endParaRPr lang="zh-CN" altLang="en-US"/>
           </a:p>
@@ -2395,7 +2399,7 @@
           <a:p>
             <a:fld id="{00614340-6DC8-4F03-8B80-799B88CEBCA0}" type="datetimeFigureOut">
               <a:rPr lang="zh-CN" altLang="en-US" smtClean="0"/>
-              <a:t>2023/9/30</a:t>
+              <a:t>2023/10/1</a:t>
             </a:fld>
             <a:endParaRPr lang="zh-CN" altLang="en-US"/>
           </a:p>
@@ -2683,7 +2687,7 @@
           <a:p>
             <a:fld id="{00614340-6DC8-4F03-8B80-799B88CEBCA0}" type="datetimeFigureOut">
               <a:rPr lang="zh-CN" altLang="en-US" smtClean="0"/>
-              <a:t>2023/9/30</a:t>
+              <a:t>2023/10/1</a:t>
             </a:fld>
             <a:endParaRPr lang="zh-CN" altLang="en-US"/>
           </a:p>
@@ -2924,7 +2928,7 @@
           <a:p>
             <a:fld id="{00614340-6DC8-4F03-8B80-799B88CEBCA0}" type="datetimeFigureOut">
               <a:rPr lang="zh-CN" altLang="en-US" smtClean="0"/>
-              <a:t>2023/9/30</a:t>
+              <a:t>2023/10/1</a:t>
             </a:fld>
             <a:endParaRPr lang="zh-CN" altLang="en-US"/>
           </a:p>
@@ -10341,6 +10345,3164 @@
 </p:sld>
 </file>
 
+<file path=ppt/slides/slide17.xml><?xml version="1.0" encoding="utf-8"?>
+<p:sld xmlns:a="http://schemas.openxmlformats.org/drawingml/2006/main" xmlns:r="http://schemas.openxmlformats.org/officeDocument/2006/relationships" xmlns:p="http://schemas.openxmlformats.org/presentationml/2006/main">
+  <p:cSld>
+    <p:spTree>
+      <p:nvGrpSpPr>
+        <p:cNvPr id="1" name=""/>
+        <p:cNvGrpSpPr/>
+        <p:nvPr/>
+      </p:nvGrpSpPr>
+      <p:grpSpPr>
+        <a:xfrm>
+          <a:off x="0" y="0"/>
+          <a:ext cx="0" cy="0"/>
+          <a:chOff x="0" y="0"/>
+          <a:chExt cx="0" cy="0"/>
+        </a:xfrm>
+      </p:grpSpPr>
+      <p:cxnSp>
+        <p:nvCxnSpPr>
+          <p:cNvPr id="3" name="直接箭头连接符 2">
+            <a:extLst>
+              <a:ext uri="{FF2B5EF4-FFF2-40B4-BE49-F238E27FC236}">
+                <a16:creationId xmlns:a16="http://schemas.microsoft.com/office/drawing/2014/main" id="{9EF88798-0F42-8C73-BFF2-C6611440309A}"/>
+              </a:ext>
+            </a:extLst>
+          </p:cNvPr>
+          <p:cNvCxnSpPr>
+            <a:cxnSpLocks/>
+          </p:cNvCxnSpPr>
+          <p:nvPr/>
+        </p:nvCxnSpPr>
+        <p:spPr>
+          <a:xfrm>
+            <a:off x="3372252" y="5525415"/>
+            <a:ext cx="4896256" cy="0"/>
+          </a:xfrm>
+          <a:prstGeom prst="straightConnector1">
+            <a:avLst/>
+          </a:prstGeom>
+          <a:ln w="25400">
+            <a:solidFill>
+              <a:schemeClr val="tx1"/>
+            </a:solidFill>
+            <a:tailEnd type="arrow"/>
+          </a:ln>
+        </p:spPr>
+        <p:style>
+          <a:lnRef idx="1">
+            <a:schemeClr val="accent1"/>
+          </a:lnRef>
+          <a:fillRef idx="0">
+            <a:schemeClr val="accent1"/>
+          </a:fillRef>
+          <a:effectRef idx="0">
+            <a:schemeClr val="accent1"/>
+          </a:effectRef>
+          <a:fontRef idx="minor">
+            <a:schemeClr val="tx1"/>
+          </a:fontRef>
+        </p:style>
+      </p:cxnSp>
+      <p:cxnSp>
+        <p:nvCxnSpPr>
+          <p:cNvPr id="4" name="直接箭头连接符 3">
+            <a:extLst>
+              <a:ext uri="{FF2B5EF4-FFF2-40B4-BE49-F238E27FC236}">
+                <a16:creationId xmlns:a16="http://schemas.microsoft.com/office/drawing/2014/main" id="{63E6A94F-6E89-6AA7-53E2-7F83D4CADEAC}"/>
+              </a:ext>
+            </a:extLst>
+          </p:cNvPr>
+          <p:cNvCxnSpPr>
+            <a:cxnSpLocks/>
+          </p:cNvCxnSpPr>
+          <p:nvPr/>
+        </p:nvCxnSpPr>
+        <p:spPr>
+          <a:xfrm flipV="1">
+            <a:off x="3381980" y="2276277"/>
+            <a:ext cx="0" cy="3249138"/>
+          </a:xfrm>
+          <a:prstGeom prst="straightConnector1">
+            <a:avLst/>
+          </a:prstGeom>
+          <a:ln w="25400">
+            <a:solidFill>
+              <a:schemeClr val="tx1"/>
+            </a:solidFill>
+            <a:tailEnd type="arrow"/>
+          </a:ln>
+        </p:spPr>
+        <p:style>
+          <a:lnRef idx="1">
+            <a:schemeClr val="accent1"/>
+          </a:lnRef>
+          <a:fillRef idx="0">
+            <a:schemeClr val="accent1"/>
+          </a:fillRef>
+          <a:effectRef idx="0">
+            <a:schemeClr val="accent1"/>
+          </a:effectRef>
+          <a:fontRef idx="minor">
+            <a:schemeClr val="tx1"/>
+          </a:fontRef>
+        </p:style>
+      </p:cxnSp>
+      <p:cxnSp>
+        <p:nvCxnSpPr>
+          <p:cNvPr id="6" name="直接箭头连接符 5">
+            <a:extLst>
+              <a:ext uri="{FF2B5EF4-FFF2-40B4-BE49-F238E27FC236}">
+                <a16:creationId xmlns:a16="http://schemas.microsoft.com/office/drawing/2014/main" id="{53598971-1709-6738-14B6-2796A3F83A9B}"/>
+              </a:ext>
+            </a:extLst>
+          </p:cNvPr>
+          <p:cNvCxnSpPr>
+            <a:cxnSpLocks/>
+          </p:cNvCxnSpPr>
+          <p:nvPr/>
+        </p:nvCxnSpPr>
+        <p:spPr>
+          <a:xfrm flipH="1">
+            <a:off x="2331691" y="5525415"/>
+            <a:ext cx="1040561" cy="719747"/>
+          </a:xfrm>
+          <a:prstGeom prst="straightConnector1">
+            <a:avLst/>
+          </a:prstGeom>
+          <a:ln w="25400">
+            <a:solidFill>
+              <a:schemeClr val="tx1"/>
+            </a:solidFill>
+            <a:tailEnd type="arrow"/>
+          </a:ln>
+        </p:spPr>
+        <p:style>
+          <a:lnRef idx="1">
+            <a:schemeClr val="accent1"/>
+          </a:lnRef>
+          <a:fillRef idx="0">
+            <a:schemeClr val="accent1"/>
+          </a:fillRef>
+          <a:effectRef idx="0">
+            <a:schemeClr val="accent1"/>
+          </a:effectRef>
+          <a:fontRef idx="minor">
+            <a:schemeClr val="tx1"/>
+          </a:fontRef>
+        </p:style>
+      </p:cxnSp>
+      <p:sp>
+        <p:nvSpPr>
+          <p:cNvPr id="2" name="矩形 1">
+            <a:extLst>
+              <a:ext uri="{FF2B5EF4-FFF2-40B4-BE49-F238E27FC236}">
+                <a16:creationId xmlns:a16="http://schemas.microsoft.com/office/drawing/2014/main" id="{023FAB28-19DB-12BB-6EE3-5ED27E27D7F2}"/>
+              </a:ext>
+            </a:extLst>
+          </p:cNvPr>
+          <p:cNvSpPr/>
+          <p:nvPr/>
+        </p:nvSpPr>
+        <p:spPr>
+          <a:xfrm>
+            <a:off x="2299185" y="5654455"/>
+            <a:ext cx="338555" cy="461665"/>
+          </a:xfrm>
+          <a:prstGeom prst="rect">
+            <a:avLst/>
+          </a:prstGeom>
+          <a:noFill/>
+        </p:spPr>
+        <p:txBody>
+          <a:bodyPr wrap="none" lIns="91440" tIns="45720" rIns="91440" bIns="45720">
+            <a:spAutoFit/>
+          </a:bodyPr>
+          <a:lstStyle/>
+          <a:p>
+            <a:pPr algn="ctr"/>
+            <a:r>
+              <a:rPr lang="en-US" altLang="zh-CN" sz="2400" b="1" cap="none" spc="0" dirty="0">
+                <a:ln w="0"/>
+                <a:solidFill>
+                  <a:schemeClr val="tx1"/>
+                </a:solidFill>
+                <a:effectLst>
+                  <a:outerShdw blurRad="38100" dist="19050" dir="2700000" algn="tl" rotWithShape="0">
+                    <a:schemeClr val="dk1">
+                      <a:alpha val="40000"/>
+                    </a:schemeClr>
+                  </a:outerShdw>
+                </a:effectLst>
+              </a:rPr>
+              <a:t>x</a:t>
+            </a:r>
+            <a:endParaRPr lang="zh-CN" altLang="en-US" sz="2400" b="1" cap="none" spc="0" dirty="0">
+              <a:ln w="0"/>
+              <a:solidFill>
+                <a:schemeClr val="tx1"/>
+              </a:solidFill>
+              <a:effectLst>
+                <a:outerShdw blurRad="38100" dist="19050" dir="2700000" algn="tl" rotWithShape="0">
+                  <a:schemeClr val="dk1">
+                    <a:alpha val="40000"/>
+                  </a:schemeClr>
+                </a:outerShdw>
+              </a:effectLst>
+            </a:endParaRPr>
+          </a:p>
+        </p:txBody>
+      </p:sp>
+      <p:sp>
+        <p:nvSpPr>
+          <p:cNvPr id="5" name="矩形 4">
+            <a:extLst>
+              <a:ext uri="{FF2B5EF4-FFF2-40B4-BE49-F238E27FC236}">
+                <a16:creationId xmlns:a16="http://schemas.microsoft.com/office/drawing/2014/main" id="{3E5B9816-F356-A763-927B-8AC3CBA8CD19}"/>
+              </a:ext>
+            </a:extLst>
+          </p:cNvPr>
+          <p:cNvSpPr/>
+          <p:nvPr/>
+        </p:nvSpPr>
+        <p:spPr>
+          <a:xfrm>
+            <a:off x="3173429" y="5525414"/>
+            <a:ext cx="417102" cy="461665"/>
+          </a:xfrm>
+          <a:prstGeom prst="rect">
+            <a:avLst/>
+          </a:prstGeom>
+          <a:noFill/>
+        </p:spPr>
+        <p:txBody>
+          <a:bodyPr wrap="none" lIns="91440" tIns="45720" rIns="91440" bIns="45720">
+            <a:spAutoFit/>
+          </a:bodyPr>
+          <a:lstStyle/>
+          <a:p>
+            <a:pPr algn="ctr"/>
+            <a:r>
+              <a:rPr lang="en-US" altLang="zh-CN" sz="2400" b="1" dirty="0">
+                <a:ln w="0"/>
+                <a:effectLst>
+                  <a:outerShdw blurRad="38100" dist="19050" dir="2700000" algn="tl" rotWithShape="0">
+                    <a:schemeClr val="dk1">
+                      <a:alpha val="40000"/>
+                    </a:schemeClr>
+                  </a:outerShdw>
+                </a:effectLst>
+              </a:rPr>
+              <a:t>O</a:t>
+            </a:r>
+            <a:endParaRPr lang="zh-CN" altLang="en-US" sz="2400" b="1" cap="none" spc="0" dirty="0">
+              <a:ln w="0"/>
+              <a:solidFill>
+                <a:schemeClr val="tx1"/>
+              </a:solidFill>
+              <a:effectLst>
+                <a:outerShdw blurRad="38100" dist="19050" dir="2700000" algn="tl" rotWithShape="0">
+                  <a:schemeClr val="dk1">
+                    <a:alpha val="40000"/>
+                  </a:schemeClr>
+                </a:outerShdw>
+              </a:effectLst>
+            </a:endParaRPr>
+          </a:p>
+        </p:txBody>
+      </p:sp>
+      <p:sp>
+        <p:nvSpPr>
+          <p:cNvPr id="7" name="矩形 6">
+            <a:extLst>
+              <a:ext uri="{FF2B5EF4-FFF2-40B4-BE49-F238E27FC236}">
+                <a16:creationId xmlns:a16="http://schemas.microsoft.com/office/drawing/2014/main" id="{6633541B-8A14-4FEF-E80A-370D1B5FB22C}"/>
+              </a:ext>
+            </a:extLst>
+          </p:cNvPr>
+          <p:cNvSpPr/>
+          <p:nvPr/>
+        </p:nvSpPr>
+        <p:spPr>
+          <a:xfrm>
+            <a:off x="3426864" y="2181020"/>
+            <a:ext cx="327333" cy="461665"/>
+          </a:xfrm>
+          <a:prstGeom prst="rect">
+            <a:avLst/>
+          </a:prstGeom>
+          <a:noFill/>
+        </p:spPr>
+        <p:txBody>
+          <a:bodyPr wrap="none" lIns="91440" tIns="45720" rIns="91440" bIns="45720">
+            <a:spAutoFit/>
+          </a:bodyPr>
+          <a:lstStyle/>
+          <a:p>
+            <a:pPr algn="ctr"/>
+            <a:r>
+              <a:rPr lang="en-US" altLang="zh-CN" sz="2400" b="1" cap="none" spc="0" dirty="0">
+                <a:ln w="0"/>
+                <a:solidFill>
+                  <a:schemeClr val="tx1"/>
+                </a:solidFill>
+                <a:effectLst>
+                  <a:outerShdw blurRad="38100" dist="19050" dir="2700000" algn="tl" rotWithShape="0">
+                    <a:schemeClr val="dk1">
+                      <a:alpha val="40000"/>
+                    </a:schemeClr>
+                  </a:outerShdw>
+                </a:effectLst>
+              </a:rPr>
+              <a:t>z</a:t>
+            </a:r>
+            <a:endParaRPr lang="zh-CN" altLang="en-US" sz="2400" b="1" cap="none" spc="0" dirty="0">
+              <a:ln w="0"/>
+              <a:solidFill>
+                <a:schemeClr val="tx1"/>
+              </a:solidFill>
+              <a:effectLst>
+                <a:outerShdw blurRad="38100" dist="19050" dir="2700000" algn="tl" rotWithShape="0">
+                  <a:schemeClr val="dk1">
+                    <a:alpha val="40000"/>
+                  </a:schemeClr>
+                </a:outerShdw>
+              </a:effectLst>
+            </a:endParaRPr>
+          </a:p>
+        </p:txBody>
+      </p:sp>
+      <p:sp>
+        <p:nvSpPr>
+          <p:cNvPr id="8" name="矩形 7">
+            <a:extLst>
+              <a:ext uri="{FF2B5EF4-FFF2-40B4-BE49-F238E27FC236}">
+                <a16:creationId xmlns:a16="http://schemas.microsoft.com/office/drawing/2014/main" id="{29DFCF64-A321-2F97-6540-93E155792050}"/>
+              </a:ext>
+            </a:extLst>
+          </p:cNvPr>
+          <p:cNvSpPr/>
+          <p:nvPr/>
+        </p:nvSpPr>
+        <p:spPr>
+          <a:xfrm>
+            <a:off x="7936476" y="5525414"/>
+            <a:ext cx="341760" cy="461665"/>
+          </a:xfrm>
+          <a:prstGeom prst="rect">
+            <a:avLst/>
+          </a:prstGeom>
+          <a:noFill/>
+        </p:spPr>
+        <p:txBody>
+          <a:bodyPr wrap="none" lIns="91440" tIns="45720" rIns="91440" bIns="45720">
+            <a:spAutoFit/>
+          </a:bodyPr>
+          <a:lstStyle/>
+          <a:p>
+            <a:pPr algn="ctr"/>
+            <a:r>
+              <a:rPr lang="en-US" altLang="zh-CN" sz="2400" b="1" cap="none" spc="0" dirty="0">
+                <a:ln w="0"/>
+                <a:solidFill>
+                  <a:schemeClr val="tx1"/>
+                </a:solidFill>
+                <a:effectLst>
+                  <a:outerShdw blurRad="38100" dist="19050" dir="2700000" algn="tl" rotWithShape="0">
+                    <a:schemeClr val="dk1">
+                      <a:alpha val="40000"/>
+                    </a:schemeClr>
+                  </a:outerShdw>
+                </a:effectLst>
+              </a:rPr>
+              <a:t>y</a:t>
+            </a:r>
+            <a:endParaRPr lang="zh-CN" altLang="en-US" sz="2400" b="1" cap="none" spc="0" dirty="0">
+              <a:ln w="0"/>
+              <a:solidFill>
+                <a:schemeClr val="tx1"/>
+              </a:solidFill>
+              <a:effectLst>
+                <a:outerShdw blurRad="38100" dist="19050" dir="2700000" algn="tl" rotWithShape="0">
+                  <a:schemeClr val="dk1">
+                    <a:alpha val="40000"/>
+                  </a:schemeClr>
+                </a:outerShdw>
+              </a:effectLst>
+            </a:endParaRPr>
+          </a:p>
+        </p:txBody>
+      </p:sp>
+      <p:cxnSp>
+        <p:nvCxnSpPr>
+          <p:cNvPr id="11" name="直接连接符 10">
+            <a:extLst>
+              <a:ext uri="{FF2B5EF4-FFF2-40B4-BE49-F238E27FC236}">
+                <a16:creationId xmlns:a16="http://schemas.microsoft.com/office/drawing/2014/main" id="{D364F8A7-BC07-1E68-A8C3-CB6986645CC6}"/>
+              </a:ext>
+            </a:extLst>
+          </p:cNvPr>
+          <p:cNvCxnSpPr>
+            <a:cxnSpLocks/>
+            <a:stCxn id="5" idx="0"/>
+          </p:cNvCxnSpPr>
+          <p:nvPr/>
+        </p:nvCxnSpPr>
+        <p:spPr>
+          <a:xfrm flipV="1">
+            <a:off x="3381980" y="5063752"/>
+            <a:ext cx="2714020" cy="461662"/>
+          </a:xfrm>
+          <a:prstGeom prst="line">
+            <a:avLst/>
+          </a:prstGeom>
+          <a:ln w="25400">
+            <a:solidFill>
+              <a:srgbClr val="FFC000"/>
+            </a:solidFill>
+            <a:tailEnd type="arrow"/>
+          </a:ln>
+        </p:spPr>
+        <p:style>
+          <a:lnRef idx="1">
+            <a:schemeClr val="accent1"/>
+          </a:lnRef>
+          <a:fillRef idx="0">
+            <a:schemeClr val="accent1"/>
+          </a:fillRef>
+          <a:effectRef idx="0">
+            <a:schemeClr val="accent1"/>
+          </a:effectRef>
+          <a:fontRef idx="minor">
+            <a:schemeClr val="tx1"/>
+          </a:fontRef>
+        </p:style>
+      </p:cxnSp>
+      <p:cxnSp>
+        <p:nvCxnSpPr>
+          <p:cNvPr id="13" name="直接连接符 12">
+            <a:extLst>
+              <a:ext uri="{FF2B5EF4-FFF2-40B4-BE49-F238E27FC236}">
+                <a16:creationId xmlns:a16="http://schemas.microsoft.com/office/drawing/2014/main" id="{C17836B1-87C3-FBC9-247C-0F0D97BABC29}"/>
+              </a:ext>
+            </a:extLst>
+          </p:cNvPr>
+          <p:cNvCxnSpPr>
+            <a:cxnSpLocks/>
+            <a:stCxn id="5" idx="0"/>
+          </p:cNvCxnSpPr>
+          <p:nvPr/>
+        </p:nvCxnSpPr>
+        <p:spPr>
+          <a:xfrm flipV="1">
+            <a:off x="3381980" y="4747098"/>
+            <a:ext cx="941375" cy="778316"/>
+          </a:xfrm>
+          <a:prstGeom prst="line">
+            <a:avLst/>
+          </a:prstGeom>
+          <a:ln w="25400">
+            <a:solidFill>
+              <a:srgbClr val="FFC000"/>
+            </a:solidFill>
+            <a:tailEnd type="arrow"/>
+          </a:ln>
+        </p:spPr>
+        <p:style>
+          <a:lnRef idx="1">
+            <a:schemeClr val="accent1"/>
+          </a:lnRef>
+          <a:fillRef idx="0">
+            <a:schemeClr val="accent1"/>
+          </a:fillRef>
+          <a:effectRef idx="0">
+            <a:schemeClr val="accent1"/>
+          </a:effectRef>
+          <a:fontRef idx="minor">
+            <a:schemeClr val="tx1"/>
+          </a:fontRef>
+        </p:style>
+      </p:cxnSp>
+      <p:cxnSp>
+        <p:nvCxnSpPr>
+          <p:cNvPr id="15" name="直接连接符 14">
+            <a:extLst>
+              <a:ext uri="{FF2B5EF4-FFF2-40B4-BE49-F238E27FC236}">
+                <a16:creationId xmlns:a16="http://schemas.microsoft.com/office/drawing/2014/main" id="{4E0021B0-94C1-E7AB-4324-DDCEE2F32DC3}"/>
+              </a:ext>
+            </a:extLst>
+          </p:cNvPr>
+          <p:cNvCxnSpPr>
+            <a:cxnSpLocks/>
+            <a:stCxn id="5" idx="0"/>
+          </p:cNvCxnSpPr>
+          <p:nvPr/>
+        </p:nvCxnSpPr>
+        <p:spPr>
+          <a:xfrm flipV="1">
+            <a:off x="3381980" y="4027251"/>
+            <a:ext cx="417102" cy="1498163"/>
+          </a:xfrm>
+          <a:prstGeom prst="line">
+            <a:avLst/>
+          </a:prstGeom>
+          <a:ln w="25400">
+            <a:solidFill>
+              <a:srgbClr val="FFC000"/>
+            </a:solidFill>
+            <a:tailEnd type="arrow"/>
+          </a:ln>
+        </p:spPr>
+        <p:style>
+          <a:lnRef idx="1">
+            <a:schemeClr val="accent1"/>
+          </a:lnRef>
+          <a:fillRef idx="0">
+            <a:schemeClr val="accent1"/>
+          </a:fillRef>
+          <a:effectRef idx="0">
+            <a:schemeClr val="accent1"/>
+          </a:effectRef>
+          <a:fontRef idx="minor">
+            <a:schemeClr val="tx1"/>
+          </a:fontRef>
+        </p:style>
+      </p:cxnSp>
+      <p:cxnSp>
+        <p:nvCxnSpPr>
+          <p:cNvPr id="38" name="直接连接符 37">
+            <a:extLst>
+              <a:ext uri="{FF2B5EF4-FFF2-40B4-BE49-F238E27FC236}">
+                <a16:creationId xmlns:a16="http://schemas.microsoft.com/office/drawing/2014/main" id="{2A617A45-D3D2-A793-351A-A0A067C23489}"/>
+              </a:ext>
+            </a:extLst>
+          </p:cNvPr>
+          <p:cNvCxnSpPr>
+            <a:cxnSpLocks/>
+          </p:cNvCxnSpPr>
+          <p:nvPr/>
+        </p:nvCxnSpPr>
+        <p:spPr>
+          <a:xfrm flipV="1">
+            <a:off x="3799081" y="3570255"/>
+            <a:ext cx="2653826" cy="461663"/>
+          </a:xfrm>
+          <a:prstGeom prst="line">
+            <a:avLst/>
+          </a:prstGeom>
+          <a:ln w="25400">
+            <a:solidFill>
+              <a:srgbClr val="0070C0"/>
+            </a:solidFill>
+            <a:prstDash val="dash"/>
+            <a:tailEnd type="none"/>
+          </a:ln>
+        </p:spPr>
+        <p:style>
+          <a:lnRef idx="1">
+            <a:schemeClr val="accent1"/>
+          </a:lnRef>
+          <a:fillRef idx="0">
+            <a:schemeClr val="accent1"/>
+          </a:fillRef>
+          <a:effectRef idx="0">
+            <a:schemeClr val="accent1"/>
+          </a:effectRef>
+          <a:fontRef idx="minor">
+            <a:schemeClr val="tx1"/>
+          </a:fontRef>
+        </p:style>
+      </p:cxnSp>
+      <p:cxnSp>
+        <p:nvCxnSpPr>
+          <p:cNvPr id="54" name="直接连接符 53">
+            <a:extLst>
+              <a:ext uri="{FF2B5EF4-FFF2-40B4-BE49-F238E27FC236}">
+                <a16:creationId xmlns:a16="http://schemas.microsoft.com/office/drawing/2014/main" id="{23E6B3BD-D064-F183-A9AE-3A2C22A07CA3}"/>
+              </a:ext>
+            </a:extLst>
+          </p:cNvPr>
+          <p:cNvCxnSpPr>
+            <a:cxnSpLocks/>
+          </p:cNvCxnSpPr>
+          <p:nvPr/>
+        </p:nvCxnSpPr>
+        <p:spPr>
+          <a:xfrm flipV="1">
+            <a:off x="4309064" y="3252410"/>
+            <a:ext cx="429822" cy="1494688"/>
+          </a:xfrm>
+          <a:prstGeom prst="line">
+            <a:avLst/>
+          </a:prstGeom>
+          <a:ln w="25400">
+            <a:solidFill>
+              <a:srgbClr val="0070C0"/>
+            </a:solidFill>
+            <a:prstDash val="dash"/>
+            <a:tailEnd type="none"/>
+          </a:ln>
+        </p:spPr>
+        <p:style>
+          <a:lnRef idx="1">
+            <a:schemeClr val="accent1"/>
+          </a:lnRef>
+          <a:fillRef idx="0">
+            <a:schemeClr val="accent1"/>
+          </a:fillRef>
+          <a:effectRef idx="0">
+            <a:schemeClr val="accent1"/>
+          </a:effectRef>
+          <a:fontRef idx="minor">
+            <a:schemeClr val="tx1"/>
+          </a:fontRef>
+        </p:style>
+      </p:cxnSp>
+      <p:cxnSp>
+        <p:nvCxnSpPr>
+          <p:cNvPr id="55" name="直接连接符 54">
+            <a:extLst>
+              <a:ext uri="{FF2B5EF4-FFF2-40B4-BE49-F238E27FC236}">
+                <a16:creationId xmlns:a16="http://schemas.microsoft.com/office/drawing/2014/main" id="{50632238-D6A9-9C1B-F07C-075F3B2A8AF0}"/>
+              </a:ext>
+            </a:extLst>
+          </p:cNvPr>
+          <p:cNvCxnSpPr>
+            <a:cxnSpLocks/>
+          </p:cNvCxnSpPr>
+          <p:nvPr/>
+        </p:nvCxnSpPr>
+        <p:spPr>
+          <a:xfrm flipV="1">
+            <a:off x="3799082" y="3282398"/>
+            <a:ext cx="913167" cy="749082"/>
+          </a:xfrm>
+          <a:prstGeom prst="line">
+            <a:avLst/>
+          </a:prstGeom>
+          <a:ln w="25400">
+            <a:solidFill>
+              <a:srgbClr val="0070C0"/>
+            </a:solidFill>
+            <a:prstDash val="dash"/>
+            <a:tailEnd type="none"/>
+          </a:ln>
+        </p:spPr>
+        <p:style>
+          <a:lnRef idx="1">
+            <a:schemeClr val="accent1"/>
+          </a:lnRef>
+          <a:fillRef idx="0">
+            <a:schemeClr val="accent1"/>
+          </a:fillRef>
+          <a:effectRef idx="0">
+            <a:schemeClr val="accent1"/>
+          </a:effectRef>
+          <a:fontRef idx="minor">
+            <a:schemeClr val="tx1"/>
+          </a:fontRef>
+        </p:style>
+      </p:cxnSp>
+      <p:grpSp>
+        <p:nvGrpSpPr>
+          <p:cNvPr id="66" name="组合 65">
+            <a:extLst>
+              <a:ext uri="{FF2B5EF4-FFF2-40B4-BE49-F238E27FC236}">
+                <a16:creationId xmlns:a16="http://schemas.microsoft.com/office/drawing/2014/main" id="{CE9F5799-572C-2FBA-84CF-CFCC6C8FE552}"/>
+              </a:ext>
+            </a:extLst>
+          </p:cNvPr>
+          <p:cNvGrpSpPr/>
+          <p:nvPr/>
+        </p:nvGrpSpPr>
+        <p:grpSpPr>
+          <a:xfrm>
+            <a:off x="4712248" y="2820735"/>
+            <a:ext cx="2653826" cy="749520"/>
+            <a:chOff x="4712248" y="2820735"/>
+            <a:chExt cx="2653826" cy="749520"/>
+          </a:xfrm>
+        </p:grpSpPr>
+        <p:cxnSp>
+          <p:nvCxnSpPr>
+            <p:cNvPr id="62" name="直接连接符 61">
+              <a:extLst>
+                <a:ext uri="{FF2B5EF4-FFF2-40B4-BE49-F238E27FC236}">
+                  <a16:creationId xmlns:a16="http://schemas.microsoft.com/office/drawing/2014/main" id="{B60FC464-C3C1-CC26-5902-A7579027C759}"/>
+                </a:ext>
+              </a:extLst>
+            </p:cNvPr>
+            <p:cNvCxnSpPr>
+              <a:cxnSpLocks/>
+            </p:cNvCxnSpPr>
+            <p:nvPr/>
+          </p:nvCxnSpPr>
+          <p:spPr>
+            <a:xfrm flipV="1">
+              <a:off x="6452907" y="2821173"/>
+              <a:ext cx="913167" cy="749082"/>
+            </a:xfrm>
+            <a:prstGeom prst="line">
+              <a:avLst/>
+            </a:prstGeom>
+            <a:ln w="25400">
+              <a:solidFill>
+                <a:srgbClr val="0070C0"/>
+              </a:solidFill>
+              <a:prstDash val="dash"/>
+              <a:tailEnd type="none"/>
+            </a:ln>
+          </p:spPr>
+          <p:style>
+            <a:lnRef idx="1">
+              <a:schemeClr val="accent1"/>
+            </a:lnRef>
+            <a:fillRef idx="0">
+              <a:schemeClr val="accent1"/>
+            </a:fillRef>
+            <a:effectRef idx="0">
+              <a:schemeClr val="accent1"/>
+            </a:effectRef>
+            <a:fontRef idx="minor">
+              <a:schemeClr val="tx1"/>
+            </a:fontRef>
+          </p:style>
+        </p:cxnSp>
+        <p:cxnSp>
+          <p:nvCxnSpPr>
+            <p:cNvPr id="65" name="直接连接符 64">
+              <a:extLst>
+                <a:ext uri="{FF2B5EF4-FFF2-40B4-BE49-F238E27FC236}">
+                  <a16:creationId xmlns:a16="http://schemas.microsoft.com/office/drawing/2014/main" id="{52C2B2E9-7F97-35C4-8A26-1E884FEB0035}"/>
+                </a:ext>
+              </a:extLst>
+            </p:cNvPr>
+            <p:cNvCxnSpPr>
+              <a:cxnSpLocks/>
+            </p:cNvCxnSpPr>
+            <p:nvPr/>
+          </p:nvCxnSpPr>
+          <p:spPr>
+            <a:xfrm flipV="1">
+              <a:off x="4712248" y="2820735"/>
+              <a:ext cx="2653826" cy="461663"/>
+            </a:xfrm>
+            <a:prstGeom prst="line">
+              <a:avLst/>
+            </a:prstGeom>
+            <a:ln w="25400">
+              <a:solidFill>
+                <a:srgbClr val="0070C0"/>
+              </a:solidFill>
+              <a:prstDash val="dash"/>
+              <a:tailEnd type="none"/>
+            </a:ln>
+          </p:spPr>
+          <p:style>
+            <a:lnRef idx="1">
+              <a:schemeClr val="accent1"/>
+            </a:lnRef>
+            <a:fillRef idx="0">
+              <a:schemeClr val="accent1"/>
+            </a:fillRef>
+            <a:effectRef idx="0">
+              <a:schemeClr val="accent1"/>
+            </a:effectRef>
+            <a:fontRef idx="minor">
+              <a:schemeClr val="tx1"/>
+            </a:fontRef>
+          </p:style>
+        </p:cxnSp>
+      </p:grpSp>
+      <p:grpSp>
+        <p:nvGrpSpPr>
+          <p:cNvPr id="67" name="组合 66">
+            <a:extLst>
+              <a:ext uri="{FF2B5EF4-FFF2-40B4-BE49-F238E27FC236}">
+                <a16:creationId xmlns:a16="http://schemas.microsoft.com/office/drawing/2014/main" id="{98143B2E-1803-D214-C87A-770A4BFB0D44}"/>
+              </a:ext>
+            </a:extLst>
+          </p:cNvPr>
+          <p:cNvGrpSpPr/>
+          <p:nvPr/>
+        </p:nvGrpSpPr>
+        <p:grpSpPr>
+          <a:xfrm>
+            <a:off x="4328497" y="4310528"/>
+            <a:ext cx="2653826" cy="749520"/>
+            <a:chOff x="4712248" y="2820735"/>
+            <a:chExt cx="2653826" cy="749520"/>
+          </a:xfrm>
+        </p:grpSpPr>
+        <p:cxnSp>
+          <p:nvCxnSpPr>
+            <p:cNvPr id="68" name="直接连接符 67">
+              <a:extLst>
+                <a:ext uri="{FF2B5EF4-FFF2-40B4-BE49-F238E27FC236}">
+                  <a16:creationId xmlns:a16="http://schemas.microsoft.com/office/drawing/2014/main" id="{1A3B3DF8-8A2F-C59F-5D6C-9F84A329145F}"/>
+                </a:ext>
+              </a:extLst>
+            </p:cNvPr>
+            <p:cNvCxnSpPr>
+              <a:cxnSpLocks/>
+            </p:cNvCxnSpPr>
+            <p:nvPr/>
+          </p:nvCxnSpPr>
+          <p:spPr>
+            <a:xfrm flipV="1">
+              <a:off x="6452907" y="2821173"/>
+              <a:ext cx="913167" cy="749082"/>
+            </a:xfrm>
+            <a:prstGeom prst="line">
+              <a:avLst/>
+            </a:prstGeom>
+            <a:ln w="25400">
+              <a:solidFill>
+                <a:srgbClr val="0070C0"/>
+              </a:solidFill>
+              <a:prstDash val="dash"/>
+              <a:tailEnd type="none"/>
+            </a:ln>
+          </p:spPr>
+          <p:style>
+            <a:lnRef idx="1">
+              <a:schemeClr val="accent1"/>
+            </a:lnRef>
+            <a:fillRef idx="0">
+              <a:schemeClr val="accent1"/>
+            </a:fillRef>
+            <a:effectRef idx="0">
+              <a:schemeClr val="accent1"/>
+            </a:effectRef>
+            <a:fontRef idx="minor">
+              <a:schemeClr val="tx1"/>
+            </a:fontRef>
+          </p:style>
+        </p:cxnSp>
+        <p:cxnSp>
+          <p:nvCxnSpPr>
+            <p:cNvPr id="69" name="直接连接符 68">
+              <a:extLst>
+                <a:ext uri="{FF2B5EF4-FFF2-40B4-BE49-F238E27FC236}">
+                  <a16:creationId xmlns:a16="http://schemas.microsoft.com/office/drawing/2014/main" id="{84F558AC-B8B4-7A5B-456F-81F244CCB94C}"/>
+                </a:ext>
+              </a:extLst>
+            </p:cNvPr>
+            <p:cNvCxnSpPr>
+              <a:cxnSpLocks/>
+            </p:cNvCxnSpPr>
+            <p:nvPr/>
+          </p:nvCxnSpPr>
+          <p:spPr>
+            <a:xfrm flipV="1">
+              <a:off x="4712248" y="2820735"/>
+              <a:ext cx="2653826" cy="461663"/>
+            </a:xfrm>
+            <a:prstGeom prst="line">
+              <a:avLst/>
+            </a:prstGeom>
+            <a:ln w="25400">
+              <a:solidFill>
+                <a:srgbClr val="0070C0"/>
+              </a:solidFill>
+              <a:prstDash val="dash"/>
+              <a:tailEnd type="none"/>
+            </a:ln>
+          </p:spPr>
+          <p:style>
+            <a:lnRef idx="1">
+              <a:schemeClr val="accent1"/>
+            </a:lnRef>
+            <a:fillRef idx="0">
+              <a:schemeClr val="accent1"/>
+            </a:fillRef>
+            <a:effectRef idx="0">
+              <a:schemeClr val="accent1"/>
+            </a:effectRef>
+            <a:fontRef idx="minor">
+              <a:schemeClr val="tx1"/>
+            </a:fontRef>
+          </p:style>
+        </p:cxnSp>
+      </p:grpSp>
+      <p:cxnSp>
+        <p:nvCxnSpPr>
+          <p:cNvPr id="71" name="直接连接符 70">
+            <a:extLst>
+              <a:ext uri="{FF2B5EF4-FFF2-40B4-BE49-F238E27FC236}">
+                <a16:creationId xmlns:a16="http://schemas.microsoft.com/office/drawing/2014/main" id="{83410C0C-D859-DD3A-EA0D-ADB510CE913C}"/>
+              </a:ext>
+            </a:extLst>
+          </p:cNvPr>
+          <p:cNvCxnSpPr>
+            <a:cxnSpLocks/>
+          </p:cNvCxnSpPr>
+          <p:nvPr/>
+        </p:nvCxnSpPr>
+        <p:spPr>
+          <a:xfrm flipV="1">
+            <a:off x="6999367" y="2820735"/>
+            <a:ext cx="380623" cy="1482864"/>
+          </a:xfrm>
+          <a:prstGeom prst="line">
+            <a:avLst/>
+          </a:prstGeom>
+          <a:ln w="25400">
+            <a:solidFill>
+              <a:srgbClr val="0070C0"/>
+            </a:solidFill>
+            <a:prstDash val="dash"/>
+            <a:tailEnd type="none"/>
+          </a:ln>
+        </p:spPr>
+        <p:style>
+          <a:lnRef idx="1">
+            <a:schemeClr val="accent1"/>
+          </a:lnRef>
+          <a:fillRef idx="0">
+            <a:schemeClr val="accent1"/>
+          </a:fillRef>
+          <a:effectRef idx="0">
+            <a:schemeClr val="accent1"/>
+          </a:effectRef>
+          <a:fontRef idx="minor">
+            <a:schemeClr val="tx1"/>
+          </a:fontRef>
+        </p:style>
+      </p:cxnSp>
+      <p:cxnSp>
+        <p:nvCxnSpPr>
+          <p:cNvPr id="72" name="直接连接符 71">
+            <a:extLst>
+              <a:ext uri="{FF2B5EF4-FFF2-40B4-BE49-F238E27FC236}">
+                <a16:creationId xmlns:a16="http://schemas.microsoft.com/office/drawing/2014/main" id="{1AE1B29B-1ABA-68DF-F33E-964ED919DFBE}"/>
+              </a:ext>
+            </a:extLst>
+          </p:cNvPr>
+          <p:cNvCxnSpPr>
+            <a:cxnSpLocks/>
+          </p:cNvCxnSpPr>
+          <p:nvPr/>
+        </p:nvCxnSpPr>
+        <p:spPr>
+          <a:xfrm flipV="1">
+            <a:off x="6049723" y="3599052"/>
+            <a:ext cx="376547" cy="1455554"/>
+          </a:xfrm>
+          <a:prstGeom prst="line">
+            <a:avLst/>
+          </a:prstGeom>
+          <a:ln w="25400">
+            <a:solidFill>
+              <a:srgbClr val="0070C0"/>
+            </a:solidFill>
+            <a:prstDash val="dash"/>
+            <a:tailEnd type="none"/>
+          </a:ln>
+        </p:spPr>
+        <p:style>
+          <a:lnRef idx="1">
+            <a:schemeClr val="accent1"/>
+          </a:lnRef>
+          <a:fillRef idx="0">
+            <a:schemeClr val="accent1"/>
+          </a:fillRef>
+          <a:effectRef idx="0">
+            <a:schemeClr val="accent1"/>
+          </a:effectRef>
+          <a:fontRef idx="minor">
+            <a:schemeClr val="tx1"/>
+          </a:fontRef>
+        </p:style>
+      </p:cxnSp>
+      <p:sp>
+        <p:nvSpPr>
+          <p:cNvPr id="75" name="矩形 74">
+            <a:extLst>
+              <a:ext uri="{FF2B5EF4-FFF2-40B4-BE49-F238E27FC236}">
+                <a16:creationId xmlns:a16="http://schemas.microsoft.com/office/drawing/2014/main" id="{CD2F2D81-F89B-16F7-19BD-467C3584EF45}"/>
+              </a:ext>
+            </a:extLst>
+          </p:cNvPr>
+          <p:cNvSpPr/>
+          <p:nvPr/>
+        </p:nvSpPr>
+        <p:spPr>
+          <a:xfrm>
+            <a:off x="6069156" y="5006725"/>
+            <a:ext cx="1659429" cy="461665"/>
+          </a:xfrm>
+          <a:prstGeom prst="rect">
+            <a:avLst/>
+          </a:prstGeom>
+          <a:noFill/>
+        </p:spPr>
+        <p:txBody>
+          <a:bodyPr wrap="none" lIns="91440" tIns="45720" rIns="91440" bIns="45720">
+            <a:spAutoFit/>
+          </a:bodyPr>
+          <a:lstStyle/>
+          <a:p>
+            <a:pPr algn="ctr"/>
+            <a:r>
+              <a:rPr lang="en-US" altLang="zh-CN" sz="2400" b="1" dirty="0">
+                <a:ln w="0"/>
+                <a:effectLst>
+                  <a:outerShdw blurRad="38100" dist="19050" dir="2700000" algn="tl" rotWithShape="0">
+                    <a:schemeClr val="dk1">
+                      <a:alpha val="40000"/>
+                    </a:schemeClr>
+                  </a:outerShdw>
+                </a:effectLst>
+              </a:rPr>
+              <a:t>(a</a:t>
+            </a:r>
+            <a:r>
+              <a:rPr lang="en-US" altLang="zh-CN" sz="1100" b="1" dirty="0">
+                <a:ln w="0"/>
+                <a:effectLst>
+                  <a:outerShdw blurRad="38100" dist="19050" dir="2700000" algn="tl" rotWithShape="0">
+                    <a:schemeClr val="dk1">
+                      <a:alpha val="40000"/>
+                    </a:schemeClr>
+                  </a:outerShdw>
+                </a:effectLst>
+              </a:rPr>
+              <a:t>11</a:t>
+            </a:r>
+            <a:r>
+              <a:rPr lang="en-US" altLang="zh-CN" sz="2400" b="1" dirty="0">
+                <a:ln w="0"/>
+                <a:effectLst>
+                  <a:outerShdw blurRad="38100" dist="19050" dir="2700000" algn="tl" rotWithShape="0">
+                    <a:schemeClr val="dk1">
+                      <a:alpha val="40000"/>
+                    </a:schemeClr>
+                  </a:outerShdw>
+                </a:effectLst>
+              </a:rPr>
+              <a:t>, a</a:t>
+            </a:r>
+            <a:r>
+              <a:rPr lang="en-US" altLang="zh-CN" sz="1100" b="1" dirty="0">
+                <a:ln w="0"/>
+                <a:effectLst>
+                  <a:outerShdw blurRad="38100" dist="19050" dir="2700000" algn="tl" rotWithShape="0">
+                    <a:schemeClr val="dk1">
+                      <a:alpha val="40000"/>
+                    </a:schemeClr>
+                  </a:outerShdw>
+                </a:effectLst>
+              </a:rPr>
+              <a:t>12</a:t>
+            </a:r>
+            <a:r>
+              <a:rPr lang="en-US" altLang="zh-CN" sz="2400" b="1" dirty="0">
+                <a:ln w="0"/>
+                <a:effectLst>
+                  <a:outerShdw blurRad="38100" dist="19050" dir="2700000" algn="tl" rotWithShape="0">
+                    <a:schemeClr val="dk1">
+                      <a:alpha val="40000"/>
+                    </a:schemeClr>
+                  </a:outerShdw>
+                </a:effectLst>
+              </a:rPr>
+              <a:t>, a</a:t>
+            </a:r>
+            <a:r>
+              <a:rPr lang="en-US" altLang="zh-CN" sz="1100" b="1" dirty="0">
+                <a:ln w="0"/>
+                <a:effectLst>
+                  <a:outerShdw blurRad="38100" dist="19050" dir="2700000" algn="tl" rotWithShape="0">
+                    <a:schemeClr val="dk1">
+                      <a:alpha val="40000"/>
+                    </a:schemeClr>
+                  </a:outerShdw>
+                </a:effectLst>
+              </a:rPr>
+              <a:t>13</a:t>
+            </a:r>
+            <a:r>
+              <a:rPr lang="en-US" altLang="zh-CN" sz="2400" b="1" dirty="0">
+                <a:ln w="0"/>
+                <a:effectLst>
+                  <a:outerShdw blurRad="38100" dist="19050" dir="2700000" algn="tl" rotWithShape="0">
+                    <a:schemeClr val="dk1">
+                      <a:alpha val="40000"/>
+                    </a:schemeClr>
+                  </a:outerShdw>
+                </a:effectLst>
+              </a:rPr>
+              <a:t>)</a:t>
+            </a:r>
+            <a:endParaRPr lang="zh-CN" altLang="en-US" sz="2400" b="1" cap="none" spc="0" dirty="0">
+              <a:ln w="0"/>
+              <a:solidFill>
+                <a:schemeClr val="tx1"/>
+              </a:solidFill>
+              <a:effectLst>
+                <a:outerShdw blurRad="38100" dist="19050" dir="2700000" algn="tl" rotWithShape="0">
+                  <a:schemeClr val="dk1">
+                    <a:alpha val="40000"/>
+                  </a:schemeClr>
+                </a:outerShdw>
+              </a:effectLst>
+            </a:endParaRPr>
+          </a:p>
+        </p:txBody>
+      </p:sp>
+      <p:sp>
+        <p:nvSpPr>
+          <p:cNvPr id="76" name="矩形 75">
+            <a:extLst>
+              <a:ext uri="{FF2B5EF4-FFF2-40B4-BE49-F238E27FC236}">
+                <a16:creationId xmlns:a16="http://schemas.microsoft.com/office/drawing/2014/main" id="{DE29C81C-CD13-256A-AB4A-D7EF9CBBDC89}"/>
+              </a:ext>
+            </a:extLst>
+          </p:cNvPr>
+          <p:cNvSpPr/>
+          <p:nvPr/>
+        </p:nvSpPr>
+        <p:spPr>
+          <a:xfrm>
+            <a:off x="2093582" y="3698856"/>
+            <a:ext cx="1659429" cy="461665"/>
+          </a:xfrm>
+          <a:prstGeom prst="rect">
+            <a:avLst/>
+          </a:prstGeom>
+          <a:noFill/>
+        </p:spPr>
+        <p:txBody>
+          <a:bodyPr wrap="none" lIns="91440" tIns="45720" rIns="91440" bIns="45720">
+            <a:spAutoFit/>
+          </a:bodyPr>
+          <a:lstStyle/>
+          <a:p>
+            <a:pPr algn="ctr"/>
+            <a:r>
+              <a:rPr lang="en-US" altLang="zh-CN" sz="2400" b="1" dirty="0">
+                <a:ln w="0"/>
+                <a:effectLst>
+                  <a:outerShdw blurRad="38100" dist="19050" dir="2700000" algn="tl" rotWithShape="0">
+                    <a:schemeClr val="dk1">
+                      <a:alpha val="40000"/>
+                    </a:schemeClr>
+                  </a:outerShdw>
+                </a:effectLst>
+              </a:rPr>
+              <a:t>(a</a:t>
+            </a:r>
+            <a:r>
+              <a:rPr lang="en-US" altLang="zh-CN" sz="1100" b="1" dirty="0">
+                <a:ln w="0"/>
+                <a:effectLst>
+                  <a:outerShdw blurRad="38100" dist="19050" dir="2700000" algn="tl" rotWithShape="0">
+                    <a:schemeClr val="dk1">
+                      <a:alpha val="40000"/>
+                    </a:schemeClr>
+                  </a:outerShdw>
+                </a:effectLst>
+              </a:rPr>
+              <a:t>31</a:t>
+            </a:r>
+            <a:r>
+              <a:rPr lang="en-US" altLang="zh-CN" sz="2400" b="1" dirty="0">
+                <a:ln w="0"/>
+                <a:effectLst>
+                  <a:outerShdw blurRad="38100" dist="19050" dir="2700000" algn="tl" rotWithShape="0">
+                    <a:schemeClr val="dk1">
+                      <a:alpha val="40000"/>
+                    </a:schemeClr>
+                  </a:outerShdw>
+                </a:effectLst>
+              </a:rPr>
+              <a:t>, a</a:t>
+            </a:r>
+            <a:r>
+              <a:rPr lang="en-US" altLang="zh-CN" sz="1100" b="1" dirty="0">
+                <a:ln w="0"/>
+                <a:effectLst>
+                  <a:outerShdw blurRad="38100" dist="19050" dir="2700000" algn="tl" rotWithShape="0">
+                    <a:schemeClr val="dk1">
+                      <a:alpha val="40000"/>
+                    </a:schemeClr>
+                  </a:outerShdw>
+                </a:effectLst>
+              </a:rPr>
+              <a:t>32</a:t>
+            </a:r>
+            <a:r>
+              <a:rPr lang="en-US" altLang="zh-CN" sz="2400" b="1" dirty="0">
+                <a:ln w="0"/>
+                <a:effectLst>
+                  <a:outerShdw blurRad="38100" dist="19050" dir="2700000" algn="tl" rotWithShape="0">
+                    <a:schemeClr val="dk1">
+                      <a:alpha val="40000"/>
+                    </a:schemeClr>
+                  </a:outerShdw>
+                </a:effectLst>
+              </a:rPr>
+              <a:t>, a</a:t>
+            </a:r>
+            <a:r>
+              <a:rPr lang="en-US" altLang="zh-CN" sz="1100" b="1" dirty="0">
+                <a:ln w="0"/>
+                <a:effectLst>
+                  <a:outerShdw blurRad="38100" dist="19050" dir="2700000" algn="tl" rotWithShape="0">
+                    <a:schemeClr val="dk1">
+                      <a:alpha val="40000"/>
+                    </a:schemeClr>
+                  </a:outerShdw>
+                </a:effectLst>
+              </a:rPr>
+              <a:t>33</a:t>
+            </a:r>
+            <a:r>
+              <a:rPr lang="en-US" altLang="zh-CN" sz="2400" b="1" dirty="0">
+                <a:ln w="0"/>
+                <a:effectLst>
+                  <a:outerShdw blurRad="38100" dist="19050" dir="2700000" algn="tl" rotWithShape="0">
+                    <a:schemeClr val="dk1">
+                      <a:alpha val="40000"/>
+                    </a:schemeClr>
+                  </a:outerShdw>
+                </a:effectLst>
+              </a:rPr>
+              <a:t>)</a:t>
+            </a:r>
+            <a:endParaRPr lang="zh-CN" altLang="en-US" sz="2400" b="1" cap="none" spc="0" dirty="0">
+              <a:ln w="0"/>
+              <a:solidFill>
+                <a:schemeClr val="tx1"/>
+              </a:solidFill>
+              <a:effectLst>
+                <a:outerShdw blurRad="38100" dist="19050" dir="2700000" algn="tl" rotWithShape="0">
+                  <a:schemeClr val="dk1">
+                    <a:alpha val="40000"/>
+                  </a:schemeClr>
+                </a:outerShdw>
+              </a:effectLst>
+            </a:endParaRPr>
+          </a:p>
+        </p:txBody>
+      </p:sp>
+      <p:sp>
+        <p:nvSpPr>
+          <p:cNvPr id="77" name="矩形 76">
+            <a:extLst>
+              <a:ext uri="{FF2B5EF4-FFF2-40B4-BE49-F238E27FC236}">
+                <a16:creationId xmlns:a16="http://schemas.microsoft.com/office/drawing/2014/main" id="{B58ECC54-A7ED-88FA-C84A-A22F8640D2D9}"/>
+              </a:ext>
+            </a:extLst>
+          </p:cNvPr>
+          <p:cNvSpPr/>
+          <p:nvPr/>
+        </p:nvSpPr>
+        <p:spPr>
+          <a:xfrm>
+            <a:off x="4280204" y="4662046"/>
+            <a:ext cx="1659429" cy="461665"/>
+          </a:xfrm>
+          <a:prstGeom prst="rect">
+            <a:avLst/>
+          </a:prstGeom>
+          <a:noFill/>
+        </p:spPr>
+        <p:txBody>
+          <a:bodyPr wrap="none" lIns="91440" tIns="45720" rIns="91440" bIns="45720">
+            <a:spAutoFit/>
+          </a:bodyPr>
+          <a:lstStyle/>
+          <a:p>
+            <a:pPr algn="ctr"/>
+            <a:r>
+              <a:rPr lang="en-US" altLang="zh-CN" sz="2400" b="1" dirty="0">
+                <a:ln w="0"/>
+                <a:effectLst>
+                  <a:outerShdw blurRad="38100" dist="19050" dir="2700000" algn="tl" rotWithShape="0">
+                    <a:schemeClr val="dk1">
+                      <a:alpha val="40000"/>
+                    </a:schemeClr>
+                  </a:outerShdw>
+                </a:effectLst>
+              </a:rPr>
+              <a:t>(a</a:t>
+            </a:r>
+            <a:r>
+              <a:rPr lang="en-US" altLang="zh-CN" sz="1100" b="1" dirty="0">
+                <a:ln w="0"/>
+                <a:effectLst>
+                  <a:outerShdw blurRad="38100" dist="19050" dir="2700000" algn="tl" rotWithShape="0">
+                    <a:schemeClr val="dk1">
+                      <a:alpha val="40000"/>
+                    </a:schemeClr>
+                  </a:outerShdw>
+                </a:effectLst>
+              </a:rPr>
+              <a:t>21</a:t>
+            </a:r>
+            <a:r>
+              <a:rPr lang="en-US" altLang="zh-CN" sz="2400" b="1" dirty="0">
+                <a:ln w="0"/>
+                <a:effectLst>
+                  <a:outerShdw blurRad="38100" dist="19050" dir="2700000" algn="tl" rotWithShape="0">
+                    <a:schemeClr val="dk1">
+                      <a:alpha val="40000"/>
+                    </a:schemeClr>
+                  </a:outerShdw>
+                </a:effectLst>
+              </a:rPr>
+              <a:t>, a</a:t>
+            </a:r>
+            <a:r>
+              <a:rPr lang="en-US" altLang="zh-CN" sz="1100" b="1" dirty="0">
+                <a:ln w="0"/>
+                <a:effectLst>
+                  <a:outerShdw blurRad="38100" dist="19050" dir="2700000" algn="tl" rotWithShape="0">
+                    <a:schemeClr val="dk1">
+                      <a:alpha val="40000"/>
+                    </a:schemeClr>
+                  </a:outerShdw>
+                </a:effectLst>
+              </a:rPr>
+              <a:t>22</a:t>
+            </a:r>
+            <a:r>
+              <a:rPr lang="en-US" altLang="zh-CN" sz="2400" b="1" dirty="0">
+                <a:ln w="0"/>
+                <a:effectLst>
+                  <a:outerShdw blurRad="38100" dist="19050" dir="2700000" algn="tl" rotWithShape="0">
+                    <a:schemeClr val="dk1">
+                      <a:alpha val="40000"/>
+                    </a:schemeClr>
+                  </a:outerShdw>
+                </a:effectLst>
+              </a:rPr>
+              <a:t>, a</a:t>
+            </a:r>
+            <a:r>
+              <a:rPr lang="en-US" altLang="zh-CN" sz="1100" b="1" dirty="0">
+                <a:ln w="0"/>
+                <a:effectLst>
+                  <a:outerShdw blurRad="38100" dist="19050" dir="2700000" algn="tl" rotWithShape="0">
+                    <a:schemeClr val="dk1">
+                      <a:alpha val="40000"/>
+                    </a:schemeClr>
+                  </a:outerShdw>
+                </a:effectLst>
+              </a:rPr>
+              <a:t>23</a:t>
+            </a:r>
+            <a:r>
+              <a:rPr lang="en-US" altLang="zh-CN" sz="2400" b="1" dirty="0">
+                <a:ln w="0"/>
+                <a:effectLst>
+                  <a:outerShdw blurRad="38100" dist="19050" dir="2700000" algn="tl" rotWithShape="0">
+                    <a:schemeClr val="dk1">
+                      <a:alpha val="40000"/>
+                    </a:schemeClr>
+                  </a:outerShdw>
+                </a:effectLst>
+              </a:rPr>
+              <a:t>)</a:t>
+            </a:r>
+            <a:endParaRPr lang="zh-CN" altLang="en-US" sz="2400" b="1" cap="none" spc="0" dirty="0">
+              <a:ln w="0"/>
+              <a:solidFill>
+                <a:schemeClr val="tx1"/>
+              </a:solidFill>
+              <a:effectLst>
+                <a:outerShdw blurRad="38100" dist="19050" dir="2700000" algn="tl" rotWithShape="0">
+                  <a:schemeClr val="dk1">
+                    <a:alpha val="40000"/>
+                  </a:schemeClr>
+                </a:outerShdw>
+              </a:effectLst>
+            </a:endParaRPr>
+          </a:p>
+        </p:txBody>
+      </p:sp>
+    </p:spTree>
+    <p:extLst>
+      <p:ext uri="{BB962C8B-B14F-4D97-AF65-F5344CB8AC3E}">
+        <p14:creationId xmlns:p14="http://schemas.microsoft.com/office/powerpoint/2010/main" val="2343284785"/>
+      </p:ext>
+    </p:extLst>
+  </p:cSld>
+  <p:clrMapOvr>
+    <a:masterClrMapping/>
+  </p:clrMapOvr>
+</p:sld>
+</file>
+
+<file path=ppt/slides/slide18.xml><?xml version="1.0" encoding="utf-8"?>
+<p:sld xmlns:a="http://schemas.openxmlformats.org/drawingml/2006/main" xmlns:r="http://schemas.openxmlformats.org/officeDocument/2006/relationships" xmlns:p="http://schemas.openxmlformats.org/presentationml/2006/main">
+  <p:cSld>
+    <p:spTree>
+      <p:nvGrpSpPr>
+        <p:cNvPr id="1" name=""/>
+        <p:cNvGrpSpPr/>
+        <p:nvPr/>
+      </p:nvGrpSpPr>
+      <p:grpSpPr>
+        <a:xfrm>
+          <a:off x="0" y="0"/>
+          <a:ext cx="0" cy="0"/>
+          <a:chOff x="0" y="0"/>
+          <a:chExt cx="0" cy="0"/>
+        </a:xfrm>
+      </p:grpSpPr>
+      <p:cxnSp>
+        <p:nvCxnSpPr>
+          <p:cNvPr id="4" name="直接箭头连接符 3">
+            <a:extLst>
+              <a:ext uri="{FF2B5EF4-FFF2-40B4-BE49-F238E27FC236}">
+                <a16:creationId xmlns:a16="http://schemas.microsoft.com/office/drawing/2014/main" id="{63E6A94F-6E89-6AA7-53E2-7F83D4CADEAC}"/>
+              </a:ext>
+            </a:extLst>
+          </p:cNvPr>
+          <p:cNvCxnSpPr>
+            <a:cxnSpLocks/>
+          </p:cNvCxnSpPr>
+          <p:nvPr/>
+        </p:nvCxnSpPr>
+        <p:spPr>
+          <a:xfrm flipH="1" flipV="1">
+            <a:off x="4763308" y="2538919"/>
+            <a:ext cx="9728" cy="2276376"/>
+          </a:xfrm>
+          <a:prstGeom prst="straightConnector1">
+            <a:avLst/>
+          </a:prstGeom>
+          <a:ln w="25400">
+            <a:solidFill>
+              <a:schemeClr val="tx1"/>
+            </a:solidFill>
+            <a:tailEnd type="arrow"/>
+          </a:ln>
+        </p:spPr>
+        <p:style>
+          <a:lnRef idx="1">
+            <a:schemeClr val="accent1"/>
+          </a:lnRef>
+          <a:fillRef idx="0">
+            <a:schemeClr val="accent1"/>
+          </a:fillRef>
+          <a:effectRef idx="0">
+            <a:schemeClr val="accent1"/>
+          </a:effectRef>
+          <a:fontRef idx="minor">
+            <a:schemeClr val="tx1"/>
+          </a:fontRef>
+        </p:style>
+      </p:cxnSp>
+      <p:cxnSp>
+        <p:nvCxnSpPr>
+          <p:cNvPr id="15" name="直接连接符 14">
+            <a:extLst>
+              <a:ext uri="{FF2B5EF4-FFF2-40B4-BE49-F238E27FC236}">
+                <a16:creationId xmlns:a16="http://schemas.microsoft.com/office/drawing/2014/main" id="{4E0021B0-94C1-E7AB-4324-DDCEE2F32DC3}"/>
+              </a:ext>
+            </a:extLst>
+          </p:cNvPr>
+          <p:cNvCxnSpPr>
+            <a:cxnSpLocks/>
+          </p:cNvCxnSpPr>
+          <p:nvPr/>
+        </p:nvCxnSpPr>
+        <p:spPr>
+          <a:xfrm flipH="1" flipV="1">
+            <a:off x="4777622" y="3351348"/>
+            <a:ext cx="5142" cy="1463946"/>
+          </a:xfrm>
+          <a:prstGeom prst="line">
+            <a:avLst/>
+          </a:prstGeom>
+          <a:ln w="50800">
+            <a:solidFill>
+              <a:srgbClr val="FFC000"/>
+            </a:solidFill>
+            <a:tailEnd type="arrow"/>
+          </a:ln>
+        </p:spPr>
+        <p:style>
+          <a:lnRef idx="1">
+            <a:schemeClr val="accent1"/>
+          </a:lnRef>
+          <a:fillRef idx="0">
+            <a:schemeClr val="accent1"/>
+          </a:fillRef>
+          <a:effectRef idx="0">
+            <a:schemeClr val="accent1"/>
+          </a:effectRef>
+          <a:fontRef idx="minor">
+            <a:schemeClr val="tx1"/>
+          </a:fontRef>
+        </p:style>
+      </p:cxnSp>
+      <p:cxnSp>
+        <p:nvCxnSpPr>
+          <p:cNvPr id="3" name="直接箭头连接符 2">
+            <a:extLst>
+              <a:ext uri="{FF2B5EF4-FFF2-40B4-BE49-F238E27FC236}">
+                <a16:creationId xmlns:a16="http://schemas.microsoft.com/office/drawing/2014/main" id="{9EF88798-0F42-8C73-BFF2-C6611440309A}"/>
+              </a:ext>
+            </a:extLst>
+          </p:cNvPr>
+          <p:cNvCxnSpPr>
+            <a:cxnSpLocks/>
+          </p:cNvCxnSpPr>
+          <p:nvPr/>
+        </p:nvCxnSpPr>
+        <p:spPr>
+          <a:xfrm flipV="1">
+            <a:off x="4763308" y="4807581"/>
+            <a:ext cx="2581075" cy="7714"/>
+          </a:xfrm>
+          <a:prstGeom prst="straightConnector1">
+            <a:avLst/>
+          </a:prstGeom>
+          <a:ln w="25400">
+            <a:solidFill>
+              <a:schemeClr val="tx1"/>
+            </a:solidFill>
+            <a:tailEnd type="arrow"/>
+          </a:ln>
+        </p:spPr>
+        <p:style>
+          <a:lnRef idx="1">
+            <a:schemeClr val="accent1"/>
+          </a:lnRef>
+          <a:fillRef idx="0">
+            <a:schemeClr val="accent1"/>
+          </a:fillRef>
+          <a:effectRef idx="0">
+            <a:schemeClr val="accent1"/>
+          </a:effectRef>
+          <a:fontRef idx="minor">
+            <a:schemeClr val="tx1"/>
+          </a:fontRef>
+        </p:style>
+      </p:cxnSp>
+      <p:cxnSp>
+        <p:nvCxnSpPr>
+          <p:cNvPr id="6" name="直接箭头连接符 5">
+            <a:extLst>
+              <a:ext uri="{FF2B5EF4-FFF2-40B4-BE49-F238E27FC236}">
+                <a16:creationId xmlns:a16="http://schemas.microsoft.com/office/drawing/2014/main" id="{53598971-1709-6738-14B6-2796A3F83A9B}"/>
+              </a:ext>
+            </a:extLst>
+          </p:cNvPr>
+          <p:cNvCxnSpPr>
+            <a:cxnSpLocks/>
+          </p:cNvCxnSpPr>
+          <p:nvPr/>
+        </p:nvCxnSpPr>
+        <p:spPr>
+          <a:xfrm flipH="1">
+            <a:off x="2772383" y="4815295"/>
+            <a:ext cx="1990925" cy="1381224"/>
+          </a:xfrm>
+          <a:prstGeom prst="straightConnector1">
+            <a:avLst/>
+          </a:prstGeom>
+          <a:ln w="25400">
+            <a:solidFill>
+              <a:schemeClr val="tx1"/>
+            </a:solidFill>
+            <a:tailEnd type="arrow"/>
+          </a:ln>
+        </p:spPr>
+        <p:style>
+          <a:lnRef idx="1">
+            <a:schemeClr val="accent1"/>
+          </a:lnRef>
+          <a:fillRef idx="0">
+            <a:schemeClr val="accent1"/>
+          </a:fillRef>
+          <a:effectRef idx="0">
+            <a:schemeClr val="accent1"/>
+          </a:effectRef>
+          <a:fontRef idx="minor">
+            <a:schemeClr val="tx1"/>
+          </a:fontRef>
+        </p:style>
+      </p:cxnSp>
+      <p:sp>
+        <p:nvSpPr>
+          <p:cNvPr id="2" name="矩形 1">
+            <a:extLst>
+              <a:ext uri="{FF2B5EF4-FFF2-40B4-BE49-F238E27FC236}">
+                <a16:creationId xmlns:a16="http://schemas.microsoft.com/office/drawing/2014/main" id="{023FAB28-19DB-12BB-6EE3-5ED27E27D7F2}"/>
+              </a:ext>
+            </a:extLst>
+          </p:cNvPr>
+          <p:cNvSpPr/>
+          <p:nvPr/>
+        </p:nvSpPr>
+        <p:spPr>
+          <a:xfrm>
+            <a:off x="2772383" y="5505907"/>
+            <a:ext cx="338555" cy="461665"/>
+          </a:xfrm>
+          <a:prstGeom prst="rect">
+            <a:avLst/>
+          </a:prstGeom>
+          <a:noFill/>
+        </p:spPr>
+        <p:txBody>
+          <a:bodyPr wrap="none" lIns="91440" tIns="45720" rIns="91440" bIns="45720">
+            <a:spAutoFit/>
+          </a:bodyPr>
+          <a:lstStyle/>
+          <a:p>
+            <a:pPr algn="ctr"/>
+            <a:r>
+              <a:rPr lang="en-US" altLang="zh-CN" sz="2400" b="1" cap="none" spc="0" dirty="0">
+                <a:ln w="0"/>
+                <a:solidFill>
+                  <a:schemeClr val="tx1"/>
+                </a:solidFill>
+                <a:effectLst>
+                  <a:outerShdw blurRad="38100" dist="19050" dir="2700000" algn="tl" rotWithShape="0">
+                    <a:schemeClr val="dk1">
+                      <a:alpha val="40000"/>
+                    </a:schemeClr>
+                  </a:outerShdw>
+                </a:effectLst>
+              </a:rPr>
+              <a:t>x</a:t>
+            </a:r>
+            <a:endParaRPr lang="zh-CN" altLang="en-US" sz="2400" b="1" cap="none" spc="0" dirty="0">
+              <a:ln w="0"/>
+              <a:solidFill>
+                <a:schemeClr val="tx1"/>
+              </a:solidFill>
+              <a:effectLst>
+                <a:outerShdw blurRad="38100" dist="19050" dir="2700000" algn="tl" rotWithShape="0">
+                  <a:schemeClr val="dk1">
+                    <a:alpha val="40000"/>
+                  </a:schemeClr>
+                </a:outerShdw>
+              </a:effectLst>
+            </a:endParaRPr>
+          </a:p>
+        </p:txBody>
+      </p:sp>
+      <p:sp>
+        <p:nvSpPr>
+          <p:cNvPr id="5" name="矩形 4">
+            <a:extLst>
+              <a:ext uri="{FF2B5EF4-FFF2-40B4-BE49-F238E27FC236}">
+                <a16:creationId xmlns:a16="http://schemas.microsoft.com/office/drawing/2014/main" id="{3E5B9816-F356-A763-927B-8AC3CBA8CD19}"/>
+              </a:ext>
+            </a:extLst>
+          </p:cNvPr>
+          <p:cNvSpPr/>
+          <p:nvPr/>
+        </p:nvSpPr>
+        <p:spPr>
+          <a:xfrm>
+            <a:off x="4564485" y="4815294"/>
+            <a:ext cx="417102" cy="461665"/>
+          </a:xfrm>
+          <a:prstGeom prst="rect">
+            <a:avLst/>
+          </a:prstGeom>
+          <a:noFill/>
+        </p:spPr>
+        <p:txBody>
+          <a:bodyPr wrap="none" lIns="91440" tIns="45720" rIns="91440" bIns="45720">
+            <a:spAutoFit/>
+          </a:bodyPr>
+          <a:lstStyle/>
+          <a:p>
+            <a:pPr algn="ctr"/>
+            <a:r>
+              <a:rPr lang="en-US" altLang="zh-CN" sz="2400" b="1" dirty="0">
+                <a:ln w="0"/>
+                <a:effectLst>
+                  <a:outerShdw blurRad="38100" dist="19050" dir="2700000" algn="tl" rotWithShape="0">
+                    <a:schemeClr val="dk1">
+                      <a:alpha val="40000"/>
+                    </a:schemeClr>
+                  </a:outerShdw>
+                </a:effectLst>
+              </a:rPr>
+              <a:t>O</a:t>
+            </a:r>
+            <a:endParaRPr lang="zh-CN" altLang="en-US" sz="2400" b="1" cap="none" spc="0" dirty="0">
+              <a:ln w="0"/>
+              <a:solidFill>
+                <a:schemeClr val="tx1"/>
+              </a:solidFill>
+              <a:effectLst>
+                <a:outerShdw blurRad="38100" dist="19050" dir="2700000" algn="tl" rotWithShape="0">
+                  <a:schemeClr val="dk1">
+                    <a:alpha val="40000"/>
+                  </a:schemeClr>
+                </a:outerShdw>
+              </a:effectLst>
+            </a:endParaRPr>
+          </a:p>
+        </p:txBody>
+      </p:sp>
+      <p:sp>
+        <p:nvSpPr>
+          <p:cNvPr id="7" name="矩形 6">
+            <a:extLst>
+              <a:ext uri="{FF2B5EF4-FFF2-40B4-BE49-F238E27FC236}">
+                <a16:creationId xmlns:a16="http://schemas.microsoft.com/office/drawing/2014/main" id="{6633541B-8A14-4FEF-E80A-370D1B5FB22C}"/>
+              </a:ext>
+            </a:extLst>
+          </p:cNvPr>
+          <p:cNvSpPr/>
+          <p:nvPr/>
+        </p:nvSpPr>
+        <p:spPr>
+          <a:xfrm>
+            <a:off x="4828212" y="2392684"/>
+            <a:ext cx="327333" cy="461665"/>
+          </a:xfrm>
+          <a:prstGeom prst="rect">
+            <a:avLst/>
+          </a:prstGeom>
+          <a:noFill/>
+        </p:spPr>
+        <p:txBody>
+          <a:bodyPr wrap="none" lIns="91440" tIns="45720" rIns="91440" bIns="45720">
+            <a:spAutoFit/>
+          </a:bodyPr>
+          <a:lstStyle/>
+          <a:p>
+            <a:pPr algn="ctr"/>
+            <a:r>
+              <a:rPr lang="en-US" altLang="zh-CN" sz="2400" b="1" cap="none" spc="0" dirty="0">
+                <a:ln w="0"/>
+                <a:solidFill>
+                  <a:schemeClr val="tx1"/>
+                </a:solidFill>
+                <a:effectLst>
+                  <a:outerShdw blurRad="38100" dist="19050" dir="2700000" algn="tl" rotWithShape="0">
+                    <a:schemeClr val="dk1">
+                      <a:alpha val="40000"/>
+                    </a:schemeClr>
+                  </a:outerShdw>
+                </a:effectLst>
+              </a:rPr>
+              <a:t>z</a:t>
+            </a:r>
+            <a:endParaRPr lang="zh-CN" altLang="en-US" sz="2400" b="1" cap="none" spc="0" dirty="0">
+              <a:ln w="0"/>
+              <a:solidFill>
+                <a:schemeClr val="tx1"/>
+              </a:solidFill>
+              <a:effectLst>
+                <a:outerShdw blurRad="38100" dist="19050" dir="2700000" algn="tl" rotWithShape="0">
+                  <a:schemeClr val="dk1">
+                    <a:alpha val="40000"/>
+                  </a:schemeClr>
+                </a:outerShdw>
+              </a:effectLst>
+            </a:endParaRPr>
+          </a:p>
+        </p:txBody>
+      </p:sp>
+      <p:sp>
+        <p:nvSpPr>
+          <p:cNvPr id="8" name="矩形 7">
+            <a:extLst>
+              <a:ext uri="{FF2B5EF4-FFF2-40B4-BE49-F238E27FC236}">
+                <a16:creationId xmlns:a16="http://schemas.microsoft.com/office/drawing/2014/main" id="{29DFCF64-A321-2F97-6540-93E155792050}"/>
+              </a:ext>
+            </a:extLst>
+          </p:cNvPr>
+          <p:cNvSpPr/>
+          <p:nvPr/>
+        </p:nvSpPr>
+        <p:spPr>
+          <a:xfrm>
+            <a:off x="7033940" y="4790764"/>
+            <a:ext cx="341760" cy="461665"/>
+          </a:xfrm>
+          <a:prstGeom prst="rect">
+            <a:avLst/>
+          </a:prstGeom>
+          <a:noFill/>
+        </p:spPr>
+        <p:txBody>
+          <a:bodyPr wrap="none" lIns="91440" tIns="45720" rIns="91440" bIns="45720">
+            <a:spAutoFit/>
+          </a:bodyPr>
+          <a:lstStyle/>
+          <a:p>
+            <a:pPr algn="ctr"/>
+            <a:r>
+              <a:rPr lang="en-US" altLang="zh-CN" sz="2400" b="1" cap="none" spc="0" dirty="0">
+                <a:ln w="0"/>
+                <a:solidFill>
+                  <a:schemeClr val="tx1"/>
+                </a:solidFill>
+                <a:effectLst>
+                  <a:outerShdw blurRad="38100" dist="19050" dir="2700000" algn="tl" rotWithShape="0">
+                    <a:schemeClr val="dk1">
+                      <a:alpha val="40000"/>
+                    </a:schemeClr>
+                  </a:outerShdw>
+                </a:effectLst>
+              </a:rPr>
+              <a:t>y</a:t>
+            </a:r>
+            <a:endParaRPr lang="zh-CN" altLang="en-US" sz="2400" b="1" cap="none" spc="0" dirty="0">
+              <a:ln w="0"/>
+              <a:solidFill>
+                <a:schemeClr val="tx1"/>
+              </a:solidFill>
+              <a:effectLst>
+                <a:outerShdw blurRad="38100" dist="19050" dir="2700000" algn="tl" rotWithShape="0">
+                  <a:schemeClr val="dk1">
+                    <a:alpha val="40000"/>
+                  </a:schemeClr>
+                </a:outerShdw>
+              </a:effectLst>
+            </a:endParaRPr>
+          </a:p>
+        </p:txBody>
+      </p:sp>
+      <p:cxnSp>
+        <p:nvCxnSpPr>
+          <p:cNvPr id="13" name="直接连接符 12">
+            <a:extLst>
+              <a:ext uri="{FF2B5EF4-FFF2-40B4-BE49-F238E27FC236}">
+                <a16:creationId xmlns:a16="http://schemas.microsoft.com/office/drawing/2014/main" id="{C17836B1-87C3-FBC9-247C-0F0D97BABC29}"/>
+              </a:ext>
+            </a:extLst>
+          </p:cNvPr>
+          <p:cNvCxnSpPr>
+            <a:cxnSpLocks/>
+            <a:stCxn id="5" idx="0"/>
+          </p:cNvCxnSpPr>
+          <p:nvPr/>
+        </p:nvCxnSpPr>
+        <p:spPr>
+          <a:xfrm flipH="1">
+            <a:off x="3767845" y="4815294"/>
+            <a:ext cx="1005191" cy="690613"/>
+          </a:xfrm>
+          <a:prstGeom prst="line">
+            <a:avLst/>
+          </a:prstGeom>
+          <a:ln w="50800">
+            <a:solidFill>
+              <a:srgbClr val="FFC000"/>
+            </a:solidFill>
+            <a:tailEnd type="arrow"/>
+          </a:ln>
+        </p:spPr>
+        <p:style>
+          <a:lnRef idx="1">
+            <a:schemeClr val="accent1"/>
+          </a:lnRef>
+          <a:fillRef idx="0">
+            <a:schemeClr val="accent1"/>
+          </a:fillRef>
+          <a:effectRef idx="0">
+            <a:schemeClr val="accent1"/>
+          </a:effectRef>
+          <a:fontRef idx="minor">
+            <a:schemeClr val="tx1"/>
+          </a:fontRef>
+        </p:style>
+      </p:cxnSp>
+      <p:cxnSp>
+        <p:nvCxnSpPr>
+          <p:cNvPr id="71" name="直接连接符 70">
+            <a:extLst>
+              <a:ext uri="{FF2B5EF4-FFF2-40B4-BE49-F238E27FC236}">
+                <a16:creationId xmlns:a16="http://schemas.microsoft.com/office/drawing/2014/main" id="{83410C0C-D859-DD3A-EA0D-ADB510CE913C}"/>
+              </a:ext>
+            </a:extLst>
+          </p:cNvPr>
+          <p:cNvCxnSpPr>
+            <a:cxnSpLocks/>
+          </p:cNvCxnSpPr>
+          <p:nvPr/>
+        </p:nvCxnSpPr>
+        <p:spPr>
+          <a:xfrm flipV="1">
+            <a:off x="6231061" y="3426428"/>
+            <a:ext cx="14313" cy="1386295"/>
+          </a:xfrm>
+          <a:prstGeom prst="line">
+            <a:avLst/>
+          </a:prstGeom>
+          <a:ln w="25400">
+            <a:solidFill>
+              <a:srgbClr val="0070C0"/>
+            </a:solidFill>
+            <a:prstDash val="dash"/>
+            <a:tailEnd type="none"/>
+          </a:ln>
+        </p:spPr>
+        <p:style>
+          <a:lnRef idx="1">
+            <a:schemeClr val="accent1"/>
+          </a:lnRef>
+          <a:fillRef idx="0">
+            <a:schemeClr val="accent1"/>
+          </a:fillRef>
+          <a:effectRef idx="0">
+            <a:schemeClr val="accent1"/>
+          </a:effectRef>
+          <a:fontRef idx="minor">
+            <a:schemeClr val="tx1"/>
+          </a:fontRef>
+        </p:style>
+      </p:cxnSp>
+      <p:sp>
+        <p:nvSpPr>
+          <p:cNvPr id="75" name="矩形 74">
+            <a:extLst>
+              <a:ext uri="{FF2B5EF4-FFF2-40B4-BE49-F238E27FC236}">
+                <a16:creationId xmlns:a16="http://schemas.microsoft.com/office/drawing/2014/main" id="{CD2F2D81-F89B-16F7-19BD-467C3584EF45}"/>
+              </a:ext>
+            </a:extLst>
+          </p:cNvPr>
+          <p:cNvSpPr/>
+          <p:nvPr/>
+        </p:nvSpPr>
+        <p:spPr>
+          <a:xfrm>
+            <a:off x="3597049" y="5504022"/>
+            <a:ext cx="1221809" cy="461665"/>
+          </a:xfrm>
+          <a:prstGeom prst="rect">
+            <a:avLst/>
+          </a:prstGeom>
+          <a:noFill/>
+        </p:spPr>
+        <p:txBody>
+          <a:bodyPr wrap="none" lIns="91440" tIns="45720" rIns="91440" bIns="45720">
+            <a:spAutoFit/>
+          </a:bodyPr>
+          <a:lstStyle/>
+          <a:p>
+            <a:pPr algn="ctr"/>
+            <a:r>
+              <a:rPr lang="en-US" altLang="zh-CN" sz="2400" b="1" dirty="0">
+                <a:ln w="0"/>
+                <a:effectLst>
+                  <a:outerShdw blurRad="38100" dist="19050" dir="2700000" algn="tl" rotWithShape="0">
+                    <a:schemeClr val="dk1">
+                      <a:alpha val="40000"/>
+                    </a:schemeClr>
+                  </a:outerShdw>
+                </a:effectLst>
+              </a:rPr>
+              <a:t>(1, 0, 0)</a:t>
+            </a:r>
+            <a:endParaRPr lang="zh-CN" altLang="en-US" sz="2400" b="1" cap="none" spc="0" dirty="0">
+              <a:ln w="0"/>
+              <a:solidFill>
+                <a:schemeClr val="tx1"/>
+              </a:solidFill>
+              <a:effectLst>
+                <a:outerShdw blurRad="38100" dist="19050" dir="2700000" algn="tl" rotWithShape="0">
+                  <a:schemeClr val="dk1">
+                    <a:alpha val="40000"/>
+                  </a:schemeClr>
+                </a:outerShdw>
+              </a:effectLst>
+            </a:endParaRPr>
+          </a:p>
+        </p:txBody>
+      </p:sp>
+      <p:sp>
+        <p:nvSpPr>
+          <p:cNvPr id="76" name="矩形 75">
+            <a:extLst>
+              <a:ext uri="{FF2B5EF4-FFF2-40B4-BE49-F238E27FC236}">
+                <a16:creationId xmlns:a16="http://schemas.microsoft.com/office/drawing/2014/main" id="{DE29C81C-CD13-256A-AB4A-D7EF9CBBDC89}"/>
+              </a:ext>
+            </a:extLst>
+          </p:cNvPr>
+          <p:cNvSpPr/>
+          <p:nvPr/>
+        </p:nvSpPr>
+        <p:spPr>
+          <a:xfrm>
+            <a:off x="3442769" y="3198167"/>
+            <a:ext cx="1221808" cy="461665"/>
+          </a:xfrm>
+          <a:prstGeom prst="rect">
+            <a:avLst/>
+          </a:prstGeom>
+          <a:noFill/>
+        </p:spPr>
+        <p:txBody>
+          <a:bodyPr wrap="none" lIns="91440" tIns="45720" rIns="91440" bIns="45720">
+            <a:spAutoFit/>
+          </a:bodyPr>
+          <a:lstStyle/>
+          <a:p>
+            <a:pPr algn="ctr"/>
+            <a:r>
+              <a:rPr lang="en-US" altLang="zh-CN" sz="2400" b="1" dirty="0">
+                <a:ln w="0"/>
+                <a:effectLst>
+                  <a:outerShdw blurRad="38100" dist="19050" dir="2700000" algn="tl" rotWithShape="0">
+                    <a:schemeClr val="dk1">
+                      <a:alpha val="40000"/>
+                    </a:schemeClr>
+                  </a:outerShdw>
+                </a:effectLst>
+              </a:rPr>
+              <a:t>(0, 0, 1)</a:t>
+            </a:r>
+            <a:endParaRPr lang="zh-CN" altLang="en-US" sz="2400" b="1" cap="none" spc="0" dirty="0">
+              <a:ln w="0"/>
+              <a:solidFill>
+                <a:schemeClr val="tx1"/>
+              </a:solidFill>
+              <a:effectLst>
+                <a:outerShdw blurRad="38100" dist="19050" dir="2700000" algn="tl" rotWithShape="0">
+                  <a:schemeClr val="dk1">
+                    <a:alpha val="40000"/>
+                  </a:schemeClr>
+                </a:outerShdw>
+              </a:effectLst>
+            </a:endParaRPr>
+          </a:p>
+        </p:txBody>
+      </p:sp>
+      <p:sp>
+        <p:nvSpPr>
+          <p:cNvPr id="77" name="矩形 76">
+            <a:extLst>
+              <a:ext uri="{FF2B5EF4-FFF2-40B4-BE49-F238E27FC236}">
+                <a16:creationId xmlns:a16="http://schemas.microsoft.com/office/drawing/2014/main" id="{B58ECC54-A7ED-88FA-C84A-A22F8640D2D9}"/>
+              </a:ext>
+            </a:extLst>
+          </p:cNvPr>
+          <p:cNvSpPr/>
+          <p:nvPr/>
+        </p:nvSpPr>
+        <p:spPr>
+          <a:xfrm>
+            <a:off x="5547299" y="4836331"/>
+            <a:ext cx="1221808" cy="461665"/>
+          </a:xfrm>
+          <a:prstGeom prst="rect">
+            <a:avLst/>
+          </a:prstGeom>
+          <a:noFill/>
+        </p:spPr>
+        <p:txBody>
+          <a:bodyPr wrap="none" lIns="91440" tIns="45720" rIns="91440" bIns="45720">
+            <a:spAutoFit/>
+          </a:bodyPr>
+          <a:lstStyle/>
+          <a:p>
+            <a:pPr algn="ctr"/>
+            <a:r>
+              <a:rPr lang="en-US" altLang="zh-CN" sz="2400" b="1" dirty="0">
+                <a:ln w="0"/>
+                <a:effectLst>
+                  <a:outerShdw blurRad="38100" dist="19050" dir="2700000" algn="tl" rotWithShape="0">
+                    <a:schemeClr val="dk1">
+                      <a:alpha val="40000"/>
+                    </a:schemeClr>
+                  </a:outerShdw>
+                </a:effectLst>
+              </a:rPr>
+              <a:t>(0, 1, 0)</a:t>
+            </a:r>
+            <a:endParaRPr lang="zh-CN" altLang="en-US" sz="2400" b="1" cap="none" spc="0" dirty="0">
+              <a:ln w="0"/>
+              <a:solidFill>
+                <a:schemeClr val="tx1"/>
+              </a:solidFill>
+              <a:effectLst>
+                <a:outerShdw blurRad="38100" dist="19050" dir="2700000" algn="tl" rotWithShape="0">
+                  <a:schemeClr val="dk1">
+                    <a:alpha val="40000"/>
+                  </a:schemeClr>
+                </a:outerShdw>
+              </a:effectLst>
+            </a:endParaRPr>
+          </a:p>
+        </p:txBody>
+      </p:sp>
+      <p:cxnSp>
+        <p:nvCxnSpPr>
+          <p:cNvPr id="16" name="直接连接符 15">
+            <a:extLst>
+              <a:ext uri="{FF2B5EF4-FFF2-40B4-BE49-F238E27FC236}">
+                <a16:creationId xmlns:a16="http://schemas.microsoft.com/office/drawing/2014/main" id="{0DC77725-6DDB-8492-D5F4-E24ED914F073}"/>
+              </a:ext>
+            </a:extLst>
+          </p:cNvPr>
+          <p:cNvCxnSpPr>
+            <a:cxnSpLocks/>
+          </p:cNvCxnSpPr>
+          <p:nvPr/>
+        </p:nvCxnSpPr>
+        <p:spPr>
+          <a:xfrm rot="5400000" flipH="1" flipV="1">
+            <a:off x="5503674" y="4078179"/>
+            <a:ext cx="5142" cy="1463946"/>
+          </a:xfrm>
+          <a:prstGeom prst="line">
+            <a:avLst/>
+          </a:prstGeom>
+          <a:ln w="50800">
+            <a:solidFill>
+              <a:srgbClr val="FFC000"/>
+            </a:solidFill>
+            <a:tailEnd type="arrow"/>
+          </a:ln>
+        </p:spPr>
+        <p:style>
+          <a:lnRef idx="1">
+            <a:schemeClr val="accent1"/>
+          </a:lnRef>
+          <a:fillRef idx="0">
+            <a:schemeClr val="accent1"/>
+          </a:fillRef>
+          <a:effectRef idx="0">
+            <a:schemeClr val="accent1"/>
+          </a:effectRef>
+          <a:fontRef idx="minor">
+            <a:schemeClr val="tx1"/>
+          </a:fontRef>
+        </p:style>
+      </p:cxnSp>
+      <p:cxnSp>
+        <p:nvCxnSpPr>
+          <p:cNvPr id="19" name="直接连接符 18">
+            <a:extLst>
+              <a:ext uri="{FF2B5EF4-FFF2-40B4-BE49-F238E27FC236}">
+                <a16:creationId xmlns:a16="http://schemas.microsoft.com/office/drawing/2014/main" id="{55AE4798-36EA-0E50-6C46-648541B2A0C7}"/>
+              </a:ext>
+            </a:extLst>
+          </p:cNvPr>
+          <p:cNvCxnSpPr>
+            <a:cxnSpLocks/>
+          </p:cNvCxnSpPr>
+          <p:nvPr/>
+        </p:nvCxnSpPr>
+        <p:spPr>
+          <a:xfrm flipH="1">
+            <a:off x="3807106" y="3414332"/>
+            <a:ext cx="937610" cy="669576"/>
+          </a:xfrm>
+          <a:prstGeom prst="line">
+            <a:avLst/>
+          </a:prstGeom>
+          <a:ln w="25400">
+            <a:solidFill>
+              <a:srgbClr val="0070C0"/>
+            </a:solidFill>
+            <a:prstDash val="dash"/>
+            <a:tailEnd type="none"/>
+          </a:ln>
+        </p:spPr>
+        <p:style>
+          <a:lnRef idx="1">
+            <a:schemeClr val="accent1"/>
+          </a:lnRef>
+          <a:fillRef idx="0">
+            <a:schemeClr val="accent1"/>
+          </a:fillRef>
+          <a:effectRef idx="0">
+            <a:schemeClr val="accent1"/>
+          </a:effectRef>
+          <a:fontRef idx="minor">
+            <a:schemeClr val="tx1"/>
+          </a:fontRef>
+        </p:style>
+      </p:cxnSp>
+      <p:cxnSp>
+        <p:nvCxnSpPr>
+          <p:cNvPr id="20" name="直接连接符 19">
+            <a:extLst>
+              <a:ext uri="{FF2B5EF4-FFF2-40B4-BE49-F238E27FC236}">
+                <a16:creationId xmlns:a16="http://schemas.microsoft.com/office/drawing/2014/main" id="{504EC7F7-77EE-E1F0-4EA2-D8C373602CD5}"/>
+              </a:ext>
+            </a:extLst>
+          </p:cNvPr>
+          <p:cNvCxnSpPr>
+            <a:cxnSpLocks/>
+          </p:cNvCxnSpPr>
+          <p:nvPr/>
+        </p:nvCxnSpPr>
+        <p:spPr>
+          <a:xfrm flipV="1">
+            <a:off x="3783065" y="4102777"/>
+            <a:ext cx="14313" cy="1386295"/>
+          </a:xfrm>
+          <a:prstGeom prst="line">
+            <a:avLst/>
+          </a:prstGeom>
+          <a:ln w="25400">
+            <a:solidFill>
+              <a:srgbClr val="0070C0"/>
+            </a:solidFill>
+            <a:prstDash val="dash"/>
+            <a:tailEnd type="none"/>
+          </a:ln>
+        </p:spPr>
+        <p:style>
+          <a:lnRef idx="1">
+            <a:schemeClr val="accent1"/>
+          </a:lnRef>
+          <a:fillRef idx="0">
+            <a:schemeClr val="accent1"/>
+          </a:fillRef>
+          <a:effectRef idx="0">
+            <a:schemeClr val="accent1"/>
+          </a:effectRef>
+          <a:fontRef idx="minor">
+            <a:schemeClr val="tx1"/>
+          </a:fontRef>
+        </p:style>
+      </p:cxnSp>
+      <p:cxnSp>
+        <p:nvCxnSpPr>
+          <p:cNvPr id="21" name="直接连接符 20">
+            <a:extLst>
+              <a:ext uri="{FF2B5EF4-FFF2-40B4-BE49-F238E27FC236}">
+                <a16:creationId xmlns:a16="http://schemas.microsoft.com/office/drawing/2014/main" id="{4854FA85-B1C9-57A9-7107-24874C059F23}"/>
+              </a:ext>
+            </a:extLst>
+          </p:cNvPr>
+          <p:cNvCxnSpPr>
+            <a:cxnSpLocks/>
+          </p:cNvCxnSpPr>
+          <p:nvPr/>
+        </p:nvCxnSpPr>
+        <p:spPr>
+          <a:xfrm flipH="1">
+            <a:off x="4763308" y="3364813"/>
+            <a:ext cx="1482066" cy="13466"/>
+          </a:xfrm>
+          <a:prstGeom prst="line">
+            <a:avLst/>
+          </a:prstGeom>
+          <a:ln w="25400">
+            <a:solidFill>
+              <a:srgbClr val="0070C0"/>
+            </a:solidFill>
+            <a:prstDash val="dash"/>
+            <a:tailEnd type="none"/>
+          </a:ln>
+        </p:spPr>
+        <p:style>
+          <a:lnRef idx="1">
+            <a:schemeClr val="accent1"/>
+          </a:lnRef>
+          <a:fillRef idx="0">
+            <a:schemeClr val="accent1"/>
+          </a:fillRef>
+          <a:effectRef idx="0">
+            <a:schemeClr val="accent1"/>
+          </a:effectRef>
+          <a:fontRef idx="minor">
+            <a:schemeClr val="tx1"/>
+          </a:fontRef>
+        </p:style>
+      </p:cxnSp>
+      <p:cxnSp>
+        <p:nvCxnSpPr>
+          <p:cNvPr id="26" name="直接连接符 25">
+            <a:extLst>
+              <a:ext uri="{FF2B5EF4-FFF2-40B4-BE49-F238E27FC236}">
+                <a16:creationId xmlns:a16="http://schemas.microsoft.com/office/drawing/2014/main" id="{9C631462-B829-3296-A6C5-AB4E04052D91}"/>
+              </a:ext>
+            </a:extLst>
+          </p:cNvPr>
+          <p:cNvCxnSpPr>
+            <a:cxnSpLocks/>
+          </p:cNvCxnSpPr>
+          <p:nvPr/>
+        </p:nvCxnSpPr>
+        <p:spPr>
+          <a:xfrm flipH="1" flipV="1">
+            <a:off x="3760086" y="5493287"/>
+            <a:ext cx="1385167" cy="21037"/>
+          </a:xfrm>
+          <a:prstGeom prst="line">
+            <a:avLst/>
+          </a:prstGeom>
+          <a:ln w="25400">
+            <a:solidFill>
+              <a:srgbClr val="0070C0"/>
+            </a:solidFill>
+            <a:prstDash val="dash"/>
+            <a:tailEnd type="none"/>
+          </a:ln>
+        </p:spPr>
+        <p:style>
+          <a:lnRef idx="1">
+            <a:schemeClr val="accent1"/>
+          </a:lnRef>
+          <a:fillRef idx="0">
+            <a:schemeClr val="accent1"/>
+          </a:fillRef>
+          <a:effectRef idx="0">
+            <a:schemeClr val="accent1"/>
+          </a:effectRef>
+          <a:fontRef idx="minor">
+            <a:schemeClr val="tx1"/>
+          </a:fontRef>
+        </p:style>
+      </p:cxnSp>
+      <p:cxnSp>
+        <p:nvCxnSpPr>
+          <p:cNvPr id="27" name="直接连接符 26">
+            <a:extLst>
+              <a:ext uri="{FF2B5EF4-FFF2-40B4-BE49-F238E27FC236}">
+                <a16:creationId xmlns:a16="http://schemas.microsoft.com/office/drawing/2014/main" id="{4CAA4F14-63A9-11DC-FECA-9AF9C18FE3FC}"/>
+              </a:ext>
+            </a:extLst>
+          </p:cNvPr>
+          <p:cNvCxnSpPr>
+            <a:cxnSpLocks/>
+          </p:cNvCxnSpPr>
+          <p:nvPr/>
+        </p:nvCxnSpPr>
+        <p:spPr>
+          <a:xfrm flipH="1" flipV="1">
+            <a:off x="3770378" y="4119575"/>
+            <a:ext cx="1385167" cy="21037"/>
+          </a:xfrm>
+          <a:prstGeom prst="line">
+            <a:avLst/>
+          </a:prstGeom>
+          <a:ln w="25400">
+            <a:solidFill>
+              <a:srgbClr val="0070C0"/>
+            </a:solidFill>
+            <a:prstDash val="dash"/>
+            <a:tailEnd type="none"/>
+          </a:ln>
+        </p:spPr>
+        <p:style>
+          <a:lnRef idx="1">
+            <a:schemeClr val="accent1"/>
+          </a:lnRef>
+          <a:fillRef idx="0">
+            <a:schemeClr val="accent1"/>
+          </a:fillRef>
+          <a:effectRef idx="0">
+            <a:schemeClr val="accent1"/>
+          </a:effectRef>
+          <a:fontRef idx="minor">
+            <a:schemeClr val="tx1"/>
+          </a:fontRef>
+        </p:style>
+      </p:cxnSp>
+      <p:cxnSp>
+        <p:nvCxnSpPr>
+          <p:cNvPr id="30" name="直接连接符 29">
+            <a:extLst>
+              <a:ext uri="{FF2B5EF4-FFF2-40B4-BE49-F238E27FC236}">
+                <a16:creationId xmlns:a16="http://schemas.microsoft.com/office/drawing/2014/main" id="{D51562F9-1FF7-01B8-ABE3-FB5557CB1EAA}"/>
+              </a:ext>
+            </a:extLst>
+          </p:cNvPr>
+          <p:cNvCxnSpPr>
+            <a:cxnSpLocks/>
+          </p:cNvCxnSpPr>
+          <p:nvPr/>
+        </p:nvCxnSpPr>
+        <p:spPr>
+          <a:xfrm flipV="1">
+            <a:off x="5166097" y="4102777"/>
+            <a:ext cx="14313" cy="1386295"/>
+          </a:xfrm>
+          <a:prstGeom prst="line">
+            <a:avLst/>
+          </a:prstGeom>
+          <a:ln w="25400">
+            <a:solidFill>
+              <a:srgbClr val="0070C0"/>
+            </a:solidFill>
+            <a:prstDash val="dash"/>
+            <a:tailEnd type="none"/>
+          </a:ln>
+        </p:spPr>
+        <p:style>
+          <a:lnRef idx="1">
+            <a:schemeClr val="accent1"/>
+          </a:lnRef>
+          <a:fillRef idx="0">
+            <a:schemeClr val="accent1"/>
+          </a:fillRef>
+          <a:effectRef idx="0">
+            <a:schemeClr val="accent1"/>
+          </a:effectRef>
+          <a:fontRef idx="minor">
+            <a:schemeClr val="tx1"/>
+          </a:fontRef>
+        </p:style>
+      </p:cxnSp>
+      <p:cxnSp>
+        <p:nvCxnSpPr>
+          <p:cNvPr id="34" name="直接连接符 33">
+            <a:extLst>
+              <a:ext uri="{FF2B5EF4-FFF2-40B4-BE49-F238E27FC236}">
+                <a16:creationId xmlns:a16="http://schemas.microsoft.com/office/drawing/2014/main" id="{700446DC-26FF-50E1-A212-D6CCC9BFC922}"/>
+              </a:ext>
+            </a:extLst>
+          </p:cNvPr>
+          <p:cNvCxnSpPr>
+            <a:cxnSpLocks/>
+          </p:cNvCxnSpPr>
+          <p:nvPr/>
+        </p:nvCxnSpPr>
+        <p:spPr>
+          <a:xfrm flipH="1">
+            <a:off x="5190962" y="4828582"/>
+            <a:ext cx="996067" cy="685742"/>
+          </a:xfrm>
+          <a:prstGeom prst="line">
+            <a:avLst/>
+          </a:prstGeom>
+          <a:ln w="25400">
+            <a:solidFill>
+              <a:srgbClr val="0070C0"/>
+            </a:solidFill>
+            <a:prstDash val="dash"/>
+            <a:tailEnd type="none"/>
+          </a:ln>
+        </p:spPr>
+        <p:style>
+          <a:lnRef idx="1">
+            <a:schemeClr val="accent1"/>
+          </a:lnRef>
+          <a:fillRef idx="0">
+            <a:schemeClr val="accent1"/>
+          </a:fillRef>
+          <a:effectRef idx="0">
+            <a:schemeClr val="accent1"/>
+          </a:effectRef>
+          <a:fontRef idx="minor">
+            <a:schemeClr val="tx1"/>
+          </a:fontRef>
+        </p:style>
+      </p:cxnSp>
+      <p:cxnSp>
+        <p:nvCxnSpPr>
+          <p:cNvPr id="35" name="直接连接符 34">
+            <a:extLst>
+              <a:ext uri="{FF2B5EF4-FFF2-40B4-BE49-F238E27FC236}">
+                <a16:creationId xmlns:a16="http://schemas.microsoft.com/office/drawing/2014/main" id="{6727F4AF-54F4-5B7B-C6CF-7291395F6021}"/>
+              </a:ext>
+            </a:extLst>
+          </p:cNvPr>
+          <p:cNvCxnSpPr>
+            <a:cxnSpLocks/>
+          </p:cNvCxnSpPr>
+          <p:nvPr/>
+        </p:nvCxnSpPr>
+        <p:spPr>
+          <a:xfrm flipH="1">
+            <a:off x="5239369" y="3447429"/>
+            <a:ext cx="937610" cy="669576"/>
+          </a:xfrm>
+          <a:prstGeom prst="line">
+            <a:avLst/>
+          </a:prstGeom>
+          <a:ln w="25400">
+            <a:solidFill>
+              <a:srgbClr val="0070C0"/>
+            </a:solidFill>
+            <a:prstDash val="dash"/>
+            <a:tailEnd type="none"/>
+          </a:ln>
+        </p:spPr>
+        <p:style>
+          <a:lnRef idx="1">
+            <a:schemeClr val="accent1"/>
+          </a:lnRef>
+          <a:fillRef idx="0">
+            <a:schemeClr val="accent1"/>
+          </a:fillRef>
+          <a:effectRef idx="0">
+            <a:schemeClr val="accent1"/>
+          </a:effectRef>
+          <a:fontRef idx="minor">
+            <a:schemeClr val="tx1"/>
+          </a:fontRef>
+        </p:style>
+      </p:cxnSp>
+    </p:spTree>
+    <p:extLst>
+      <p:ext uri="{BB962C8B-B14F-4D97-AF65-F5344CB8AC3E}">
+        <p14:creationId xmlns:p14="http://schemas.microsoft.com/office/powerpoint/2010/main" val="644965164"/>
+      </p:ext>
+    </p:extLst>
+  </p:cSld>
+  <p:clrMapOvr>
+    <a:masterClrMapping/>
+  </p:clrMapOvr>
+</p:sld>
+</file>
+
+<file path=ppt/slides/slide19.xml><?xml version="1.0" encoding="utf-8"?>
+<p:sld xmlns:a="http://schemas.openxmlformats.org/drawingml/2006/main" xmlns:r="http://schemas.openxmlformats.org/officeDocument/2006/relationships" xmlns:p="http://schemas.openxmlformats.org/presentationml/2006/main">
+  <p:cSld>
+    <p:spTree>
+      <p:nvGrpSpPr>
+        <p:cNvPr id="1" name=""/>
+        <p:cNvGrpSpPr/>
+        <p:nvPr/>
+      </p:nvGrpSpPr>
+      <p:grpSpPr>
+        <a:xfrm>
+          <a:off x="0" y="0"/>
+          <a:ext cx="0" cy="0"/>
+          <a:chOff x="0" y="0"/>
+          <a:chExt cx="0" cy="0"/>
+        </a:xfrm>
+      </p:grpSpPr>
+      <p:cxnSp>
+        <p:nvCxnSpPr>
+          <p:cNvPr id="4" name="直接箭头连接符 3">
+            <a:extLst>
+              <a:ext uri="{FF2B5EF4-FFF2-40B4-BE49-F238E27FC236}">
+                <a16:creationId xmlns:a16="http://schemas.microsoft.com/office/drawing/2014/main" id="{63E6A94F-6E89-6AA7-53E2-7F83D4CADEAC}"/>
+              </a:ext>
+            </a:extLst>
+          </p:cNvPr>
+          <p:cNvCxnSpPr>
+            <a:cxnSpLocks/>
+          </p:cNvCxnSpPr>
+          <p:nvPr/>
+        </p:nvCxnSpPr>
+        <p:spPr>
+          <a:xfrm flipV="1">
+            <a:off x="4763308" y="2538919"/>
+            <a:ext cx="0" cy="2889115"/>
+          </a:xfrm>
+          <a:prstGeom prst="straightConnector1">
+            <a:avLst/>
+          </a:prstGeom>
+          <a:ln w="25400">
+            <a:solidFill>
+              <a:schemeClr val="tx1"/>
+            </a:solidFill>
+            <a:tailEnd type="arrow"/>
+          </a:ln>
+        </p:spPr>
+        <p:style>
+          <a:lnRef idx="1">
+            <a:schemeClr val="accent1"/>
+          </a:lnRef>
+          <a:fillRef idx="0">
+            <a:schemeClr val="accent1"/>
+          </a:fillRef>
+          <a:effectRef idx="0">
+            <a:schemeClr val="accent1"/>
+          </a:effectRef>
+          <a:fontRef idx="minor">
+            <a:schemeClr val="tx1"/>
+          </a:fontRef>
+        </p:style>
+      </p:cxnSp>
+      <p:cxnSp>
+        <p:nvCxnSpPr>
+          <p:cNvPr id="3" name="直接箭头连接符 2">
+            <a:extLst>
+              <a:ext uri="{FF2B5EF4-FFF2-40B4-BE49-F238E27FC236}">
+                <a16:creationId xmlns:a16="http://schemas.microsoft.com/office/drawing/2014/main" id="{9EF88798-0F42-8C73-BFF2-C6611440309A}"/>
+              </a:ext>
+            </a:extLst>
+          </p:cNvPr>
+          <p:cNvCxnSpPr>
+            <a:cxnSpLocks/>
+          </p:cNvCxnSpPr>
+          <p:nvPr/>
+        </p:nvCxnSpPr>
+        <p:spPr>
+          <a:xfrm flipV="1">
+            <a:off x="4095345" y="4782702"/>
+            <a:ext cx="4065895" cy="52048"/>
+          </a:xfrm>
+          <a:prstGeom prst="straightConnector1">
+            <a:avLst/>
+          </a:prstGeom>
+          <a:ln w="25400">
+            <a:solidFill>
+              <a:schemeClr val="tx1"/>
+            </a:solidFill>
+            <a:tailEnd type="arrow"/>
+          </a:ln>
+        </p:spPr>
+        <p:style>
+          <a:lnRef idx="1">
+            <a:schemeClr val="accent1"/>
+          </a:lnRef>
+          <a:fillRef idx="0">
+            <a:schemeClr val="accent1"/>
+          </a:fillRef>
+          <a:effectRef idx="0">
+            <a:schemeClr val="accent1"/>
+          </a:effectRef>
+          <a:fontRef idx="minor">
+            <a:schemeClr val="tx1"/>
+          </a:fontRef>
+        </p:style>
+      </p:cxnSp>
+      <p:sp>
+        <p:nvSpPr>
+          <p:cNvPr id="5" name="矩形 4">
+            <a:extLst>
+              <a:ext uri="{FF2B5EF4-FFF2-40B4-BE49-F238E27FC236}">
+                <a16:creationId xmlns:a16="http://schemas.microsoft.com/office/drawing/2014/main" id="{3E5B9816-F356-A763-927B-8AC3CBA8CD19}"/>
+              </a:ext>
+            </a:extLst>
+          </p:cNvPr>
+          <p:cNvSpPr/>
+          <p:nvPr/>
+        </p:nvSpPr>
+        <p:spPr>
+          <a:xfrm>
+            <a:off x="4336955" y="4807581"/>
+            <a:ext cx="417102" cy="461665"/>
+          </a:xfrm>
+          <a:prstGeom prst="rect">
+            <a:avLst/>
+          </a:prstGeom>
+          <a:noFill/>
+        </p:spPr>
+        <p:txBody>
+          <a:bodyPr wrap="none" lIns="91440" tIns="45720" rIns="91440" bIns="45720">
+            <a:spAutoFit/>
+          </a:bodyPr>
+          <a:lstStyle/>
+          <a:p>
+            <a:pPr algn="ctr"/>
+            <a:r>
+              <a:rPr lang="en-US" altLang="zh-CN" sz="2400" b="1" dirty="0">
+                <a:ln w="0"/>
+                <a:effectLst>
+                  <a:outerShdw blurRad="38100" dist="19050" dir="2700000" algn="tl" rotWithShape="0">
+                    <a:schemeClr val="dk1">
+                      <a:alpha val="40000"/>
+                    </a:schemeClr>
+                  </a:outerShdw>
+                </a:effectLst>
+              </a:rPr>
+              <a:t>O</a:t>
+            </a:r>
+            <a:endParaRPr lang="zh-CN" altLang="en-US" sz="2400" b="1" cap="none" spc="0" dirty="0">
+              <a:ln w="0"/>
+              <a:solidFill>
+                <a:schemeClr val="tx1"/>
+              </a:solidFill>
+              <a:effectLst>
+                <a:outerShdw blurRad="38100" dist="19050" dir="2700000" algn="tl" rotWithShape="0">
+                  <a:schemeClr val="dk1">
+                    <a:alpha val="40000"/>
+                  </a:schemeClr>
+                </a:outerShdw>
+              </a:effectLst>
+            </a:endParaRPr>
+          </a:p>
+        </p:txBody>
+      </p:sp>
+      <p:sp>
+        <p:nvSpPr>
+          <p:cNvPr id="7" name="矩形 6">
+            <a:extLst>
+              <a:ext uri="{FF2B5EF4-FFF2-40B4-BE49-F238E27FC236}">
+                <a16:creationId xmlns:a16="http://schemas.microsoft.com/office/drawing/2014/main" id="{6633541B-8A14-4FEF-E80A-370D1B5FB22C}"/>
+              </a:ext>
+            </a:extLst>
+          </p:cNvPr>
+          <p:cNvSpPr/>
+          <p:nvPr/>
+        </p:nvSpPr>
+        <p:spPr>
+          <a:xfrm>
+            <a:off x="4820999" y="2392684"/>
+            <a:ext cx="341760" cy="461665"/>
+          </a:xfrm>
+          <a:prstGeom prst="rect">
+            <a:avLst/>
+          </a:prstGeom>
+          <a:noFill/>
+        </p:spPr>
+        <p:txBody>
+          <a:bodyPr wrap="none" lIns="91440" tIns="45720" rIns="91440" bIns="45720">
+            <a:spAutoFit/>
+          </a:bodyPr>
+          <a:lstStyle/>
+          <a:p>
+            <a:pPr algn="ctr"/>
+            <a:r>
+              <a:rPr lang="en-US" altLang="zh-CN" sz="2400" b="1" cap="none" spc="0" dirty="0">
+                <a:ln w="0"/>
+                <a:solidFill>
+                  <a:schemeClr val="tx1"/>
+                </a:solidFill>
+                <a:effectLst>
+                  <a:outerShdw blurRad="38100" dist="19050" dir="2700000" algn="tl" rotWithShape="0">
+                    <a:schemeClr val="dk1">
+                      <a:alpha val="40000"/>
+                    </a:schemeClr>
+                  </a:outerShdw>
+                </a:effectLst>
+              </a:rPr>
+              <a:t>y</a:t>
+            </a:r>
+            <a:endParaRPr lang="zh-CN" altLang="en-US" sz="2400" b="1" cap="none" spc="0" dirty="0">
+              <a:ln w="0"/>
+              <a:solidFill>
+                <a:schemeClr val="tx1"/>
+              </a:solidFill>
+              <a:effectLst>
+                <a:outerShdw blurRad="38100" dist="19050" dir="2700000" algn="tl" rotWithShape="0">
+                  <a:schemeClr val="dk1">
+                    <a:alpha val="40000"/>
+                  </a:schemeClr>
+                </a:outerShdw>
+              </a:effectLst>
+            </a:endParaRPr>
+          </a:p>
+        </p:txBody>
+      </p:sp>
+      <p:sp>
+        <p:nvSpPr>
+          <p:cNvPr id="8" name="矩形 7">
+            <a:extLst>
+              <a:ext uri="{FF2B5EF4-FFF2-40B4-BE49-F238E27FC236}">
+                <a16:creationId xmlns:a16="http://schemas.microsoft.com/office/drawing/2014/main" id="{29DFCF64-A321-2F97-6540-93E155792050}"/>
+              </a:ext>
+            </a:extLst>
+          </p:cNvPr>
+          <p:cNvSpPr/>
+          <p:nvPr/>
+        </p:nvSpPr>
+        <p:spPr>
+          <a:xfrm>
+            <a:off x="7832476" y="4763959"/>
+            <a:ext cx="341760" cy="461665"/>
+          </a:xfrm>
+          <a:prstGeom prst="rect">
+            <a:avLst/>
+          </a:prstGeom>
+          <a:noFill/>
+        </p:spPr>
+        <p:txBody>
+          <a:bodyPr wrap="none" lIns="91440" tIns="45720" rIns="91440" bIns="45720">
+            <a:spAutoFit/>
+          </a:bodyPr>
+          <a:lstStyle/>
+          <a:p>
+            <a:pPr algn="ctr"/>
+            <a:r>
+              <a:rPr lang="en-US" altLang="zh-CN" sz="2400" b="1" cap="none" spc="0" dirty="0">
+                <a:ln w="0"/>
+                <a:solidFill>
+                  <a:schemeClr val="tx1"/>
+                </a:solidFill>
+                <a:effectLst>
+                  <a:outerShdw blurRad="38100" dist="19050" dir="2700000" algn="tl" rotWithShape="0">
+                    <a:schemeClr val="dk1">
+                      <a:alpha val="40000"/>
+                    </a:schemeClr>
+                  </a:outerShdw>
+                </a:effectLst>
+              </a:rPr>
+              <a:t>x</a:t>
+            </a:r>
+            <a:endParaRPr lang="zh-CN" altLang="en-US" sz="2400" b="1" cap="none" spc="0" dirty="0">
+              <a:ln w="0"/>
+              <a:solidFill>
+                <a:schemeClr val="tx1"/>
+              </a:solidFill>
+              <a:effectLst>
+                <a:outerShdw blurRad="38100" dist="19050" dir="2700000" algn="tl" rotWithShape="0">
+                  <a:schemeClr val="dk1">
+                    <a:alpha val="40000"/>
+                  </a:schemeClr>
+                </a:outerShdw>
+              </a:effectLst>
+            </a:endParaRPr>
+          </a:p>
+        </p:txBody>
+      </p:sp>
+      <p:sp>
+        <p:nvSpPr>
+          <p:cNvPr id="76" name="矩形 75">
+            <a:extLst>
+              <a:ext uri="{FF2B5EF4-FFF2-40B4-BE49-F238E27FC236}">
+                <a16:creationId xmlns:a16="http://schemas.microsoft.com/office/drawing/2014/main" id="{DE29C81C-CD13-256A-AB4A-D7EF9CBBDC89}"/>
+              </a:ext>
+            </a:extLst>
+          </p:cNvPr>
+          <p:cNvSpPr/>
+          <p:nvPr/>
+        </p:nvSpPr>
+        <p:spPr>
+          <a:xfrm>
+            <a:off x="4708994" y="3262008"/>
+            <a:ext cx="878767" cy="461665"/>
+          </a:xfrm>
+          <a:prstGeom prst="rect">
+            <a:avLst/>
+          </a:prstGeom>
+          <a:noFill/>
+        </p:spPr>
+        <p:txBody>
+          <a:bodyPr wrap="none" lIns="91440" tIns="45720" rIns="91440" bIns="45720">
+            <a:spAutoFit/>
+          </a:bodyPr>
+          <a:lstStyle/>
+          <a:p>
+            <a:pPr algn="ctr"/>
+            <a:r>
+              <a:rPr lang="en-US" altLang="zh-CN" sz="2400" b="1" dirty="0">
+                <a:ln w="0"/>
+                <a:effectLst>
+                  <a:outerShdw blurRad="38100" dist="19050" dir="2700000" algn="tl" rotWithShape="0">
+                    <a:schemeClr val="dk1">
+                      <a:alpha val="40000"/>
+                    </a:schemeClr>
+                  </a:outerShdw>
+                </a:effectLst>
+              </a:rPr>
+              <a:t>(c, d)</a:t>
+            </a:r>
+            <a:endParaRPr lang="zh-CN" altLang="en-US" sz="2400" b="1" cap="none" spc="0" dirty="0">
+              <a:ln w="0"/>
+              <a:solidFill>
+                <a:schemeClr val="tx1"/>
+              </a:solidFill>
+              <a:effectLst>
+                <a:outerShdw blurRad="38100" dist="19050" dir="2700000" algn="tl" rotWithShape="0">
+                  <a:schemeClr val="dk1">
+                    <a:alpha val="40000"/>
+                  </a:schemeClr>
+                </a:outerShdw>
+              </a:effectLst>
+            </a:endParaRPr>
+          </a:p>
+        </p:txBody>
+      </p:sp>
+      <p:sp>
+        <p:nvSpPr>
+          <p:cNvPr id="77" name="矩形 76">
+            <a:extLst>
+              <a:ext uri="{FF2B5EF4-FFF2-40B4-BE49-F238E27FC236}">
+                <a16:creationId xmlns:a16="http://schemas.microsoft.com/office/drawing/2014/main" id="{B58ECC54-A7ED-88FA-C84A-A22F8640D2D9}"/>
+              </a:ext>
+            </a:extLst>
+          </p:cNvPr>
+          <p:cNvSpPr/>
+          <p:nvPr/>
+        </p:nvSpPr>
+        <p:spPr>
+          <a:xfrm>
+            <a:off x="6174316" y="4349772"/>
+            <a:ext cx="894796" cy="461665"/>
+          </a:xfrm>
+          <a:prstGeom prst="rect">
+            <a:avLst/>
+          </a:prstGeom>
+          <a:noFill/>
+        </p:spPr>
+        <p:txBody>
+          <a:bodyPr wrap="none" lIns="91440" tIns="45720" rIns="91440" bIns="45720">
+            <a:spAutoFit/>
+          </a:bodyPr>
+          <a:lstStyle/>
+          <a:p>
+            <a:pPr algn="ctr"/>
+            <a:r>
+              <a:rPr lang="en-US" altLang="zh-CN" sz="2400" b="1" dirty="0">
+                <a:ln w="0"/>
+                <a:effectLst>
+                  <a:outerShdw blurRad="38100" dist="19050" dir="2700000" algn="tl" rotWithShape="0">
+                    <a:schemeClr val="dk1">
+                      <a:alpha val="40000"/>
+                    </a:schemeClr>
+                  </a:outerShdw>
+                </a:effectLst>
+              </a:rPr>
+              <a:t>(a, b)</a:t>
+            </a:r>
+            <a:endParaRPr lang="zh-CN" altLang="en-US" sz="2400" b="1" cap="none" spc="0" dirty="0">
+              <a:ln w="0"/>
+              <a:solidFill>
+                <a:schemeClr val="tx1"/>
+              </a:solidFill>
+              <a:effectLst>
+                <a:outerShdw blurRad="38100" dist="19050" dir="2700000" algn="tl" rotWithShape="0">
+                  <a:schemeClr val="dk1">
+                    <a:alpha val="40000"/>
+                  </a:schemeClr>
+                </a:outerShdw>
+              </a:effectLst>
+            </a:endParaRPr>
+          </a:p>
+        </p:txBody>
+      </p:sp>
+      <p:cxnSp>
+        <p:nvCxnSpPr>
+          <p:cNvPr id="12" name="直接连接符 11">
+            <a:extLst>
+              <a:ext uri="{FF2B5EF4-FFF2-40B4-BE49-F238E27FC236}">
+                <a16:creationId xmlns:a16="http://schemas.microsoft.com/office/drawing/2014/main" id="{7BEC74F2-61DF-419C-B864-08F47A5194C0}"/>
+              </a:ext>
+            </a:extLst>
+          </p:cNvPr>
+          <p:cNvCxnSpPr>
+            <a:cxnSpLocks/>
+          </p:cNvCxnSpPr>
+          <p:nvPr/>
+        </p:nvCxnSpPr>
+        <p:spPr>
+          <a:xfrm flipH="1">
+            <a:off x="6257380" y="3342268"/>
+            <a:ext cx="728668" cy="1091621"/>
+          </a:xfrm>
+          <a:prstGeom prst="line">
+            <a:avLst/>
+          </a:prstGeom>
+          <a:ln w="25400">
+            <a:solidFill>
+              <a:srgbClr val="0070C0"/>
+            </a:solidFill>
+            <a:prstDash val="dash"/>
+            <a:tailEnd type="none"/>
+          </a:ln>
+        </p:spPr>
+        <p:style>
+          <a:lnRef idx="1">
+            <a:schemeClr val="accent1"/>
+          </a:lnRef>
+          <a:fillRef idx="0">
+            <a:schemeClr val="accent1"/>
+          </a:fillRef>
+          <a:effectRef idx="0">
+            <a:schemeClr val="accent1"/>
+          </a:effectRef>
+          <a:fontRef idx="minor">
+            <a:schemeClr val="tx1"/>
+          </a:fontRef>
+        </p:style>
+      </p:cxnSp>
+      <p:cxnSp>
+        <p:nvCxnSpPr>
+          <p:cNvPr id="14" name="直接连接符 13">
+            <a:extLst>
+              <a:ext uri="{FF2B5EF4-FFF2-40B4-BE49-F238E27FC236}">
+                <a16:creationId xmlns:a16="http://schemas.microsoft.com/office/drawing/2014/main" id="{7D629F71-A849-1C17-DEC7-043364B28D2B}"/>
+              </a:ext>
+            </a:extLst>
+          </p:cNvPr>
+          <p:cNvCxnSpPr>
+            <a:cxnSpLocks/>
+          </p:cNvCxnSpPr>
+          <p:nvPr/>
+        </p:nvCxnSpPr>
+        <p:spPr>
+          <a:xfrm flipV="1">
+            <a:off x="4754057" y="4442298"/>
+            <a:ext cx="1494343" cy="372996"/>
+          </a:xfrm>
+          <a:prstGeom prst="line">
+            <a:avLst/>
+          </a:prstGeom>
+          <a:ln w="25400">
+            <a:solidFill>
+              <a:srgbClr val="FFC000"/>
+            </a:solidFill>
+            <a:tailEnd type="arrow"/>
+          </a:ln>
+        </p:spPr>
+        <p:style>
+          <a:lnRef idx="1">
+            <a:schemeClr val="accent1"/>
+          </a:lnRef>
+          <a:fillRef idx="0">
+            <a:schemeClr val="accent1"/>
+          </a:fillRef>
+          <a:effectRef idx="0">
+            <a:schemeClr val="accent1"/>
+          </a:effectRef>
+          <a:fontRef idx="minor">
+            <a:schemeClr val="tx1"/>
+          </a:fontRef>
+        </p:style>
+      </p:cxnSp>
+      <p:cxnSp>
+        <p:nvCxnSpPr>
+          <p:cNvPr id="18" name="直接连接符 17">
+            <a:extLst>
+              <a:ext uri="{FF2B5EF4-FFF2-40B4-BE49-F238E27FC236}">
+                <a16:creationId xmlns:a16="http://schemas.microsoft.com/office/drawing/2014/main" id="{D36C9979-FE31-0E52-666E-EBD9916FD451}"/>
+              </a:ext>
+            </a:extLst>
+          </p:cNvPr>
+          <p:cNvCxnSpPr>
+            <a:cxnSpLocks/>
+          </p:cNvCxnSpPr>
+          <p:nvPr/>
+        </p:nvCxnSpPr>
+        <p:spPr>
+          <a:xfrm flipV="1">
+            <a:off x="4780467" y="3659832"/>
+            <a:ext cx="768382" cy="1147749"/>
+          </a:xfrm>
+          <a:prstGeom prst="line">
+            <a:avLst/>
+          </a:prstGeom>
+          <a:ln w="25400">
+            <a:solidFill>
+              <a:srgbClr val="FFC000"/>
+            </a:solidFill>
+            <a:tailEnd type="arrow"/>
+          </a:ln>
+        </p:spPr>
+        <p:style>
+          <a:lnRef idx="1">
+            <a:schemeClr val="accent1"/>
+          </a:lnRef>
+          <a:fillRef idx="0">
+            <a:schemeClr val="accent1"/>
+          </a:fillRef>
+          <a:effectRef idx="0">
+            <a:schemeClr val="accent1"/>
+          </a:effectRef>
+          <a:fontRef idx="minor">
+            <a:schemeClr val="tx1"/>
+          </a:fontRef>
+        </p:style>
+      </p:cxnSp>
+      <p:cxnSp>
+        <p:nvCxnSpPr>
+          <p:cNvPr id="31" name="直接连接符 30">
+            <a:extLst>
+              <a:ext uri="{FF2B5EF4-FFF2-40B4-BE49-F238E27FC236}">
+                <a16:creationId xmlns:a16="http://schemas.microsoft.com/office/drawing/2014/main" id="{98329415-4153-A140-30F2-0B07F2B34E55}"/>
+              </a:ext>
+            </a:extLst>
+          </p:cNvPr>
+          <p:cNvCxnSpPr>
+            <a:cxnSpLocks/>
+          </p:cNvCxnSpPr>
+          <p:nvPr/>
+        </p:nvCxnSpPr>
+        <p:spPr>
+          <a:xfrm flipH="1">
+            <a:off x="5529393" y="3306342"/>
+            <a:ext cx="1486436" cy="372996"/>
+          </a:xfrm>
+          <a:prstGeom prst="line">
+            <a:avLst/>
+          </a:prstGeom>
+          <a:ln w="25400">
+            <a:solidFill>
+              <a:srgbClr val="0070C0"/>
+            </a:solidFill>
+            <a:prstDash val="dash"/>
+            <a:tailEnd type="none"/>
+          </a:ln>
+        </p:spPr>
+        <p:style>
+          <a:lnRef idx="1">
+            <a:schemeClr val="accent1"/>
+          </a:lnRef>
+          <a:fillRef idx="0">
+            <a:schemeClr val="accent1"/>
+          </a:fillRef>
+          <a:effectRef idx="0">
+            <a:schemeClr val="accent1"/>
+          </a:effectRef>
+          <a:fontRef idx="minor">
+            <a:schemeClr val="tx1"/>
+          </a:fontRef>
+        </p:style>
+      </p:cxnSp>
+      <p:sp>
+        <p:nvSpPr>
+          <p:cNvPr id="36" name="矩形 35">
+            <a:extLst>
+              <a:ext uri="{FF2B5EF4-FFF2-40B4-BE49-F238E27FC236}">
+                <a16:creationId xmlns:a16="http://schemas.microsoft.com/office/drawing/2014/main" id="{4E18BFB4-1FB0-5CED-955E-B9957D4020AE}"/>
+              </a:ext>
+            </a:extLst>
+          </p:cNvPr>
+          <p:cNvSpPr/>
+          <p:nvPr/>
+        </p:nvSpPr>
+        <p:spPr>
+          <a:xfrm>
+            <a:off x="6276329" y="2869207"/>
+            <a:ext cx="1651414" cy="461665"/>
+          </a:xfrm>
+          <a:prstGeom prst="rect">
+            <a:avLst/>
+          </a:prstGeom>
+          <a:noFill/>
+        </p:spPr>
+        <p:txBody>
+          <a:bodyPr wrap="none" lIns="91440" tIns="45720" rIns="91440" bIns="45720">
+            <a:spAutoFit/>
+          </a:bodyPr>
+          <a:lstStyle/>
+          <a:p>
+            <a:pPr algn="ctr"/>
+            <a:r>
+              <a:rPr lang="en-US" altLang="zh-CN" sz="2400" b="1" dirty="0">
+                <a:ln w="0"/>
+                <a:effectLst>
+                  <a:outerShdw blurRad="38100" dist="19050" dir="2700000" algn="tl" rotWithShape="0">
+                    <a:schemeClr val="dk1">
+                      <a:alpha val="40000"/>
+                    </a:schemeClr>
+                  </a:outerShdw>
+                </a:effectLst>
+              </a:rPr>
+              <a:t>(a+c, b+d)</a:t>
+            </a:r>
+            <a:endParaRPr lang="zh-CN" altLang="en-US" sz="2400" b="1" cap="none" spc="0" dirty="0">
+              <a:ln w="0"/>
+              <a:solidFill>
+                <a:schemeClr val="tx1"/>
+              </a:solidFill>
+              <a:effectLst>
+                <a:outerShdw blurRad="38100" dist="19050" dir="2700000" algn="tl" rotWithShape="0">
+                  <a:schemeClr val="dk1">
+                    <a:alpha val="40000"/>
+                  </a:schemeClr>
+                </a:outerShdw>
+              </a:effectLst>
+            </a:endParaRPr>
+          </a:p>
+        </p:txBody>
+      </p:sp>
+    </p:spTree>
+    <p:extLst>
+      <p:ext uri="{BB962C8B-B14F-4D97-AF65-F5344CB8AC3E}">
+        <p14:creationId xmlns:p14="http://schemas.microsoft.com/office/powerpoint/2010/main" val="2484501"/>
+      </p:ext>
+    </p:extLst>
+  </p:cSld>
+  <p:clrMapOvr>
+    <a:masterClrMapping/>
+  </p:clrMapOvr>
+</p:sld>
+</file>
+
 <file path=ppt/slides/slide2.xml><?xml version="1.0" encoding="utf-8"?>
 <p:sld xmlns:a="http://schemas.openxmlformats.org/drawingml/2006/main" xmlns:r="http://schemas.openxmlformats.org/officeDocument/2006/relationships" xmlns:p="http://schemas.openxmlformats.org/presentationml/2006/main">
   <p:cSld>
@@ -11608,6 +14770,498 @@
     <p:extLst>
       <p:ext uri="{BB962C8B-B14F-4D97-AF65-F5344CB8AC3E}">
         <p14:creationId xmlns:p14="http://schemas.microsoft.com/office/powerpoint/2010/main" val="2428768771"/>
+      </p:ext>
+    </p:extLst>
+  </p:cSld>
+  <p:clrMapOvr>
+    <a:masterClrMapping/>
+  </p:clrMapOvr>
+</p:sld>
+</file>
+
+<file path=ppt/slides/slide20.xml><?xml version="1.0" encoding="utf-8"?>
+<p:sld xmlns:a="http://schemas.openxmlformats.org/drawingml/2006/main" xmlns:r="http://schemas.openxmlformats.org/officeDocument/2006/relationships" xmlns:p="http://schemas.openxmlformats.org/presentationml/2006/main">
+  <p:cSld>
+    <p:spTree>
+      <p:nvGrpSpPr>
+        <p:cNvPr id="1" name=""/>
+        <p:cNvGrpSpPr/>
+        <p:nvPr/>
+      </p:nvGrpSpPr>
+      <p:grpSpPr>
+        <a:xfrm>
+          <a:off x="0" y="0"/>
+          <a:ext cx="0" cy="0"/>
+          <a:chOff x="0" y="0"/>
+          <a:chExt cx="0" cy="0"/>
+        </a:xfrm>
+      </p:grpSpPr>
+      <p:cxnSp>
+        <p:nvCxnSpPr>
+          <p:cNvPr id="4" name="直接箭头连接符 3">
+            <a:extLst>
+              <a:ext uri="{FF2B5EF4-FFF2-40B4-BE49-F238E27FC236}">
+                <a16:creationId xmlns:a16="http://schemas.microsoft.com/office/drawing/2014/main" id="{63E6A94F-6E89-6AA7-53E2-7F83D4CADEAC}"/>
+              </a:ext>
+            </a:extLst>
+          </p:cNvPr>
+          <p:cNvCxnSpPr>
+            <a:cxnSpLocks/>
+          </p:cNvCxnSpPr>
+          <p:nvPr/>
+        </p:nvCxnSpPr>
+        <p:spPr>
+          <a:xfrm flipV="1">
+            <a:off x="3706238" y="3579779"/>
+            <a:ext cx="2178996" cy="272374"/>
+          </a:xfrm>
+          <a:prstGeom prst="straightConnector1">
+            <a:avLst/>
+          </a:prstGeom>
+          <a:ln w="25400">
+            <a:solidFill>
+              <a:schemeClr val="tx1"/>
+            </a:solidFill>
+            <a:tailEnd type="none"/>
+          </a:ln>
+        </p:spPr>
+        <p:style>
+          <a:lnRef idx="1">
+            <a:schemeClr val="accent1"/>
+          </a:lnRef>
+          <a:fillRef idx="0">
+            <a:schemeClr val="accent1"/>
+          </a:fillRef>
+          <a:effectRef idx="0">
+            <a:schemeClr val="accent1"/>
+          </a:effectRef>
+          <a:fontRef idx="minor">
+            <a:schemeClr val="tx1"/>
+          </a:fontRef>
+        </p:style>
+      </p:cxnSp>
+      <p:sp>
+        <p:nvSpPr>
+          <p:cNvPr id="77" name="矩形 76">
+            <a:extLst>
+              <a:ext uri="{FF2B5EF4-FFF2-40B4-BE49-F238E27FC236}">
+                <a16:creationId xmlns:a16="http://schemas.microsoft.com/office/drawing/2014/main" id="{B58ECC54-A7ED-88FA-C84A-A22F8640D2D9}"/>
+              </a:ext>
+            </a:extLst>
+          </p:cNvPr>
+          <p:cNvSpPr/>
+          <p:nvPr/>
+        </p:nvSpPr>
+        <p:spPr>
+          <a:xfrm>
+            <a:off x="3194719" y="3774330"/>
+            <a:ext cx="1023037" cy="461665"/>
+          </a:xfrm>
+          <a:prstGeom prst="rect">
+            <a:avLst/>
+          </a:prstGeom>
+          <a:noFill/>
+        </p:spPr>
+        <p:txBody>
+          <a:bodyPr wrap="none" lIns="91440" tIns="45720" rIns="91440" bIns="45720">
+            <a:spAutoFit/>
+          </a:bodyPr>
+          <a:lstStyle/>
+          <a:p>
+            <a:pPr algn="ctr"/>
+            <a:r>
+              <a:rPr lang="en-US" altLang="zh-CN" sz="2400" b="1" dirty="0">
+                <a:ln w="0"/>
+                <a:effectLst>
+                  <a:outerShdw blurRad="38100" dist="19050" dir="2700000" algn="tl" rotWithShape="0">
+                    <a:schemeClr val="dk1">
+                      <a:alpha val="40000"/>
+                    </a:schemeClr>
+                  </a:outerShdw>
+                </a:effectLst>
+              </a:rPr>
+              <a:t>(x</a:t>
+            </a:r>
+            <a:r>
+              <a:rPr lang="en-US" altLang="zh-CN" sz="1200" b="1" dirty="0">
+                <a:ln w="0"/>
+                <a:effectLst>
+                  <a:outerShdw blurRad="38100" dist="19050" dir="2700000" algn="tl" rotWithShape="0">
+                    <a:schemeClr val="dk1">
+                      <a:alpha val="40000"/>
+                    </a:schemeClr>
+                  </a:outerShdw>
+                </a:effectLst>
+              </a:rPr>
+              <a:t>1</a:t>
+            </a:r>
+            <a:r>
+              <a:rPr lang="en-US" altLang="zh-CN" sz="2400" b="1" dirty="0">
+                <a:ln w="0"/>
+                <a:effectLst>
+                  <a:outerShdw blurRad="38100" dist="19050" dir="2700000" algn="tl" rotWithShape="0">
+                    <a:schemeClr val="dk1">
+                      <a:alpha val="40000"/>
+                    </a:schemeClr>
+                  </a:outerShdw>
+                </a:effectLst>
+              </a:rPr>
+              <a:t>, y</a:t>
+            </a:r>
+            <a:r>
+              <a:rPr lang="en-US" altLang="zh-CN" sz="1200" b="1" dirty="0">
+                <a:ln w="0"/>
+                <a:effectLst>
+                  <a:outerShdw blurRad="38100" dist="19050" dir="2700000" algn="tl" rotWithShape="0">
+                    <a:schemeClr val="dk1">
+                      <a:alpha val="40000"/>
+                    </a:schemeClr>
+                  </a:outerShdw>
+                </a:effectLst>
+              </a:rPr>
+              <a:t>1</a:t>
+            </a:r>
+            <a:r>
+              <a:rPr lang="en-US" altLang="zh-CN" sz="2400" b="1" dirty="0">
+                <a:ln w="0"/>
+                <a:effectLst>
+                  <a:outerShdw blurRad="38100" dist="19050" dir="2700000" algn="tl" rotWithShape="0">
+                    <a:schemeClr val="dk1">
+                      <a:alpha val="40000"/>
+                    </a:schemeClr>
+                  </a:outerShdw>
+                </a:effectLst>
+              </a:rPr>
+              <a:t>)</a:t>
+            </a:r>
+            <a:endParaRPr lang="zh-CN" altLang="en-US" sz="2400" b="1" cap="none" spc="0" dirty="0">
+              <a:ln w="0"/>
+              <a:solidFill>
+                <a:schemeClr val="tx1"/>
+              </a:solidFill>
+              <a:effectLst>
+                <a:outerShdw blurRad="38100" dist="19050" dir="2700000" algn="tl" rotWithShape="0">
+                  <a:schemeClr val="dk1">
+                    <a:alpha val="40000"/>
+                  </a:schemeClr>
+                </a:outerShdw>
+              </a:effectLst>
+            </a:endParaRPr>
+          </a:p>
+        </p:txBody>
+      </p:sp>
+      <p:sp>
+        <p:nvSpPr>
+          <p:cNvPr id="2" name="矩形 1">
+            <a:extLst>
+              <a:ext uri="{FF2B5EF4-FFF2-40B4-BE49-F238E27FC236}">
+                <a16:creationId xmlns:a16="http://schemas.microsoft.com/office/drawing/2014/main" id="{6FB5770B-8DAB-3705-B76F-02900582912F}"/>
+              </a:ext>
+            </a:extLst>
+          </p:cNvPr>
+          <p:cNvSpPr/>
+          <p:nvPr/>
+        </p:nvSpPr>
+        <p:spPr>
+          <a:xfrm>
+            <a:off x="5428034" y="3555346"/>
+            <a:ext cx="1029449" cy="461665"/>
+          </a:xfrm>
+          <a:prstGeom prst="rect">
+            <a:avLst/>
+          </a:prstGeom>
+          <a:noFill/>
+        </p:spPr>
+        <p:txBody>
+          <a:bodyPr wrap="none" lIns="91440" tIns="45720" rIns="91440" bIns="45720">
+            <a:spAutoFit/>
+          </a:bodyPr>
+          <a:lstStyle/>
+          <a:p>
+            <a:pPr algn="ctr"/>
+            <a:r>
+              <a:rPr lang="en-US" altLang="zh-CN" sz="2400" b="1" dirty="0">
+                <a:ln w="0"/>
+                <a:effectLst>
+                  <a:outerShdw blurRad="38100" dist="19050" dir="2700000" algn="tl" rotWithShape="0">
+                    <a:schemeClr val="dk1">
+                      <a:alpha val="40000"/>
+                    </a:schemeClr>
+                  </a:outerShdw>
+                </a:effectLst>
+              </a:rPr>
+              <a:t>(x</a:t>
+            </a:r>
+            <a:r>
+              <a:rPr lang="en-US" altLang="zh-CN" sz="1200" b="1" dirty="0">
+                <a:ln w="0"/>
+                <a:effectLst>
+                  <a:outerShdw blurRad="38100" dist="19050" dir="2700000" algn="tl" rotWithShape="0">
+                    <a:schemeClr val="dk1">
+                      <a:alpha val="40000"/>
+                    </a:schemeClr>
+                  </a:outerShdw>
+                </a:effectLst>
+              </a:rPr>
+              <a:t>2</a:t>
+            </a:r>
+            <a:r>
+              <a:rPr lang="en-US" altLang="zh-CN" sz="2400" b="1" dirty="0">
+                <a:ln w="0"/>
+                <a:effectLst>
+                  <a:outerShdw blurRad="38100" dist="19050" dir="2700000" algn="tl" rotWithShape="0">
+                    <a:schemeClr val="dk1">
+                      <a:alpha val="40000"/>
+                    </a:schemeClr>
+                  </a:outerShdw>
+                </a:effectLst>
+              </a:rPr>
+              <a:t>, y</a:t>
+            </a:r>
+            <a:r>
+              <a:rPr lang="en-US" altLang="zh-CN" sz="1200" b="1" dirty="0">
+                <a:ln w="0"/>
+                <a:effectLst>
+                  <a:outerShdw blurRad="38100" dist="19050" dir="2700000" algn="tl" rotWithShape="0">
+                    <a:schemeClr val="dk1">
+                      <a:alpha val="40000"/>
+                    </a:schemeClr>
+                  </a:outerShdw>
+                </a:effectLst>
+              </a:rPr>
+              <a:t>2</a:t>
+            </a:r>
+            <a:r>
+              <a:rPr lang="en-US" altLang="zh-CN" sz="2400" b="1" dirty="0">
+                <a:ln w="0"/>
+                <a:effectLst>
+                  <a:outerShdw blurRad="38100" dist="19050" dir="2700000" algn="tl" rotWithShape="0">
+                    <a:schemeClr val="dk1">
+                      <a:alpha val="40000"/>
+                    </a:schemeClr>
+                  </a:outerShdw>
+                </a:effectLst>
+              </a:rPr>
+              <a:t>)</a:t>
+            </a:r>
+            <a:endParaRPr lang="zh-CN" altLang="en-US" sz="2400" b="1" cap="none" spc="0" dirty="0">
+              <a:ln w="0"/>
+              <a:solidFill>
+                <a:schemeClr val="tx1"/>
+              </a:solidFill>
+              <a:effectLst>
+                <a:outerShdw blurRad="38100" dist="19050" dir="2700000" algn="tl" rotWithShape="0">
+                  <a:schemeClr val="dk1">
+                    <a:alpha val="40000"/>
+                  </a:schemeClr>
+                </a:outerShdw>
+              </a:effectLst>
+            </a:endParaRPr>
+          </a:p>
+        </p:txBody>
+      </p:sp>
+      <p:sp>
+        <p:nvSpPr>
+          <p:cNvPr id="6" name="矩形 5">
+            <a:extLst>
+              <a:ext uri="{FF2B5EF4-FFF2-40B4-BE49-F238E27FC236}">
+                <a16:creationId xmlns:a16="http://schemas.microsoft.com/office/drawing/2014/main" id="{62113AF5-33C4-F73A-6B69-9B25B5EA8371}"/>
+              </a:ext>
+            </a:extLst>
+          </p:cNvPr>
+          <p:cNvSpPr/>
+          <p:nvPr/>
+        </p:nvSpPr>
+        <p:spPr>
+          <a:xfrm>
+            <a:off x="4456109" y="2106437"/>
+            <a:ext cx="1029449" cy="461665"/>
+          </a:xfrm>
+          <a:prstGeom prst="rect">
+            <a:avLst/>
+          </a:prstGeom>
+          <a:noFill/>
+        </p:spPr>
+        <p:txBody>
+          <a:bodyPr wrap="none" lIns="91440" tIns="45720" rIns="91440" bIns="45720">
+            <a:spAutoFit/>
+          </a:bodyPr>
+          <a:lstStyle/>
+          <a:p>
+            <a:pPr algn="ctr"/>
+            <a:r>
+              <a:rPr lang="en-US" altLang="zh-CN" sz="2400" b="1" dirty="0">
+                <a:ln w="0"/>
+                <a:effectLst>
+                  <a:outerShdw blurRad="38100" dist="19050" dir="2700000" algn="tl" rotWithShape="0">
+                    <a:schemeClr val="dk1">
+                      <a:alpha val="40000"/>
+                    </a:schemeClr>
+                  </a:outerShdw>
+                </a:effectLst>
+              </a:rPr>
+              <a:t>(x</a:t>
+            </a:r>
+            <a:r>
+              <a:rPr lang="en-US" altLang="zh-CN" sz="1200" b="1" dirty="0">
+                <a:ln w="0"/>
+                <a:effectLst>
+                  <a:outerShdw blurRad="38100" dist="19050" dir="2700000" algn="tl" rotWithShape="0">
+                    <a:schemeClr val="dk1">
+                      <a:alpha val="40000"/>
+                    </a:schemeClr>
+                  </a:outerShdw>
+                </a:effectLst>
+              </a:rPr>
+              <a:t>3</a:t>
+            </a:r>
+            <a:r>
+              <a:rPr lang="en-US" altLang="zh-CN" sz="2400" b="1" dirty="0">
+                <a:ln w="0"/>
+                <a:effectLst>
+                  <a:outerShdw blurRad="38100" dist="19050" dir="2700000" algn="tl" rotWithShape="0">
+                    <a:schemeClr val="dk1">
+                      <a:alpha val="40000"/>
+                    </a:schemeClr>
+                  </a:outerShdw>
+                </a:effectLst>
+              </a:rPr>
+              <a:t>, y</a:t>
+            </a:r>
+            <a:r>
+              <a:rPr lang="en-US" altLang="zh-CN" sz="1200" b="1" dirty="0">
+                <a:ln w="0"/>
+                <a:effectLst>
+                  <a:outerShdw blurRad="38100" dist="19050" dir="2700000" algn="tl" rotWithShape="0">
+                    <a:schemeClr val="dk1">
+                      <a:alpha val="40000"/>
+                    </a:schemeClr>
+                  </a:outerShdw>
+                </a:effectLst>
+              </a:rPr>
+              <a:t>3</a:t>
+            </a:r>
+            <a:r>
+              <a:rPr lang="en-US" altLang="zh-CN" sz="2400" b="1" dirty="0">
+                <a:ln w="0"/>
+                <a:effectLst>
+                  <a:outerShdw blurRad="38100" dist="19050" dir="2700000" algn="tl" rotWithShape="0">
+                    <a:schemeClr val="dk1">
+                      <a:alpha val="40000"/>
+                    </a:schemeClr>
+                  </a:outerShdw>
+                </a:effectLst>
+              </a:rPr>
+              <a:t>)</a:t>
+            </a:r>
+            <a:endParaRPr lang="zh-CN" altLang="en-US" sz="2400" b="1" cap="none" spc="0" dirty="0">
+              <a:ln w="0"/>
+              <a:solidFill>
+                <a:schemeClr val="tx1"/>
+              </a:solidFill>
+              <a:effectLst>
+                <a:outerShdw blurRad="38100" dist="19050" dir="2700000" algn="tl" rotWithShape="0">
+                  <a:schemeClr val="dk1">
+                    <a:alpha val="40000"/>
+                  </a:schemeClr>
+                </a:outerShdw>
+              </a:effectLst>
+            </a:endParaRPr>
+          </a:p>
+        </p:txBody>
+      </p:sp>
+      <p:cxnSp>
+        <p:nvCxnSpPr>
+          <p:cNvPr id="9" name="直接箭头连接符 8">
+            <a:extLst>
+              <a:ext uri="{FF2B5EF4-FFF2-40B4-BE49-F238E27FC236}">
+                <a16:creationId xmlns:a16="http://schemas.microsoft.com/office/drawing/2014/main" id="{58486AF7-FB28-DA4B-D03A-C6F6DDD20FE8}"/>
+              </a:ext>
+            </a:extLst>
+          </p:cNvPr>
+          <p:cNvCxnSpPr>
+            <a:cxnSpLocks/>
+          </p:cNvCxnSpPr>
+          <p:nvPr/>
+        </p:nvCxnSpPr>
+        <p:spPr>
+          <a:xfrm flipH="1" flipV="1">
+            <a:off x="4970834" y="2568102"/>
+            <a:ext cx="914400" cy="1011677"/>
+          </a:xfrm>
+          <a:prstGeom prst="straightConnector1">
+            <a:avLst/>
+          </a:prstGeom>
+          <a:ln w="25400">
+            <a:solidFill>
+              <a:schemeClr val="tx1"/>
+            </a:solidFill>
+            <a:tailEnd type="none"/>
+          </a:ln>
+        </p:spPr>
+        <p:style>
+          <a:lnRef idx="1">
+            <a:schemeClr val="accent1"/>
+          </a:lnRef>
+          <a:fillRef idx="0">
+            <a:schemeClr val="accent1"/>
+          </a:fillRef>
+          <a:effectRef idx="0">
+            <a:schemeClr val="accent1"/>
+          </a:effectRef>
+          <a:fontRef idx="minor">
+            <a:schemeClr val="tx1"/>
+          </a:fontRef>
+        </p:style>
+      </p:cxnSp>
+      <p:cxnSp>
+        <p:nvCxnSpPr>
+          <p:cNvPr id="10" name="直接箭头连接符 9">
+            <a:extLst>
+              <a:ext uri="{FF2B5EF4-FFF2-40B4-BE49-F238E27FC236}">
+                <a16:creationId xmlns:a16="http://schemas.microsoft.com/office/drawing/2014/main" id="{8F3A9A58-8BD2-4A1D-322A-4E4625B6A8BC}"/>
+              </a:ext>
+            </a:extLst>
+          </p:cNvPr>
+          <p:cNvCxnSpPr>
+            <a:cxnSpLocks/>
+          </p:cNvCxnSpPr>
+          <p:nvPr/>
+        </p:nvCxnSpPr>
+        <p:spPr>
+          <a:xfrm flipV="1">
+            <a:off x="3706238" y="2568102"/>
+            <a:ext cx="1274324" cy="1284051"/>
+          </a:xfrm>
+          <a:prstGeom prst="straightConnector1">
+            <a:avLst/>
+          </a:prstGeom>
+          <a:ln w="25400">
+            <a:solidFill>
+              <a:schemeClr val="tx1"/>
+            </a:solidFill>
+            <a:tailEnd type="none"/>
+          </a:ln>
+        </p:spPr>
+        <p:style>
+          <a:lnRef idx="1">
+            <a:schemeClr val="accent1"/>
+          </a:lnRef>
+          <a:fillRef idx="0">
+            <a:schemeClr val="accent1"/>
+          </a:fillRef>
+          <a:effectRef idx="0">
+            <a:schemeClr val="accent1"/>
+          </a:effectRef>
+          <a:fontRef idx="minor">
+            <a:schemeClr val="tx1"/>
+          </a:fontRef>
+        </p:style>
+      </p:cxnSp>
+    </p:spTree>
+    <p:extLst>
+      <p:ext uri="{BB962C8B-B14F-4D97-AF65-F5344CB8AC3E}">
+        <p14:creationId xmlns:p14="http://schemas.microsoft.com/office/powerpoint/2010/main" val="415464208"/>
       </p:ext>
     </p:extLst>
   </p:cSld>

--- a/notes/campus.pptx
+++ b/notes/campus.pptx
@@ -25,6 +25,7 @@
     <p:sldId id="274" r:id="rId19"/>
     <p:sldId id="275" r:id="rId20"/>
     <p:sldId id="276" r:id="rId21"/>
+    <p:sldId id="277" r:id="rId22"/>
   </p:sldIdLst>
   <p:sldSz cx="12192000" cy="6858000"/>
   <p:notesSz cx="6858000" cy="9144000"/>
@@ -15271,6 +15272,1038 @@
 </p:sld>
 </file>
 
+<file path=ppt/slides/slide21.xml><?xml version="1.0" encoding="utf-8"?>
+<p:sld xmlns:a="http://schemas.openxmlformats.org/drawingml/2006/main" xmlns:r="http://schemas.openxmlformats.org/officeDocument/2006/relationships" xmlns:p="http://schemas.openxmlformats.org/presentationml/2006/main">
+  <p:cSld>
+    <p:spTree>
+      <p:nvGrpSpPr>
+        <p:cNvPr id="1" name=""/>
+        <p:cNvGrpSpPr/>
+        <p:nvPr/>
+      </p:nvGrpSpPr>
+      <p:grpSpPr>
+        <a:xfrm>
+          <a:off x="0" y="0"/>
+          <a:ext cx="0" cy="0"/>
+          <a:chOff x="0" y="0"/>
+          <a:chExt cx="0" cy="0"/>
+        </a:xfrm>
+      </p:grpSpPr>
+      <p:cxnSp>
+        <p:nvCxnSpPr>
+          <p:cNvPr id="6" name="直接箭头连接符 5">
+            <a:extLst>
+              <a:ext uri="{FF2B5EF4-FFF2-40B4-BE49-F238E27FC236}">
+                <a16:creationId xmlns:a16="http://schemas.microsoft.com/office/drawing/2014/main" id="{53598971-1709-6738-14B6-2796A3F83A9B}"/>
+              </a:ext>
+            </a:extLst>
+          </p:cNvPr>
+          <p:cNvCxnSpPr>
+            <a:cxnSpLocks/>
+          </p:cNvCxnSpPr>
+          <p:nvPr/>
+        </p:nvCxnSpPr>
+        <p:spPr>
+          <a:xfrm flipH="1">
+            <a:off x="2743200" y="4027351"/>
+            <a:ext cx="2418944" cy="1439594"/>
+          </a:xfrm>
+          <a:prstGeom prst="straightConnector1">
+            <a:avLst/>
+          </a:prstGeom>
+          <a:ln w="25400">
+            <a:solidFill>
+              <a:schemeClr val="tx1"/>
+            </a:solidFill>
+            <a:tailEnd type="none"/>
+          </a:ln>
+        </p:spPr>
+        <p:style>
+          <a:lnRef idx="1">
+            <a:schemeClr val="accent1"/>
+          </a:lnRef>
+          <a:fillRef idx="0">
+            <a:schemeClr val="accent1"/>
+          </a:fillRef>
+          <a:effectRef idx="0">
+            <a:schemeClr val="accent1"/>
+          </a:effectRef>
+          <a:fontRef idx="minor">
+            <a:schemeClr val="tx1"/>
+          </a:fontRef>
+        </p:style>
+      </p:cxnSp>
+      <p:cxnSp>
+        <p:nvCxnSpPr>
+          <p:cNvPr id="4" name="直接箭头连接符 3">
+            <a:extLst>
+              <a:ext uri="{FF2B5EF4-FFF2-40B4-BE49-F238E27FC236}">
+                <a16:creationId xmlns:a16="http://schemas.microsoft.com/office/drawing/2014/main" id="{63E6A94F-6E89-6AA7-53E2-7F83D4CADEAC}"/>
+              </a:ext>
+            </a:extLst>
+          </p:cNvPr>
+          <p:cNvCxnSpPr>
+            <a:cxnSpLocks/>
+          </p:cNvCxnSpPr>
+          <p:nvPr/>
+        </p:nvCxnSpPr>
+        <p:spPr>
+          <a:xfrm flipV="1">
+            <a:off x="5171872" y="778213"/>
+            <a:ext cx="0" cy="3249138"/>
+          </a:xfrm>
+          <a:prstGeom prst="straightConnector1">
+            <a:avLst/>
+          </a:prstGeom>
+          <a:ln w="25400">
+            <a:solidFill>
+              <a:schemeClr val="tx1"/>
+            </a:solidFill>
+            <a:tailEnd type="none"/>
+          </a:ln>
+        </p:spPr>
+        <p:style>
+          <a:lnRef idx="1">
+            <a:schemeClr val="accent1"/>
+          </a:lnRef>
+          <a:fillRef idx="0">
+            <a:schemeClr val="accent1"/>
+          </a:fillRef>
+          <a:effectRef idx="0">
+            <a:schemeClr val="accent1"/>
+          </a:effectRef>
+          <a:fontRef idx="minor">
+            <a:schemeClr val="tx1"/>
+          </a:fontRef>
+        </p:style>
+      </p:cxnSp>
+      <p:cxnSp>
+        <p:nvCxnSpPr>
+          <p:cNvPr id="3" name="直接箭头连接符 2">
+            <a:extLst>
+              <a:ext uri="{FF2B5EF4-FFF2-40B4-BE49-F238E27FC236}">
+                <a16:creationId xmlns:a16="http://schemas.microsoft.com/office/drawing/2014/main" id="{9EF88798-0F42-8C73-BFF2-C6611440309A}"/>
+              </a:ext>
+            </a:extLst>
+          </p:cNvPr>
+          <p:cNvCxnSpPr>
+            <a:cxnSpLocks/>
+          </p:cNvCxnSpPr>
+          <p:nvPr/>
+        </p:nvCxnSpPr>
+        <p:spPr>
+          <a:xfrm flipV="1">
+            <a:off x="5162144" y="4015725"/>
+            <a:ext cx="3972429" cy="11626"/>
+          </a:xfrm>
+          <a:prstGeom prst="straightConnector1">
+            <a:avLst/>
+          </a:prstGeom>
+          <a:ln w="25400">
+            <a:solidFill>
+              <a:schemeClr val="tx1"/>
+            </a:solidFill>
+            <a:tailEnd type="none"/>
+          </a:ln>
+        </p:spPr>
+        <p:style>
+          <a:lnRef idx="1">
+            <a:schemeClr val="accent1"/>
+          </a:lnRef>
+          <a:fillRef idx="0">
+            <a:schemeClr val="accent1"/>
+          </a:fillRef>
+          <a:effectRef idx="0">
+            <a:schemeClr val="accent1"/>
+          </a:effectRef>
+          <a:fontRef idx="minor">
+            <a:schemeClr val="tx1"/>
+          </a:fontRef>
+        </p:style>
+      </p:cxnSp>
+      <p:sp>
+        <p:nvSpPr>
+          <p:cNvPr id="19" name="流程图: 数据 18">
+            <a:extLst>
+              <a:ext uri="{FF2B5EF4-FFF2-40B4-BE49-F238E27FC236}">
+                <a16:creationId xmlns:a16="http://schemas.microsoft.com/office/drawing/2014/main" id="{21CDF416-1488-3631-3F51-2D562E34B42B}"/>
+              </a:ext>
+            </a:extLst>
+          </p:cNvPr>
+          <p:cNvSpPr/>
+          <p:nvPr/>
+        </p:nvSpPr>
+        <p:spPr>
+          <a:xfrm rot="2288190">
+            <a:off x="2740723" y="2519804"/>
+            <a:ext cx="5207669" cy="2739479"/>
+          </a:xfrm>
+          <a:prstGeom prst="flowChartInputOutput">
+            <a:avLst/>
+          </a:prstGeom>
+          <a:solidFill>
+            <a:srgbClr val="00B0F0">
+              <a:alpha val="56000"/>
+            </a:srgbClr>
+          </a:solidFill>
+          <a:ln>
+            <a:solidFill>
+              <a:srgbClr val="00B0F0">
+                <a:alpha val="27000"/>
+              </a:srgbClr>
+            </a:solidFill>
+          </a:ln>
+        </p:spPr>
+        <p:style>
+          <a:lnRef idx="2">
+            <a:schemeClr val="accent1">
+              <a:shade val="15000"/>
+            </a:schemeClr>
+          </a:lnRef>
+          <a:fillRef idx="1">
+            <a:schemeClr val="accent1"/>
+          </a:fillRef>
+          <a:effectRef idx="0">
+            <a:schemeClr val="accent1"/>
+          </a:effectRef>
+          <a:fontRef idx="minor">
+            <a:schemeClr val="lt1"/>
+          </a:fontRef>
+        </p:style>
+        <p:txBody>
+          <a:bodyPr rtlCol="0" anchor="ctr"/>
+          <a:lstStyle/>
+          <a:p>
+            <a:pPr algn="ctr"/>
+            <a:endParaRPr lang="zh-CN" altLang="en-US" dirty="0"/>
+          </a:p>
+        </p:txBody>
+      </p:sp>
+      <p:cxnSp>
+        <p:nvCxnSpPr>
+          <p:cNvPr id="24" name="直接连接符 23">
+            <a:extLst>
+              <a:ext uri="{FF2B5EF4-FFF2-40B4-BE49-F238E27FC236}">
+                <a16:creationId xmlns:a16="http://schemas.microsoft.com/office/drawing/2014/main" id="{A2FCAB8A-316C-DD33-720F-A8A9770E85AC}"/>
+              </a:ext>
+            </a:extLst>
+          </p:cNvPr>
+          <p:cNvCxnSpPr>
+            <a:cxnSpLocks/>
+          </p:cNvCxnSpPr>
+          <p:nvPr/>
+        </p:nvCxnSpPr>
+        <p:spPr>
+          <a:xfrm flipH="1">
+            <a:off x="4834385" y="2822694"/>
+            <a:ext cx="1350461" cy="2386063"/>
+          </a:xfrm>
+          <a:prstGeom prst="line">
+            <a:avLst/>
+          </a:prstGeom>
+          <a:ln w="19050"/>
+        </p:spPr>
+        <p:style>
+          <a:lnRef idx="1">
+            <a:schemeClr val="accent1"/>
+          </a:lnRef>
+          <a:fillRef idx="0">
+            <a:schemeClr val="accent1"/>
+          </a:fillRef>
+          <a:effectRef idx="0">
+            <a:schemeClr val="accent1"/>
+          </a:effectRef>
+          <a:fontRef idx="minor">
+            <a:schemeClr val="tx1"/>
+          </a:fontRef>
+        </p:style>
+      </p:cxnSp>
+      <p:sp>
+        <p:nvSpPr>
+          <p:cNvPr id="18" name="矩形 17">
+            <a:extLst>
+              <a:ext uri="{FF2B5EF4-FFF2-40B4-BE49-F238E27FC236}">
+                <a16:creationId xmlns:a16="http://schemas.microsoft.com/office/drawing/2014/main" id="{0148B290-B7C5-05E6-7799-62F80F0F7B66}"/>
+              </a:ext>
+            </a:extLst>
+          </p:cNvPr>
+          <p:cNvSpPr/>
+          <p:nvPr/>
+        </p:nvSpPr>
+        <p:spPr>
+          <a:xfrm>
+            <a:off x="6541062" y="1878147"/>
+            <a:ext cx="370614" cy="461665"/>
+          </a:xfrm>
+          <a:prstGeom prst="rect">
+            <a:avLst/>
+          </a:prstGeom>
+          <a:noFill/>
+        </p:spPr>
+        <p:txBody>
+          <a:bodyPr wrap="none" lIns="91440" tIns="45720" rIns="91440" bIns="45720">
+            <a:spAutoFit/>
+          </a:bodyPr>
+          <a:lstStyle/>
+          <a:p>
+            <a:pPr algn="ctr"/>
+            <a:r>
+              <a:rPr lang="en-US" altLang="zh-CN" sz="2400" b="1" cap="none" spc="0" dirty="0">
+                <a:ln w="0"/>
+                <a:solidFill>
+                  <a:srgbClr val="C00000"/>
+                </a:solidFill>
+                <a:effectLst>
+                  <a:outerShdw blurRad="38100" dist="25400" dir="5400000" algn="ctr" rotWithShape="0">
+                    <a:srgbClr val="6E747A">
+                      <a:alpha val="43000"/>
+                    </a:srgbClr>
+                  </a:outerShdw>
+                </a:effectLst>
+              </a:rPr>
+              <a:t>b</a:t>
+            </a:r>
+            <a:endParaRPr lang="zh-CN" altLang="en-US" sz="2400" b="1" cap="none" spc="0" dirty="0">
+              <a:ln w="0"/>
+              <a:solidFill>
+                <a:srgbClr val="C00000"/>
+              </a:solidFill>
+              <a:effectLst>
+                <a:outerShdw blurRad="38100" dist="25400" dir="5400000" algn="ctr" rotWithShape="0">
+                  <a:srgbClr val="6E747A">
+                    <a:alpha val="43000"/>
+                  </a:srgbClr>
+                </a:outerShdw>
+              </a:effectLst>
+            </a:endParaRPr>
+          </a:p>
+        </p:txBody>
+      </p:sp>
+      <p:cxnSp>
+        <p:nvCxnSpPr>
+          <p:cNvPr id="22" name="直接连接符 21">
+            <a:extLst>
+              <a:ext uri="{FF2B5EF4-FFF2-40B4-BE49-F238E27FC236}">
+                <a16:creationId xmlns:a16="http://schemas.microsoft.com/office/drawing/2014/main" id="{62AA77F0-26B5-D01B-13B6-581FC3CB22E5}"/>
+              </a:ext>
+            </a:extLst>
+          </p:cNvPr>
+          <p:cNvCxnSpPr>
+            <a:cxnSpLocks/>
+          </p:cNvCxnSpPr>
+          <p:nvPr/>
+        </p:nvCxnSpPr>
+        <p:spPr>
+          <a:xfrm flipH="1">
+            <a:off x="3458355" y="2062483"/>
+            <a:ext cx="1149784" cy="2077109"/>
+          </a:xfrm>
+          <a:prstGeom prst="line">
+            <a:avLst/>
+          </a:prstGeom>
+          <a:ln w="19050"/>
+        </p:spPr>
+        <p:style>
+          <a:lnRef idx="1">
+            <a:schemeClr val="accent1"/>
+          </a:lnRef>
+          <a:fillRef idx="0">
+            <a:schemeClr val="accent1"/>
+          </a:fillRef>
+          <a:effectRef idx="0">
+            <a:schemeClr val="accent1"/>
+          </a:effectRef>
+          <a:fontRef idx="minor">
+            <a:schemeClr val="tx1"/>
+          </a:fontRef>
+        </p:style>
+      </p:cxnSp>
+      <p:cxnSp>
+        <p:nvCxnSpPr>
+          <p:cNvPr id="23" name="直接连接符 22">
+            <a:extLst>
+              <a:ext uri="{FF2B5EF4-FFF2-40B4-BE49-F238E27FC236}">
+                <a16:creationId xmlns:a16="http://schemas.microsoft.com/office/drawing/2014/main" id="{DA69CC49-61EB-945E-3F82-E4CD89ED0780}"/>
+              </a:ext>
+            </a:extLst>
+          </p:cNvPr>
+          <p:cNvCxnSpPr>
+            <a:cxnSpLocks/>
+          </p:cNvCxnSpPr>
+          <p:nvPr/>
+        </p:nvCxnSpPr>
+        <p:spPr>
+          <a:xfrm flipH="1">
+            <a:off x="4134561" y="2293019"/>
+            <a:ext cx="1350461" cy="2386063"/>
+          </a:xfrm>
+          <a:prstGeom prst="line">
+            <a:avLst/>
+          </a:prstGeom>
+          <a:ln w="19050"/>
+        </p:spPr>
+        <p:style>
+          <a:lnRef idx="1">
+            <a:schemeClr val="accent1"/>
+          </a:lnRef>
+          <a:fillRef idx="0">
+            <a:schemeClr val="accent1"/>
+          </a:fillRef>
+          <a:effectRef idx="0">
+            <a:schemeClr val="accent1"/>
+          </a:effectRef>
+          <a:fontRef idx="minor">
+            <a:schemeClr val="tx1"/>
+          </a:fontRef>
+        </p:style>
+      </p:cxnSp>
+      <p:cxnSp>
+        <p:nvCxnSpPr>
+          <p:cNvPr id="25" name="直接连接符 24">
+            <a:extLst>
+              <a:ext uri="{FF2B5EF4-FFF2-40B4-BE49-F238E27FC236}">
+                <a16:creationId xmlns:a16="http://schemas.microsoft.com/office/drawing/2014/main" id="{04F179B8-C984-3F72-00F2-1913511A796A}"/>
+              </a:ext>
+            </a:extLst>
+          </p:cNvPr>
+          <p:cNvCxnSpPr>
+            <a:cxnSpLocks/>
+          </p:cNvCxnSpPr>
+          <p:nvPr/>
+        </p:nvCxnSpPr>
+        <p:spPr>
+          <a:xfrm flipH="1">
+            <a:off x="5423943" y="3263712"/>
+            <a:ext cx="1302426" cy="2387254"/>
+          </a:xfrm>
+          <a:prstGeom prst="line">
+            <a:avLst/>
+          </a:prstGeom>
+          <a:ln w="19050"/>
+        </p:spPr>
+        <p:style>
+          <a:lnRef idx="1">
+            <a:schemeClr val="accent1"/>
+          </a:lnRef>
+          <a:fillRef idx="0">
+            <a:schemeClr val="accent1"/>
+          </a:fillRef>
+          <a:effectRef idx="0">
+            <a:schemeClr val="accent1"/>
+          </a:effectRef>
+          <a:fontRef idx="minor">
+            <a:schemeClr val="tx1"/>
+          </a:fontRef>
+        </p:style>
+      </p:cxnSp>
+      <p:cxnSp>
+        <p:nvCxnSpPr>
+          <p:cNvPr id="26" name="直接连接符 25">
+            <a:extLst>
+              <a:ext uri="{FF2B5EF4-FFF2-40B4-BE49-F238E27FC236}">
+                <a16:creationId xmlns:a16="http://schemas.microsoft.com/office/drawing/2014/main" id="{AE6FCFF5-6269-205F-506B-4E1DCA222375}"/>
+              </a:ext>
+            </a:extLst>
+          </p:cNvPr>
+          <p:cNvCxnSpPr>
+            <a:cxnSpLocks/>
+          </p:cNvCxnSpPr>
+          <p:nvPr/>
+        </p:nvCxnSpPr>
+        <p:spPr>
+          <a:xfrm flipH="1">
+            <a:off x="6344753" y="3704877"/>
+            <a:ext cx="959329" cy="1847980"/>
+          </a:xfrm>
+          <a:prstGeom prst="line">
+            <a:avLst/>
+          </a:prstGeom>
+          <a:ln w="19050"/>
+        </p:spPr>
+        <p:style>
+          <a:lnRef idx="1">
+            <a:schemeClr val="accent1"/>
+          </a:lnRef>
+          <a:fillRef idx="0">
+            <a:schemeClr val="accent1"/>
+          </a:fillRef>
+          <a:effectRef idx="0">
+            <a:schemeClr val="accent1"/>
+          </a:effectRef>
+          <a:fontRef idx="minor">
+            <a:schemeClr val="tx1"/>
+          </a:fontRef>
+        </p:style>
+      </p:cxnSp>
+      <p:sp>
+        <p:nvSpPr>
+          <p:cNvPr id="2" name="矩形 1">
+            <a:extLst>
+              <a:ext uri="{FF2B5EF4-FFF2-40B4-BE49-F238E27FC236}">
+                <a16:creationId xmlns:a16="http://schemas.microsoft.com/office/drawing/2014/main" id="{AB7FD11A-EC3D-9867-41E4-FC6160AE54DE}"/>
+              </a:ext>
+            </a:extLst>
+          </p:cNvPr>
+          <p:cNvSpPr/>
+          <p:nvPr/>
+        </p:nvSpPr>
+        <p:spPr>
+          <a:xfrm>
+            <a:off x="2743199" y="4892897"/>
+            <a:ext cx="338555" cy="461665"/>
+          </a:xfrm>
+          <a:prstGeom prst="rect">
+            <a:avLst/>
+          </a:prstGeom>
+          <a:noFill/>
+        </p:spPr>
+        <p:txBody>
+          <a:bodyPr wrap="none" lIns="91440" tIns="45720" rIns="91440" bIns="45720">
+            <a:spAutoFit/>
+          </a:bodyPr>
+          <a:lstStyle/>
+          <a:p>
+            <a:pPr algn="ctr"/>
+            <a:r>
+              <a:rPr lang="en-US" altLang="zh-CN" sz="2400" b="1" cap="none" spc="0" dirty="0">
+                <a:ln w="0"/>
+                <a:solidFill>
+                  <a:schemeClr val="tx1"/>
+                </a:solidFill>
+                <a:effectLst>
+                  <a:outerShdw blurRad="38100" dist="19050" dir="2700000" algn="tl" rotWithShape="0">
+                    <a:schemeClr val="dk1">
+                      <a:alpha val="40000"/>
+                    </a:schemeClr>
+                  </a:outerShdw>
+                </a:effectLst>
+              </a:rPr>
+              <a:t>x</a:t>
+            </a:r>
+            <a:endParaRPr lang="zh-CN" altLang="en-US" sz="2400" b="1" cap="none" spc="0" dirty="0">
+              <a:ln w="0"/>
+              <a:solidFill>
+                <a:schemeClr val="tx1"/>
+              </a:solidFill>
+              <a:effectLst>
+                <a:outerShdw blurRad="38100" dist="19050" dir="2700000" algn="tl" rotWithShape="0">
+                  <a:schemeClr val="dk1">
+                    <a:alpha val="40000"/>
+                  </a:schemeClr>
+                </a:outerShdw>
+              </a:effectLst>
+            </a:endParaRPr>
+          </a:p>
+        </p:txBody>
+      </p:sp>
+      <p:sp>
+        <p:nvSpPr>
+          <p:cNvPr id="5" name="矩形 4">
+            <a:extLst>
+              <a:ext uri="{FF2B5EF4-FFF2-40B4-BE49-F238E27FC236}">
+                <a16:creationId xmlns:a16="http://schemas.microsoft.com/office/drawing/2014/main" id="{16C66782-7E75-005C-E571-68955BA8E603}"/>
+              </a:ext>
+            </a:extLst>
+          </p:cNvPr>
+          <p:cNvSpPr/>
+          <p:nvPr/>
+        </p:nvSpPr>
+        <p:spPr>
+          <a:xfrm>
+            <a:off x="8802181" y="3908759"/>
+            <a:ext cx="338555" cy="461665"/>
+          </a:xfrm>
+          <a:prstGeom prst="rect">
+            <a:avLst/>
+          </a:prstGeom>
+          <a:noFill/>
+        </p:spPr>
+        <p:txBody>
+          <a:bodyPr wrap="none" lIns="91440" tIns="45720" rIns="91440" bIns="45720">
+            <a:spAutoFit/>
+          </a:bodyPr>
+          <a:lstStyle/>
+          <a:p>
+            <a:pPr algn="ctr"/>
+            <a:r>
+              <a:rPr lang="en-US" altLang="zh-CN" sz="2400" b="1" cap="none" spc="0" dirty="0">
+                <a:ln w="0"/>
+                <a:solidFill>
+                  <a:schemeClr val="tx1"/>
+                </a:solidFill>
+                <a:effectLst>
+                  <a:outerShdw blurRad="38100" dist="19050" dir="2700000" algn="tl" rotWithShape="0">
+                    <a:schemeClr val="dk1">
+                      <a:alpha val="40000"/>
+                    </a:schemeClr>
+                  </a:outerShdw>
+                </a:effectLst>
+              </a:rPr>
+              <a:t>y</a:t>
+            </a:r>
+            <a:endParaRPr lang="zh-CN" altLang="en-US" sz="2400" b="1" cap="none" spc="0" dirty="0">
+              <a:ln w="0"/>
+              <a:solidFill>
+                <a:schemeClr val="tx1"/>
+              </a:solidFill>
+              <a:effectLst>
+                <a:outerShdw blurRad="38100" dist="19050" dir="2700000" algn="tl" rotWithShape="0">
+                  <a:schemeClr val="dk1">
+                    <a:alpha val="40000"/>
+                  </a:schemeClr>
+                </a:outerShdw>
+              </a:effectLst>
+            </a:endParaRPr>
+          </a:p>
+        </p:txBody>
+      </p:sp>
+      <p:sp>
+        <p:nvSpPr>
+          <p:cNvPr id="7" name="矩形 6">
+            <a:extLst>
+              <a:ext uri="{FF2B5EF4-FFF2-40B4-BE49-F238E27FC236}">
+                <a16:creationId xmlns:a16="http://schemas.microsoft.com/office/drawing/2014/main" id="{F0A1CEDB-ACC1-CC3D-A230-12CD2A33D915}"/>
+              </a:ext>
+            </a:extLst>
+          </p:cNvPr>
+          <p:cNvSpPr/>
+          <p:nvPr/>
+        </p:nvSpPr>
+        <p:spPr>
+          <a:xfrm>
+            <a:off x="5167008" y="767513"/>
+            <a:ext cx="327333" cy="461665"/>
+          </a:xfrm>
+          <a:prstGeom prst="rect">
+            <a:avLst/>
+          </a:prstGeom>
+          <a:noFill/>
+        </p:spPr>
+        <p:txBody>
+          <a:bodyPr wrap="none" lIns="91440" tIns="45720" rIns="91440" bIns="45720">
+            <a:spAutoFit/>
+          </a:bodyPr>
+          <a:lstStyle/>
+          <a:p>
+            <a:pPr algn="ctr"/>
+            <a:r>
+              <a:rPr lang="en-US" altLang="zh-CN" sz="2400" b="1" cap="none" spc="0" dirty="0">
+                <a:ln w="0"/>
+                <a:solidFill>
+                  <a:schemeClr val="tx1"/>
+                </a:solidFill>
+                <a:effectLst>
+                  <a:outerShdw blurRad="38100" dist="19050" dir="2700000" algn="tl" rotWithShape="0">
+                    <a:schemeClr val="dk1">
+                      <a:alpha val="40000"/>
+                    </a:schemeClr>
+                  </a:outerShdw>
+                </a:effectLst>
+              </a:rPr>
+              <a:t>z</a:t>
+            </a:r>
+            <a:endParaRPr lang="zh-CN" altLang="en-US" sz="2400" b="1" cap="none" spc="0" dirty="0">
+              <a:ln w="0"/>
+              <a:solidFill>
+                <a:schemeClr val="tx1"/>
+              </a:solidFill>
+              <a:effectLst>
+                <a:outerShdw blurRad="38100" dist="19050" dir="2700000" algn="tl" rotWithShape="0">
+                  <a:schemeClr val="dk1">
+                    <a:alpha val="40000"/>
+                  </a:schemeClr>
+                </a:outerShdw>
+              </a:effectLst>
+            </a:endParaRPr>
+          </a:p>
+        </p:txBody>
+      </p:sp>
+      <p:sp>
+        <p:nvSpPr>
+          <p:cNvPr id="9" name="矩形 8">
+            <a:extLst>
+              <a:ext uri="{FF2B5EF4-FFF2-40B4-BE49-F238E27FC236}">
+                <a16:creationId xmlns:a16="http://schemas.microsoft.com/office/drawing/2014/main" id="{64D5E184-4CE6-D9AA-6169-88F72E57FADF}"/>
+              </a:ext>
+            </a:extLst>
+          </p:cNvPr>
+          <p:cNvSpPr/>
+          <p:nvPr/>
+        </p:nvSpPr>
+        <p:spPr>
+          <a:xfrm>
+            <a:off x="5141235" y="3982311"/>
+            <a:ext cx="417102" cy="461665"/>
+          </a:xfrm>
+          <a:prstGeom prst="rect">
+            <a:avLst/>
+          </a:prstGeom>
+          <a:noFill/>
+        </p:spPr>
+        <p:txBody>
+          <a:bodyPr wrap="none" lIns="91440" tIns="45720" rIns="91440" bIns="45720">
+            <a:spAutoFit/>
+          </a:bodyPr>
+          <a:lstStyle/>
+          <a:p>
+            <a:pPr algn="ctr"/>
+            <a:r>
+              <a:rPr lang="en-US" altLang="zh-CN" sz="2400" b="1" dirty="0">
+                <a:ln w="0"/>
+                <a:effectLst>
+                  <a:outerShdw blurRad="38100" dist="19050" dir="2700000" algn="tl" rotWithShape="0">
+                    <a:schemeClr val="dk1">
+                      <a:alpha val="40000"/>
+                    </a:schemeClr>
+                  </a:outerShdw>
+                </a:effectLst>
+              </a:rPr>
+              <a:t>O</a:t>
+            </a:r>
+            <a:endParaRPr lang="zh-CN" altLang="en-US" sz="2400" b="1" cap="none" spc="0" dirty="0">
+              <a:ln w="0"/>
+              <a:solidFill>
+                <a:schemeClr val="tx1"/>
+              </a:solidFill>
+              <a:effectLst>
+                <a:outerShdw blurRad="38100" dist="19050" dir="2700000" algn="tl" rotWithShape="0">
+                  <a:schemeClr val="dk1">
+                    <a:alpha val="40000"/>
+                  </a:schemeClr>
+                </a:outerShdw>
+              </a:effectLst>
+            </a:endParaRPr>
+          </a:p>
+        </p:txBody>
+      </p:sp>
+      <p:sp>
+        <p:nvSpPr>
+          <p:cNvPr id="46" name="矩形 45">
+            <a:extLst>
+              <a:ext uri="{FF2B5EF4-FFF2-40B4-BE49-F238E27FC236}">
+                <a16:creationId xmlns:a16="http://schemas.microsoft.com/office/drawing/2014/main" id="{C0F3E255-C896-08E4-429C-290EAC15C490}"/>
+              </a:ext>
+            </a:extLst>
+          </p:cNvPr>
+          <p:cNvSpPr/>
+          <p:nvPr/>
+        </p:nvSpPr>
+        <p:spPr>
+          <a:xfrm>
+            <a:off x="6410371" y="3794233"/>
+            <a:ext cx="723805" cy="584775"/>
+          </a:xfrm>
+          <a:prstGeom prst="rect">
+            <a:avLst/>
+          </a:prstGeom>
+          <a:noFill/>
+        </p:spPr>
+        <p:txBody>
+          <a:bodyPr wrap="square" lIns="91440" tIns="45720" rIns="91440" bIns="45720">
+            <a:spAutoFit/>
+          </a:bodyPr>
+          <a:lstStyle/>
+          <a:p>
+            <a:pPr algn="ctr"/>
+            <a:r>
+              <a:rPr lang="en-US" altLang="zh-CN" sz="3200" b="1" cap="none" spc="0" dirty="0">
+                <a:ln w="0"/>
+                <a:solidFill>
+                  <a:srgbClr val="FFC000"/>
+                </a:solidFill>
+                <a:effectLst>
+                  <a:outerShdw blurRad="38100" dist="25400" dir="5400000" algn="ctr" rotWithShape="0">
+                    <a:srgbClr val="6E747A">
+                      <a:alpha val="43000"/>
+                    </a:srgbClr>
+                  </a:outerShdw>
+                </a:effectLst>
+              </a:rPr>
+              <a:t>P</a:t>
+            </a:r>
+            <a:r>
+              <a:rPr lang="en-US" altLang="zh-CN" sz="2800" b="1" cap="none" spc="0" dirty="0">
+                <a:ln w="0"/>
+                <a:solidFill>
+                  <a:srgbClr val="FFC000"/>
+                </a:solidFill>
+                <a:effectLst>
+                  <a:outerShdw blurRad="38100" dist="25400" dir="5400000" algn="ctr" rotWithShape="0">
+                    <a:srgbClr val="6E747A">
+                      <a:alpha val="43000"/>
+                    </a:srgbClr>
+                  </a:outerShdw>
+                </a:effectLst>
+              </a:rPr>
+              <a:t>b</a:t>
+            </a:r>
+            <a:endParaRPr lang="zh-CN" altLang="en-US" sz="2800" b="1" cap="none" spc="0" dirty="0">
+              <a:ln w="0"/>
+              <a:solidFill>
+                <a:srgbClr val="FFC000"/>
+              </a:solidFill>
+              <a:effectLst>
+                <a:outerShdw blurRad="38100" dist="25400" dir="5400000" algn="ctr" rotWithShape="0">
+                  <a:srgbClr val="6E747A">
+                    <a:alpha val="43000"/>
+                  </a:srgbClr>
+                </a:outerShdw>
+              </a:effectLst>
+            </a:endParaRPr>
+          </a:p>
+        </p:txBody>
+      </p:sp>
+      <p:cxnSp>
+        <p:nvCxnSpPr>
+          <p:cNvPr id="12" name="直接连接符 11">
+            <a:extLst>
+              <a:ext uri="{FF2B5EF4-FFF2-40B4-BE49-F238E27FC236}">
+                <a16:creationId xmlns:a16="http://schemas.microsoft.com/office/drawing/2014/main" id="{0092C623-99A1-9C27-33EE-FD5782615971}"/>
+              </a:ext>
+            </a:extLst>
+          </p:cNvPr>
+          <p:cNvCxnSpPr>
+            <a:cxnSpLocks/>
+          </p:cNvCxnSpPr>
+          <p:nvPr/>
+        </p:nvCxnSpPr>
+        <p:spPr>
+          <a:xfrm flipV="1">
+            <a:off x="5187459" y="2108087"/>
+            <a:ext cx="1832670" cy="1907638"/>
+          </a:xfrm>
+          <a:prstGeom prst="line">
+            <a:avLst/>
+          </a:prstGeom>
+          <a:ln w="25400">
+            <a:solidFill>
+              <a:srgbClr val="C00000"/>
+            </a:solidFill>
+            <a:tailEnd type="arrow"/>
+          </a:ln>
+        </p:spPr>
+        <p:style>
+          <a:lnRef idx="1">
+            <a:schemeClr val="accent1"/>
+          </a:lnRef>
+          <a:fillRef idx="0">
+            <a:schemeClr val="accent1"/>
+          </a:fillRef>
+          <a:effectRef idx="0">
+            <a:schemeClr val="accent1"/>
+          </a:effectRef>
+          <a:fontRef idx="minor">
+            <a:schemeClr val="tx1"/>
+          </a:fontRef>
+        </p:style>
+      </p:cxnSp>
+      <p:cxnSp>
+        <p:nvCxnSpPr>
+          <p:cNvPr id="14" name="直接连接符 13">
+            <a:extLst>
+              <a:ext uri="{FF2B5EF4-FFF2-40B4-BE49-F238E27FC236}">
+                <a16:creationId xmlns:a16="http://schemas.microsoft.com/office/drawing/2014/main" id="{11B52BA6-759F-D695-AF68-04F858C9D075}"/>
+              </a:ext>
+            </a:extLst>
+          </p:cNvPr>
+          <p:cNvCxnSpPr>
+            <a:cxnSpLocks/>
+          </p:cNvCxnSpPr>
+          <p:nvPr/>
+        </p:nvCxnSpPr>
+        <p:spPr>
+          <a:xfrm flipV="1">
+            <a:off x="6986843" y="2059447"/>
+            <a:ext cx="28906" cy="1758314"/>
+          </a:xfrm>
+          <a:prstGeom prst="line">
+            <a:avLst/>
+          </a:prstGeom>
+          <a:ln w="25400">
+            <a:solidFill>
+              <a:srgbClr val="7030A0"/>
+            </a:solidFill>
+            <a:prstDash val="dash"/>
+            <a:tailEnd type="none"/>
+          </a:ln>
+        </p:spPr>
+        <p:style>
+          <a:lnRef idx="1">
+            <a:schemeClr val="accent1"/>
+          </a:lnRef>
+          <a:fillRef idx="0">
+            <a:schemeClr val="accent1"/>
+          </a:fillRef>
+          <a:effectRef idx="0">
+            <a:schemeClr val="accent1"/>
+          </a:effectRef>
+          <a:fontRef idx="minor">
+            <a:schemeClr val="tx1"/>
+          </a:fontRef>
+        </p:style>
+      </p:cxnSp>
+      <p:grpSp>
+        <p:nvGrpSpPr>
+          <p:cNvPr id="47" name="组合 46">
+            <a:extLst>
+              <a:ext uri="{FF2B5EF4-FFF2-40B4-BE49-F238E27FC236}">
+                <a16:creationId xmlns:a16="http://schemas.microsoft.com/office/drawing/2014/main" id="{E19AB485-B6F0-13D9-5B48-4E24638595A9}"/>
+              </a:ext>
+            </a:extLst>
+          </p:cNvPr>
+          <p:cNvGrpSpPr/>
+          <p:nvPr/>
+        </p:nvGrpSpPr>
+        <p:grpSpPr>
+          <a:xfrm rot="15871661">
+            <a:off x="6825646" y="3619067"/>
+            <a:ext cx="165370" cy="165370"/>
+            <a:chOff x="2830749" y="1896894"/>
+            <a:chExt cx="165370" cy="165370"/>
+          </a:xfrm>
+        </p:grpSpPr>
+        <p:cxnSp>
+          <p:nvCxnSpPr>
+            <p:cNvPr id="48" name="直接连接符 47">
+              <a:extLst>
+                <a:ext uri="{FF2B5EF4-FFF2-40B4-BE49-F238E27FC236}">
+                  <a16:creationId xmlns:a16="http://schemas.microsoft.com/office/drawing/2014/main" id="{3BB56FD6-9ED0-06D0-ABAA-F88B84002EBD}"/>
+                </a:ext>
+              </a:extLst>
+            </p:cNvPr>
+            <p:cNvCxnSpPr/>
+            <p:nvPr/>
+          </p:nvCxnSpPr>
+          <p:spPr>
+            <a:xfrm>
+              <a:off x="2830749" y="1896894"/>
+              <a:ext cx="165370" cy="0"/>
+            </a:xfrm>
+            <a:prstGeom prst="line">
+              <a:avLst/>
+            </a:prstGeom>
+            <a:ln w="25400">
+              <a:solidFill>
+                <a:schemeClr val="tx1"/>
+              </a:solidFill>
+            </a:ln>
+          </p:spPr>
+          <p:style>
+            <a:lnRef idx="1">
+              <a:schemeClr val="accent1"/>
+            </a:lnRef>
+            <a:fillRef idx="0">
+              <a:schemeClr val="accent1"/>
+            </a:fillRef>
+            <a:effectRef idx="0">
+              <a:schemeClr val="accent1"/>
+            </a:effectRef>
+            <a:fontRef idx="minor">
+              <a:schemeClr val="tx1"/>
+            </a:fontRef>
+          </p:style>
+        </p:cxnSp>
+        <p:cxnSp>
+          <p:nvCxnSpPr>
+            <p:cNvPr id="49" name="直接连接符 48">
+              <a:extLst>
+                <a:ext uri="{FF2B5EF4-FFF2-40B4-BE49-F238E27FC236}">
+                  <a16:creationId xmlns:a16="http://schemas.microsoft.com/office/drawing/2014/main" id="{A6A8E412-A432-80CC-A52C-76ADD0DA2249}"/>
+                </a:ext>
+              </a:extLst>
+            </p:cNvPr>
+            <p:cNvCxnSpPr>
+              <a:cxnSpLocks/>
+            </p:cNvCxnSpPr>
+            <p:nvPr/>
+          </p:nvCxnSpPr>
+          <p:spPr>
+            <a:xfrm>
+              <a:off x="2986391" y="1896894"/>
+              <a:ext cx="0" cy="165370"/>
+            </a:xfrm>
+            <a:prstGeom prst="line">
+              <a:avLst/>
+            </a:prstGeom>
+            <a:ln w="25400">
+              <a:solidFill>
+                <a:schemeClr val="tx1"/>
+              </a:solidFill>
+            </a:ln>
+          </p:spPr>
+          <p:style>
+            <a:lnRef idx="1">
+              <a:schemeClr val="accent1"/>
+            </a:lnRef>
+            <a:fillRef idx="0">
+              <a:schemeClr val="accent1"/>
+            </a:fillRef>
+            <a:effectRef idx="0">
+              <a:schemeClr val="accent1"/>
+            </a:effectRef>
+            <a:fontRef idx="minor">
+              <a:schemeClr val="tx1"/>
+            </a:fontRef>
+          </p:style>
+        </p:cxnSp>
+      </p:grpSp>
+      <p:cxnSp>
+        <p:nvCxnSpPr>
+          <p:cNvPr id="41" name="直接连接符 40">
+            <a:extLst>
+              <a:ext uri="{FF2B5EF4-FFF2-40B4-BE49-F238E27FC236}">
+                <a16:creationId xmlns:a16="http://schemas.microsoft.com/office/drawing/2014/main" id="{E330EF36-B496-9C91-610E-C36F7804BB6C}"/>
+              </a:ext>
+            </a:extLst>
+          </p:cNvPr>
+          <p:cNvCxnSpPr>
+            <a:cxnSpLocks/>
+          </p:cNvCxnSpPr>
+          <p:nvPr/>
+        </p:nvCxnSpPr>
+        <p:spPr>
+          <a:xfrm flipV="1">
+            <a:off x="5206915" y="3780405"/>
+            <a:ext cx="1808834" cy="235320"/>
+          </a:xfrm>
+          <a:prstGeom prst="line">
+            <a:avLst/>
+          </a:prstGeom>
+          <a:ln w="50800">
+            <a:solidFill>
+              <a:srgbClr val="FFC000"/>
+            </a:solidFill>
+            <a:tailEnd type="arrow"/>
+          </a:ln>
+        </p:spPr>
+        <p:style>
+          <a:lnRef idx="1">
+            <a:schemeClr val="accent1"/>
+          </a:lnRef>
+          <a:fillRef idx="0">
+            <a:schemeClr val="accent1"/>
+          </a:fillRef>
+          <a:effectRef idx="0">
+            <a:schemeClr val="accent1"/>
+          </a:effectRef>
+          <a:fontRef idx="minor">
+            <a:schemeClr val="tx1"/>
+          </a:fontRef>
+        </p:style>
+      </p:cxnSp>
+    </p:spTree>
+    <p:extLst>
+      <p:ext uri="{BB962C8B-B14F-4D97-AF65-F5344CB8AC3E}">
+        <p14:creationId xmlns:p14="http://schemas.microsoft.com/office/powerpoint/2010/main" val="1284108052"/>
+      </p:ext>
+    </p:extLst>
+  </p:cSld>
+  <p:clrMapOvr>
+    <a:masterClrMapping/>
+  </p:clrMapOvr>
+</p:sld>
+</file>
+
 <file path=ppt/slides/slide3.xml><?xml version="1.0" encoding="utf-8"?>
 <p:sld xmlns:a="http://schemas.openxmlformats.org/drawingml/2006/main" xmlns:r="http://schemas.openxmlformats.org/officeDocument/2006/relationships" xmlns:p="http://schemas.openxmlformats.org/presentationml/2006/main">
   <p:cSld>
